--- a/shell/presentations/11_moretricks.pptx
+++ b/shell/presentations/11_moretricks.pptx
@@ -5,35 +5,36 @@
     <p:sldMasterId id="2147483961" r:id="rId1"/>
   </p:sldMasterIdLst>
   <p:notesMasterIdLst>
-    <p:notesMasterId r:id="rId25"/>
+    <p:notesMasterId r:id="rId26"/>
   </p:notesMasterIdLst>
   <p:handoutMasterIdLst>
-    <p:handoutMasterId r:id="rId26"/>
+    <p:handoutMasterId r:id="rId27"/>
   </p:handoutMasterIdLst>
   <p:sldIdLst>
-    <p:sldId id="759" r:id="rId2"/>
-    <p:sldId id="733" r:id="rId3"/>
-    <p:sldId id="760" r:id="rId4"/>
-    <p:sldId id="734" r:id="rId5"/>
-    <p:sldId id="769" r:id="rId6"/>
-    <p:sldId id="764" r:id="rId7"/>
-    <p:sldId id="765" r:id="rId8"/>
-    <p:sldId id="748" r:id="rId9"/>
-    <p:sldId id="771" r:id="rId10"/>
-    <p:sldId id="770" r:id="rId11"/>
-    <p:sldId id="751" r:id="rId12"/>
-    <p:sldId id="754" r:id="rId13"/>
-    <p:sldId id="772" r:id="rId14"/>
-    <p:sldId id="757" r:id="rId15"/>
-    <p:sldId id="761" r:id="rId16"/>
-    <p:sldId id="773" r:id="rId17"/>
-    <p:sldId id="774" r:id="rId18"/>
-    <p:sldId id="767" r:id="rId19"/>
-    <p:sldId id="768" r:id="rId20"/>
-    <p:sldId id="775" r:id="rId21"/>
-    <p:sldId id="777" r:id="rId22"/>
-    <p:sldId id="776" r:id="rId23"/>
-    <p:sldId id="778" r:id="rId24"/>
+    <p:sldId id="779" r:id="rId2"/>
+    <p:sldId id="759" r:id="rId3"/>
+    <p:sldId id="733" r:id="rId4"/>
+    <p:sldId id="760" r:id="rId5"/>
+    <p:sldId id="734" r:id="rId6"/>
+    <p:sldId id="769" r:id="rId7"/>
+    <p:sldId id="764" r:id="rId8"/>
+    <p:sldId id="765" r:id="rId9"/>
+    <p:sldId id="748" r:id="rId10"/>
+    <p:sldId id="771" r:id="rId11"/>
+    <p:sldId id="770" r:id="rId12"/>
+    <p:sldId id="751" r:id="rId13"/>
+    <p:sldId id="754" r:id="rId14"/>
+    <p:sldId id="772" r:id="rId15"/>
+    <p:sldId id="757" r:id="rId16"/>
+    <p:sldId id="761" r:id="rId17"/>
+    <p:sldId id="773" r:id="rId18"/>
+    <p:sldId id="774" r:id="rId19"/>
+    <p:sldId id="767" r:id="rId20"/>
+    <p:sldId id="768" r:id="rId21"/>
+    <p:sldId id="775" r:id="rId22"/>
+    <p:sldId id="777" r:id="rId23"/>
+    <p:sldId id="776" r:id="rId24"/>
+    <p:sldId id="778" r:id="rId25"/>
   </p:sldIdLst>
   <p:sldSz cx="10080625" cy="7559675"/>
   <p:notesSz cx="7772400" cy="10058400"/>
@@ -319,7 +320,7 @@
               <a:pPr>
                 <a:defRPr/>
               </a:pPr>
-              <a:t>10/9/2018</a:t>
+              <a:t>10/12/2018</a:t>
             </a:fld>
             <a:endParaRPr lang="en-US" altLang="en-US" dirty="0"/>
           </a:p>
@@ -465,7 +466,7 @@
         <p:nvSpPr>
           <p:cNvPr id="9218" name="Rectangle 1"/>
           <p:cNvSpPr>
-            <a:spLocks noGrp="1" noChangeArrowheads="1"/>
+            <a:spLocks noGrp="1" noRot="1" noChangeAspect="1" noChangeArrowheads="1"/>
           </p:cNvSpPr>
           <p:nvPr>
             <p:ph type="sldImg"/>
@@ -1262,7 +1263,7 @@
                   <a:spcPct val="0"/>
                 </a:spcBef>
               </a:pPr>
-              <a:t>2</a:t>
+              <a:t>3</a:t>
             </a:fld>
             <a:endParaRPr lang="en-GB" altLang="en-US" sz="1400" smtClean="0"/>
           </a:p>
@@ -1645,7 +1646,7 @@
                   <a:spcPct val="0"/>
                 </a:spcBef>
               </a:pPr>
-              <a:t>4</a:t>
+              <a:t>5</a:t>
             </a:fld>
             <a:endParaRPr lang="en-GB" altLang="en-US" sz="1400" smtClean="0"/>
           </a:p>
@@ -2028,7 +2029,7 @@
                   <a:spcPct val="0"/>
                 </a:spcBef>
               </a:pPr>
-              <a:t>8</a:t>
+              <a:t>9</a:t>
             </a:fld>
             <a:endParaRPr lang="en-GB" altLang="en-US" sz="1400" smtClean="0"/>
           </a:p>
@@ -2411,7 +2412,7 @@
                   <a:spcPct val="0"/>
                 </a:spcBef>
               </a:pPr>
-              <a:t>11</a:t>
+              <a:t>12</a:t>
             </a:fld>
             <a:endParaRPr lang="en-GB" altLang="en-US" sz="1400" smtClean="0"/>
           </a:p>
@@ -2794,7 +2795,7 @@
                   <a:spcPct val="0"/>
                 </a:spcBef>
               </a:pPr>
-              <a:t>12</a:t>
+              <a:t>13</a:t>
             </a:fld>
             <a:endParaRPr lang="en-GB" altLang="en-US" sz="1400" smtClean="0"/>
           </a:p>
@@ -3177,7 +3178,7 @@
                   <a:spcPct val="0"/>
                 </a:spcBef>
               </a:pPr>
-              <a:t>14</a:t>
+              <a:t>15</a:t>
             </a:fld>
             <a:endParaRPr lang="en-GB" altLang="en-US" sz="1400" smtClean="0"/>
           </a:p>
@@ -3560,7 +3561,7 @@
                   <a:spcPct val="0"/>
                 </a:spcBef>
               </a:pPr>
-              <a:t>15</a:t>
+              <a:t>16</a:t>
             </a:fld>
             <a:endParaRPr lang="en-GB" altLang="en-US" sz="1400" smtClean="0"/>
           </a:p>
@@ -3943,7 +3944,7 @@
                   <a:spcPct val="0"/>
                 </a:spcBef>
               </a:pPr>
-              <a:t>16</a:t>
+              <a:t>17</a:t>
             </a:fld>
             <a:endParaRPr lang="en-GB" altLang="en-US" sz="1400" smtClean="0"/>
           </a:p>
@@ -4555,7 +4556,7 @@
               <a:pPr>
                 <a:defRPr/>
               </a:pPr>
-              <a:t>09/10/2018</a:t>
+              <a:t>12/10/2018</a:t>
             </a:fld>
             <a:endParaRPr lang="en-GB" dirty="0"/>
           </a:p>
@@ -4790,7 +4791,7 @@
               <a:pPr>
                 <a:defRPr/>
               </a:pPr>
-              <a:t>09/10/2018</a:t>
+              <a:t>12/10/2018</a:t>
             </a:fld>
             <a:endParaRPr lang="en-GB" dirty="0"/>
           </a:p>
@@ -6508,83 +6509,60 @@
       </p:grpSpPr>
       <p:sp>
         <p:nvSpPr>
-          <p:cNvPr id="6146" name="Title 1"/>
+          <p:cNvPr id="4" name="Title 3"/>
           <p:cNvSpPr>
             <a:spLocks noGrp="1"/>
           </p:cNvSpPr>
           <p:nvPr>
-            <p:ph type="title"/>
+            <p:ph type="ctrTitle"/>
           </p:nvPr>
         </p:nvSpPr>
-        <p:spPr>
-          <a:extLst/>
-        </p:spPr>
+        <p:spPr/>
         <p:txBody>
-          <a:bodyPr anchor="t"/>
+          <a:bodyPr/>
           <a:lstStyle/>
           <a:p>
-            <a:pPr defTabSz="1007943" fontAlgn="auto">
-              <a:spcAft>
-                <a:spcPts val="0"/>
-              </a:spcAft>
-              <a:defRPr/>
-            </a:pPr>
-            <a:r>
-              <a:rPr lang="en-US" altLang="en-US" sz="3527" dirty="0" smtClean="0">
-                <a:cs typeface="Calibri" panose="020F0502020204030204" pitchFamily="34" charset="0"/>
-              </a:rPr>
-              <a:t>More Tricks</a:t>
-            </a:r>
+            <a:r>
+              <a:rPr lang="en-GB" dirty="0" smtClean="0"/>
+              <a:t>The Unix Shell</a:t>
+            </a:r>
+            <a:endParaRPr lang="en-GB" dirty="0"/>
           </a:p>
         </p:txBody>
       </p:sp>
       <p:sp>
         <p:nvSpPr>
-          <p:cNvPr id="6147" name="Content Placeholder 2"/>
+          <p:cNvPr id="5" name="Subtitle 4"/>
           <p:cNvSpPr>
             <a:spLocks noGrp="1"/>
           </p:cNvSpPr>
           <p:nvPr>
-            <p:ph idx="1"/>
+            <p:ph type="subTitle" idx="1"/>
           </p:nvPr>
         </p:nvSpPr>
-        <p:spPr>
-          <a:extLst/>
-        </p:spPr>
+        <p:spPr/>
         <p:txBody>
           <a:bodyPr/>
           <a:lstStyle/>
           <a:p>
-            <a:pPr marL="251986" indent="-251986" defTabSz="1007943" fontAlgn="auto">
-              <a:spcBef>
-                <a:spcPts val="1102"/>
-              </a:spcBef>
-              <a:spcAft>
-                <a:spcPts val="0"/>
-              </a:spcAft>
-              <a:defRPr/>
-            </a:pPr>
-            <a:r>
-              <a:rPr lang="en-US" altLang="en-US" sz="3086" smtClean="0">
-                <a:cs typeface="Calibri" panose="020F0502020204030204" pitchFamily="34" charset="0"/>
-              </a:rPr>
-              <a:t>These are small exercises to tell you things you need to know.</a:t>
-            </a:r>
+            <a:r>
+              <a:rPr lang="en-GB" dirty="0" smtClean="0"/>
+              <a:t>More tricks!</a:t>
+            </a:r>
+            <a:endParaRPr lang="en-GB" dirty="0"/>
           </a:p>
         </p:txBody>
       </p:sp>
     </p:spTree>
+    <p:extLst>
+      <p:ext uri="{BB962C8B-B14F-4D97-AF65-F5344CB8AC3E}">
+        <p14:creationId xmlns:p14="http://schemas.microsoft.com/office/powerpoint/2010/main" val="1887112639"/>
+      </p:ext>
+    </p:extLst>
   </p:cSld>
   <p:clrMapOvr>
     <a:masterClrMapping/>
   </p:clrMapOvr>
-  <p:timing>
-    <p:tnLst>
-      <p:par>
-        <p:cTn id="1" dur="indefinite" restart="never" nodeType="tmRoot"/>
-      </p:par>
-    </p:tnLst>
-  </p:timing>
 </p:sld>
 </file>
 
@@ -6607,7 +6585,7 @@
       </p:grpSpPr>
       <p:sp>
         <p:nvSpPr>
-          <p:cNvPr id="18434" name="Title 1"/>
+          <p:cNvPr id="17410" name="Title 1"/>
           <p:cNvSpPr>
             <a:spLocks noGrp="1"/>
           </p:cNvSpPr>
@@ -6630,14 +6608,14 @@
             </a:pPr>
             <a:r>
               <a:rPr lang="en-US" altLang="en-US" sz="3527" smtClean="0"/>
-              <a:t>Transfering data exercise</a:t>
+              <a:t>wget</a:t>
             </a:r>
           </a:p>
         </p:txBody>
       </p:sp>
       <p:sp>
         <p:nvSpPr>
-          <p:cNvPr id="3" name="Content Placeholder 2"/>
+          <p:cNvPr id="17411" name="Content Placeholder 2"/>
           <p:cNvSpPr>
             <a:spLocks noGrp="1"/>
           </p:cNvSpPr>
@@ -6645,23 +6623,9 @@
             <p:ph idx="1"/>
           </p:nvPr>
         </p:nvSpPr>
-        <p:spPr/>
-        <p:style>
-          <a:lnRef idx="2">
-            <a:schemeClr val="accent2">
-              <a:shade val="50000"/>
-            </a:schemeClr>
-          </a:lnRef>
-          <a:fillRef idx="1">
-            <a:schemeClr val="accent2"/>
-          </a:fillRef>
-          <a:effectRef idx="0">
-            <a:schemeClr val="accent2"/>
-          </a:effectRef>
-          <a:fontRef idx="minor">
-            <a:schemeClr val="lt1"/>
-          </a:fontRef>
-        </p:style>
+        <p:spPr>
+          <a:extLst/>
+        </p:spPr>
         <p:txBody>
           <a:bodyPr/>
           <a:lstStyle/>
@@ -6673,15 +6637,22 @@
               <a:spcAft>
                 <a:spcPts val="0"/>
               </a:spcAft>
-              <a:buFont typeface="Times New Roman" charset="0"/>
-              <a:buNone/>
-              <a:defRPr/>
-            </a:pPr>
-            <a:endParaRPr lang="en-US" altLang="x-none" sz="3086" dirty="0">
-              <a:solidFill>
-                <a:srgbClr val="FFFFFF"/>
-              </a:solidFill>
-            </a:endParaRPr>
+              <a:buClr>
+                <a:schemeClr val="tx1"/>
+              </a:buClr>
+              <a:defRPr/>
+            </a:pPr>
+            <a:r>
+              <a:rPr lang="en-US" altLang="en-US" sz="3086" dirty="0" err="1" smtClean="0">
+                <a:latin typeface="Courier New" panose="02070309020205020404" pitchFamily="49" charset="0"/>
+                <a:cs typeface="Courier New" panose="02070309020205020404" pitchFamily="49" charset="0"/>
+              </a:rPr>
+              <a:t>wget</a:t>
+            </a:r>
+            <a:r>
+              <a:rPr lang="en-US" altLang="en-US" sz="3086" dirty="0" smtClean="0"/>
+              <a:t> makes it easy to grab resources from a http or ftp address.</a:t>
+            </a:r>
           </a:p>
           <a:p>
             <a:pPr marL="251986" indent="-251986" defTabSz="1007943" fontAlgn="auto">
@@ -6691,49 +6662,11 @@
               <a:spcAft>
                 <a:spcPts val="0"/>
               </a:spcAft>
-              <a:buFont typeface="Arial" charset="0"/>
-              <a:buChar char="•"/>
-              <a:defRPr/>
-            </a:pPr>
-            <a:r>
-              <a:rPr lang="en-US" altLang="x-none" sz="3086" dirty="0">
-                <a:solidFill>
-                  <a:srgbClr val="FFFFFF"/>
-                </a:solidFill>
-              </a:rPr>
-              <a:t>Have a look at the following address in a web browser. Note </a:t>
-            </a:r>
-            <a:r>
-              <a:rPr lang="en-US" altLang="x-none" sz="3086" dirty="0" smtClean="0">
-                <a:solidFill>
-                  <a:srgbClr val="FFFFFF"/>
-                </a:solidFill>
-              </a:rPr>
-              <a:t>it</a:t>
-            </a:r>
-            <a:r>
-              <a:rPr lang="en-US" altLang="en-US" sz="3086" dirty="0" smtClean="0">
-                <a:solidFill>
-                  <a:srgbClr val="FFFFFF"/>
-                </a:solidFill>
-              </a:rPr>
-              <a:t>'</a:t>
-            </a:r>
-            <a:r>
-              <a:rPr lang="en-US" altLang="x-none" sz="3086" dirty="0" smtClean="0">
-                <a:solidFill>
-                  <a:srgbClr val="FFFFFF"/>
-                </a:solidFill>
-              </a:rPr>
-              <a:t>s </a:t>
-            </a:r>
-            <a:r>
-              <a:rPr lang="en-US" altLang="x-none" sz="3086" dirty="0">
-                <a:solidFill>
-                  <a:srgbClr val="FFFFFF"/>
-                </a:solidFill>
-              </a:rPr>
-              <a:t>not a http address.</a:t>
+              <a:defRPr/>
+            </a:pPr>
+            <a:r>
+              <a:rPr lang="en-US" altLang="en-US" sz="3086" dirty="0" smtClean="0"/>
+              <a:t>(curl is a similar tool)</a:t>
             </a:r>
           </a:p>
           <a:p>
@@ -6744,50 +6677,9 @@
               <a:spcAft>
                 <a:spcPts val="0"/>
               </a:spcAft>
-              <a:buFont typeface="Arial" charset="0"/>
-              <a:buChar char="•"/>
-              <a:defRPr/>
-            </a:pPr>
-            <a:r>
-              <a:rPr lang="en-US" altLang="x-none" sz="3086" dirty="0">
-                <a:solidFill>
-                  <a:srgbClr val="FFFFFF"/>
-                </a:solidFill>
-              </a:rPr>
-              <a:t> ftp://sparc-ftp1.ceda.ac.uk/</a:t>
-            </a:r>
-            <a:r>
-              <a:rPr lang="en-US" altLang="x-none" sz="3086" dirty="0" err="1">
-                <a:solidFill>
-                  <a:srgbClr val="FFFFFF"/>
-                </a:solidFill>
-              </a:rPr>
-              <a:t>sparc</a:t>
-            </a:r>
-            <a:r>
-              <a:rPr lang="en-US" altLang="x-none" sz="3086" dirty="0">
-                <a:solidFill>
-                  <a:srgbClr val="FFFFFF"/>
-                </a:solidFill>
-              </a:rPr>
-              <a:t>/</a:t>
-            </a:r>
-            <a:r>
-              <a:rPr lang="en-US" altLang="x-none" sz="3086" dirty="0" err="1">
-                <a:solidFill>
-                  <a:srgbClr val="FFFFFF"/>
-                </a:solidFill>
-              </a:rPr>
-              <a:t>hres</a:t>
-            </a:r>
-            <a:r>
-              <a:rPr lang="en-US" altLang="x-none" sz="3086" dirty="0">
-                <a:solidFill>
-                  <a:srgbClr val="FFFFFF"/>
-                </a:solidFill>
-              </a:rPr>
-              <a:t>/1_second/text/2011/03020/</a:t>
-            </a:r>
+              <a:defRPr/>
+            </a:pPr>
+            <a:endParaRPr lang="en-US" altLang="en-US" sz="3086" dirty="0" smtClean="0"/>
           </a:p>
           <a:p>
             <a:pPr marL="251986" indent="-251986" defTabSz="1007943" fontAlgn="auto">
@@ -6797,34 +6689,9 @@
               <a:spcAft>
                 <a:spcPts val="0"/>
               </a:spcAft>
-              <a:buFont typeface="Arial" charset="0"/>
-              <a:buChar char="•"/>
-              <a:defRPr/>
-            </a:pPr>
-            <a:r>
-              <a:rPr lang="en-US" altLang="x-none" sz="3086" dirty="0">
-                <a:solidFill>
-                  <a:srgbClr val="FFFFFF"/>
-                </a:solidFill>
-              </a:rPr>
-              <a:t> Get one of the files with </a:t>
-            </a:r>
-            <a:r>
-              <a:rPr lang="en-US" altLang="x-none" sz="3086" dirty="0" err="1">
-                <a:solidFill>
-                  <a:srgbClr val="FFFFFF"/>
-                </a:solidFill>
-              </a:rPr>
-              <a:t>wget</a:t>
-            </a:r>
-            <a:r>
-              <a:rPr lang="en-US" altLang="x-none" sz="3086" dirty="0">
-                <a:solidFill>
-                  <a:srgbClr val="FFFFFF"/>
-                </a:solidFill>
-              </a:rPr>
-              <a:t> from the command line.</a:t>
-            </a:r>
+              <a:defRPr/>
+            </a:pPr>
+            <a:endParaRPr lang="en-US" altLang="en-US" sz="3086" dirty="0" smtClean="0"/>
           </a:p>
           <a:p>
             <a:pPr marL="251986" indent="-251986" defTabSz="1007943" fontAlgn="auto">
@@ -6834,35 +6701,9 @@
               <a:spcAft>
                 <a:spcPts val="0"/>
               </a:spcAft>
-              <a:buFont typeface="Times New Roman" charset="0"/>
-              <a:buNone/>
-              <a:defRPr/>
-            </a:pPr>
-            <a:endParaRPr lang="en-US" altLang="x-none" sz="1800" dirty="0">
-              <a:solidFill>
-                <a:srgbClr val="FFFFFF"/>
-              </a:solidFill>
-              <a:latin typeface="Courier" charset="0"/>
-            </a:endParaRPr>
-          </a:p>
-          <a:p>
-            <a:pPr marL="251986" indent="-251986" defTabSz="1007943" fontAlgn="auto">
-              <a:spcBef>
-                <a:spcPts val="1102"/>
-              </a:spcBef>
-              <a:spcAft>
-                <a:spcPts val="0"/>
-              </a:spcAft>
-              <a:buFont typeface="Times New Roman" charset="0"/>
-              <a:buNone/>
-              <a:defRPr/>
-            </a:pPr>
-            <a:endParaRPr lang="en-US" altLang="x-none" sz="1800" dirty="0">
-              <a:solidFill>
-                <a:srgbClr val="FFFFFF"/>
-              </a:solidFill>
-              <a:latin typeface="Courier" charset="0"/>
-            </a:endParaRPr>
+              <a:defRPr/>
+            </a:pPr>
+            <a:endParaRPr lang="en-US" altLang="en-US" sz="3086" dirty="0" smtClean="0"/>
           </a:p>
         </p:txBody>
       </p:sp>
@@ -6900,487 +6741,262 @@
       </p:grpSpPr>
       <p:sp>
         <p:nvSpPr>
-          <p:cNvPr id="19458" name="Rectangle 1"/>
+          <p:cNvPr id="18434" name="Title 1"/>
           <p:cNvSpPr>
-            <a:spLocks noGrp="1" noChangeArrowheads="1"/>
+            <a:spLocks noGrp="1"/>
           </p:cNvSpPr>
           <p:nvPr>
             <p:ph type="title"/>
           </p:nvPr>
         </p:nvSpPr>
         <p:spPr>
-          <a:xfrm>
-            <a:off x="503238" y="301625"/>
-            <a:ext cx="9070975" cy="1262063"/>
-          </a:xfrm>
           <a:extLst/>
         </p:spPr>
         <p:txBody>
-          <a:bodyPr tIns="38808" anchor="t"/>
+          <a:bodyPr anchor="t"/>
           <a:lstStyle/>
           <a:p>
             <a:pPr defTabSz="1007943" fontAlgn="auto">
               <a:spcAft>
                 <a:spcPts val="0"/>
               </a:spcAft>
-              <a:tabLst>
-                <a:tab pos="723900" algn="l"/>
-                <a:tab pos="1447800" algn="l"/>
-                <a:tab pos="2171700" algn="l"/>
-                <a:tab pos="2895600" algn="l"/>
-                <a:tab pos="3619500" algn="l"/>
-                <a:tab pos="4343400" algn="l"/>
-                <a:tab pos="5067300" algn="l"/>
-                <a:tab pos="5791200" algn="l"/>
-                <a:tab pos="6515100" algn="l"/>
-                <a:tab pos="7239000" algn="l"/>
-                <a:tab pos="7962900" algn="l"/>
-                <a:tab pos="8686800" algn="l"/>
-              </a:tabLst>
-              <a:defRPr/>
-            </a:pPr>
-            <a:r>
-              <a:rPr lang="en-GB" altLang="en-US" sz="3527" smtClean="0"/>
-              <a:t>rsync</a:t>
+              <a:defRPr/>
+            </a:pPr>
+            <a:r>
+              <a:rPr lang="en-US" altLang="en-US" sz="3527" smtClean="0"/>
+              <a:t>Transfering data exercise</a:t>
             </a:r>
           </a:p>
         </p:txBody>
       </p:sp>
       <p:sp>
         <p:nvSpPr>
-          <p:cNvPr id="19459" name="Rectangle 2"/>
+          <p:cNvPr id="3" name="Content Placeholder 2"/>
           <p:cNvSpPr>
-            <a:spLocks noGrp="1" noChangeArrowheads="1"/>
+            <a:spLocks noGrp="1"/>
           </p:cNvSpPr>
           <p:nvPr>
             <p:ph idx="1"/>
           </p:nvPr>
         </p:nvSpPr>
-        <p:spPr>
-          <a:xfrm>
-            <a:off x="488950" y="1303338"/>
-            <a:ext cx="8869363" cy="4384675"/>
-          </a:xfrm>
-          <a:extLst/>
-        </p:spPr>
+        <p:spPr/>
+        <p:style>
+          <a:lnRef idx="2">
+            <a:schemeClr val="accent2">
+              <a:shade val="50000"/>
+            </a:schemeClr>
+          </a:lnRef>
+          <a:fillRef idx="1">
+            <a:schemeClr val="accent2"/>
+          </a:fillRef>
+          <a:effectRef idx="0">
+            <a:schemeClr val="accent2"/>
+          </a:effectRef>
+          <a:fontRef idx="minor">
+            <a:schemeClr val="lt1"/>
+          </a:fontRef>
+        </p:style>
         <p:txBody>
-          <a:bodyPr>
-            <a:normAutofit lnSpcReduction="10000"/>
-          </a:bodyPr>
+          <a:bodyPr/>
           <a:lstStyle/>
           <a:p>
-            <a:pPr marL="431800" indent="-323850" defTabSz="1007943" fontAlgn="auto">
+            <a:pPr marL="251986" indent="-251986" defTabSz="1007943" fontAlgn="auto">
               <a:spcBef>
                 <a:spcPts val="1102"/>
               </a:spcBef>
               <a:spcAft>
                 <a:spcPts val="0"/>
               </a:spcAft>
-              <a:buSzPct val="45000"/>
-              <a:buFont typeface="Wingdings" panose="05000000000000000000" pitchFamily="2" charset="2"/>
-              <a:buChar char=""/>
-              <a:tabLst>
-                <a:tab pos="723900" algn="l"/>
-                <a:tab pos="1447800" algn="l"/>
-                <a:tab pos="2171700" algn="l"/>
-                <a:tab pos="2895600" algn="l"/>
-                <a:tab pos="3619500" algn="l"/>
-                <a:tab pos="4343400" algn="l"/>
-                <a:tab pos="5067300" algn="l"/>
-                <a:tab pos="5791200" algn="l"/>
-                <a:tab pos="6515100" algn="l"/>
-                <a:tab pos="7239000" algn="l"/>
-                <a:tab pos="7962900" algn="l"/>
-                <a:tab pos="8686800" algn="l"/>
-              </a:tabLst>
-              <a:defRPr/>
-            </a:pPr>
-            <a:r>
-              <a:rPr lang="en-GB" altLang="en-US" sz="3086" dirty="0" smtClean="0"/>
-              <a:t>copies files over the network (or locally)</a:t>
-            </a:r>
-          </a:p>
-          <a:p>
-            <a:pPr marL="431800" indent="-323850" defTabSz="1007943" fontAlgn="auto">
+              <a:buFont typeface="Times New Roman" charset="0"/>
+              <a:buNone/>
+              <a:defRPr/>
+            </a:pPr>
+            <a:endParaRPr lang="en-US" altLang="x-none" sz="3086" dirty="0">
+              <a:solidFill>
+                <a:srgbClr val="FFFFFF"/>
+              </a:solidFill>
+            </a:endParaRPr>
+          </a:p>
+          <a:p>
+            <a:pPr marL="251986" indent="-251986" defTabSz="1007943" fontAlgn="auto">
               <a:spcBef>
                 <a:spcPts val="1102"/>
               </a:spcBef>
               <a:spcAft>
                 <a:spcPts val="0"/>
               </a:spcAft>
-              <a:buSzPct val="45000"/>
-              <a:buFont typeface="Wingdings" panose="05000000000000000000" pitchFamily="2" charset="2"/>
-              <a:buChar char=""/>
-              <a:tabLst>
-                <a:tab pos="723900" algn="l"/>
-                <a:tab pos="1447800" algn="l"/>
-                <a:tab pos="2171700" algn="l"/>
-                <a:tab pos="2895600" algn="l"/>
-                <a:tab pos="3619500" algn="l"/>
-                <a:tab pos="4343400" algn="l"/>
-                <a:tab pos="5067300" algn="l"/>
-                <a:tab pos="5791200" algn="l"/>
-                <a:tab pos="6515100" algn="l"/>
-                <a:tab pos="7239000" algn="l"/>
-                <a:tab pos="7962900" algn="l"/>
-                <a:tab pos="8686800" algn="l"/>
-              </a:tabLst>
-              <a:defRPr/>
-            </a:pPr>
-            <a:r>
-              <a:rPr lang="en-GB" altLang="en-US" sz="3086" dirty="0" smtClean="0"/>
-              <a:t>where destination files already exist, copies only what is required to update any differences</a:t>
-            </a:r>
-          </a:p>
-          <a:p>
-            <a:pPr marL="431800" indent="-323850" defTabSz="1007943" fontAlgn="auto">
+              <a:buFont typeface="Arial" charset="0"/>
+              <a:buChar char="•"/>
+              <a:defRPr/>
+            </a:pPr>
+            <a:r>
+              <a:rPr lang="en-US" altLang="x-none" sz="3086" dirty="0">
+                <a:solidFill>
+                  <a:srgbClr val="FFFFFF"/>
+                </a:solidFill>
+              </a:rPr>
+              <a:t>Have a look at the following address in a web browser. Note </a:t>
+            </a:r>
+            <a:r>
+              <a:rPr lang="en-US" altLang="x-none" sz="3086" dirty="0" smtClean="0">
+                <a:solidFill>
+                  <a:srgbClr val="FFFFFF"/>
+                </a:solidFill>
+              </a:rPr>
+              <a:t>it</a:t>
+            </a:r>
+            <a:r>
+              <a:rPr lang="en-US" altLang="en-US" sz="3086" dirty="0" smtClean="0">
+                <a:solidFill>
+                  <a:srgbClr val="FFFFFF"/>
+                </a:solidFill>
+              </a:rPr>
+              <a:t>'</a:t>
+            </a:r>
+            <a:r>
+              <a:rPr lang="en-US" altLang="x-none" sz="3086" dirty="0" smtClean="0">
+                <a:solidFill>
+                  <a:srgbClr val="FFFFFF"/>
+                </a:solidFill>
+              </a:rPr>
+              <a:t>s </a:t>
+            </a:r>
+            <a:r>
+              <a:rPr lang="en-US" altLang="x-none" sz="3086" dirty="0">
+                <a:solidFill>
+                  <a:srgbClr val="FFFFFF"/>
+                </a:solidFill>
+              </a:rPr>
+              <a:t>not a http address.</a:t>
+            </a:r>
+          </a:p>
+          <a:p>
+            <a:pPr marL="251986" indent="-251986" defTabSz="1007943" fontAlgn="auto">
               <a:spcBef>
                 <a:spcPts val="1102"/>
               </a:spcBef>
               <a:spcAft>
                 <a:spcPts val="0"/>
               </a:spcAft>
-              <a:buSzPct val="45000"/>
-              <a:buFont typeface="Wingdings" panose="05000000000000000000" pitchFamily="2" charset="2"/>
-              <a:buChar char=""/>
-              <a:tabLst>
-                <a:tab pos="723900" algn="l"/>
-                <a:tab pos="1447800" algn="l"/>
-                <a:tab pos="2171700" algn="l"/>
-                <a:tab pos="2895600" algn="l"/>
-                <a:tab pos="3619500" algn="l"/>
-                <a:tab pos="4343400" algn="l"/>
-                <a:tab pos="5067300" algn="l"/>
-                <a:tab pos="5791200" algn="l"/>
-                <a:tab pos="6515100" algn="l"/>
-                <a:tab pos="7239000" algn="l"/>
-                <a:tab pos="7962900" algn="l"/>
-                <a:tab pos="8686800" algn="l"/>
-              </a:tabLst>
-              <a:defRPr/>
-            </a:pPr>
-            <a:r>
-              <a:rPr lang="en-GB" altLang="en-US" sz="3086" dirty="0" smtClean="0"/>
-              <a:t>push / pull files over </a:t>
-            </a:r>
-            <a:r>
-              <a:rPr lang="en-GB" altLang="en-US" sz="3086" dirty="0" err="1" smtClean="0"/>
-              <a:t>ssh</a:t>
-            </a:r>
-            <a:r>
-              <a:rPr lang="en-GB" altLang="en-US" sz="3086" dirty="0" smtClean="0"/>
-              <a:t>:</a:t>
-            </a:r>
-          </a:p>
-          <a:p>
-            <a:pPr marL="863600" lvl="1" indent="-323850" defTabSz="1007943" fontAlgn="auto">
-              <a:lnSpc>
-                <a:spcPct val="112000"/>
-              </a:lnSpc>
-              <a:spcBef>
-                <a:spcPts val="551"/>
+              <a:buFont typeface="Arial" charset="0"/>
+              <a:buChar char="•"/>
+              <a:defRPr/>
+            </a:pPr>
+            <a:r>
+              <a:rPr lang="en-US" altLang="x-none" sz="3086" dirty="0">
+                <a:solidFill>
+                  <a:srgbClr val="FFFFFF"/>
+                </a:solidFill>
+              </a:rPr>
+              <a:t> ftp://sparc-ftp1.ceda.ac.uk/</a:t>
+            </a:r>
+            <a:r>
+              <a:rPr lang="en-US" altLang="x-none" sz="3086" dirty="0" err="1">
+                <a:solidFill>
+                  <a:srgbClr val="FFFFFF"/>
+                </a:solidFill>
+              </a:rPr>
+              <a:t>sparc</a:t>
+            </a:r>
+            <a:r>
+              <a:rPr lang="en-US" altLang="x-none" sz="3086" dirty="0">
+                <a:solidFill>
+                  <a:srgbClr val="FFFFFF"/>
+                </a:solidFill>
+              </a:rPr>
+              <a:t>/</a:t>
+            </a:r>
+            <a:r>
+              <a:rPr lang="en-US" altLang="x-none" sz="3086" dirty="0" err="1">
+                <a:solidFill>
+                  <a:srgbClr val="FFFFFF"/>
+                </a:solidFill>
+              </a:rPr>
+              <a:t>hres</a:t>
+            </a:r>
+            <a:r>
+              <a:rPr lang="en-US" altLang="x-none" sz="3086" dirty="0">
+                <a:solidFill>
+                  <a:srgbClr val="FFFFFF"/>
+                </a:solidFill>
+              </a:rPr>
+              <a:t>/1_second/text/2011/03020/</a:t>
+            </a:r>
+          </a:p>
+          <a:p>
+            <a:pPr marL="251986" indent="-251986" defTabSz="1007943" fontAlgn="auto">
+              <a:spcBef>
+                <a:spcPts val="1102"/>
               </a:spcBef>
               <a:spcAft>
                 <a:spcPts val="0"/>
               </a:spcAft>
-              <a:buSzPct val="75000"/>
-              <a:buFont typeface="Symbol" panose="05050102010706020507" pitchFamily="18" charset="2"/>
+              <a:buFont typeface="Arial" charset="0"/>
+              <a:buChar char="•"/>
+              <a:defRPr/>
+            </a:pPr>
+            <a:r>
+              <a:rPr lang="en-US" altLang="x-none" sz="3086" dirty="0">
+                <a:solidFill>
+                  <a:srgbClr val="FFFFFF"/>
+                </a:solidFill>
+              </a:rPr>
+              <a:t> Get one of the files with </a:t>
+            </a:r>
+            <a:r>
+              <a:rPr lang="en-US" altLang="x-none" sz="3086" dirty="0" err="1">
+                <a:solidFill>
+                  <a:srgbClr val="FFFFFF"/>
+                </a:solidFill>
+              </a:rPr>
+              <a:t>wget</a:t>
+            </a:r>
+            <a:r>
+              <a:rPr lang="en-US" altLang="x-none" sz="3086" dirty="0">
+                <a:solidFill>
+                  <a:srgbClr val="FFFFFF"/>
+                </a:solidFill>
+              </a:rPr>
+              <a:t> from the command line.</a:t>
+            </a:r>
+          </a:p>
+          <a:p>
+            <a:pPr marL="251986" indent="-251986" defTabSz="1007943" fontAlgn="auto">
+              <a:spcBef>
+                <a:spcPts val="1102"/>
+              </a:spcBef>
+              <a:spcAft>
+                <a:spcPts val="0"/>
+              </a:spcAft>
+              <a:buFont typeface="Times New Roman" charset="0"/>
               <a:buNone/>
-              <a:tabLst>
-                <a:tab pos="723900" algn="l"/>
-                <a:tab pos="1447800" algn="l"/>
-                <a:tab pos="2171700" algn="l"/>
-                <a:tab pos="2895600" algn="l"/>
-                <a:tab pos="3619500" algn="l"/>
-                <a:tab pos="4343400" algn="l"/>
-                <a:tab pos="5067300" algn="l"/>
-                <a:tab pos="5791200" algn="l"/>
-                <a:tab pos="6515100" algn="l"/>
-                <a:tab pos="7239000" algn="l"/>
-                <a:tab pos="7962900" algn="l"/>
-                <a:tab pos="8686800" algn="l"/>
-              </a:tabLst>
-              <a:defRPr/>
-            </a:pPr>
-            <a:r>
-              <a:rPr lang="en-GB" altLang="en-US" sz="1800" dirty="0" err="1" smtClean="0">
-                <a:latin typeface="Courier New" panose="02070309020205020404" pitchFamily="49" charset="0"/>
-                <a:cs typeface="Courier New" panose="02070309020205020404" pitchFamily="49" charset="0"/>
-              </a:rPr>
-              <a:t>rsync</a:t>
-            </a:r>
-            <a:r>
-              <a:rPr lang="en-GB" altLang="en-US" sz="1800" dirty="0" smtClean="0">
-                <a:latin typeface="Courier New" panose="02070309020205020404" pitchFamily="49" charset="0"/>
-                <a:cs typeface="Courier New" panose="02070309020205020404" pitchFamily="49" charset="0"/>
-              </a:rPr>
-              <a:t> -e </a:t>
-            </a:r>
-            <a:r>
-              <a:rPr lang="en-GB" altLang="en-US" sz="1800" dirty="0" err="1" smtClean="0">
-                <a:latin typeface="Courier New" panose="02070309020205020404" pitchFamily="49" charset="0"/>
-                <a:cs typeface="Courier New" panose="02070309020205020404" pitchFamily="49" charset="0"/>
-              </a:rPr>
-              <a:t>ssh</a:t>
-            </a:r>
-            <a:r>
-              <a:rPr lang="en-GB" altLang="en-US" sz="1800" i="1" dirty="0" smtClean="0">
-                <a:latin typeface="Courier New" panose="02070309020205020404" pitchFamily="49" charset="0"/>
-                <a:cs typeface="Courier New" panose="02070309020205020404" pitchFamily="49" charset="0"/>
-              </a:rPr>
-              <a:t> </a:t>
-            </a:r>
-            <a:r>
-              <a:rPr lang="en-GB" altLang="en-US" sz="1800" i="1" dirty="0" err="1" smtClean="0">
-                <a:latin typeface="Courier New" panose="02070309020205020404" pitchFamily="49" charset="0"/>
-                <a:cs typeface="Courier New" panose="02070309020205020404" pitchFamily="49" charset="0"/>
-              </a:rPr>
-              <a:t>user</a:t>
-            </a:r>
-            <a:r>
-              <a:rPr lang="en-GB" altLang="en-US" sz="1800" dirty="0" err="1" smtClean="0">
-                <a:latin typeface="Courier New" panose="02070309020205020404" pitchFamily="49" charset="0"/>
-                <a:cs typeface="Courier New" panose="02070309020205020404" pitchFamily="49" charset="0"/>
-              </a:rPr>
-              <a:t>@</a:t>
-            </a:r>
-            <a:r>
-              <a:rPr lang="en-GB" altLang="en-US" sz="1800" i="1" dirty="0" err="1" smtClean="0">
-                <a:latin typeface="Courier New" panose="02070309020205020404" pitchFamily="49" charset="0"/>
-                <a:cs typeface="Courier New" panose="02070309020205020404" pitchFamily="49" charset="0"/>
-              </a:rPr>
-              <a:t>host</a:t>
-            </a:r>
-            <a:r>
-              <a:rPr lang="en-GB" altLang="en-US" sz="1800" dirty="0" err="1" smtClean="0">
-                <a:latin typeface="Courier New" panose="02070309020205020404" pitchFamily="49" charset="0"/>
-                <a:cs typeface="Courier New" panose="02070309020205020404" pitchFamily="49" charset="0"/>
-              </a:rPr>
-              <a:t>:</a:t>
-            </a:r>
-            <a:r>
-              <a:rPr lang="en-GB" altLang="en-US" sz="1800" i="1" dirty="0" err="1" smtClean="0">
-                <a:latin typeface="Courier New" panose="02070309020205020404" pitchFamily="49" charset="0"/>
-                <a:cs typeface="Courier New" panose="02070309020205020404" pitchFamily="49" charset="0"/>
-              </a:rPr>
-              <a:t>remote_path</a:t>
-            </a:r>
-            <a:r>
-              <a:rPr lang="en-GB" altLang="en-US" sz="1800" i="1" dirty="0" smtClean="0">
-                <a:latin typeface="Courier New" panose="02070309020205020404" pitchFamily="49" charset="0"/>
-                <a:cs typeface="Courier New" panose="02070309020205020404" pitchFamily="49" charset="0"/>
-              </a:rPr>
-              <a:t> </a:t>
-            </a:r>
-            <a:r>
-              <a:rPr lang="en-GB" altLang="en-US" sz="1800" i="1" dirty="0" err="1" smtClean="0">
-                <a:latin typeface="Courier New" panose="02070309020205020404" pitchFamily="49" charset="0"/>
-                <a:cs typeface="Courier New" panose="02070309020205020404" pitchFamily="49" charset="0"/>
-              </a:rPr>
-              <a:t>local_path</a:t>
-            </a:r>
-            <a:r>
-              <a:rPr lang="en-GB" altLang="en-US" sz="2400" dirty="0" smtClean="0"/>
-              <a:t>	← pull</a:t>
-            </a:r>
-          </a:p>
-          <a:p>
-            <a:pPr marL="863600" lvl="1" indent="-323850" defTabSz="1007943" fontAlgn="auto">
-              <a:lnSpc>
-                <a:spcPct val="112000"/>
-              </a:lnSpc>
-              <a:spcBef>
-                <a:spcPts val="551"/>
+              <a:defRPr/>
+            </a:pPr>
+            <a:endParaRPr lang="en-US" altLang="x-none" sz="1800" dirty="0">
+              <a:solidFill>
+                <a:srgbClr val="FFFFFF"/>
+              </a:solidFill>
+              <a:latin typeface="Courier" charset="0"/>
+            </a:endParaRPr>
+          </a:p>
+          <a:p>
+            <a:pPr marL="251986" indent="-251986" defTabSz="1007943" fontAlgn="auto">
+              <a:spcBef>
+                <a:spcPts val="1102"/>
               </a:spcBef>
               <a:spcAft>
                 <a:spcPts val="0"/>
               </a:spcAft>
-              <a:buSzPct val="75000"/>
-              <a:buFont typeface="Symbol" panose="05050102010706020507" pitchFamily="18" charset="2"/>
+              <a:buFont typeface="Times New Roman" charset="0"/>
               <a:buNone/>
-              <a:tabLst>
-                <a:tab pos="723900" algn="l"/>
-                <a:tab pos="1447800" algn="l"/>
-                <a:tab pos="2171700" algn="l"/>
-                <a:tab pos="2895600" algn="l"/>
-                <a:tab pos="3619500" algn="l"/>
-                <a:tab pos="4343400" algn="l"/>
-                <a:tab pos="5067300" algn="l"/>
-                <a:tab pos="5791200" algn="l"/>
-                <a:tab pos="6515100" algn="l"/>
-                <a:tab pos="7239000" algn="l"/>
-                <a:tab pos="7962900" algn="l"/>
-                <a:tab pos="8686800" algn="l"/>
-              </a:tabLst>
-              <a:defRPr/>
-            </a:pPr>
-            <a:r>
-              <a:rPr lang="en-GB" altLang="en-US" sz="1800" dirty="0" err="1" smtClean="0">
-                <a:latin typeface="Courier New" panose="02070309020205020404" pitchFamily="49" charset="0"/>
-                <a:cs typeface="Courier New" panose="02070309020205020404" pitchFamily="49" charset="0"/>
-              </a:rPr>
-              <a:t>rsync</a:t>
-            </a:r>
-            <a:r>
-              <a:rPr lang="en-GB" altLang="en-US" sz="1800" dirty="0" smtClean="0">
-                <a:latin typeface="Courier New" panose="02070309020205020404" pitchFamily="49" charset="0"/>
-                <a:cs typeface="Courier New" panose="02070309020205020404" pitchFamily="49" charset="0"/>
-              </a:rPr>
-              <a:t> -e </a:t>
-            </a:r>
-            <a:r>
-              <a:rPr lang="en-GB" altLang="en-US" sz="1800" dirty="0" err="1" smtClean="0">
-                <a:latin typeface="Courier New" panose="02070309020205020404" pitchFamily="49" charset="0"/>
-                <a:cs typeface="Courier New" panose="02070309020205020404" pitchFamily="49" charset="0"/>
-              </a:rPr>
-              <a:t>ssh</a:t>
-            </a:r>
-            <a:r>
-              <a:rPr lang="en-GB" altLang="en-US" sz="1800" i="1" dirty="0" smtClean="0">
-                <a:latin typeface="Courier New" panose="02070309020205020404" pitchFamily="49" charset="0"/>
-                <a:cs typeface="Courier New" panose="02070309020205020404" pitchFamily="49" charset="0"/>
-              </a:rPr>
-              <a:t> </a:t>
-            </a:r>
-            <a:r>
-              <a:rPr lang="en-GB" altLang="en-US" sz="1800" i="1" dirty="0" err="1" smtClean="0">
-                <a:latin typeface="Courier New" panose="02070309020205020404" pitchFamily="49" charset="0"/>
-                <a:cs typeface="Courier New" panose="02070309020205020404" pitchFamily="49" charset="0"/>
-              </a:rPr>
-              <a:t>local_path</a:t>
-            </a:r>
-            <a:r>
-              <a:rPr lang="en-GB" altLang="en-US" sz="1800" i="1" dirty="0" smtClean="0">
-                <a:latin typeface="Courier New" panose="02070309020205020404" pitchFamily="49" charset="0"/>
-                <a:cs typeface="Courier New" panose="02070309020205020404" pitchFamily="49" charset="0"/>
-              </a:rPr>
-              <a:t> </a:t>
-            </a:r>
-            <a:r>
-              <a:rPr lang="en-GB" altLang="en-US" sz="1800" i="1" dirty="0" err="1" smtClean="0">
-                <a:latin typeface="Courier New" panose="02070309020205020404" pitchFamily="49" charset="0"/>
-                <a:cs typeface="Courier New" panose="02070309020205020404" pitchFamily="49" charset="0"/>
-              </a:rPr>
-              <a:t>user</a:t>
-            </a:r>
-            <a:r>
-              <a:rPr lang="en-GB" altLang="en-US" sz="1800" dirty="0" err="1" smtClean="0">
-                <a:latin typeface="Courier New" panose="02070309020205020404" pitchFamily="49" charset="0"/>
-                <a:cs typeface="Courier New" panose="02070309020205020404" pitchFamily="49" charset="0"/>
-              </a:rPr>
-              <a:t>@</a:t>
-            </a:r>
-            <a:r>
-              <a:rPr lang="en-GB" altLang="en-US" sz="1800" i="1" dirty="0" err="1" smtClean="0">
-                <a:latin typeface="Courier New" panose="02070309020205020404" pitchFamily="49" charset="0"/>
-                <a:cs typeface="Courier New" panose="02070309020205020404" pitchFamily="49" charset="0"/>
-              </a:rPr>
-              <a:t>host</a:t>
-            </a:r>
-            <a:r>
-              <a:rPr lang="en-GB" altLang="en-US" sz="1800" dirty="0" err="1" smtClean="0">
-                <a:latin typeface="Courier New" panose="02070309020205020404" pitchFamily="49" charset="0"/>
-                <a:cs typeface="Courier New" panose="02070309020205020404" pitchFamily="49" charset="0"/>
-              </a:rPr>
-              <a:t>:</a:t>
-            </a:r>
-            <a:r>
-              <a:rPr lang="en-GB" altLang="en-US" sz="1800" i="1" dirty="0" err="1" smtClean="0">
-                <a:latin typeface="Courier New" panose="02070309020205020404" pitchFamily="49" charset="0"/>
-                <a:cs typeface="Courier New" panose="02070309020205020404" pitchFamily="49" charset="0"/>
-              </a:rPr>
-              <a:t>remote_path</a:t>
-            </a:r>
-            <a:r>
-              <a:rPr lang="en-GB" altLang="en-US" sz="2400" dirty="0" smtClean="0"/>
-              <a:t>	← push</a:t>
-            </a:r>
-          </a:p>
-          <a:p>
-            <a:pPr marL="863600" lvl="1" indent="-323850" defTabSz="1007943" fontAlgn="auto">
-              <a:spcBef>
-                <a:spcPts val="551"/>
-              </a:spcBef>
-              <a:spcAft>
-                <a:spcPts val="0"/>
-              </a:spcAft>
-              <a:buSzPct val="75000"/>
-              <a:buFont typeface="Symbol" panose="05050102010706020507" pitchFamily="18" charset="2"/>
-              <a:buChar char=""/>
-              <a:tabLst>
-                <a:tab pos="723900" algn="l"/>
-                <a:tab pos="1447800" algn="l"/>
-                <a:tab pos="2171700" algn="l"/>
-                <a:tab pos="2895600" algn="l"/>
-                <a:tab pos="3619500" algn="l"/>
-                <a:tab pos="4343400" algn="l"/>
-                <a:tab pos="5067300" algn="l"/>
-                <a:tab pos="5791200" algn="l"/>
-                <a:tab pos="6515100" algn="l"/>
-                <a:tab pos="7239000" algn="l"/>
-                <a:tab pos="7962900" algn="l"/>
-                <a:tab pos="8686800" algn="l"/>
-              </a:tabLst>
-              <a:defRPr/>
-            </a:pPr>
-            <a:r>
-              <a:rPr lang="en-GB" altLang="en-US" sz="2400" dirty="0" smtClean="0"/>
-              <a:t>requires no special configuration (though remember to set up </a:t>
-            </a:r>
-            <a:r>
-              <a:rPr lang="en-GB" altLang="en-US" sz="2400" dirty="0" err="1" smtClean="0"/>
-              <a:t>ssh</a:t>
-            </a:r>
-            <a:r>
-              <a:rPr lang="en-GB" altLang="en-US" sz="2400" dirty="0" smtClean="0"/>
-              <a:t> keys)</a:t>
-            </a:r>
-          </a:p>
-          <a:p>
-            <a:pPr marL="863600" lvl="1" indent="-323850" defTabSz="1007943" fontAlgn="auto">
-              <a:spcBef>
-                <a:spcPts val="551"/>
-              </a:spcBef>
-              <a:spcAft>
-                <a:spcPts val="0"/>
-              </a:spcAft>
-              <a:buSzPct val="75000"/>
-              <a:buFont typeface="Symbol" panose="05050102010706020507" pitchFamily="18" charset="2"/>
-              <a:buChar char=""/>
-              <a:tabLst>
-                <a:tab pos="723900" algn="l"/>
-                <a:tab pos="1447800" algn="l"/>
-                <a:tab pos="2171700" algn="l"/>
-                <a:tab pos="2895600" algn="l"/>
-                <a:tab pos="3619500" algn="l"/>
-                <a:tab pos="4343400" algn="l"/>
-                <a:tab pos="5067300" algn="l"/>
-                <a:tab pos="5791200" algn="l"/>
-                <a:tab pos="6515100" algn="l"/>
-                <a:tab pos="7239000" algn="l"/>
-                <a:tab pos="7962900" algn="l"/>
-                <a:tab pos="8686800" algn="l"/>
-              </a:tabLst>
-              <a:defRPr/>
-            </a:pPr>
-            <a:r>
-              <a:rPr lang="en-GB" altLang="en-US" sz="2400" dirty="0" smtClean="0"/>
-              <a:t>similar to </a:t>
-            </a:r>
-            <a:r>
-              <a:rPr lang="en-GB" altLang="en-US" sz="2400" dirty="0" err="1" smtClean="0"/>
-              <a:t>scp</a:t>
-            </a:r>
-            <a:r>
-              <a:rPr lang="en-GB" altLang="en-US" sz="2400" dirty="0" smtClean="0"/>
-              <a:t> syntax, e.g. remote path is relative to home directory unless starts with </a:t>
-            </a:r>
-            <a:r>
-              <a:rPr lang="en-GB" altLang="en-US" sz="2400" dirty="0" smtClean="0">
-                <a:latin typeface="Courier 10 Pitch" pitchFamily="1" charset="0"/>
-              </a:rPr>
-              <a:t>/</a:t>
-            </a:r>
+              <a:defRPr/>
+            </a:pPr>
+            <a:endParaRPr lang="en-US" altLang="x-none" sz="1800" dirty="0">
+              <a:solidFill>
+                <a:srgbClr val="FFFFFF"/>
+              </a:solidFill>
+              <a:latin typeface="Courier" charset="0"/>
+            </a:endParaRPr>
           </a:p>
         </p:txBody>
       </p:sp>
@@ -7389,31 +7005,10 @@
   <p:clrMapOvr>
     <a:masterClrMapping/>
   </p:clrMapOvr>
-  <p:transition spd="med"/>
   <p:timing>
     <p:tnLst>
       <p:par>
-        <p:cTn id="1" dur="indefinite" nodeType="tmRoot">
-          <p:childTnLst>
-            <p:seq concurrent="1" nextAc="seek">
-              <p:cTn id="2" dur="0" nodeType="mainSeq"/>
-              <p:prevCondLst>
-                <p:cond evt="onPrev" delay="0">
-                  <p:tgtEl>
-                    <p:sldTgt/>
-                  </p:tgtEl>
-                </p:cond>
-              </p:prevCondLst>
-              <p:nextCondLst>
-                <p:cond evt="onNext" delay="0">
-                  <p:tgtEl>
-                    <p:sldTgt/>
-                  </p:tgtEl>
-                </p:cond>
-              </p:nextCondLst>
-            </p:seq>
-          </p:childTnLst>
-        </p:cTn>
+        <p:cTn id="1" dur="indefinite" restart="never" nodeType="tmRoot"/>
       </p:par>
     </p:tnLst>
   </p:timing>
@@ -7439,7 +7034,7 @@
       </p:grpSpPr>
       <p:sp>
         <p:nvSpPr>
-          <p:cNvPr id="21506" name="Rectangle 1"/>
+          <p:cNvPr id="19458" name="Rectangle 1"/>
           <p:cNvSpPr>
             <a:spLocks noGrp="1" noChangeArrowheads="1"/>
           </p:cNvSpPr>
@@ -7480,14 +7075,14 @@
             </a:pPr>
             <a:r>
               <a:rPr lang="en-GB" altLang="en-US" sz="3527" smtClean="0"/>
-              <a:t>Transferring data with rsync (continued)</a:t>
+              <a:t>rsync</a:t>
             </a:r>
           </a:p>
         </p:txBody>
       </p:sp>
       <p:sp>
         <p:nvSpPr>
-          <p:cNvPr id="26627" name="Rectangle 2"/>
+          <p:cNvPr id="19459" name="Rectangle 2"/>
           <p:cNvSpPr>
             <a:spLocks noGrp="1" noChangeArrowheads="1"/>
           </p:cNvSpPr>
@@ -7495,21 +7090,26 @@
             <p:ph idx="1"/>
           </p:nvPr>
         </p:nvSpPr>
-        <p:spPr bwMode="auto">
+        <p:spPr>
           <a:xfrm>
-            <a:off x="503238" y="1768475"/>
-            <a:ext cx="8869362" cy="5214938"/>
+            <a:off x="488950" y="1303338"/>
+            <a:ext cx="8869363" cy="4384675"/>
           </a:xfrm>
+          <a:extLst/>
         </p:spPr>
         <p:txBody>
-          <a:bodyPr wrap="square" numCol="1" anchor="t" anchorCtr="0" compatLnSpc="1">
-            <a:prstTxWarp prst="textNoShape">
-              <a:avLst/>
-            </a:prstTxWarp>
+          <a:bodyPr>
+            <a:normAutofit lnSpcReduction="10000"/>
           </a:bodyPr>
           <a:lstStyle/>
           <a:p>
-            <a:pPr marL="431800" indent="-323850">
+            <a:pPr marL="431800" indent="-323850" defTabSz="1007943" fontAlgn="auto">
+              <a:spcBef>
+                <a:spcPts val="1102"/>
+              </a:spcBef>
+              <a:spcAft>
+                <a:spcPts val="0"/>
+              </a:spcAft>
               <a:buSzPct val="45000"/>
               <a:buFont typeface="Wingdings" panose="05000000000000000000" pitchFamily="2" charset="2"/>
               <a:buChar char=""/>
@@ -7527,17 +7127,96 @@
                 <a:tab pos="7962900" algn="l"/>
                 <a:tab pos="8686800" algn="l"/>
               </a:tabLst>
-            </a:pPr>
-            <a:r>
-              <a:rPr lang="en-GB" altLang="en-US" sz="2400" smtClean="0"/>
-              <a:t>Useful flags for rsync:</a:t>
-            </a:r>
-          </a:p>
-          <a:p>
-            <a:pPr marL="863600" lvl="1" indent="-323850">
+              <a:defRPr/>
+            </a:pPr>
+            <a:r>
+              <a:rPr lang="en-GB" altLang="en-US" sz="3086" dirty="0" smtClean="0"/>
+              <a:t>copies files over the network (or locally)</a:t>
+            </a:r>
+          </a:p>
+          <a:p>
+            <a:pPr marL="431800" indent="-323850" defTabSz="1007943" fontAlgn="auto">
+              <a:spcBef>
+                <a:spcPts val="1102"/>
+              </a:spcBef>
+              <a:spcAft>
+                <a:spcPts val="0"/>
+              </a:spcAft>
+              <a:buSzPct val="45000"/>
+              <a:buFont typeface="Wingdings" panose="05000000000000000000" pitchFamily="2" charset="2"/>
+              <a:buChar char=""/>
+              <a:tabLst>
+                <a:tab pos="723900" algn="l"/>
+                <a:tab pos="1447800" algn="l"/>
+                <a:tab pos="2171700" algn="l"/>
+                <a:tab pos="2895600" algn="l"/>
+                <a:tab pos="3619500" algn="l"/>
+                <a:tab pos="4343400" algn="l"/>
+                <a:tab pos="5067300" algn="l"/>
+                <a:tab pos="5791200" algn="l"/>
+                <a:tab pos="6515100" algn="l"/>
+                <a:tab pos="7239000" algn="l"/>
+                <a:tab pos="7962900" algn="l"/>
+                <a:tab pos="8686800" algn="l"/>
+              </a:tabLst>
+              <a:defRPr/>
+            </a:pPr>
+            <a:r>
+              <a:rPr lang="en-GB" altLang="en-US" sz="3086" dirty="0" smtClean="0"/>
+              <a:t>where destination files already exist, copies only what is required to update any differences</a:t>
+            </a:r>
+          </a:p>
+          <a:p>
+            <a:pPr marL="431800" indent="-323850" defTabSz="1007943" fontAlgn="auto">
+              <a:spcBef>
+                <a:spcPts val="1102"/>
+              </a:spcBef>
+              <a:spcAft>
+                <a:spcPts val="0"/>
+              </a:spcAft>
+              <a:buSzPct val="45000"/>
+              <a:buFont typeface="Wingdings" panose="05000000000000000000" pitchFamily="2" charset="2"/>
+              <a:buChar char=""/>
+              <a:tabLst>
+                <a:tab pos="723900" algn="l"/>
+                <a:tab pos="1447800" algn="l"/>
+                <a:tab pos="2171700" algn="l"/>
+                <a:tab pos="2895600" algn="l"/>
+                <a:tab pos="3619500" algn="l"/>
+                <a:tab pos="4343400" algn="l"/>
+                <a:tab pos="5067300" algn="l"/>
+                <a:tab pos="5791200" algn="l"/>
+                <a:tab pos="6515100" algn="l"/>
+                <a:tab pos="7239000" algn="l"/>
+                <a:tab pos="7962900" algn="l"/>
+                <a:tab pos="8686800" algn="l"/>
+              </a:tabLst>
+              <a:defRPr/>
+            </a:pPr>
+            <a:r>
+              <a:rPr lang="en-GB" altLang="en-US" sz="3086" dirty="0" smtClean="0"/>
+              <a:t>push / pull files over </a:t>
+            </a:r>
+            <a:r>
+              <a:rPr lang="en-GB" altLang="en-US" sz="3086" dirty="0" err="1" smtClean="0"/>
+              <a:t>ssh</a:t>
+            </a:r>
+            <a:r>
+              <a:rPr lang="en-GB" altLang="en-US" sz="3086" dirty="0" smtClean="0"/>
+              <a:t>:</a:t>
+            </a:r>
+          </a:p>
+          <a:p>
+            <a:pPr marL="863600" lvl="1" indent="-323850" defTabSz="1007943" fontAlgn="auto">
               <a:lnSpc>
                 <a:spcPct val="112000"/>
               </a:lnSpc>
+              <a:spcBef>
+                <a:spcPts val="551"/>
+              </a:spcBef>
+              <a:spcAft>
+                <a:spcPts val="0"/>
+              </a:spcAft>
               <a:buSzPct val="75000"/>
               <a:buFont typeface="Symbol" panose="05050102010706020507" pitchFamily="18" charset="2"/>
               <a:buNone/>
@@ -7555,24 +7234,101 @@
                 <a:tab pos="7962900" algn="l"/>
                 <a:tab pos="8686800" algn="l"/>
               </a:tabLst>
-            </a:pPr>
-            <a:r>
-              <a:rPr lang="en-GB" altLang="en-US" sz="2000" smtClean="0">
+              <a:defRPr/>
+            </a:pPr>
+            <a:r>
+              <a:rPr lang="en-GB" altLang="en-US" sz="1800" dirty="0" err="1" smtClean="0">
                 <a:latin typeface="Courier New" panose="02070309020205020404" pitchFamily="49" charset="0"/>
                 <a:cs typeface="Courier New" panose="02070309020205020404" pitchFamily="49" charset="0"/>
               </a:rPr>
-              <a:t>-r </a:t>
-            </a:r>
-            <a:r>
-              <a:rPr lang="en-GB" altLang="en-US" sz="2000" smtClean="0"/>
-              <a:t>(recursive) – go down the directory tree copying stuff.</a:t>
-            </a:r>
-          </a:p>
-          <a:p>
-            <a:pPr marL="863600" lvl="1" indent="-323850">
+              <a:t>rsync</a:t>
+            </a:r>
+            <a:r>
+              <a:rPr lang="en-GB" altLang="en-US" sz="1800" dirty="0" smtClean="0">
+                <a:latin typeface="Courier New" panose="02070309020205020404" pitchFamily="49" charset="0"/>
+                <a:cs typeface="Courier New" panose="02070309020205020404" pitchFamily="49" charset="0"/>
+              </a:rPr>
+              <a:t> -e </a:t>
+            </a:r>
+            <a:r>
+              <a:rPr lang="en-GB" altLang="en-US" sz="1800" dirty="0" err="1" smtClean="0">
+                <a:latin typeface="Courier New" panose="02070309020205020404" pitchFamily="49" charset="0"/>
+                <a:cs typeface="Courier New" panose="02070309020205020404" pitchFamily="49" charset="0"/>
+              </a:rPr>
+              <a:t>ssh</a:t>
+            </a:r>
+            <a:r>
+              <a:rPr lang="en-GB" altLang="en-US" sz="1800" i="1" dirty="0" smtClean="0">
+                <a:latin typeface="Courier New" panose="02070309020205020404" pitchFamily="49" charset="0"/>
+                <a:cs typeface="Courier New" panose="02070309020205020404" pitchFamily="49" charset="0"/>
+              </a:rPr>
+              <a:t> </a:t>
+            </a:r>
+            <a:r>
+              <a:rPr lang="en-GB" altLang="en-US" sz="1800" i="1" dirty="0" err="1" smtClean="0">
+                <a:latin typeface="Courier New" panose="02070309020205020404" pitchFamily="49" charset="0"/>
+                <a:cs typeface="Courier New" panose="02070309020205020404" pitchFamily="49" charset="0"/>
+              </a:rPr>
+              <a:t>user</a:t>
+            </a:r>
+            <a:r>
+              <a:rPr lang="en-GB" altLang="en-US" sz="1800" dirty="0" err="1" smtClean="0">
+                <a:latin typeface="Courier New" panose="02070309020205020404" pitchFamily="49" charset="0"/>
+                <a:cs typeface="Courier New" panose="02070309020205020404" pitchFamily="49" charset="0"/>
+              </a:rPr>
+              <a:t>@</a:t>
+            </a:r>
+            <a:r>
+              <a:rPr lang="en-GB" altLang="en-US" sz="1800" i="1" dirty="0" err="1" smtClean="0">
+                <a:latin typeface="Courier New" panose="02070309020205020404" pitchFamily="49" charset="0"/>
+                <a:cs typeface="Courier New" panose="02070309020205020404" pitchFamily="49" charset="0"/>
+              </a:rPr>
+              <a:t>host</a:t>
+            </a:r>
+            <a:r>
+              <a:rPr lang="en-GB" altLang="en-US" sz="1800" dirty="0" err="1" smtClean="0">
+                <a:latin typeface="Courier New" panose="02070309020205020404" pitchFamily="49" charset="0"/>
+                <a:cs typeface="Courier New" panose="02070309020205020404" pitchFamily="49" charset="0"/>
+              </a:rPr>
+              <a:t>:</a:t>
+            </a:r>
+            <a:r>
+              <a:rPr lang="en-GB" altLang="en-US" sz="1800" i="1" dirty="0" err="1" smtClean="0">
+                <a:latin typeface="Courier New" panose="02070309020205020404" pitchFamily="49" charset="0"/>
+                <a:cs typeface="Courier New" panose="02070309020205020404" pitchFamily="49" charset="0"/>
+              </a:rPr>
+              <a:t>remote_path</a:t>
+            </a:r>
+            <a:r>
+              <a:rPr lang="en-GB" altLang="en-US" sz="1800" i="1" dirty="0" smtClean="0">
+                <a:latin typeface="Courier New" panose="02070309020205020404" pitchFamily="49" charset="0"/>
+                <a:cs typeface="Courier New" panose="02070309020205020404" pitchFamily="49" charset="0"/>
+              </a:rPr>
+              <a:t> </a:t>
+            </a:r>
+            <a:r>
+              <a:rPr lang="en-GB" altLang="en-US" sz="1800" i="1" dirty="0" err="1" smtClean="0">
+                <a:latin typeface="Courier New" panose="02070309020205020404" pitchFamily="49" charset="0"/>
+                <a:cs typeface="Courier New" panose="02070309020205020404" pitchFamily="49" charset="0"/>
+              </a:rPr>
+              <a:t>local_path</a:t>
+            </a:r>
+            <a:r>
+              <a:rPr lang="en-GB" altLang="en-US" sz="2400" dirty="0" smtClean="0"/>
+              <a:t>	← pull</a:t>
+            </a:r>
+          </a:p>
+          <a:p>
+            <a:pPr marL="863600" lvl="1" indent="-323850" defTabSz="1007943" fontAlgn="auto">
               <a:lnSpc>
                 <a:spcPct val="112000"/>
               </a:lnSpc>
+              <a:spcBef>
+                <a:spcPts val="551"/>
+              </a:spcBef>
+              <a:spcAft>
+                <a:spcPts val="0"/>
+              </a:spcAft>
               <a:buSzPct val="75000"/>
               <a:buFont typeface="Symbol" panose="05050102010706020507" pitchFamily="18" charset="2"/>
               <a:buNone/>
@@ -7590,27 +7346,101 @@
                 <a:tab pos="7962900" algn="l"/>
                 <a:tab pos="8686800" algn="l"/>
               </a:tabLst>
-            </a:pPr>
-            <a:r>
-              <a:rPr lang="en-GB" altLang="en-US" sz="2000" smtClean="0">
+              <a:defRPr/>
+            </a:pPr>
+            <a:r>
+              <a:rPr lang="en-GB" altLang="en-US" sz="1800" dirty="0" err="1" smtClean="0">
                 <a:latin typeface="Courier New" panose="02070309020205020404" pitchFamily="49" charset="0"/>
                 <a:cs typeface="Courier New" panose="02070309020205020404" pitchFamily="49" charset="0"/>
               </a:rPr>
-              <a:t>-c </a:t>
-            </a:r>
-            <a:r>
-              <a:rPr lang="en-GB" altLang="en-US" sz="2000" smtClean="0"/>
-              <a:t>(checksum) – when deciding what files to send, look not only at size and timestamp but if necessary also file contents</a:t>
-            </a:r>
-          </a:p>
-          <a:p>
-            <a:pPr marL="863600" lvl="1" indent="-323850">
-              <a:lnSpc>
-                <a:spcPct val="112000"/>
-              </a:lnSpc>
+              <a:t>rsync</a:t>
+            </a:r>
+            <a:r>
+              <a:rPr lang="en-GB" altLang="en-US" sz="1800" dirty="0" smtClean="0">
+                <a:latin typeface="Courier New" panose="02070309020205020404" pitchFamily="49" charset="0"/>
+                <a:cs typeface="Courier New" panose="02070309020205020404" pitchFamily="49" charset="0"/>
+              </a:rPr>
+              <a:t> -e </a:t>
+            </a:r>
+            <a:r>
+              <a:rPr lang="en-GB" altLang="en-US" sz="1800" dirty="0" err="1" smtClean="0">
+                <a:latin typeface="Courier New" panose="02070309020205020404" pitchFamily="49" charset="0"/>
+                <a:cs typeface="Courier New" panose="02070309020205020404" pitchFamily="49" charset="0"/>
+              </a:rPr>
+              <a:t>ssh</a:t>
+            </a:r>
+            <a:r>
+              <a:rPr lang="en-GB" altLang="en-US" sz="1800" i="1" dirty="0" smtClean="0">
+                <a:latin typeface="Courier New" panose="02070309020205020404" pitchFamily="49" charset="0"/>
+                <a:cs typeface="Courier New" panose="02070309020205020404" pitchFamily="49" charset="0"/>
+              </a:rPr>
+              <a:t> </a:t>
+            </a:r>
+            <a:r>
+              <a:rPr lang="en-GB" altLang="en-US" sz="1800" i="1" dirty="0" err="1" smtClean="0">
+                <a:latin typeface="Courier New" panose="02070309020205020404" pitchFamily="49" charset="0"/>
+                <a:cs typeface="Courier New" panose="02070309020205020404" pitchFamily="49" charset="0"/>
+              </a:rPr>
+              <a:t>local_path</a:t>
+            </a:r>
+            <a:r>
+              <a:rPr lang="en-GB" altLang="en-US" sz="1800" i="1" dirty="0" smtClean="0">
+                <a:latin typeface="Courier New" panose="02070309020205020404" pitchFamily="49" charset="0"/>
+                <a:cs typeface="Courier New" panose="02070309020205020404" pitchFamily="49" charset="0"/>
+              </a:rPr>
+              <a:t> </a:t>
+            </a:r>
+            <a:r>
+              <a:rPr lang="en-GB" altLang="en-US" sz="1800" i="1" dirty="0" err="1" smtClean="0">
+                <a:latin typeface="Courier New" panose="02070309020205020404" pitchFamily="49" charset="0"/>
+                <a:cs typeface="Courier New" panose="02070309020205020404" pitchFamily="49" charset="0"/>
+              </a:rPr>
+              <a:t>user</a:t>
+            </a:r>
+            <a:r>
+              <a:rPr lang="en-GB" altLang="en-US" sz="1800" dirty="0" err="1" smtClean="0">
+                <a:latin typeface="Courier New" panose="02070309020205020404" pitchFamily="49" charset="0"/>
+                <a:cs typeface="Courier New" panose="02070309020205020404" pitchFamily="49" charset="0"/>
+              </a:rPr>
+              <a:t>@</a:t>
+            </a:r>
+            <a:r>
+              <a:rPr lang="en-GB" altLang="en-US" sz="1800" i="1" dirty="0" err="1" smtClean="0">
+                <a:latin typeface="Courier New" panose="02070309020205020404" pitchFamily="49" charset="0"/>
+                <a:cs typeface="Courier New" panose="02070309020205020404" pitchFamily="49" charset="0"/>
+              </a:rPr>
+              <a:t>host</a:t>
+            </a:r>
+            <a:r>
+              <a:rPr lang="en-GB" altLang="en-US" sz="1800" dirty="0" err="1" smtClean="0">
+                <a:latin typeface="Courier New" panose="02070309020205020404" pitchFamily="49" charset="0"/>
+                <a:cs typeface="Courier New" panose="02070309020205020404" pitchFamily="49" charset="0"/>
+              </a:rPr>
+              <a:t>:</a:t>
+            </a:r>
+            <a:r>
+              <a:rPr lang="en-GB" altLang="en-US" sz="1800" i="1" dirty="0" err="1" smtClean="0">
+                <a:latin typeface="Courier New" panose="02070309020205020404" pitchFamily="49" charset="0"/>
+                <a:cs typeface="Courier New" panose="02070309020205020404" pitchFamily="49" charset="0"/>
+              </a:rPr>
+              <a:t>remote_path</a:t>
+            </a:r>
+            <a:r>
+              <a:rPr lang="en-GB" altLang="en-US" sz="2400" dirty="0" smtClean="0"/>
+              <a:t>	← push</a:t>
+            </a:r>
+          </a:p>
+          <a:p>
+            <a:pPr marL="863600" lvl="1" indent="-323850" defTabSz="1007943" fontAlgn="auto">
+              <a:spcBef>
+                <a:spcPts val="551"/>
+              </a:spcBef>
+              <a:spcAft>
+                <a:spcPts val="0"/>
+              </a:spcAft>
               <a:buSzPct val="75000"/>
               <a:buFont typeface="Symbol" panose="05050102010706020507" pitchFamily="18" charset="2"/>
-              <a:buNone/>
+              <a:buChar char=""/>
               <a:tabLst>
                 <a:tab pos="723900" algn="l"/>
                 <a:tab pos="1447800" algn="l"/>
@@ -7625,41 +7455,32 @@
                 <a:tab pos="7962900" algn="l"/>
                 <a:tab pos="8686800" algn="l"/>
               </a:tabLst>
-            </a:pPr>
-            <a:r>
-              <a:rPr lang="en-GB" altLang="en-US" sz="2000" smtClean="0">
-                <a:latin typeface="Courier New" panose="02070309020205020404" pitchFamily="49" charset="0"/>
-                <a:cs typeface="Courier New" panose="02070309020205020404" pitchFamily="49" charset="0"/>
-              </a:rPr>
-              <a:t>--delete  </a:t>
-            </a:r>
-            <a:r>
-              <a:rPr lang="en-GB" altLang="en-US" sz="2000" smtClean="0"/>
-              <a:t>– remove files from destination not present at source end.  </a:t>
-            </a:r>
-            <a:r>
-              <a:rPr lang="en-GB" altLang="en-US" sz="2000" i="1" smtClean="0"/>
-              <a:t>(Test with </a:t>
-            </a:r>
-            <a:r>
-              <a:rPr lang="en-GB" altLang="en-US" sz="2000" i="1" smtClean="0">
-                <a:latin typeface="Courier 10 Pitch" pitchFamily="1" charset="0"/>
-              </a:rPr>
-              <a:t>-n</a:t>
-            </a:r>
-            <a:r>
-              <a:rPr lang="en-GB" altLang="en-US" sz="2000" i="1" smtClean="0"/>
-              <a:t> first!)</a:t>
-            </a:r>
-          </a:p>
-          <a:p>
-            <a:pPr marL="863600" lvl="1" indent="-323850">
-              <a:lnSpc>
-                <a:spcPct val="112000"/>
-              </a:lnSpc>
+              <a:defRPr/>
+            </a:pPr>
+            <a:r>
+              <a:rPr lang="en-GB" altLang="en-US" sz="2400" dirty="0" smtClean="0"/>
+              <a:t>requires no special configuration (though remember to set up </a:t>
+            </a:r>
+            <a:r>
+              <a:rPr lang="en-GB" altLang="en-US" sz="2400" dirty="0" err="1" smtClean="0"/>
+              <a:t>ssh</a:t>
+            </a:r>
+            <a:r>
+              <a:rPr lang="en-GB" altLang="en-US" sz="2400" dirty="0" smtClean="0"/>
+              <a:t> keys)</a:t>
+            </a:r>
+          </a:p>
+          <a:p>
+            <a:pPr marL="863600" lvl="1" indent="-323850" defTabSz="1007943" fontAlgn="auto">
+              <a:spcBef>
+                <a:spcPts val="551"/>
+              </a:spcBef>
+              <a:spcAft>
+                <a:spcPts val="0"/>
+              </a:spcAft>
               <a:buSzPct val="75000"/>
               <a:buFont typeface="Symbol" panose="05050102010706020507" pitchFamily="18" charset="2"/>
-              <a:buNone/>
+              <a:buChar char=""/>
               <a:tabLst>
                 <a:tab pos="723900" algn="l"/>
                 <a:tab pos="1447800" algn="l"/>
@@ -7674,129 +7495,26 @@
                 <a:tab pos="7962900" algn="l"/>
                 <a:tab pos="8686800" algn="l"/>
               </a:tabLst>
-            </a:pPr>
-            <a:r>
-              <a:rPr lang="en-GB" altLang="en-US" sz="2000" smtClean="0">
-                <a:latin typeface="Courier New" panose="02070309020205020404" pitchFamily="49" charset="0"/>
-                <a:cs typeface="Courier New" panose="02070309020205020404" pitchFamily="49" charset="0"/>
-              </a:rPr>
-              <a:t>-v </a:t>
-            </a:r>
-            <a:r>
-              <a:rPr lang="en-GB" altLang="en-US" sz="2000" smtClean="0"/>
-              <a:t>(verbose)</a:t>
-            </a:r>
-            <a:r>
-              <a:rPr lang="en-GB" altLang="en-US" sz="2000" smtClean="0">
+              <a:defRPr/>
+            </a:pPr>
+            <a:r>
+              <a:rPr lang="en-GB" altLang="en-US" sz="2400" dirty="0" smtClean="0"/>
+              <a:t>similar to </a:t>
+            </a:r>
+            <a:r>
+              <a:rPr lang="en-GB" altLang="en-US" sz="2400" dirty="0" err="1" smtClean="0"/>
+              <a:t>scp</a:t>
+            </a:r>
+            <a:r>
+              <a:rPr lang="en-GB" altLang="en-US" sz="2400" dirty="0" smtClean="0"/>
+              <a:t> syntax, e.g. remote path is relative to home directory unless starts with </a:t>
+            </a:r>
+            <a:r>
+              <a:rPr lang="en-GB" altLang="en-US" sz="2400" dirty="0" smtClean="0">
                 <a:latin typeface="Courier 10 Pitch" pitchFamily="1" charset="0"/>
               </a:rPr>
-              <a:t> – </a:t>
-            </a:r>
-            <a:r>
-              <a:rPr lang="en-GB" altLang="en-US" sz="2000" smtClean="0"/>
-              <a:t>list files that are transferred (or deleted)</a:t>
-            </a:r>
-          </a:p>
-          <a:p>
-            <a:pPr marL="863600" lvl="1" indent="-323850">
-              <a:lnSpc>
-                <a:spcPct val="112000"/>
-              </a:lnSpc>
-              <a:buSzPct val="75000"/>
-              <a:buFont typeface="Symbol" panose="05050102010706020507" pitchFamily="18" charset="2"/>
-              <a:buNone/>
-              <a:tabLst>
-                <a:tab pos="723900" algn="l"/>
-                <a:tab pos="1447800" algn="l"/>
-                <a:tab pos="2171700" algn="l"/>
-                <a:tab pos="2895600" algn="l"/>
-                <a:tab pos="3619500" algn="l"/>
-                <a:tab pos="4343400" algn="l"/>
-                <a:tab pos="5067300" algn="l"/>
-                <a:tab pos="5791200" algn="l"/>
-                <a:tab pos="6515100" algn="l"/>
-                <a:tab pos="7239000" algn="l"/>
-                <a:tab pos="7962900" algn="l"/>
-                <a:tab pos="8686800" algn="l"/>
-              </a:tabLst>
-            </a:pPr>
-            <a:r>
-              <a:rPr lang="en-GB" altLang="en-US" sz="2000" smtClean="0">
-                <a:latin typeface="Courier New" panose="02070309020205020404" pitchFamily="49" charset="0"/>
-                <a:cs typeface="Courier New" panose="02070309020205020404" pitchFamily="49" charset="0"/>
-              </a:rPr>
-              <a:t>-n </a:t>
-            </a:r>
-            <a:r>
-              <a:rPr lang="en-GB" altLang="en-US" sz="2000" smtClean="0"/>
-              <a:t>(dry run) – go through the motions but do not actually transfer (or delete) files. Useful with </a:t>
-            </a:r>
-            <a:r>
-              <a:rPr lang="en-GB" altLang="en-US" sz="2000" smtClean="0">
-                <a:latin typeface="Courier 10 Pitch" pitchFamily="1" charset="0"/>
-              </a:rPr>
-              <a:t>-v.</a:t>
-            </a:r>
-          </a:p>
-          <a:p>
-            <a:pPr marL="863600" lvl="1" indent="-323850">
-              <a:lnSpc>
-                <a:spcPct val="112000"/>
-              </a:lnSpc>
-              <a:buSzPct val="75000"/>
-              <a:tabLst>
-                <a:tab pos="723900" algn="l"/>
-                <a:tab pos="1447800" algn="l"/>
-                <a:tab pos="2171700" algn="l"/>
-                <a:tab pos="2895600" algn="l"/>
-                <a:tab pos="3619500" algn="l"/>
-                <a:tab pos="4343400" algn="l"/>
-                <a:tab pos="5067300" algn="l"/>
-                <a:tab pos="5791200" algn="l"/>
-                <a:tab pos="6515100" algn="l"/>
-                <a:tab pos="7239000" algn="l"/>
-                <a:tab pos="7962900" algn="l"/>
-                <a:tab pos="8686800" algn="l"/>
-              </a:tabLst>
-            </a:pPr>
-            <a:r>
-              <a:rPr lang="en-GB" altLang="en-US" sz="2000" smtClean="0">
-                <a:latin typeface="Courier New" panose="02070309020205020404" pitchFamily="49" charset="0"/>
-                <a:cs typeface="Courier New" panose="02070309020205020404" pitchFamily="49" charset="0"/>
-              </a:rPr>
-              <a:t>-a </a:t>
-            </a:r>
-            <a:r>
-              <a:rPr lang="en-GB" altLang="en-US" sz="2000" smtClean="0"/>
-              <a:t>(archive) – copy recursively and try to copy permissions, ownership, etc.</a:t>
-            </a:r>
-          </a:p>
-          <a:p>
-            <a:pPr marL="863600" lvl="1" indent="-323850">
-              <a:lnSpc>
-                <a:spcPct val="112000"/>
-              </a:lnSpc>
-              <a:buSzPct val="75000"/>
-              <a:buFont typeface="Symbol" panose="05050102010706020507" pitchFamily="18" charset="2"/>
-              <a:buNone/>
-              <a:tabLst>
-                <a:tab pos="723900" algn="l"/>
-                <a:tab pos="1447800" algn="l"/>
-                <a:tab pos="2171700" algn="l"/>
-                <a:tab pos="2895600" algn="l"/>
-                <a:tab pos="3619500" algn="l"/>
-                <a:tab pos="4343400" algn="l"/>
-                <a:tab pos="5067300" algn="l"/>
-                <a:tab pos="5791200" algn="l"/>
-                <a:tab pos="6515100" algn="l"/>
-                <a:tab pos="7239000" algn="l"/>
-                <a:tab pos="7962900" algn="l"/>
-                <a:tab pos="8686800" algn="l"/>
-              </a:tabLst>
-            </a:pPr>
-            <a:endParaRPr lang="en-GB" altLang="en-US" sz="2000" smtClean="0">
-              <a:latin typeface="Courier 10 Pitch" pitchFamily="1" charset="0"/>
-            </a:endParaRPr>
+              <a:t>/</a:t>
+            </a:r>
           </a:p>
         </p:txBody>
       </p:sp>
@@ -7809,7 +7527,7 @@
   <p:timing>
     <p:tnLst>
       <p:par>
-        <p:cTn id="1" dur="indefinite" nodeType="tmRoot">
+        <p:cTn id="1" dur="indefinite" restart="never" nodeType="tmRoot">
           <p:childTnLst>
             <p:seq concurrent="1" nextAc="seek">
               <p:cTn id="2" dur="0" nodeType="mainSeq"/>
@@ -7855,6 +7573,422 @@
       </p:grpSpPr>
       <p:sp>
         <p:nvSpPr>
+          <p:cNvPr id="21506" name="Rectangle 1"/>
+          <p:cNvSpPr>
+            <a:spLocks noGrp="1" noChangeArrowheads="1"/>
+          </p:cNvSpPr>
+          <p:nvPr>
+            <p:ph type="title"/>
+          </p:nvPr>
+        </p:nvSpPr>
+        <p:spPr>
+          <a:xfrm>
+            <a:off x="503238" y="301625"/>
+            <a:ext cx="9070975" cy="1262063"/>
+          </a:xfrm>
+          <a:extLst/>
+        </p:spPr>
+        <p:txBody>
+          <a:bodyPr tIns="38808" anchor="t"/>
+          <a:lstStyle/>
+          <a:p>
+            <a:pPr defTabSz="1007943" fontAlgn="auto">
+              <a:spcAft>
+                <a:spcPts val="0"/>
+              </a:spcAft>
+              <a:tabLst>
+                <a:tab pos="723900" algn="l"/>
+                <a:tab pos="1447800" algn="l"/>
+                <a:tab pos="2171700" algn="l"/>
+                <a:tab pos="2895600" algn="l"/>
+                <a:tab pos="3619500" algn="l"/>
+                <a:tab pos="4343400" algn="l"/>
+                <a:tab pos="5067300" algn="l"/>
+                <a:tab pos="5791200" algn="l"/>
+                <a:tab pos="6515100" algn="l"/>
+                <a:tab pos="7239000" algn="l"/>
+                <a:tab pos="7962900" algn="l"/>
+                <a:tab pos="8686800" algn="l"/>
+              </a:tabLst>
+              <a:defRPr/>
+            </a:pPr>
+            <a:r>
+              <a:rPr lang="en-GB" altLang="en-US" sz="3527" smtClean="0"/>
+              <a:t>Transferring data with rsync (continued)</a:t>
+            </a:r>
+          </a:p>
+        </p:txBody>
+      </p:sp>
+      <p:sp>
+        <p:nvSpPr>
+          <p:cNvPr id="26627" name="Rectangle 2"/>
+          <p:cNvSpPr>
+            <a:spLocks noGrp="1" noChangeArrowheads="1"/>
+          </p:cNvSpPr>
+          <p:nvPr>
+            <p:ph idx="1"/>
+          </p:nvPr>
+        </p:nvSpPr>
+        <p:spPr bwMode="auto">
+          <a:xfrm>
+            <a:off x="503238" y="1768475"/>
+            <a:ext cx="8869362" cy="5214938"/>
+          </a:xfrm>
+        </p:spPr>
+        <p:txBody>
+          <a:bodyPr wrap="square" numCol="1" anchor="t" anchorCtr="0" compatLnSpc="1">
+            <a:prstTxWarp prst="textNoShape">
+              <a:avLst/>
+            </a:prstTxWarp>
+          </a:bodyPr>
+          <a:lstStyle/>
+          <a:p>
+            <a:pPr marL="431800" indent="-323850">
+              <a:buSzPct val="45000"/>
+              <a:buFont typeface="Wingdings" panose="05000000000000000000" pitchFamily="2" charset="2"/>
+              <a:buChar char=""/>
+              <a:tabLst>
+                <a:tab pos="723900" algn="l"/>
+                <a:tab pos="1447800" algn="l"/>
+                <a:tab pos="2171700" algn="l"/>
+                <a:tab pos="2895600" algn="l"/>
+                <a:tab pos="3619500" algn="l"/>
+                <a:tab pos="4343400" algn="l"/>
+                <a:tab pos="5067300" algn="l"/>
+                <a:tab pos="5791200" algn="l"/>
+                <a:tab pos="6515100" algn="l"/>
+                <a:tab pos="7239000" algn="l"/>
+                <a:tab pos="7962900" algn="l"/>
+                <a:tab pos="8686800" algn="l"/>
+              </a:tabLst>
+            </a:pPr>
+            <a:r>
+              <a:rPr lang="en-GB" altLang="en-US" sz="2400" smtClean="0"/>
+              <a:t>Useful flags for rsync:</a:t>
+            </a:r>
+          </a:p>
+          <a:p>
+            <a:pPr marL="863600" lvl="1" indent="-323850">
+              <a:lnSpc>
+                <a:spcPct val="112000"/>
+              </a:lnSpc>
+              <a:buSzPct val="75000"/>
+              <a:buFont typeface="Symbol" panose="05050102010706020507" pitchFamily="18" charset="2"/>
+              <a:buNone/>
+              <a:tabLst>
+                <a:tab pos="723900" algn="l"/>
+                <a:tab pos="1447800" algn="l"/>
+                <a:tab pos="2171700" algn="l"/>
+                <a:tab pos="2895600" algn="l"/>
+                <a:tab pos="3619500" algn="l"/>
+                <a:tab pos="4343400" algn="l"/>
+                <a:tab pos="5067300" algn="l"/>
+                <a:tab pos="5791200" algn="l"/>
+                <a:tab pos="6515100" algn="l"/>
+                <a:tab pos="7239000" algn="l"/>
+                <a:tab pos="7962900" algn="l"/>
+                <a:tab pos="8686800" algn="l"/>
+              </a:tabLst>
+            </a:pPr>
+            <a:r>
+              <a:rPr lang="en-GB" altLang="en-US" sz="2000" smtClean="0">
+                <a:latin typeface="Courier New" panose="02070309020205020404" pitchFamily="49" charset="0"/>
+                <a:cs typeface="Courier New" panose="02070309020205020404" pitchFamily="49" charset="0"/>
+              </a:rPr>
+              <a:t>-r </a:t>
+            </a:r>
+            <a:r>
+              <a:rPr lang="en-GB" altLang="en-US" sz="2000" smtClean="0"/>
+              <a:t>(recursive) – go down the directory tree copying stuff.</a:t>
+            </a:r>
+          </a:p>
+          <a:p>
+            <a:pPr marL="863600" lvl="1" indent="-323850">
+              <a:lnSpc>
+                <a:spcPct val="112000"/>
+              </a:lnSpc>
+              <a:buSzPct val="75000"/>
+              <a:buFont typeface="Symbol" panose="05050102010706020507" pitchFamily="18" charset="2"/>
+              <a:buNone/>
+              <a:tabLst>
+                <a:tab pos="723900" algn="l"/>
+                <a:tab pos="1447800" algn="l"/>
+                <a:tab pos="2171700" algn="l"/>
+                <a:tab pos="2895600" algn="l"/>
+                <a:tab pos="3619500" algn="l"/>
+                <a:tab pos="4343400" algn="l"/>
+                <a:tab pos="5067300" algn="l"/>
+                <a:tab pos="5791200" algn="l"/>
+                <a:tab pos="6515100" algn="l"/>
+                <a:tab pos="7239000" algn="l"/>
+                <a:tab pos="7962900" algn="l"/>
+                <a:tab pos="8686800" algn="l"/>
+              </a:tabLst>
+            </a:pPr>
+            <a:r>
+              <a:rPr lang="en-GB" altLang="en-US" sz="2000" smtClean="0">
+                <a:latin typeface="Courier New" panose="02070309020205020404" pitchFamily="49" charset="0"/>
+                <a:cs typeface="Courier New" panose="02070309020205020404" pitchFamily="49" charset="0"/>
+              </a:rPr>
+              <a:t>-c </a:t>
+            </a:r>
+            <a:r>
+              <a:rPr lang="en-GB" altLang="en-US" sz="2000" smtClean="0"/>
+              <a:t>(checksum) – when deciding what files to send, look not only at size and timestamp but if necessary also file contents</a:t>
+            </a:r>
+          </a:p>
+          <a:p>
+            <a:pPr marL="863600" lvl="1" indent="-323850">
+              <a:lnSpc>
+                <a:spcPct val="112000"/>
+              </a:lnSpc>
+              <a:buSzPct val="75000"/>
+              <a:buFont typeface="Symbol" panose="05050102010706020507" pitchFamily="18" charset="2"/>
+              <a:buNone/>
+              <a:tabLst>
+                <a:tab pos="723900" algn="l"/>
+                <a:tab pos="1447800" algn="l"/>
+                <a:tab pos="2171700" algn="l"/>
+                <a:tab pos="2895600" algn="l"/>
+                <a:tab pos="3619500" algn="l"/>
+                <a:tab pos="4343400" algn="l"/>
+                <a:tab pos="5067300" algn="l"/>
+                <a:tab pos="5791200" algn="l"/>
+                <a:tab pos="6515100" algn="l"/>
+                <a:tab pos="7239000" algn="l"/>
+                <a:tab pos="7962900" algn="l"/>
+                <a:tab pos="8686800" algn="l"/>
+              </a:tabLst>
+            </a:pPr>
+            <a:r>
+              <a:rPr lang="en-GB" altLang="en-US" sz="2000" smtClean="0">
+                <a:latin typeface="Courier New" panose="02070309020205020404" pitchFamily="49" charset="0"/>
+                <a:cs typeface="Courier New" panose="02070309020205020404" pitchFamily="49" charset="0"/>
+              </a:rPr>
+              <a:t>--delete  </a:t>
+            </a:r>
+            <a:r>
+              <a:rPr lang="en-GB" altLang="en-US" sz="2000" smtClean="0"/>
+              <a:t>– remove files from destination not present at source end.  </a:t>
+            </a:r>
+            <a:r>
+              <a:rPr lang="en-GB" altLang="en-US" sz="2000" i="1" smtClean="0"/>
+              <a:t>(Test with </a:t>
+            </a:r>
+            <a:r>
+              <a:rPr lang="en-GB" altLang="en-US" sz="2000" i="1" smtClean="0">
+                <a:latin typeface="Courier 10 Pitch" pitchFamily="1" charset="0"/>
+              </a:rPr>
+              <a:t>-n</a:t>
+            </a:r>
+            <a:r>
+              <a:rPr lang="en-GB" altLang="en-US" sz="2000" i="1" smtClean="0"/>
+              <a:t> first!)</a:t>
+            </a:r>
+          </a:p>
+          <a:p>
+            <a:pPr marL="863600" lvl="1" indent="-323850">
+              <a:lnSpc>
+                <a:spcPct val="112000"/>
+              </a:lnSpc>
+              <a:buSzPct val="75000"/>
+              <a:buFont typeface="Symbol" panose="05050102010706020507" pitchFamily="18" charset="2"/>
+              <a:buNone/>
+              <a:tabLst>
+                <a:tab pos="723900" algn="l"/>
+                <a:tab pos="1447800" algn="l"/>
+                <a:tab pos="2171700" algn="l"/>
+                <a:tab pos="2895600" algn="l"/>
+                <a:tab pos="3619500" algn="l"/>
+                <a:tab pos="4343400" algn="l"/>
+                <a:tab pos="5067300" algn="l"/>
+                <a:tab pos="5791200" algn="l"/>
+                <a:tab pos="6515100" algn="l"/>
+                <a:tab pos="7239000" algn="l"/>
+                <a:tab pos="7962900" algn="l"/>
+                <a:tab pos="8686800" algn="l"/>
+              </a:tabLst>
+            </a:pPr>
+            <a:r>
+              <a:rPr lang="en-GB" altLang="en-US" sz="2000" smtClean="0">
+                <a:latin typeface="Courier New" panose="02070309020205020404" pitchFamily="49" charset="0"/>
+                <a:cs typeface="Courier New" panose="02070309020205020404" pitchFamily="49" charset="0"/>
+              </a:rPr>
+              <a:t>-v </a:t>
+            </a:r>
+            <a:r>
+              <a:rPr lang="en-GB" altLang="en-US" sz="2000" smtClean="0"/>
+              <a:t>(verbose)</a:t>
+            </a:r>
+            <a:r>
+              <a:rPr lang="en-GB" altLang="en-US" sz="2000" smtClean="0">
+                <a:latin typeface="Courier 10 Pitch" pitchFamily="1" charset="0"/>
+              </a:rPr>
+              <a:t> – </a:t>
+            </a:r>
+            <a:r>
+              <a:rPr lang="en-GB" altLang="en-US" sz="2000" smtClean="0"/>
+              <a:t>list files that are transferred (or deleted)</a:t>
+            </a:r>
+          </a:p>
+          <a:p>
+            <a:pPr marL="863600" lvl="1" indent="-323850">
+              <a:lnSpc>
+                <a:spcPct val="112000"/>
+              </a:lnSpc>
+              <a:buSzPct val="75000"/>
+              <a:buFont typeface="Symbol" panose="05050102010706020507" pitchFamily="18" charset="2"/>
+              <a:buNone/>
+              <a:tabLst>
+                <a:tab pos="723900" algn="l"/>
+                <a:tab pos="1447800" algn="l"/>
+                <a:tab pos="2171700" algn="l"/>
+                <a:tab pos="2895600" algn="l"/>
+                <a:tab pos="3619500" algn="l"/>
+                <a:tab pos="4343400" algn="l"/>
+                <a:tab pos="5067300" algn="l"/>
+                <a:tab pos="5791200" algn="l"/>
+                <a:tab pos="6515100" algn="l"/>
+                <a:tab pos="7239000" algn="l"/>
+                <a:tab pos="7962900" algn="l"/>
+                <a:tab pos="8686800" algn="l"/>
+              </a:tabLst>
+            </a:pPr>
+            <a:r>
+              <a:rPr lang="en-GB" altLang="en-US" sz="2000" smtClean="0">
+                <a:latin typeface="Courier New" panose="02070309020205020404" pitchFamily="49" charset="0"/>
+                <a:cs typeface="Courier New" panose="02070309020205020404" pitchFamily="49" charset="0"/>
+              </a:rPr>
+              <a:t>-n </a:t>
+            </a:r>
+            <a:r>
+              <a:rPr lang="en-GB" altLang="en-US" sz="2000" smtClean="0"/>
+              <a:t>(dry run) – go through the motions but do not actually transfer (or delete) files. Useful with </a:t>
+            </a:r>
+            <a:r>
+              <a:rPr lang="en-GB" altLang="en-US" sz="2000" smtClean="0">
+                <a:latin typeface="Courier 10 Pitch" pitchFamily="1" charset="0"/>
+              </a:rPr>
+              <a:t>-v.</a:t>
+            </a:r>
+          </a:p>
+          <a:p>
+            <a:pPr marL="863600" lvl="1" indent="-323850">
+              <a:lnSpc>
+                <a:spcPct val="112000"/>
+              </a:lnSpc>
+              <a:buSzPct val="75000"/>
+              <a:tabLst>
+                <a:tab pos="723900" algn="l"/>
+                <a:tab pos="1447800" algn="l"/>
+                <a:tab pos="2171700" algn="l"/>
+                <a:tab pos="2895600" algn="l"/>
+                <a:tab pos="3619500" algn="l"/>
+                <a:tab pos="4343400" algn="l"/>
+                <a:tab pos="5067300" algn="l"/>
+                <a:tab pos="5791200" algn="l"/>
+                <a:tab pos="6515100" algn="l"/>
+                <a:tab pos="7239000" algn="l"/>
+                <a:tab pos="7962900" algn="l"/>
+                <a:tab pos="8686800" algn="l"/>
+              </a:tabLst>
+            </a:pPr>
+            <a:r>
+              <a:rPr lang="en-GB" altLang="en-US" sz="2000" smtClean="0">
+                <a:latin typeface="Courier New" panose="02070309020205020404" pitchFamily="49" charset="0"/>
+                <a:cs typeface="Courier New" panose="02070309020205020404" pitchFamily="49" charset="0"/>
+              </a:rPr>
+              <a:t>-a </a:t>
+            </a:r>
+            <a:r>
+              <a:rPr lang="en-GB" altLang="en-US" sz="2000" smtClean="0"/>
+              <a:t>(archive) – copy recursively and try to copy permissions, ownership, etc.</a:t>
+            </a:r>
+          </a:p>
+          <a:p>
+            <a:pPr marL="863600" lvl="1" indent="-323850">
+              <a:lnSpc>
+                <a:spcPct val="112000"/>
+              </a:lnSpc>
+              <a:buSzPct val="75000"/>
+              <a:buFont typeface="Symbol" panose="05050102010706020507" pitchFamily="18" charset="2"/>
+              <a:buNone/>
+              <a:tabLst>
+                <a:tab pos="723900" algn="l"/>
+                <a:tab pos="1447800" algn="l"/>
+                <a:tab pos="2171700" algn="l"/>
+                <a:tab pos="2895600" algn="l"/>
+                <a:tab pos="3619500" algn="l"/>
+                <a:tab pos="4343400" algn="l"/>
+                <a:tab pos="5067300" algn="l"/>
+                <a:tab pos="5791200" algn="l"/>
+                <a:tab pos="6515100" algn="l"/>
+                <a:tab pos="7239000" algn="l"/>
+                <a:tab pos="7962900" algn="l"/>
+                <a:tab pos="8686800" algn="l"/>
+              </a:tabLst>
+            </a:pPr>
+            <a:endParaRPr lang="en-GB" altLang="en-US" sz="2000" smtClean="0">
+              <a:latin typeface="Courier 10 Pitch" pitchFamily="1" charset="0"/>
+            </a:endParaRPr>
+          </a:p>
+        </p:txBody>
+      </p:sp>
+    </p:spTree>
+  </p:cSld>
+  <p:clrMapOvr>
+    <a:masterClrMapping/>
+  </p:clrMapOvr>
+  <p:transition spd="med"/>
+  <p:timing>
+    <p:tnLst>
+      <p:par>
+        <p:cTn id="1" dur="indefinite" restart="never" nodeType="tmRoot">
+          <p:childTnLst>
+            <p:seq concurrent="1" nextAc="seek">
+              <p:cTn id="2" dur="0" nodeType="mainSeq"/>
+              <p:prevCondLst>
+                <p:cond evt="onPrev" delay="0">
+                  <p:tgtEl>
+                    <p:sldTgt/>
+                  </p:tgtEl>
+                </p:cond>
+              </p:prevCondLst>
+              <p:nextCondLst>
+                <p:cond evt="onNext" delay="0">
+                  <p:tgtEl>
+                    <p:sldTgt/>
+                  </p:tgtEl>
+                </p:cond>
+              </p:nextCondLst>
+            </p:seq>
+          </p:childTnLst>
+        </p:cTn>
+      </p:par>
+    </p:tnLst>
+  </p:timing>
+</p:sld>
+</file>
+
+<file path=ppt/slides/slide14.xml><?xml version="1.0" encoding="utf-8"?>
+<p:sld xmlns:a="http://schemas.openxmlformats.org/drawingml/2006/main" xmlns:r="http://schemas.openxmlformats.org/officeDocument/2006/relationships" xmlns:p="http://schemas.openxmlformats.org/presentationml/2006/main">
+  <p:cSld>
+    <p:spTree>
+      <p:nvGrpSpPr>
+        <p:cNvPr id="1" name=""/>
+        <p:cNvGrpSpPr/>
+        <p:nvPr/>
+      </p:nvGrpSpPr>
+      <p:grpSpPr>
+        <a:xfrm>
+          <a:off x="0" y="0"/>
+          <a:ext cx="0" cy="0"/>
+          <a:chOff x="0" y="0"/>
+          <a:chExt cx="0" cy="0"/>
+        </a:xfrm>
+      </p:grpSpPr>
+      <p:sp>
+        <p:nvSpPr>
           <p:cNvPr id="23554" name="Title 1"/>
           <p:cNvSpPr>
             <a:spLocks noGrp="1"/>
@@ -8121,7 +8255,7 @@
 </p:sld>
 </file>
 
-<file path=ppt/slides/slide14.xml><?xml version="1.0" encoding="utf-8"?>
+<file path=ppt/slides/slide15.xml><?xml version="1.0" encoding="utf-8"?>
 <p:sld xmlns:a="http://schemas.openxmlformats.org/drawingml/2006/main" xmlns:r="http://schemas.openxmlformats.org/officeDocument/2006/relationships" xmlns:p="http://schemas.openxmlformats.org/presentationml/2006/main">
   <p:cSld>
     <p:spTree>
@@ -8357,13 +8491,14 @@
             </a:r>
           </a:p>
           <a:p>
-            <a:pPr marL="431800" indent="-323850" defTabSz="1007943" fontAlgn="auto">
+            <a:pPr marL="107950" indent="0" defTabSz="1007943" fontAlgn="auto">
               <a:spcBef>
                 <a:spcPts val="1102"/>
               </a:spcBef>
               <a:spcAft>
                 <a:spcPts val="0"/>
               </a:spcAft>
+              <a:buNone/>
               <a:tabLst>
                 <a:tab pos="723900" algn="l"/>
                 <a:tab pos="1447800" algn="l"/>
@@ -8384,17 +8519,27 @@
               <a:rPr lang="en-US" altLang="en-US" sz="2000" b="1" dirty="0" smtClean="0">
                 <a:latin typeface="Courier New" panose="02070309020205020404" pitchFamily="49" charset="0"/>
               </a:rPr>
-              <a:t>$ ls</a:t>
-            </a:r>
-          </a:p>
-          <a:p>
-            <a:pPr marL="431800" indent="-323850" defTabSz="1007943" fontAlgn="auto">
+              <a:t>$ </a:t>
+            </a:r>
+            <a:r>
+              <a:rPr lang="en-US" altLang="en-US" sz="2000" b="1" dirty="0" smtClean="0">
+                <a:solidFill>
+                  <a:srgbClr val="006600"/>
+                </a:solidFill>
+                <a:latin typeface="Courier New" panose="02070309020205020404" pitchFamily="49" charset="0"/>
+              </a:rPr>
+              <a:t>ls</a:t>
+            </a:r>
+          </a:p>
+          <a:p>
+            <a:pPr marL="107950" indent="0" defTabSz="1007943" fontAlgn="auto">
               <a:spcBef>
                 <a:spcPts val="1102"/>
               </a:spcBef>
               <a:spcAft>
                 <a:spcPts val="0"/>
               </a:spcAft>
+              <a:buNone/>
               <a:tabLst>
                 <a:tab pos="723900" algn="l"/>
                 <a:tab pos="1447800" algn="l"/>
@@ -8412,7 +8557,7 @@
               <a:defRPr/>
             </a:pPr>
             <a:r>
-              <a:rPr lang="en-US" altLang="en-US" sz="2000" dirty="0" smtClean="0">
+              <a:rPr lang="en-US" altLang="en-US" sz="2000" i="1" dirty="0" smtClean="0">
                 <a:latin typeface="Courier New" panose="02070309020205020404" pitchFamily="49" charset="0"/>
               </a:rPr>
               <a:t>1	3	5	a1	b1	c1	d1</a:t>
@@ -8445,10 +8590,16 @@
               <a:defRPr/>
             </a:pPr>
             <a:r>
-              <a:rPr lang="en-US" altLang="en-US" sz="2000" dirty="0" smtClean="0">
-                <a:latin typeface="Courier New" panose="02070309020205020404" pitchFamily="49" charset="0"/>
-              </a:rPr>
-              <a:t>4	a	b	c	d</a:t>
+              <a:rPr lang="en-US" altLang="en-US" sz="2000" i="1" dirty="0" smtClean="0">
+                <a:latin typeface="Courier New" panose="02070309020205020404" pitchFamily="49" charset="0"/>
+              </a:rPr>
+              <a:t>  4</a:t>
+            </a:r>
+            <a:r>
+              <a:rPr lang="en-US" altLang="en-US" sz="2000" i="1" dirty="0" smtClean="0">
+                <a:latin typeface="Courier New" panose="02070309020205020404" pitchFamily="49" charset="0"/>
+              </a:rPr>
+              <a:t>	a	b	c	d</a:t>
             </a:r>
           </a:p>
           <a:p>
@@ -8482,13 +8633,14 @@
             </a:endParaRPr>
           </a:p>
           <a:p>
-            <a:pPr marL="431800" indent="-323850" defTabSz="1007943" fontAlgn="auto">
+            <a:pPr marL="107950" indent="0" defTabSz="1007943" fontAlgn="auto">
               <a:spcBef>
                 <a:spcPts val="1102"/>
               </a:spcBef>
               <a:spcAft>
                 <a:spcPts val="0"/>
               </a:spcAft>
+              <a:buNone/>
               <a:tabLst>
                 <a:tab pos="723900" algn="l"/>
                 <a:tab pos="1447800" algn="l"/>
@@ -8509,7 +8661,16 @@
               <a:rPr lang="nb-NO" altLang="en-US" sz="2000" b="1" dirty="0" smtClean="0">
                 <a:latin typeface="Courier New" panose="02070309020205020404" pitchFamily="49" charset="0"/>
               </a:rPr>
-              <a:t>$ ls *1</a:t>
+              <a:t>$ </a:t>
+            </a:r>
+            <a:r>
+              <a:rPr lang="nb-NO" altLang="en-US" sz="2000" b="1" dirty="0" smtClean="0">
+                <a:solidFill>
+                  <a:srgbClr val="006600"/>
+                </a:solidFill>
+                <a:latin typeface="Courier New" panose="02070309020205020404" pitchFamily="49" charset="0"/>
+              </a:rPr>
+              <a:t>ls *1</a:t>
             </a:r>
           </a:p>
           <a:p>
@@ -8539,10 +8700,16 @@
               <a:defRPr/>
             </a:pPr>
             <a:r>
-              <a:rPr lang="nb-NO" altLang="en-US" sz="2000" dirty="0" smtClean="0">
-                <a:latin typeface="Courier New" panose="02070309020205020404" pitchFamily="49" charset="0"/>
-              </a:rPr>
-              <a:t>a1	b1	c1	d1</a:t>
+              <a:rPr lang="nb-NO" altLang="en-US" sz="2000" i="1" dirty="0" smtClean="0">
+                <a:latin typeface="Courier New" panose="02070309020205020404" pitchFamily="49" charset="0"/>
+              </a:rPr>
+              <a:t>a1 b1</a:t>
+            </a:r>
+            <a:r>
+              <a:rPr lang="nb-NO" altLang="en-US" sz="2000" i="1" dirty="0" smtClean="0">
+                <a:latin typeface="Courier New" panose="02070309020205020404" pitchFamily="49" charset="0"/>
+              </a:rPr>
+              <a:t>	c1	d1</a:t>
             </a:r>
           </a:p>
           <a:p>
@@ -8574,235 +8741,13 @@
             </a:endParaRPr>
           </a:p>
           <a:p>
-            <a:pPr marL="431800" indent="-323850" defTabSz="1007943" fontAlgn="auto">
+            <a:pPr marL="107950" indent="0" defTabSz="1007943" fontAlgn="auto">
               <a:spcBef>
                 <a:spcPts val="1102"/>
               </a:spcBef>
               <a:spcAft>
                 <a:spcPts val="0"/>
               </a:spcAft>
-              <a:tabLst>
-                <a:tab pos="723900" algn="l"/>
-                <a:tab pos="1447800" algn="l"/>
-                <a:tab pos="2171700" algn="l"/>
-                <a:tab pos="2895600" algn="l"/>
-                <a:tab pos="3619500" algn="l"/>
-                <a:tab pos="4343400" algn="l"/>
-                <a:tab pos="5067300" algn="l"/>
-                <a:tab pos="5791200" algn="l"/>
-                <a:tab pos="6515100" algn="l"/>
-                <a:tab pos="7239000" algn="l"/>
-                <a:tab pos="7962900" algn="l"/>
-                <a:tab pos="8686800" algn="l"/>
-              </a:tabLst>
-              <a:defRPr/>
-            </a:pPr>
-            <a:r>
-              <a:rPr lang="nb-NO" altLang="en-US" sz="2000" b="1" dirty="0" smtClean="0">
-                <a:latin typeface="Courier New" panose="02070309020205020404" pitchFamily="49" charset="0"/>
-              </a:rPr>
-              <a:t>$ ls ??</a:t>
-            </a:r>
-          </a:p>
-          <a:p>
-            <a:pPr marL="431800" indent="-323850" defTabSz="1007943" fontAlgn="auto">
-              <a:spcBef>
-                <a:spcPts val="1102"/>
-              </a:spcBef>
-              <a:spcAft>
-                <a:spcPts val="0"/>
-              </a:spcAft>
-              <a:tabLst>
-                <a:tab pos="723900" algn="l"/>
-                <a:tab pos="1447800" algn="l"/>
-                <a:tab pos="2171700" algn="l"/>
-                <a:tab pos="2895600" algn="l"/>
-                <a:tab pos="3619500" algn="l"/>
-                <a:tab pos="4343400" algn="l"/>
-                <a:tab pos="5067300" algn="l"/>
-                <a:tab pos="5791200" algn="l"/>
-                <a:tab pos="6515100" algn="l"/>
-                <a:tab pos="7239000" algn="l"/>
-                <a:tab pos="7962900" algn="l"/>
-                <a:tab pos="8686800" algn="l"/>
-              </a:tabLst>
-              <a:defRPr/>
-            </a:pPr>
-            <a:r>
-              <a:rPr lang="nb-NO" altLang="en-US" sz="2000" dirty="0" smtClean="0">
-                <a:latin typeface="Courier New" panose="02070309020205020404" pitchFamily="49" charset="0"/>
-              </a:rPr>
-              <a:t>a1 b1	c1	d1</a:t>
-            </a:r>
-          </a:p>
-        </p:txBody>
-      </p:sp>
-    </p:spTree>
-  </p:cSld>
-  <p:clrMapOvr>
-    <a:masterClrMapping/>
-  </p:clrMapOvr>
-  <p:transition spd="med"/>
-  <p:timing>
-    <p:tnLst>
-      <p:par>
-        <p:cTn id="1" dur="indefinite" nodeType="tmRoot">
-          <p:childTnLst>
-            <p:seq concurrent="1" nextAc="seek">
-              <p:cTn id="2" dur="0" nodeType="mainSeq"/>
-              <p:prevCondLst>
-                <p:cond evt="onPrev" delay="0">
-                  <p:tgtEl>
-                    <p:sldTgt/>
-                  </p:tgtEl>
-                </p:cond>
-              </p:prevCondLst>
-              <p:nextCondLst>
-                <p:cond evt="onNext" delay="0">
-                  <p:tgtEl>
-                    <p:sldTgt/>
-                  </p:tgtEl>
-                </p:cond>
-              </p:nextCondLst>
-            </p:seq>
-          </p:childTnLst>
-        </p:cTn>
-      </p:par>
-    </p:tnLst>
-  </p:timing>
-</p:sld>
-</file>
-
-<file path=ppt/slides/slide15.xml><?xml version="1.0" encoding="utf-8"?>
-<p:sld xmlns:a="http://schemas.openxmlformats.org/drawingml/2006/main" xmlns:r="http://schemas.openxmlformats.org/officeDocument/2006/relationships" xmlns:p="http://schemas.openxmlformats.org/presentationml/2006/main">
-  <p:cSld>
-    <p:spTree>
-      <p:nvGrpSpPr>
-        <p:cNvPr id="1" name=""/>
-        <p:cNvGrpSpPr/>
-        <p:nvPr/>
-      </p:nvGrpSpPr>
-      <p:grpSpPr>
-        <a:xfrm>
-          <a:off x="0" y="0"/>
-          <a:ext cx="0" cy="0"/>
-          <a:chOff x="0" y="0"/>
-          <a:chExt cx="0" cy="0"/>
-        </a:xfrm>
-      </p:grpSpPr>
-      <p:sp>
-        <p:nvSpPr>
-          <p:cNvPr id="26626" name="Rectangle 1"/>
-          <p:cNvSpPr>
-            <a:spLocks noGrp="1" noChangeArrowheads="1"/>
-          </p:cNvSpPr>
-          <p:nvPr>
-            <p:ph type="title"/>
-          </p:nvPr>
-        </p:nvSpPr>
-        <p:spPr>
-          <a:xfrm>
-            <a:off x="503238" y="301625"/>
-            <a:ext cx="9070975" cy="1262063"/>
-          </a:xfrm>
-          <a:extLst/>
-        </p:spPr>
-        <p:txBody>
-          <a:bodyPr tIns="38808" anchor="t"/>
-          <a:lstStyle/>
-          <a:p>
-            <a:pPr defTabSz="1007943" fontAlgn="auto">
-              <a:spcAft>
-                <a:spcPts val="0"/>
-              </a:spcAft>
-              <a:tabLst>
-                <a:tab pos="723900" algn="l"/>
-                <a:tab pos="1447800" algn="l"/>
-                <a:tab pos="2171700" algn="l"/>
-                <a:tab pos="2895600" algn="l"/>
-                <a:tab pos="3619500" algn="l"/>
-                <a:tab pos="4343400" algn="l"/>
-                <a:tab pos="5067300" algn="l"/>
-                <a:tab pos="5791200" algn="l"/>
-                <a:tab pos="6515100" algn="l"/>
-                <a:tab pos="7239000" algn="l"/>
-                <a:tab pos="7962900" algn="l"/>
-                <a:tab pos="8686800" algn="l"/>
-              </a:tabLst>
-              <a:defRPr/>
-            </a:pPr>
-            <a:r>
-              <a:rPr lang="en-GB" altLang="en-US" sz="3527" smtClean="0"/>
-              <a:t>Pattern matching: globs</a:t>
-            </a:r>
-          </a:p>
-        </p:txBody>
-      </p:sp>
-      <p:sp>
-        <p:nvSpPr>
-          <p:cNvPr id="26627" name="Rectangle 2"/>
-          <p:cNvSpPr>
-            <a:spLocks noGrp="1" noChangeArrowheads="1"/>
-          </p:cNvSpPr>
-          <p:nvPr>
-            <p:ph idx="1"/>
-          </p:nvPr>
-        </p:nvSpPr>
-        <p:spPr>
-          <a:xfrm>
-            <a:off x="503238" y="1768475"/>
-            <a:ext cx="8869362" cy="5286375"/>
-          </a:xfrm>
-          <a:extLst/>
-        </p:spPr>
-        <p:txBody>
-          <a:bodyPr/>
-          <a:lstStyle/>
-          <a:p>
-            <a:pPr marL="431800" indent="-323850" defTabSz="1007943" fontAlgn="auto">
-              <a:spcBef>
-                <a:spcPts val="1102"/>
-              </a:spcBef>
-              <a:spcAft>
-                <a:spcPts val="0"/>
-              </a:spcAft>
-              <a:buSzPct val="45000"/>
-              <a:buFont typeface="Wingdings" panose="05000000000000000000" pitchFamily="2" charset="2"/>
-              <a:buChar char=""/>
-              <a:tabLst>
-                <a:tab pos="723900" algn="l"/>
-                <a:tab pos="1447800" algn="l"/>
-                <a:tab pos="2171700" algn="l"/>
-                <a:tab pos="2895600" algn="l"/>
-                <a:tab pos="3619500" algn="l"/>
-                <a:tab pos="4343400" algn="l"/>
-                <a:tab pos="5067300" algn="l"/>
-                <a:tab pos="5791200" algn="l"/>
-                <a:tab pos="6515100" algn="l"/>
-                <a:tab pos="7239000" algn="l"/>
-                <a:tab pos="7962900" algn="l"/>
-                <a:tab pos="8686800" algn="l"/>
-              </a:tabLst>
-              <a:defRPr/>
-            </a:pPr>
-            <a:r>
-              <a:rPr lang="en-GB" altLang="en-US" sz="3086" smtClean="0"/>
-              <a:t>Here is another glob for you</a:t>
-            </a:r>
-          </a:p>
-          <a:p>
-            <a:pPr marL="863600" lvl="1" indent="-323850" defTabSz="1007943" fontAlgn="auto">
-              <a:lnSpc>
-                <a:spcPct val="112000"/>
-              </a:lnSpc>
-              <a:spcBef>
-                <a:spcPts val="551"/>
-              </a:spcBef>
-              <a:spcAft>
-                <a:spcPts val="0"/>
-              </a:spcAft>
-              <a:buSzPct val="75000"/>
-              <a:buFont typeface="Symbol" panose="05050102010706020507" pitchFamily="18" charset="2"/>
               <a:buNone/>
               <a:tabLst>
                 <a:tab pos="723900" algn="l"/>
@@ -8821,39 +8766,29 @@
               <a:defRPr/>
             </a:pPr>
             <a:r>
-              <a:rPr lang="en-GB" altLang="en-US" sz="2646" smtClean="0">
-                <a:latin typeface="Courier 10 Pitch" pitchFamily="1" charset="0"/>
-              </a:rPr>
-              <a:t>[…]</a:t>
-            </a:r>
-            <a:r>
-              <a:rPr lang="en-GB" altLang="en-US" sz="2646" smtClean="0"/>
-              <a:t> matches any of the characters listed (or range of characters, e.g. </a:t>
-            </a:r>
-            <a:r>
-              <a:rPr lang="en-GB" altLang="en-US" sz="2646" smtClean="0">
-                <a:latin typeface="Courier 10 Pitch" pitchFamily="1" charset="0"/>
-              </a:rPr>
-              <a:t>[0-9]</a:t>
-            </a:r>
-            <a:r>
-              <a:rPr lang="en-GB" altLang="en-US" sz="2646" smtClean="0"/>
-              <a:t>)</a:t>
-            </a:r>
-          </a:p>
-          <a:p>
-            <a:pPr marL="863600" lvl="1" indent="-323850" defTabSz="1007943" fontAlgn="auto">
-              <a:lnSpc>
-                <a:spcPct val="112000"/>
-              </a:lnSpc>
-              <a:spcBef>
-                <a:spcPts val="551"/>
+              <a:rPr lang="nb-NO" altLang="en-US" sz="2000" b="1" dirty="0" smtClean="0">
+                <a:latin typeface="Courier New" panose="02070309020205020404" pitchFamily="49" charset="0"/>
+              </a:rPr>
+              <a:t>$ </a:t>
+            </a:r>
+            <a:r>
+              <a:rPr lang="nb-NO" altLang="en-US" sz="2000" b="1" dirty="0" smtClean="0">
+                <a:solidFill>
+                  <a:srgbClr val="006600"/>
+                </a:solidFill>
+                <a:latin typeface="Courier New" panose="02070309020205020404" pitchFamily="49" charset="0"/>
+              </a:rPr>
+              <a:t>ls ??</a:t>
+            </a:r>
+          </a:p>
+          <a:p>
+            <a:pPr marL="107950" indent="0" defTabSz="1007943" fontAlgn="auto">
+              <a:spcBef>
+                <a:spcPts val="1102"/>
               </a:spcBef>
               <a:spcAft>
                 <a:spcPts val="0"/>
               </a:spcAft>
-              <a:buSzPct val="75000"/>
-              <a:buFont typeface="Symbol" panose="05050102010706020507" pitchFamily="18" charset="2"/>
               <a:buNone/>
               <a:tabLst>
                 <a:tab pos="723900" algn="l"/>
@@ -8871,125 +8806,18 @@
               </a:tabLst>
               <a:defRPr/>
             </a:pPr>
-            <a:endParaRPr lang="en-GB" altLang="en-US" sz="2646" smtClean="0"/>
-          </a:p>
-          <a:p>
-            <a:pPr marL="431800" indent="-323850" defTabSz="1007943" fontAlgn="auto">
-              <a:spcBef>
-                <a:spcPts val="1102"/>
-              </a:spcBef>
-              <a:spcAft>
-                <a:spcPts val="0"/>
-              </a:spcAft>
-              <a:tabLst>
-                <a:tab pos="723900" algn="l"/>
-                <a:tab pos="1447800" algn="l"/>
-                <a:tab pos="2171700" algn="l"/>
-                <a:tab pos="2895600" algn="l"/>
-                <a:tab pos="3619500" algn="l"/>
-                <a:tab pos="4343400" algn="l"/>
-                <a:tab pos="5067300" algn="l"/>
-                <a:tab pos="5791200" algn="l"/>
-                <a:tab pos="6515100" algn="l"/>
-                <a:tab pos="7239000" algn="l"/>
-                <a:tab pos="7962900" algn="l"/>
-                <a:tab pos="8686800" algn="l"/>
-              </a:tabLst>
-              <a:defRPr/>
-            </a:pPr>
-            <a:r>
-              <a:rPr lang="en-US" altLang="en-US" sz="3086" b="1" smtClean="0">
-                <a:latin typeface="Courier New" panose="02070309020205020404" pitchFamily="49" charset="0"/>
-              </a:rPr>
-              <a:t>$ ls [a-c]*</a:t>
-            </a:r>
-          </a:p>
-          <a:p>
-            <a:pPr marL="431800" indent="-323850" defTabSz="1007943" fontAlgn="auto">
-              <a:spcBef>
-                <a:spcPts val="1102"/>
-              </a:spcBef>
-              <a:spcAft>
-                <a:spcPts val="0"/>
-              </a:spcAft>
-              <a:tabLst>
-                <a:tab pos="723900" algn="l"/>
-                <a:tab pos="1447800" algn="l"/>
-                <a:tab pos="2171700" algn="l"/>
-                <a:tab pos="2895600" algn="l"/>
-                <a:tab pos="3619500" algn="l"/>
-                <a:tab pos="4343400" algn="l"/>
-                <a:tab pos="5067300" algn="l"/>
-                <a:tab pos="5791200" algn="l"/>
-                <a:tab pos="6515100" algn="l"/>
-                <a:tab pos="7239000" algn="l"/>
-                <a:tab pos="7962900" algn="l"/>
-                <a:tab pos="8686800" algn="l"/>
-              </a:tabLst>
-              <a:defRPr/>
-            </a:pPr>
-            <a:r>
-              <a:rPr lang="en-US" altLang="en-US" sz="3086" smtClean="0">
-                <a:latin typeface="Courier New" panose="02070309020205020404" pitchFamily="49" charset="0"/>
-              </a:rPr>
-              <a:t>a	a1	b	b1	c	c1</a:t>
-            </a:r>
-          </a:p>
-          <a:p>
-            <a:pPr marL="431800" indent="-323850" defTabSz="1007943" fontAlgn="auto">
-              <a:spcBef>
-                <a:spcPts val="1102"/>
-              </a:spcBef>
-              <a:spcAft>
-                <a:spcPts val="0"/>
-              </a:spcAft>
-              <a:tabLst>
-                <a:tab pos="723900" algn="l"/>
-                <a:tab pos="1447800" algn="l"/>
-                <a:tab pos="2171700" algn="l"/>
-                <a:tab pos="2895600" algn="l"/>
-                <a:tab pos="3619500" algn="l"/>
-                <a:tab pos="4343400" algn="l"/>
-                <a:tab pos="5067300" algn="l"/>
-                <a:tab pos="5791200" algn="l"/>
-                <a:tab pos="6515100" algn="l"/>
-                <a:tab pos="7239000" algn="l"/>
-                <a:tab pos="7962900" algn="l"/>
-                <a:tab pos="8686800" algn="l"/>
-              </a:tabLst>
-              <a:defRPr/>
-            </a:pPr>
-            <a:endParaRPr lang="en-US" altLang="en-US" sz="3086" smtClean="0">
-              <a:latin typeface="Courier New" panose="02070309020205020404" pitchFamily="49" charset="0"/>
-            </a:endParaRPr>
-          </a:p>
-          <a:p>
-            <a:pPr marL="431800" indent="-323850" defTabSz="1007943" fontAlgn="auto">
-              <a:spcBef>
-                <a:spcPts val="1102"/>
-              </a:spcBef>
-              <a:spcAft>
-                <a:spcPts val="0"/>
-              </a:spcAft>
-              <a:tabLst>
-                <a:tab pos="723900" algn="l"/>
-                <a:tab pos="1447800" algn="l"/>
-                <a:tab pos="2171700" algn="l"/>
-                <a:tab pos="2895600" algn="l"/>
-                <a:tab pos="3619500" algn="l"/>
-                <a:tab pos="4343400" algn="l"/>
-                <a:tab pos="5067300" algn="l"/>
-                <a:tab pos="5791200" algn="l"/>
-                <a:tab pos="6515100" algn="l"/>
-                <a:tab pos="7239000" algn="l"/>
-                <a:tab pos="7962900" algn="l"/>
-                <a:tab pos="8686800" algn="l"/>
-              </a:tabLst>
-              <a:defRPr/>
-            </a:pPr>
-            <a:endParaRPr lang="en-GB" altLang="en-US" sz="3086" smtClean="0">
-              <a:latin typeface="Courier New" panose="02070309020205020404" pitchFamily="49" charset="0"/>
-            </a:endParaRPr>
+            <a:r>
+              <a:rPr lang="nb-NO" altLang="en-US" sz="2000" i="1" dirty="0" smtClean="0">
+                <a:latin typeface="Courier New" panose="02070309020205020404" pitchFamily="49" charset="0"/>
+              </a:rPr>
+              <a:t>a1 b1 c1</a:t>
+            </a:r>
+            <a:r>
+              <a:rPr lang="nb-NO" altLang="en-US" sz="2000" i="1" dirty="0" smtClean="0">
+                <a:latin typeface="Courier New" panose="02070309020205020404" pitchFamily="49" charset="0"/>
+              </a:rPr>
+              <a:t>	d1</a:t>
+            </a:r>
           </a:p>
         </p:txBody>
       </p:sp>
@@ -9002,7 +8830,7 @@
   <p:timing>
     <p:tnLst>
       <p:par>
-        <p:cTn id="1" dur="indefinite" nodeType="tmRoot">
+        <p:cTn id="1" dur="indefinite" restart="never" nodeType="tmRoot">
           <p:childTnLst>
             <p:seq concurrent="1" nextAc="seek">
               <p:cTn id="2" dur="0" nodeType="mainSeq"/>
@@ -9048,7 +8876,7 @@
       </p:grpSpPr>
       <p:sp>
         <p:nvSpPr>
-          <p:cNvPr id="28674" name="Rectangle 1"/>
+          <p:cNvPr id="26626" name="Rectangle 1"/>
           <p:cNvSpPr>
             <a:spLocks noGrp="1" noChangeArrowheads="1"/>
           </p:cNvSpPr>
@@ -9096,7 +8924,7 @@
       </p:sp>
       <p:sp>
         <p:nvSpPr>
-          <p:cNvPr id="33795" name="Rectangle 2"/>
+          <p:cNvPr id="26627" name="Rectangle 2"/>
           <p:cNvSpPr>
             <a:spLocks noGrp="1" noChangeArrowheads="1"/>
           </p:cNvSpPr>
@@ -9109,6 +8937,7 @@
             <a:off x="503238" y="1768475"/>
             <a:ext cx="8869362" cy="5286375"/>
           </a:xfrm>
+          <a:extLst/>
         </p:spPr>
         <p:txBody>
           <a:bodyPr/>
@@ -9141,8 +8970,8 @@
               <a:defRPr/>
             </a:pPr>
             <a:r>
-              <a:rPr lang="en-GB" altLang="en-US" sz="3086" smtClean="0"/>
-              <a:t>And another glob</a:t>
+              <a:rPr lang="en-GB" altLang="en-US" sz="3086" dirty="0" smtClean="0"/>
+              <a:t>Here is another glob for you</a:t>
             </a:r>
           </a:p>
           <a:p>
@@ -9176,25 +9005,24 @@
               <a:defRPr/>
             </a:pPr>
             <a:r>
-              <a:rPr lang="en-GB" altLang="en-US" sz="2646" smtClean="0">
-                <a:latin typeface="Courier New" panose="02070309020205020404" pitchFamily="49" charset="0"/>
-                <a:ea typeface="MS PGothic" panose="020B0600070205080204" pitchFamily="34" charset="-128"/>
-                <a:cs typeface="Courier New" panose="02070309020205020404" pitchFamily="49" charset="0"/>
-              </a:rPr>
-              <a:t>{fred, barny, wilma}</a:t>
-            </a:r>
-            <a:r>
-              <a:rPr lang="en-GB" altLang="en-US" sz="2646" smtClean="0">
-                <a:ea typeface="MS PGothic" panose="020B0600070205080204" pitchFamily="34" charset="-128"/>
-                <a:cs typeface="Calibri" panose="020F0502020204030204" pitchFamily="34" charset="0"/>
-              </a:rPr>
-              <a:t> matches</a:t>
-            </a:r>
-            <a:r>
-              <a:rPr lang="en-GB" altLang="en-US" sz="2646" smtClean="0">
-                <a:ea typeface="MS PGothic" panose="020B0600070205080204" pitchFamily="34" charset="-128"/>
-              </a:rPr>
-              <a:t> any of the comma separated names listed.</a:t>
+              <a:rPr lang="en-GB" altLang="en-US" sz="2646" dirty="0" smtClean="0">
+                <a:latin typeface="Courier 10 Pitch" pitchFamily="1" charset="0"/>
+              </a:rPr>
+              <a:t>[…]</a:t>
+            </a:r>
+            <a:r>
+              <a:rPr lang="en-GB" altLang="en-US" sz="2646" dirty="0" smtClean="0"/>
+              <a:t> matches any of the characters listed (or range of characters, e.g. </a:t>
+            </a:r>
+            <a:r>
+              <a:rPr lang="en-GB" altLang="en-US" sz="2646" dirty="0" smtClean="0">
+                <a:latin typeface="Courier 10 Pitch" pitchFamily="1" charset="0"/>
+              </a:rPr>
+              <a:t>[0-9]</a:t>
+            </a:r>
+            <a:r>
+              <a:rPr lang="en-GB" altLang="en-US" sz="2646" dirty="0" smtClean="0"/>
+              <a:t>)</a:t>
             </a:r>
           </a:p>
           <a:p>
@@ -9227,35 +9055,16 @@
               </a:tabLst>
               <a:defRPr/>
             </a:pPr>
-            <a:r>
-              <a:rPr lang="en-GB" altLang="en-US" sz="2646" smtClean="0">
-                <a:ea typeface="MS PGothic" panose="020B0600070205080204" pitchFamily="34" charset="-128"/>
-              </a:rPr>
-              <a:t>For example </a:t>
-            </a:r>
-            <a:r>
-              <a:rPr lang="en-GB" altLang="en-US" sz="2646" smtClean="0">
-                <a:latin typeface="Courier New" panose="02070309020205020404" pitchFamily="49" charset="0"/>
-                <a:ea typeface="MS PGothic" panose="020B0600070205080204" pitchFamily="34" charset="-128"/>
-              </a:rPr>
-              <a:t>ls *.{jpg,png}</a:t>
-            </a:r>
-            <a:r>
-              <a:rPr lang="en-GB" altLang="en-US" sz="2646" smtClean="0">
-                <a:ea typeface="MS PGothic" panose="020B0600070205080204" pitchFamily="34" charset="-128"/>
-              </a:rPr>
-              <a:t> will list all your jpg and png files.</a:t>
-            </a:r>
-          </a:p>
-          <a:p>
-            <a:pPr marL="431800" indent="-323850" defTabSz="1007943" fontAlgn="auto">
+            <a:endParaRPr lang="en-GB" altLang="en-US" sz="2646" dirty="0" smtClean="0"/>
+          </a:p>
+          <a:p>
+            <a:pPr marL="107950" indent="0" defTabSz="1007943" fontAlgn="auto">
               <a:spcBef>
                 <a:spcPts val="1102"/>
               </a:spcBef>
               <a:spcAft>
                 <a:spcPts val="0"/>
               </a:spcAft>
-              <a:buFont typeface="Times New Roman" panose="02020603050405020304" pitchFamily="18" charset="0"/>
               <a:buNone/>
               <a:tabLst>
                 <a:tab pos="723900" algn="l"/>
@@ -9273,20 +9082,30 @@
               </a:tabLst>
               <a:defRPr/>
             </a:pPr>
-            <a:endParaRPr lang="en-US" altLang="en-US" sz="3086" smtClean="0">
-              <a:latin typeface="Courier New" panose="02070309020205020404" pitchFamily="49" charset="0"/>
-              <a:cs typeface="Courier New" panose="02070309020205020404" pitchFamily="49" charset="0"/>
-            </a:endParaRPr>
-          </a:p>
-          <a:p>
-            <a:pPr marL="431800" indent="-323850" defTabSz="1007943" fontAlgn="auto">
+            <a:r>
+              <a:rPr lang="en-US" altLang="en-US" sz="3086" b="1" dirty="0" smtClean="0">
+                <a:latin typeface="Courier New" panose="02070309020205020404" pitchFamily="49" charset="0"/>
+              </a:rPr>
+              <a:t>$ </a:t>
+            </a:r>
+            <a:r>
+              <a:rPr lang="en-US" altLang="en-US" sz="3086" b="1" dirty="0" smtClean="0">
+                <a:solidFill>
+                  <a:srgbClr val="006600"/>
+                </a:solidFill>
+                <a:latin typeface="Courier New" panose="02070309020205020404" pitchFamily="49" charset="0"/>
+              </a:rPr>
+              <a:t>ls [a-c]*</a:t>
+            </a:r>
+          </a:p>
+          <a:p>
+            <a:pPr marL="107950" indent="0" defTabSz="1007943" fontAlgn="auto">
               <a:spcBef>
                 <a:spcPts val="1102"/>
               </a:spcBef>
               <a:spcAft>
                 <a:spcPts val="0"/>
               </a:spcAft>
-              <a:buFont typeface="Times New Roman" panose="02020603050405020304" pitchFamily="18" charset="0"/>
               <a:buNone/>
               <a:tabLst>
                 <a:tab pos="723900" algn="l"/>
@@ -9304,9 +9123,100 @@
               </a:tabLst>
               <a:defRPr/>
             </a:pPr>
-            <a:endParaRPr lang="en-GB" altLang="en-US" sz="3086" smtClean="0">
+            <a:r>
+              <a:rPr lang="en-US" altLang="en-US" sz="3086" i="1" dirty="0" smtClean="0">
+                <a:latin typeface="Courier New" panose="02070309020205020404" pitchFamily="49" charset="0"/>
+                <a:cs typeface="Courier New" panose="02070309020205020404" pitchFamily="49" charset="0"/>
+              </a:rPr>
+              <a:t>a a1 b</a:t>
+            </a:r>
+            <a:r>
+              <a:rPr lang="en-US" altLang="en-US" sz="3086" i="1" dirty="0">
+                <a:latin typeface="Courier New" panose="02070309020205020404" pitchFamily="49" charset="0"/>
+                <a:cs typeface="Courier New" panose="02070309020205020404" pitchFamily="49" charset="0"/>
+              </a:rPr>
+              <a:t> </a:t>
+            </a:r>
+            <a:r>
+              <a:rPr lang="en-US" altLang="en-US" sz="3086" i="1" dirty="0" smtClean="0">
+                <a:latin typeface="Courier New" panose="02070309020205020404" pitchFamily="49" charset="0"/>
+                <a:cs typeface="Courier New" panose="02070309020205020404" pitchFamily="49" charset="0"/>
+              </a:rPr>
+              <a:t>b1</a:t>
+            </a:r>
+            <a:r>
+              <a:rPr lang="en-US" altLang="en-US" sz="3086" i="1" dirty="0">
+                <a:latin typeface="Courier New" panose="02070309020205020404" pitchFamily="49" charset="0"/>
+                <a:cs typeface="Courier New" panose="02070309020205020404" pitchFamily="49" charset="0"/>
+              </a:rPr>
+              <a:t> </a:t>
+            </a:r>
+            <a:r>
+              <a:rPr lang="en-US" altLang="en-US" sz="3086" i="1" dirty="0" smtClean="0">
+                <a:latin typeface="Courier New" panose="02070309020205020404" pitchFamily="49" charset="0"/>
+                <a:cs typeface="Courier New" panose="02070309020205020404" pitchFamily="49" charset="0"/>
+              </a:rPr>
+              <a:t>c c1</a:t>
+            </a:r>
+            <a:endParaRPr lang="en-US" altLang="en-US" sz="3086" i="1" dirty="0" smtClean="0">
               <a:latin typeface="Courier New" panose="02070309020205020404" pitchFamily="49" charset="0"/>
               <a:cs typeface="Courier New" panose="02070309020205020404" pitchFamily="49" charset="0"/>
+            </a:endParaRPr>
+          </a:p>
+          <a:p>
+            <a:pPr marL="431800" indent="-323850" defTabSz="1007943" fontAlgn="auto">
+              <a:spcBef>
+                <a:spcPts val="1102"/>
+              </a:spcBef>
+              <a:spcAft>
+                <a:spcPts val="0"/>
+              </a:spcAft>
+              <a:tabLst>
+                <a:tab pos="723900" algn="l"/>
+                <a:tab pos="1447800" algn="l"/>
+                <a:tab pos="2171700" algn="l"/>
+                <a:tab pos="2895600" algn="l"/>
+                <a:tab pos="3619500" algn="l"/>
+                <a:tab pos="4343400" algn="l"/>
+                <a:tab pos="5067300" algn="l"/>
+                <a:tab pos="5791200" algn="l"/>
+                <a:tab pos="6515100" algn="l"/>
+                <a:tab pos="7239000" algn="l"/>
+                <a:tab pos="7962900" algn="l"/>
+                <a:tab pos="8686800" algn="l"/>
+              </a:tabLst>
+              <a:defRPr/>
+            </a:pPr>
+            <a:endParaRPr lang="en-US" altLang="en-US" sz="3086" dirty="0" smtClean="0">
+              <a:latin typeface="Courier New" panose="02070309020205020404" pitchFamily="49" charset="0"/>
+            </a:endParaRPr>
+          </a:p>
+          <a:p>
+            <a:pPr marL="431800" indent="-323850" defTabSz="1007943" fontAlgn="auto">
+              <a:spcBef>
+                <a:spcPts val="1102"/>
+              </a:spcBef>
+              <a:spcAft>
+                <a:spcPts val="0"/>
+              </a:spcAft>
+              <a:tabLst>
+                <a:tab pos="723900" algn="l"/>
+                <a:tab pos="1447800" algn="l"/>
+                <a:tab pos="2171700" algn="l"/>
+                <a:tab pos="2895600" algn="l"/>
+                <a:tab pos="3619500" algn="l"/>
+                <a:tab pos="4343400" algn="l"/>
+                <a:tab pos="5067300" algn="l"/>
+                <a:tab pos="5791200" algn="l"/>
+                <a:tab pos="6515100" algn="l"/>
+                <a:tab pos="7239000" algn="l"/>
+                <a:tab pos="7962900" algn="l"/>
+                <a:tab pos="8686800" algn="l"/>
+              </a:tabLst>
+              <a:defRPr/>
+            </a:pPr>
+            <a:endParaRPr lang="en-GB" altLang="en-US" sz="3086" dirty="0" smtClean="0">
+              <a:latin typeface="Courier New" panose="02070309020205020404" pitchFamily="49" charset="0"/>
             </a:endParaRPr>
           </a:p>
         </p:txBody>
@@ -9320,7 +9230,7 @@
   <p:timing>
     <p:tnLst>
       <p:par>
-        <p:cTn id="1" dur="indefinite" nodeType="tmRoot">
+        <p:cTn id="1" dur="indefinite" restart="never" nodeType="tmRoot">
           <p:childTnLst>
             <p:seq concurrent="1" nextAc="seek">
               <p:cTn id="2" dur="0" nodeType="mainSeq"/>
@@ -9366,6 +9276,324 @@
       </p:grpSpPr>
       <p:sp>
         <p:nvSpPr>
+          <p:cNvPr id="28674" name="Rectangle 1"/>
+          <p:cNvSpPr>
+            <a:spLocks noGrp="1" noChangeArrowheads="1"/>
+          </p:cNvSpPr>
+          <p:nvPr>
+            <p:ph type="title"/>
+          </p:nvPr>
+        </p:nvSpPr>
+        <p:spPr>
+          <a:xfrm>
+            <a:off x="503238" y="301625"/>
+            <a:ext cx="9070975" cy="1262063"/>
+          </a:xfrm>
+          <a:extLst/>
+        </p:spPr>
+        <p:txBody>
+          <a:bodyPr tIns="38808" anchor="t"/>
+          <a:lstStyle/>
+          <a:p>
+            <a:pPr defTabSz="1007943" fontAlgn="auto">
+              <a:spcAft>
+                <a:spcPts val="0"/>
+              </a:spcAft>
+              <a:tabLst>
+                <a:tab pos="723900" algn="l"/>
+                <a:tab pos="1447800" algn="l"/>
+                <a:tab pos="2171700" algn="l"/>
+                <a:tab pos="2895600" algn="l"/>
+                <a:tab pos="3619500" algn="l"/>
+                <a:tab pos="4343400" algn="l"/>
+                <a:tab pos="5067300" algn="l"/>
+                <a:tab pos="5791200" algn="l"/>
+                <a:tab pos="6515100" algn="l"/>
+                <a:tab pos="7239000" algn="l"/>
+                <a:tab pos="7962900" algn="l"/>
+                <a:tab pos="8686800" algn="l"/>
+              </a:tabLst>
+              <a:defRPr/>
+            </a:pPr>
+            <a:r>
+              <a:rPr lang="en-GB" altLang="en-US" sz="3527" smtClean="0"/>
+              <a:t>Pattern matching: globs</a:t>
+            </a:r>
+          </a:p>
+        </p:txBody>
+      </p:sp>
+      <p:sp>
+        <p:nvSpPr>
+          <p:cNvPr id="33795" name="Rectangle 2"/>
+          <p:cNvSpPr>
+            <a:spLocks noGrp="1" noChangeArrowheads="1"/>
+          </p:cNvSpPr>
+          <p:nvPr>
+            <p:ph idx="1"/>
+          </p:nvPr>
+        </p:nvSpPr>
+        <p:spPr>
+          <a:xfrm>
+            <a:off x="503238" y="1768475"/>
+            <a:ext cx="8869362" cy="5286375"/>
+          </a:xfrm>
+        </p:spPr>
+        <p:txBody>
+          <a:bodyPr/>
+          <a:lstStyle/>
+          <a:p>
+            <a:pPr marL="431800" indent="-323850" defTabSz="1007943" fontAlgn="auto">
+              <a:spcBef>
+                <a:spcPts val="1102"/>
+              </a:spcBef>
+              <a:spcAft>
+                <a:spcPts val="0"/>
+              </a:spcAft>
+              <a:buSzPct val="45000"/>
+              <a:buFont typeface="Wingdings" panose="05000000000000000000" pitchFamily="2" charset="2"/>
+              <a:buChar char=""/>
+              <a:tabLst>
+                <a:tab pos="723900" algn="l"/>
+                <a:tab pos="1447800" algn="l"/>
+                <a:tab pos="2171700" algn="l"/>
+                <a:tab pos="2895600" algn="l"/>
+                <a:tab pos="3619500" algn="l"/>
+                <a:tab pos="4343400" algn="l"/>
+                <a:tab pos="5067300" algn="l"/>
+                <a:tab pos="5791200" algn="l"/>
+                <a:tab pos="6515100" algn="l"/>
+                <a:tab pos="7239000" algn="l"/>
+                <a:tab pos="7962900" algn="l"/>
+                <a:tab pos="8686800" algn="l"/>
+              </a:tabLst>
+              <a:defRPr/>
+            </a:pPr>
+            <a:r>
+              <a:rPr lang="en-GB" altLang="en-US" sz="3086" smtClean="0"/>
+              <a:t>And another glob</a:t>
+            </a:r>
+          </a:p>
+          <a:p>
+            <a:pPr marL="863600" lvl="1" indent="-323850" defTabSz="1007943" fontAlgn="auto">
+              <a:lnSpc>
+                <a:spcPct val="112000"/>
+              </a:lnSpc>
+              <a:spcBef>
+                <a:spcPts val="551"/>
+              </a:spcBef>
+              <a:spcAft>
+                <a:spcPts val="0"/>
+              </a:spcAft>
+              <a:buSzPct val="75000"/>
+              <a:buFont typeface="Symbol" panose="05050102010706020507" pitchFamily="18" charset="2"/>
+              <a:buNone/>
+              <a:tabLst>
+                <a:tab pos="723900" algn="l"/>
+                <a:tab pos="1447800" algn="l"/>
+                <a:tab pos="2171700" algn="l"/>
+                <a:tab pos="2895600" algn="l"/>
+                <a:tab pos="3619500" algn="l"/>
+                <a:tab pos="4343400" algn="l"/>
+                <a:tab pos="5067300" algn="l"/>
+                <a:tab pos="5791200" algn="l"/>
+                <a:tab pos="6515100" algn="l"/>
+                <a:tab pos="7239000" algn="l"/>
+                <a:tab pos="7962900" algn="l"/>
+                <a:tab pos="8686800" algn="l"/>
+              </a:tabLst>
+              <a:defRPr/>
+            </a:pPr>
+            <a:r>
+              <a:rPr lang="en-GB" altLang="en-US" sz="2646" smtClean="0">
+                <a:latin typeface="Courier New" panose="02070309020205020404" pitchFamily="49" charset="0"/>
+                <a:ea typeface="MS PGothic" panose="020B0600070205080204" pitchFamily="34" charset="-128"/>
+                <a:cs typeface="Courier New" panose="02070309020205020404" pitchFamily="49" charset="0"/>
+              </a:rPr>
+              <a:t>{fred, barny, wilma}</a:t>
+            </a:r>
+            <a:r>
+              <a:rPr lang="en-GB" altLang="en-US" sz="2646" smtClean="0">
+                <a:ea typeface="MS PGothic" panose="020B0600070205080204" pitchFamily="34" charset="-128"/>
+                <a:cs typeface="Calibri" panose="020F0502020204030204" pitchFamily="34" charset="0"/>
+              </a:rPr>
+              <a:t> matches</a:t>
+            </a:r>
+            <a:r>
+              <a:rPr lang="en-GB" altLang="en-US" sz="2646" smtClean="0">
+                <a:ea typeface="MS PGothic" panose="020B0600070205080204" pitchFamily="34" charset="-128"/>
+              </a:rPr>
+              <a:t> any of the comma separated names listed.</a:t>
+            </a:r>
+          </a:p>
+          <a:p>
+            <a:pPr marL="863600" lvl="1" indent="-323850" defTabSz="1007943" fontAlgn="auto">
+              <a:lnSpc>
+                <a:spcPct val="112000"/>
+              </a:lnSpc>
+              <a:spcBef>
+                <a:spcPts val="551"/>
+              </a:spcBef>
+              <a:spcAft>
+                <a:spcPts val="0"/>
+              </a:spcAft>
+              <a:buSzPct val="75000"/>
+              <a:buFont typeface="Symbol" panose="05050102010706020507" pitchFamily="18" charset="2"/>
+              <a:buNone/>
+              <a:tabLst>
+                <a:tab pos="723900" algn="l"/>
+                <a:tab pos="1447800" algn="l"/>
+                <a:tab pos="2171700" algn="l"/>
+                <a:tab pos="2895600" algn="l"/>
+                <a:tab pos="3619500" algn="l"/>
+                <a:tab pos="4343400" algn="l"/>
+                <a:tab pos="5067300" algn="l"/>
+                <a:tab pos="5791200" algn="l"/>
+                <a:tab pos="6515100" algn="l"/>
+                <a:tab pos="7239000" algn="l"/>
+                <a:tab pos="7962900" algn="l"/>
+                <a:tab pos="8686800" algn="l"/>
+              </a:tabLst>
+              <a:defRPr/>
+            </a:pPr>
+            <a:r>
+              <a:rPr lang="en-GB" altLang="en-US" sz="2646" smtClean="0">
+                <a:ea typeface="MS PGothic" panose="020B0600070205080204" pitchFamily="34" charset="-128"/>
+              </a:rPr>
+              <a:t>For example </a:t>
+            </a:r>
+            <a:r>
+              <a:rPr lang="en-GB" altLang="en-US" sz="2646" smtClean="0">
+                <a:latin typeface="Courier New" panose="02070309020205020404" pitchFamily="49" charset="0"/>
+                <a:ea typeface="MS PGothic" panose="020B0600070205080204" pitchFamily="34" charset="-128"/>
+              </a:rPr>
+              <a:t>ls *.{jpg,png}</a:t>
+            </a:r>
+            <a:r>
+              <a:rPr lang="en-GB" altLang="en-US" sz="2646" smtClean="0">
+                <a:ea typeface="MS PGothic" panose="020B0600070205080204" pitchFamily="34" charset="-128"/>
+              </a:rPr>
+              <a:t> will list all your jpg and png files.</a:t>
+            </a:r>
+          </a:p>
+          <a:p>
+            <a:pPr marL="431800" indent="-323850" defTabSz="1007943" fontAlgn="auto">
+              <a:spcBef>
+                <a:spcPts val="1102"/>
+              </a:spcBef>
+              <a:spcAft>
+                <a:spcPts val="0"/>
+              </a:spcAft>
+              <a:buFont typeface="Times New Roman" panose="02020603050405020304" pitchFamily="18" charset="0"/>
+              <a:buNone/>
+              <a:tabLst>
+                <a:tab pos="723900" algn="l"/>
+                <a:tab pos="1447800" algn="l"/>
+                <a:tab pos="2171700" algn="l"/>
+                <a:tab pos="2895600" algn="l"/>
+                <a:tab pos="3619500" algn="l"/>
+                <a:tab pos="4343400" algn="l"/>
+                <a:tab pos="5067300" algn="l"/>
+                <a:tab pos="5791200" algn="l"/>
+                <a:tab pos="6515100" algn="l"/>
+                <a:tab pos="7239000" algn="l"/>
+                <a:tab pos="7962900" algn="l"/>
+                <a:tab pos="8686800" algn="l"/>
+              </a:tabLst>
+              <a:defRPr/>
+            </a:pPr>
+            <a:endParaRPr lang="en-US" altLang="en-US" sz="3086" smtClean="0">
+              <a:latin typeface="Courier New" panose="02070309020205020404" pitchFamily="49" charset="0"/>
+              <a:cs typeface="Courier New" panose="02070309020205020404" pitchFamily="49" charset="0"/>
+            </a:endParaRPr>
+          </a:p>
+          <a:p>
+            <a:pPr marL="431800" indent="-323850" defTabSz="1007943" fontAlgn="auto">
+              <a:spcBef>
+                <a:spcPts val="1102"/>
+              </a:spcBef>
+              <a:spcAft>
+                <a:spcPts val="0"/>
+              </a:spcAft>
+              <a:buFont typeface="Times New Roman" panose="02020603050405020304" pitchFamily="18" charset="0"/>
+              <a:buNone/>
+              <a:tabLst>
+                <a:tab pos="723900" algn="l"/>
+                <a:tab pos="1447800" algn="l"/>
+                <a:tab pos="2171700" algn="l"/>
+                <a:tab pos="2895600" algn="l"/>
+                <a:tab pos="3619500" algn="l"/>
+                <a:tab pos="4343400" algn="l"/>
+                <a:tab pos="5067300" algn="l"/>
+                <a:tab pos="5791200" algn="l"/>
+                <a:tab pos="6515100" algn="l"/>
+                <a:tab pos="7239000" algn="l"/>
+                <a:tab pos="7962900" algn="l"/>
+                <a:tab pos="8686800" algn="l"/>
+              </a:tabLst>
+              <a:defRPr/>
+            </a:pPr>
+            <a:endParaRPr lang="en-GB" altLang="en-US" sz="3086" smtClean="0">
+              <a:latin typeface="Courier New" panose="02070309020205020404" pitchFamily="49" charset="0"/>
+              <a:cs typeface="Courier New" panose="02070309020205020404" pitchFamily="49" charset="0"/>
+            </a:endParaRPr>
+          </a:p>
+        </p:txBody>
+      </p:sp>
+    </p:spTree>
+  </p:cSld>
+  <p:clrMapOvr>
+    <a:masterClrMapping/>
+  </p:clrMapOvr>
+  <p:transition spd="med"/>
+  <p:timing>
+    <p:tnLst>
+      <p:par>
+        <p:cTn id="1" dur="indefinite" restart="never" nodeType="tmRoot">
+          <p:childTnLst>
+            <p:seq concurrent="1" nextAc="seek">
+              <p:cTn id="2" dur="0" nodeType="mainSeq"/>
+              <p:prevCondLst>
+                <p:cond evt="onPrev" delay="0">
+                  <p:tgtEl>
+                    <p:sldTgt/>
+                  </p:tgtEl>
+                </p:cond>
+              </p:prevCondLst>
+              <p:nextCondLst>
+                <p:cond evt="onNext" delay="0">
+                  <p:tgtEl>
+                    <p:sldTgt/>
+                  </p:tgtEl>
+                </p:cond>
+              </p:nextCondLst>
+            </p:seq>
+          </p:childTnLst>
+        </p:cTn>
+      </p:par>
+    </p:tnLst>
+  </p:timing>
+</p:sld>
+</file>
+
+<file path=ppt/slides/slide18.xml><?xml version="1.0" encoding="utf-8"?>
+<p:sld xmlns:a="http://schemas.openxmlformats.org/drawingml/2006/main" xmlns:r="http://schemas.openxmlformats.org/officeDocument/2006/relationships" xmlns:p="http://schemas.openxmlformats.org/presentationml/2006/main">
+  <p:cSld>
+    <p:spTree>
+      <p:nvGrpSpPr>
+        <p:cNvPr id="1" name=""/>
+        <p:cNvGrpSpPr/>
+        <p:nvPr/>
+      </p:nvGrpSpPr>
+      <p:grpSpPr>
+        <a:xfrm>
+          <a:off x="0" y="0"/>
+          <a:ext cx="0" cy="0"/>
+          <a:chOff x="0" y="0"/>
+          <a:chExt cx="0" cy="0"/>
+        </a:xfrm>
+      </p:grpSpPr>
+      <p:sp>
+        <p:nvSpPr>
           <p:cNvPr id="30722" name="Title 1"/>
           <p:cNvSpPr>
             <a:spLocks noGrp="1"/>
@@ -9498,7 +9726,7 @@
 </p:sld>
 </file>
 
-<file path=ppt/slides/slide18.xml><?xml version="1.0" encoding="utf-8"?>
+<file path=ppt/slides/slide19.xml><?xml version="1.0" encoding="utf-8"?>
 <p:sld xmlns:a="http://schemas.openxmlformats.org/drawingml/2006/main" xmlns:r="http://schemas.openxmlformats.org/officeDocument/2006/relationships" xmlns:p="http://schemas.openxmlformats.org/presentationml/2006/main">
   <p:cSld>
     <p:spTree>
@@ -9727,7 +9955,106 @@
 </p:sld>
 </file>
 
-<file path=ppt/slides/slide19.xml><?xml version="1.0" encoding="utf-8"?>
+<file path=ppt/slides/slide2.xml><?xml version="1.0" encoding="utf-8"?>
+<p:sld xmlns:a="http://schemas.openxmlformats.org/drawingml/2006/main" xmlns:r="http://schemas.openxmlformats.org/officeDocument/2006/relationships" xmlns:p="http://schemas.openxmlformats.org/presentationml/2006/main">
+  <p:cSld>
+    <p:spTree>
+      <p:nvGrpSpPr>
+        <p:cNvPr id="1" name=""/>
+        <p:cNvGrpSpPr/>
+        <p:nvPr/>
+      </p:nvGrpSpPr>
+      <p:grpSpPr>
+        <a:xfrm>
+          <a:off x="0" y="0"/>
+          <a:ext cx="0" cy="0"/>
+          <a:chOff x="0" y="0"/>
+          <a:chExt cx="0" cy="0"/>
+        </a:xfrm>
+      </p:grpSpPr>
+      <p:sp>
+        <p:nvSpPr>
+          <p:cNvPr id="6146" name="Title 1"/>
+          <p:cNvSpPr>
+            <a:spLocks noGrp="1"/>
+          </p:cNvSpPr>
+          <p:nvPr>
+            <p:ph type="title"/>
+          </p:nvPr>
+        </p:nvSpPr>
+        <p:spPr>
+          <a:extLst/>
+        </p:spPr>
+        <p:txBody>
+          <a:bodyPr anchor="t"/>
+          <a:lstStyle/>
+          <a:p>
+            <a:pPr defTabSz="1007943" fontAlgn="auto">
+              <a:spcAft>
+                <a:spcPts val="0"/>
+              </a:spcAft>
+              <a:defRPr/>
+            </a:pPr>
+            <a:r>
+              <a:rPr lang="en-US" altLang="en-US" sz="3527" dirty="0" smtClean="0">
+                <a:cs typeface="Calibri" panose="020F0502020204030204" pitchFamily="34" charset="0"/>
+              </a:rPr>
+              <a:t>More Tricks</a:t>
+            </a:r>
+          </a:p>
+        </p:txBody>
+      </p:sp>
+      <p:sp>
+        <p:nvSpPr>
+          <p:cNvPr id="6147" name="Content Placeholder 2"/>
+          <p:cNvSpPr>
+            <a:spLocks noGrp="1"/>
+          </p:cNvSpPr>
+          <p:nvPr>
+            <p:ph idx="1"/>
+          </p:nvPr>
+        </p:nvSpPr>
+        <p:spPr>
+          <a:extLst/>
+        </p:spPr>
+        <p:txBody>
+          <a:bodyPr/>
+          <a:lstStyle/>
+          <a:p>
+            <a:pPr marL="251986" indent="-251986" defTabSz="1007943" fontAlgn="auto">
+              <a:spcBef>
+                <a:spcPts val="1102"/>
+              </a:spcBef>
+              <a:spcAft>
+                <a:spcPts val="0"/>
+              </a:spcAft>
+              <a:defRPr/>
+            </a:pPr>
+            <a:r>
+              <a:rPr lang="en-US" altLang="en-US" sz="3086" smtClean="0">
+                <a:cs typeface="Calibri" panose="020F0502020204030204" pitchFamily="34" charset="0"/>
+              </a:rPr>
+              <a:t>These are small exercises to tell you things you need to know.</a:t>
+            </a:r>
+          </a:p>
+        </p:txBody>
+      </p:sp>
+    </p:spTree>
+  </p:cSld>
+  <p:clrMapOvr>
+    <a:masterClrMapping/>
+  </p:clrMapOvr>
+  <p:timing>
+    <p:tnLst>
+      <p:par>
+        <p:cTn id="1" dur="indefinite" restart="never" nodeType="tmRoot"/>
+      </p:par>
+    </p:tnLst>
+  </p:timing>
+</p:sld>
+</file>
+
+<file path=ppt/slides/slide20.xml><?xml version="1.0" encoding="utf-8"?>
 <p:sld xmlns:a="http://schemas.openxmlformats.org/drawingml/2006/main" xmlns:r="http://schemas.openxmlformats.org/officeDocument/2006/relationships" xmlns:p="http://schemas.openxmlformats.org/presentationml/2006/main">
   <p:cSld>
     <p:spTree>
@@ -9934,451 +10261,7 @@
 </p:sld>
 </file>
 
-<file path=ppt/slides/slide2.xml><?xml version="1.0" encoding="utf-8"?>
-<p:sld xmlns:a="http://schemas.openxmlformats.org/drawingml/2006/main" xmlns:r="http://schemas.openxmlformats.org/officeDocument/2006/relationships" xmlns:p="http://schemas.openxmlformats.org/presentationml/2006/main">
-  <p:cSld>
-    <p:spTree>
-      <p:nvGrpSpPr>
-        <p:cNvPr id="1" name=""/>
-        <p:cNvGrpSpPr/>
-        <p:nvPr/>
-      </p:nvGrpSpPr>
-      <p:grpSpPr>
-        <a:xfrm>
-          <a:off x="0" y="0"/>
-          <a:ext cx="0" cy="0"/>
-          <a:chOff x="0" y="0"/>
-          <a:chExt cx="0" cy="0"/>
-        </a:xfrm>
-      </p:grpSpPr>
-      <p:sp>
-        <p:nvSpPr>
-          <p:cNvPr id="7170" name="Rectangle 1"/>
-          <p:cNvSpPr>
-            <a:spLocks noGrp="1" noChangeArrowheads="1"/>
-          </p:cNvSpPr>
-          <p:nvPr>
-            <p:ph type="title"/>
-          </p:nvPr>
-        </p:nvSpPr>
-        <p:spPr>
-          <a:xfrm>
-            <a:off x="503238" y="301625"/>
-            <a:ext cx="9070975" cy="1262063"/>
-          </a:xfrm>
-          <a:extLst/>
-        </p:spPr>
-        <p:txBody>
-          <a:bodyPr tIns="38808" anchor="t"/>
-          <a:lstStyle/>
-          <a:p>
-            <a:pPr defTabSz="1007943" fontAlgn="auto">
-              <a:spcAft>
-                <a:spcPts val="0"/>
-              </a:spcAft>
-              <a:tabLst>
-                <a:tab pos="723900" algn="l"/>
-                <a:tab pos="1447800" algn="l"/>
-                <a:tab pos="2171700" algn="l"/>
-                <a:tab pos="2895600" algn="l"/>
-                <a:tab pos="3619500" algn="l"/>
-                <a:tab pos="4343400" algn="l"/>
-                <a:tab pos="5067300" algn="l"/>
-                <a:tab pos="5791200" algn="l"/>
-                <a:tab pos="6515100" algn="l"/>
-                <a:tab pos="7239000" algn="l"/>
-                <a:tab pos="7962900" algn="l"/>
-                <a:tab pos="8686800" algn="l"/>
-              </a:tabLst>
-              <a:defRPr/>
-            </a:pPr>
-            <a:r>
-              <a:rPr lang="en-GB" altLang="en-US" sz="3527" smtClean="0">
-                <a:cs typeface="Calibri" panose="020F0502020204030204" pitchFamily="34" charset="0"/>
-              </a:rPr>
-              <a:t>xargs</a:t>
-            </a:r>
-          </a:p>
-        </p:txBody>
-      </p:sp>
-      <p:sp>
-        <p:nvSpPr>
-          <p:cNvPr id="12291" name="Rectangle 2"/>
-          <p:cNvSpPr>
-            <a:spLocks noGrp="1" noChangeArrowheads="1"/>
-          </p:cNvSpPr>
-          <p:nvPr>
-            <p:ph idx="1"/>
-          </p:nvPr>
-        </p:nvSpPr>
-        <p:spPr>
-          <a:xfrm>
-            <a:off x="539750" y="1733550"/>
-            <a:ext cx="8869363" cy="5575300"/>
-          </a:xfrm>
-        </p:spPr>
-        <p:txBody>
-          <a:bodyPr/>
-          <a:lstStyle/>
-          <a:p>
-            <a:pPr marL="431800" indent="-323850" defTabSz="1007943" fontAlgn="auto">
-              <a:spcBef>
-                <a:spcPts val="1102"/>
-              </a:spcBef>
-              <a:spcAft>
-                <a:spcPts val="0"/>
-              </a:spcAft>
-              <a:buSzPct val="45000"/>
-              <a:buFont typeface="Wingdings" panose="05000000000000000000" pitchFamily="2" charset="2"/>
-              <a:buChar char=""/>
-              <a:tabLst>
-                <a:tab pos="723900" algn="l"/>
-                <a:tab pos="1447800" algn="l"/>
-                <a:tab pos="2171700" algn="l"/>
-                <a:tab pos="2895600" algn="l"/>
-                <a:tab pos="3619500" algn="l"/>
-                <a:tab pos="4343400" algn="l"/>
-                <a:tab pos="5067300" algn="l"/>
-                <a:tab pos="5791200" algn="l"/>
-                <a:tab pos="6515100" algn="l"/>
-                <a:tab pos="7239000" algn="l"/>
-                <a:tab pos="7962900" algn="l"/>
-                <a:tab pos="8686800" algn="l"/>
-              </a:tabLst>
-              <a:defRPr/>
-            </a:pPr>
-            <a:r>
-              <a:rPr lang="en-GB" altLang="en-US" sz="2800" dirty="0" smtClean="0">
-                <a:cs typeface="Calibri" panose="020F0502020204030204" pitchFamily="34" charset="0"/>
-              </a:rPr>
-              <a:t>This does not work</a:t>
-            </a:r>
-          </a:p>
-          <a:p>
-            <a:pPr marL="107950" indent="0" defTabSz="1007943" fontAlgn="auto">
-              <a:spcBef>
-                <a:spcPts val="1102"/>
-              </a:spcBef>
-              <a:spcAft>
-                <a:spcPts val="0"/>
-              </a:spcAft>
-              <a:buFont typeface="Arial" panose="020B0604020202020204" pitchFamily="34" charset="0"/>
-              <a:buNone/>
-              <a:tabLst>
-                <a:tab pos="723900" algn="l"/>
-                <a:tab pos="1447800" algn="l"/>
-                <a:tab pos="2171700" algn="l"/>
-                <a:tab pos="2895600" algn="l"/>
-                <a:tab pos="3619500" algn="l"/>
-                <a:tab pos="4343400" algn="l"/>
-                <a:tab pos="5067300" algn="l"/>
-                <a:tab pos="5791200" algn="l"/>
-                <a:tab pos="6515100" algn="l"/>
-                <a:tab pos="7239000" algn="l"/>
-                <a:tab pos="7962900" algn="l"/>
-                <a:tab pos="8686800" algn="l"/>
-              </a:tabLst>
-              <a:defRPr/>
-            </a:pPr>
-            <a:r>
-              <a:rPr lang="en-US" altLang="en-US" sz="2400" b="1" dirty="0" smtClean="0">
-                <a:latin typeface="Courier New" panose="02070309020205020404" pitchFamily="49" charset="0"/>
-                <a:ea typeface="MS PGothic" panose="020B0600070205080204" pitchFamily="34" charset="-128"/>
-                <a:cs typeface="Courier New" panose="02070309020205020404" pitchFamily="49" charset="0"/>
-              </a:rPr>
-              <a:t>$ </a:t>
-            </a:r>
-            <a:r>
-              <a:rPr lang="en-US" altLang="en-US" sz="2400" dirty="0" smtClean="0">
-                <a:solidFill>
-                  <a:schemeClr val="accent6">
-                    <a:lumMod val="75000"/>
-                  </a:schemeClr>
-                </a:solidFill>
-                <a:latin typeface="Courier New" panose="02070309020205020404" pitchFamily="49" charset="0"/>
-                <a:ea typeface="MS PGothic" panose="020B0600070205080204" pitchFamily="34" charset="-128"/>
-                <a:cs typeface="Courier New" panose="02070309020205020404" pitchFamily="49" charset="0"/>
-              </a:rPr>
-              <a:t>find </a:t>
-            </a:r>
-            <a:r>
-              <a:rPr lang="en-US" altLang="en-US" sz="2400" dirty="0" err="1" smtClean="0">
-                <a:solidFill>
-                  <a:schemeClr val="accent6">
-                    <a:lumMod val="75000"/>
-                  </a:schemeClr>
-                </a:solidFill>
-                <a:latin typeface="Courier New" panose="02070309020205020404" pitchFamily="49" charset="0"/>
-                <a:ea typeface="MS PGothic" panose="020B0600070205080204" pitchFamily="34" charset="-128"/>
-                <a:cs typeface="Courier New" panose="02070309020205020404" pitchFamily="49" charset="0"/>
-              </a:rPr>
-              <a:t>acsoe</a:t>
-            </a:r>
-            <a:r>
-              <a:rPr lang="en-US" altLang="en-US" sz="2400" dirty="0" smtClean="0">
-                <a:solidFill>
-                  <a:schemeClr val="accent6">
-                    <a:lumMod val="75000"/>
-                  </a:schemeClr>
-                </a:solidFill>
-                <a:latin typeface="Courier New" panose="02070309020205020404" pitchFamily="49" charset="0"/>
-                <a:ea typeface="MS PGothic" panose="020B0600070205080204" pitchFamily="34" charset="-128"/>
-                <a:cs typeface="Courier New" panose="02070309020205020404" pitchFamily="49" charset="0"/>
-              </a:rPr>
-              <a:t> | ls</a:t>
-            </a:r>
-          </a:p>
-          <a:p>
-            <a:pPr marL="107950" indent="0" defTabSz="1007943" fontAlgn="auto">
-              <a:spcBef>
-                <a:spcPts val="1102"/>
-              </a:spcBef>
-              <a:spcAft>
-                <a:spcPts val="0"/>
-              </a:spcAft>
-              <a:buFont typeface="Arial" panose="020B0604020202020204" pitchFamily="34" charset="0"/>
-              <a:buNone/>
-              <a:tabLst>
-                <a:tab pos="723900" algn="l"/>
-                <a:tab pos="1447800" algn="l"/>
-                <a:tab pos="2171700" algn="l"/>
-                <a:tab pos="2895600" algn="l"/>
-                <a:tab pos="3619500" algn="l"/>
-                <a:tab pos="4343400" algn="l"/>
-                <a:tab pos="5067300" algn="l"/>
-                <a:tab pos="5791200" algn="l"/>
-                <a:tab pos="6515100" algn="l"/>
-                <a:tab pos="7239000" algn="l"/>
-                <a:tab pos="7962900" algn="l"/>
-                <a:tab pos="8686800" algn="l"/>
-              </a:tabLst>
-              <a:defRPr/>
-            </a:pPr>
-            <a:r>
-              <a:rPr lang="en-US" altLang="en-US" sz="2400" i="1" dirty="0" err="1" smtClean="0">
-                <a:latin typeface="Courier New" panose="02070309020205020404" pitchFamily="49" charset="0"/>
-                <a:ea typeface="MS PGothic" panose="020B0600070205080204" pitchFamily="34" charset="-128"/>
-                <a:cs typeface="Courier New" panose="02070309020205020404" pitchFamily="49" charset="0"/>
-              </a:rPr>
-              <a:t>acsoe</a:t>
-            </a:r>
-            <a:r>
-              <a:rPr lang="en-US" altLang="en-US" sz="2400" i="1" dirty="0" smtClean="0">
-                <a:latin typeface="Courier New" panose="02070309020205020404" pitchFamily="49" charset="0"/>
-                <a:ea typeface="MS PGothic" panose="020B0600070205080204" pitchFamily="34" charset="-128"/>
-                <a:cs typeface="Courier New" panose="02070309020205020404" pitchFamily="49" charset="0"/>
-              </a:rPr>
-              <a:t>		presentations</a:t>
-            </a:r>
-          </a:p>
-          <a:p>
-            <a:pPr marL="107950" indent="0" defTabSz="1007943" fontAlgn="auto">
-              <a:spcBef>
-                <a:spcPts val="1102"/>
-              </a:spcBef>
-              <a:spcAft>
-                <a:spcPts val="0"/>
-              </a:spcAft>
-              <a:buFont typeface="Arial" panose="020B0604020202020204" pitchFamily="34" charset="0"/>
-              <a:buNone/>
-              <a:tabLst>
-                <a:tab pos="723900" algn="l"/>
-                <a:tab pos="1447800" algn="l"/>
-                <a:tab pos="2171700" algn="l"/>
-                <a:tab pos="2895600" algn="l"/>
-                <a:tab pos="3619500" algn="l"/>
-                <a:tab pos="4343400" algn="l"/>
-                <a:tab pos="5067300" algn="l"/>
-                <a:tab pos="5791200" algn="l"/>
-                <a:tab pos="6515100" algn="l"/>
-                <a:tab pos="7239000" algn="l"/>
-                <a:tab pos="7962900" algn="l"/>
-                <a:tab pos="8686800" algn="l"/>
-              </a:tabLst>
-              <a:defRPr/>
-            </a:pPr>
-            <a:r>
-              <a:rPr lang="en-US" altLang="en-US" sz="2400" b="1" dirty="0" smtClean="0">
-                <a:latin typeface="Courier New" panose="02070309020205020404" pitchFamily="49" charset="0"/>
-                <a:ea typeface="MS PGothic" panose="020B0600070205080204" pitchFamily="34" charset="-128"/>
-                <a:cs typeface="Courier New" panose="02070309020205020404" pitchFamily="49" charset="0"/>
-              </a:rPr>
-              <a:t>$ </a:t>
-            </a:r>
-          </a:p>
-          <a:p>
-            <a:pPr marL="431800" indent="-323850" defTabSz="1007943" fontAlgn="auto">
-              <a:spcBef>
-                <a:spcPts val="1102"/>
-              </a:spcBef>
-              <a:spcAft>
-                <a:spcPts val="0"/>
-              </a:spcAft>
-              <a:tabLst>
-                <a:tab pos="723900" algn="l"/>
-                <a:tab pos="1447800" algn="l"/>
-                <a:tab pos="2171700" algn="l"/>
-                <a:tab pos="2895600" algn="l"/>
-                <a:tab pos="3619500" algn="l"/>
-                <a:tab pos="4343400" algn="l"/>
-                <a:tab pos="5067300" algn="l"/>
-                <a:tab pos="5791200" algn="l"/>
-                <a:tab pos="6515100" algn="l"/>
-                <a:tab pos="7239000" algn="l"/>
-                <a:tab pos="7962900" algn="l"/>
-                <a:tab pos="8686800" algn="l"/>
-              </a:tabLst>
-              <a:defRPr/>
-            </a:pPr>
-            <a:endParaRPr lang="en-US" altLang="en-US" sz="2400" b="1" dirty="0" smtClean="0">
-              <a:latin typeface="Courier New" panose="02070309020205020404" pitchFamily="49" charset="0"/>
-              <a:ea typeface="MS PGothic" panose="020B0600070205080204" pitchFamily="34" charset="-128"/>
-              <a:cs typeface="Courier New" panose="02070309020205020404" pitchFamily="49" charset="0"/>
-            </a:endParaRPr>
-          </a:p>
-          <a:p>
-            <a:pPr marL="431800" indent="-323850" defTabSz="1007943" fontAlgn="auto">
-              <a:spcBef>
-                <a:spcPts val="1102"/>
-              </a:spcBef>
-              <a:spcAft>
-                <a:spcPts val="0"/>
-              </a:spcAft>
-              <a:buSzPct val="45000"/>
-              <a:buFont typeface="Wingdings" panose="05000000000000000000" pitchFamily="2" charset="2"/>
-              <a:buChar char=""/>
-              <a:tabLst>
-                <a:tab pos="723900" algn="l"/>
-                <a:tab pos="1447800" algn="l"/>
-                <a:tab pos="2171700" algn="l"/>
-                <a:tab pos="2895600" algn="l"/>
-                <a:tab pos="3619500" algn="l"/>
-                <a:tab pos="4343400" algn="l"/>
-                <a:tab pos="5067300" algn="l"/>
-                <a:tab pos="5791200" algn="l"/>
-                <a:tab pos="6515100" algn="l"/>
-                <a:tab pos="7239000" algn="l"/>
-                <a:tab pos="7962900" algn="l"/>
-                <a:tab pos="8686800" algn="l"/>
-              </a:tabLst>
-              <a:defRPr/>
-            </a:pPr>
-            <a:r>
-              <a:rPr lang="en-US" altLang="en-US" sz="2800" dirty="0" smtClean="0"/>
-              <a:t>F</a:t>
-            </a:r>
-            <a:r>
-              <a:rPr lang="en-GB" altLang="en-US" sz="2800" dirty="0" err="1" smtClean="0"/>
-              <a:t>ind</a:t>
-            </a:r>
-            <a:r>
-              <a:rPr lang="en-GB" altLang="en-US" sz="2800" dirty="0" smtClean="0"/>
-              <a:t> pipes a list of files to ls.</a:t>
-            </a:r>
-          </a:p>
-          <a:p>
-            <a:pPr marL="431800" indent="-323850" defTabSz="1007943" fontAlgn="auto">
-              <a:spcBef>
-                <a:spcPts val="1102"/>
-              </a:spcBef>
-              <a:spcAft>
-                <a:spcPts val="0"/>
-              </a:spcAft>
-              <a:buSzPct val="45000"/>
-              <a:buFont typeface="Wingdings" panose="05000000000000000000" pitchFamily="2" charset="2"/>
-              <a:buChar char=""/>
-              <a:tabLst>
-                <a:tab pos="723900" algn="l"/>
-                <a:tab pos="1447800" algn="l"/>
-                <a:tab pos="2171700" algn="l"/>
-                <a:tab pos="2895600" algn="l"/>
-                <a:tab pos="3619500" algn="l"/>
-                <a:tab pos="4343400" algn="l"/>
-                <a:tab pos="5067300" algn="l"/>
-                <a:tab pos="5791200" algn="l"/>
-                <a:tab pos="6515100" algn="l"/>
-                <a:tab pos="7239000" algn="l"/>
-                <a:tab pos="7962900" algn="l"/>
-                <a:tab pos="8686800" algn="l"/>
-              </a:tabLst>
-              <a:defRPr/>
-            </a:pPr>
-            <a:r>
-              <a:rPr lang="en-GB" altLang="en-US" sz="2800" dirty="0" smtClean="0"/>
-              <a:t>ls ignores input and just does a normal listing of the current working directory.</a:t>
-            </a:r>
-          </a:p>
-          <a:p>
-            <a:pPr marL="431800" indent="-323850" defTabSz="1007943" fontAlgn="auto">
-              <a:spcBef>
-                <a:spcPts val="1102"/>
-              </a:spcBef>
-              <a:spcAft>
-                <a:spcPts val="0"/>
-              </a:spcAft>
-              <a:buSzPct val="45000"/>
-              <a:buFont typeface="Wingdings" panose="05000000000000000000" pitchFamily="2" charset="2"/>
-              <a:buChar char=""/>
-              <a:tabLst>
-                <a:tab pos="723900" algn="l"/>
-                <a:tab pos="1447800" algn="l"/>
-                <a:tab pos="2171700" algn="l"/>
-                <a:tab pos="2895600" algn="l"/>
-                <a:tab pos="3619500" algn="l"/>
-                <a:tab pos="4343400" algn="l"/>
-                <a:tab pos="5067300" algn="l"/>
-                <a:tab pos="5791200" algn="l"/>
-                <a:tab pos="6515100" algn="l"/>
-                <a:tab pos="7239000" algn="l"/>
-                <a:tab pos="7962900" algn="l"/>
-                <a:tab pos="8686800" algn="l"/>
-              </a:tabLst>
-              <a:defRPr/>
-            </a:pPr>
-            <a:r>
-              <a:rPr lang="en-GB" altLang="en-US" sz="2800" dirty="0" smtClean="0"/>
-              <a:t>Lots of commands expect a list of arguments, not standard input. Is there anything to help?</a:t>
-            </a:r>
-          </a:p>
-        </p:txBody>
-      </p:sp>
-    </p:spTree>
-  </p:cSld>
-  <p:clrMapOvr>
-    <a:masterClrMapping/>
-  </p:clrMapOvr>
-  <p:transition spd="med"/>
-  <p:timing>
-    <p:tnLst>
-      <p:par>
-        <p:cTn id="1" dur="indefinite" nodeType="tmRoot">
-          <p:childTnLst>
-            <p:seq concurrent="1" nextAc="seek">
-              <p:cTn id="2" dur="0" nodeType="mainSeq"/>
-              <p:prevCondLst>
-                <p:cond evt="onPrev" delay="0">
-                  <p:tgtEl>
-                    <p:sldTgt/>
-                  </p:tgtEl>
-                </p:cond>
-              </p:prevCondLst>
-              <p:nextCondLst>
-                <p:cond evt="onNext" delay="0">
-                  <p:tgtEl>
-                    <p:sldTgt/>
-                  </p:tgtEl>
-                </p:cond>
-              </p:nextCondLst>
-            </p:seq>
-          </p:childTnLst>
-        </p:cTn>
-      </p:par>
-    </p:tnLst>
-  </p:timing>
-</p:sld>
-</file>
-
-<file path=ppt/slides/slide20.xml><?xml version="1.0" encoding="utf-8"?>
+<file path=ppt/slides/slide21.xml><?xml version="1.0" encoding="utf-8"?>
 <p:sld xmlns:a="http://schemas.openxmlformats.org/drawingml/2006/main" xmlns:r="http://schemas.openxmlformats.org/officeDocument/2006/relationships" xmlns:p="http://schemas.openxmlformats.org/presentationml/2006/main">
   <p:cSld>
     <p:spTree>
@@ -10769,7 +10652,7 @@
 </p:sld>
 </file>
 
-<file path=ppt/slides/slide21.xml><?xml version="1.0" encoding="utf-8"?>
+<file path=ppt/slides/slide22.xml><?xml version="1.0" encoding="utf-8"?>
 <p:sld xmlns:a="http://schemas.openxmlformats.org/drawingml/2006/main" xmlns:r="http://schemas.openxmlformats.org/officeDocument/2006/relationships" xmlns:p="http://schemas.openxmlformats.org/presentationml/2006/main">
   <p:cSld>
     <p:spTree>
@@ -11004,7 +10887,7 @@
 </p:sld>
 </file>
 
-<file path=ppt/slides/slide22.xml><?xml version="1.0" encoding="utf-8"?>
+<file path=ppt/slides/slide23.xml><?xml version="1.0" encoding="utf-8"?>
 <p:sld xmlns:a="http://schemas.openxmlformats.org/drawingml/2006/main" xmlns:r="http://schemas.openxmlformats.org/officeDocument/2006/relationships" xmlns:p="http://schemas.openxmlformats.org/presentationml/2006/main">
   <p:cSld>
     <p:spTree>
@@ -11182,7 +11065,7 @@
 </p:sld>
 </file>
 
-<file path=ppt/slides/slide23.xml><?xml version="1.0" encoding="utf-8"?>
+<file path=ppt/slides/slide24.xml><?xml version="1.0" encoding="utf-8"?>
 <p:sld xmlns:a="http://schemas.openxmlformats.org/drawingml/2006/main" xmlns:r="http://schemas.openxmlformats.org/officeDocument/2006/relationships" xmlns:p="http://schemas.openxmlformats.org/presentationml/2006/main">
   <p:cSld>
     <p:spTree>
@@ -11619,6 +11502,450 @@
       </p:grpSpPr>
       <p:sp>
         <p:nvSpPr>
+          <p:cNvPr id="7170" name="Rectangle 1"/>
+          <p:cNvSpPr>
+            <a:spLocks noGrp="1" noChangeArrowheads="1"/>
+          </p:cNvSpPr>
+          <p:nvPr>
+            <p:ph type="title"/>
+          </p:nvPr>
+        </p:nvSpPr>
+        <p:spPr>
+          <a:xfrm>
+            <a:off x="503238" y="301625"/>
+            <a:ext cx="9070975" cy="1262063"/>
+          </a:xfrm>
+          <a:extLst/>
+        </p:spPr>
+        <p:txBody>
+          <a:bodyPr tIns="38808" anchor="t"/>
+          <a:lstStyle/>
+          <a:p>
+            <a:pPr defTabSz="1007943" fontAlgn="auto">
+              <a:spcAft>
+                <a:spcPts val="0"/>
+              </a:spcAft>
+              <a:tabLst>
+                <a:tab pos="723900" algn="l"/>
+                <a:tab pos="1447800" algn="l"/>
+                <a:tab pos="2171700" algn="l"/>
+                <a:tab pos="2895600" algn="l"/>
+                <a:tab pos="3619500" algn="l"/>
+                <a:tab pos="4343400" algn="l"/>
+                <a:tab pos="5067300" algn="l"/>
+                <a:tab pos="5791200" algn="l"/>
+                <a:tab pos="6515100" algn="l"/>
+                <a:tab pos="7239000" algn="l"/>
+                <a:tab pos="7962900" algn="l"/>
+                <a:tab pos="8686800" algn="l"/>
+              </a:tabLst>
+              <a:defRPr/>
+            </a:pPr>
+            <a:r>
+              <a:rPr lang="en-GB" altLang="en-US" sz="3527" smtClean="0">
+                <a:cs typeface="Calibri" panose="020F0502020204030204" pitchFamily="34" charset="0"/>
+              </a:rPr>
+              <a:t>xargs</a:t>
+            </a:r>
+          </a:p>
+        </p:txBody>
+      </p:sp>
+      <p:sp>
+        <p:nvSpPr>
+          <p:cNvPr id="12291" name="Rectangle 2"/>
+          <p:cNvSpPr>
+            <a:spLocks noGrp="1" noChangeArrowheads="1"/>
+          </p:cNvSpPr>
+          <p:nvPr>
+            <p:ph idx="1"/>
+          </p:nvPr>
+        </p:nvSpPr>
+        <p:spPr>
+          <a:xfrm>
+            <a:off x="539750" y="1733550"/>
+            <a:ext cx="8869363" cy="5575300"/>
+          </a:xfrm>
+        </p:spPr>
+        <p:txBody>
+          <a:bodyPr/>
+          <a:lstStyle/>
+          <a:p>
+            <a:pPr marL="431800" indent="-323850" defTabSz="1007943" fontAlgn="auto">
+              <a:spcBef>
+                <a:spcPts val="1102"/>
+              </a:spcBef>
+              <a:spcAft>
+                <a:spcPts val="0"/>
+              </a:spcAft>
+              <a:buSzPct val="45000"/>
+              <a:buFont typeface="Wingdings" panose="05000000000000000000" pitchFamily="2" charset="2"/>
+              <a:buChar char=""/>
+              <a:tabLst>
+                <a:tab pos="723900" algn="l"/>
+                <a:tab pos="1447800" algn="l"/>
+                <a:tab pos="2171700" algn="l"/>
+                <a:tab pos="2895600" algn="l"/>
+                <a:tab pos="3619500" algn="l"/>
+                <a:tab pos="4343400" algn="l"/>
+                <a:tab pos="5067300" algn="l"/>
+                <a:tab pos="5791200" algn="l"/>
+                <a:tab pos="6515100" algn="l"/>
+                <a:tab pos="7239000" algn="l"/>
+                <a:tab pos="7962900" algn="l"/>
+                <a:tab pos="8686800" algn="l"/>
+              </a:tabLst>
+              <a:defRPr/>
+            </a:pPr>
+            <a:r>
+              <a:rPr lang="en-GB" altLang="en-US" sz="2800" dirty="0" smtClean="0">
+                <a:cs typeface="Calibri" panose="020F0502020204030204" pitchFamily="34" charset="0"/>
+              </a:rPr>
+              <a:t>This does not work</a:t>
+            </a:r>
+          </a:p>
+          <a:p>
+            <a:pPr marL="107950" indent="0" defTabSz="1007943" fontAlgn="auto">
+              <a:spcBef>
+                <a:spcPts val="1102"/>
+              </a:spcBef>
+              <a:spcAft>
+                <a:spcPts val="0"/>
+              </a:spcAft>
+              <a:buFont typeface="Arial" panose="020B0604020202020204" pitchFamily="34" charset="0"/>
+              <a:buNone/>
+              <a:tabLst>
+                <a:tab pos="723900" algn="l"/>
+                <a:tab pos="1447800" algn="l"/>
+                <a:tab pos="2171700" algn="l"/>
+                <a:tab pos="2895600" algn="l"/>
+                <a:tab pos="3619500" algn="l"/>
+                <a:tab pos="4343400" algn="l"/>
+                <a:tab pos="5067300" algn="l"/>
+                <a:tab pos="5791200" algn="l"/>
+                <a:tab pos="6515100" algn="l"/>
+                <a:tab pos="7239000" algn="l"/>
+                <a:tab pos="7962900" algn="l"/>
+                <a:tab pos="8686800" algn="l"/>
+              </a:tabLst>
+              <a:defRPr/>
+            </a:pPr>
+            <a:r>
+              <a:rPr lang="en-US" altLang="en-US" sz="2400" b="1" dirty="0" smtClean="0">
+                <a:latin typeface="Courier New" panose="02070309020205020404" pitchFamily="49" charset="0"/>
+                <a:ea typeface="MS PGothic" panose="020B0600070205080204" pitchFamily="34" charset="-128"/>
+                <a:cs typeface="Courier New" panose="02070309020205020404" pitchFamily="49" charset="0"/>
+              </a:rPr>
+              <a:t>$ </a:t>
+            </a:r>
+            <a:r>
+              <a:rPr lang="en-US" altLang="en-US" sz="2400" dirty="0" smtClean="0">
+                <a:solidFill>
+                  <a:schemeClr val="accent6">
+                    <a:lumMod val="75000"/>
+                  </a:schemeClr>
+                </a:solidFill>
+                <a:latin typeface="Courier New" panose="02070309020205020404" pitchFamily="49" charset="0"/>
+                <a:ea typeface="MS PGothic" panose="020B0600070205080204" pitchFamily="34" charset="-128"/>
+                <a:cs typeface="Courier New" panose="02070309020205020404" pitchFamily="49" charset="0"/>
+              </a:rPr>
+              <a:t>find </a:t>
+            </a:r>
+            <a:r>
+              <a:rPr lang="en-US" altLang="en-US" sz="2400" dirty="0" err="1" smtClean="0">
+                <a:solidFill>
+                  <a:schemeClr val="accent6">
+                    <a:lumMod val="75000"/>
+                  </a:schemeClr>
+                </a:solidFill>
+                <a:latin typeface="Courier New" panose="02070309020205020404" pitchFamily="49" charset="0"/>
+                <a:ea typeface="MS PGothic" panose="020B0600070205080204" pitchFamily="34" charset="-128"/>
+                <a:cs typeface="Courier New" panose="02070309020205020404" pitchFamily="49" charset="0"/>
+              </a:rPr>
+              <a:t>acsoe</a:t>
+            </a:r>
+            <a:r>
+              <a:rPr lang="en-US" altLang="en-US" sz="2400" dirty="0" smtClean="0">
+                <a:solidFill>
+                  <a:schemeClr val="accent6">
+                    <a:lumMod val="75000"/>
+                  </a:schemeClr>
+                </a:solidFill>
+                <a:latin typeface="Courier New" panose="02070309020205020404" pitchFamily="49" charset="0"/>
+                <a:ea typeface="MS PGothic" panose="020B0600070205080204" pitchFamily="34" charset="-128"/>
+                <a:cs typeface="Courier New" panose="02070309020205020404" pitchFamily="49" charset="0"/>
+              </a:rPr>
+              <a:t> | ls</a:t>
+            </a:r>
+          </a:p>
+          <a:p>
+            <a:pPr marL="107950" indent="0" defTabSz="1007943" fontAlgn="auto">
+              <a:spcBef>
+                <a:spcPts val="1102"/>
+              </a:spcBef>
+              <a:spcAft>
+                <a:spcPts val="0"/>
+              </a:spcAft>
+              <a:buFont typeface="Arial" panose="020B0604020202020204" pitchFamily="34" charset="0"/>
+              <a:buNone/>
+              <a:tabLst>
+                <a:tab pos="723900" algn="l"/>
+                <a:tab pos="1447800" algn="l"/>
+                <a:tab pos="2171700" algn="l"/>
+                <a:tab pos="2895600" algn="l"/>
+                <a:tab pos="3619500" algn="l"/>
+                <a:tab pos="4343400" algn="l"/>
+                <a:tab pos="5067300" algn="l"/>
+                <a:tab pos="5791200" algn="l"/>
+                <a:tab pos="6515100" algn="l"/>
+                <a:tab pos="7239000" algn="l"/>
+                <a:tab pos="7962900" algn="l"/>
+                <a:tab pos="8686800" algn="l"/>
+              </a:tabLst>
+              <a:defRPr/>
+            </a:pPr>
+            <a:r>
+              <a:rPr lang="en-US" altLang="en-US" sz="2400" i="1" dirty="0" err="1" smtClean="0">
+                <a:latin typeface="Courier New" panose="02070309020205020404" pitchFamily="49" charset="0"/>
+                <a:ea typeface="MS PGothic" panose="020B0600070205080204" pitchFamily="34" charset="-128"/>
+                <a:cs typeface="Courier New" panose="02070309020205020404" pitchFamily="49" charset="0"/>
+              </a:rPr>
+              <a:t>acsoe</a:t>
+            </a:r>
+            <a:r>
+              <a:rPr lang="en-US" altLang="en-US" sz="2400" i="1" dirty="0" smtClean="0">
+                <a:latin typeface="Courier New" panose="02070309020205020404" pitchFamily="49" charset="0"/>
+                <a:ea typeface="MS PGothic" panose="020B0600070205080204" pitchFamily="34" charset="-128"/>
+                <a:cs typeface="Courier New" panose="02070309020205020404" pitchFamily="49" charset="0"/>
+              </a:rPr>
+              <a:t>		presentations</a:t>
+            </a:r>
+          </a:p>
+          <a:p>
+            <a:pPr marL="107950" indent="0" defTabSz="1007943" fontAlgn="auto">
+              <a:spcBef>
+                <a:spcPts val="1102"/>
+              </a:spcBef>
+              <a:spcAft>
+                <a:spcPts val="0"/>
+              </a:spcAft>
+              <a:buFont typeface="Arial" panose="020B0604020202020204" pitchFamily="34" charset="0"/>
+              <a:buNone/>
+              <a:tabLst>
+                <a:tab pos="723900" algn="l"/>
+                <a:tab pos="1447800" algn="l"/>
+                <a:tab pos="2171700" algn="l"/>
+                <a:tab pos="2895600" algn="l"/>
+                <a:tab pos="3619500" algn="l"/>
+                <a:tab pos="4343400" algn="l"/>
+                <a:tab pos="5067300" algn="l"/>
+                <a:tab pos="5791200" algn="l"/>
+                <a:tab pos="6515100" algn="l"/>
+                <a:tab pos="7239000" algn="l"/>
+                <a:tab pos="7962900" algn="l"/>
+                <a:tab pos="8686800" algn="l"/>
+              </a:tabLst>
+              <a:defRPr/>
+            </a:pPr>
+            <a:r>
+              <a:rPr lang="en-US" altLang="en-US" sz="2400" b="1" dirty="0" smtClean="0">
+                <a:latin typeface="Courier New" panose="02070309020205020404" pitchFamily="49" charset="0"/>
+                <a:ea typeface="MS PGothic" panose="020B0600070205080204" pitchFamily="34" charset="-128"/>
+                <a:cs typeface="Courier New" panose="02070309020205020404" pitchFamily="49" charset="0"/>
+              </a:rPr>
+              <a:t>$ </a:t>
+            </a:r>
+          </a:p>
+          <a:p>
+            <a:pPr marL="431800" indent="-323850" defTabSz="1007943" fontAlgn="auto">
+              <a:spcBef>
+                <a:spcPts val="1102"/>
+              </a:spcBef>
+              <a:spcAft>
+                <a:spcPts val="0"/>
+              </a:spcAft>
+              <a:tabLst>
+                <a:tab pos="723900" algn="l"/>
+                <a:tab pos="1447800" algn="l"/>
+                <a:tab pos="2171700" algn="l"/>
+                <a:tab pos="2895600" algn="l"/>
+                <a:tab pos="3619500" algn="l"/>
+                <a:tab pos="4343400" algn="l"/>
+                <a:tab pos="5067300" algn="l"/>
+                <a:tab pos="5791200" algn="l"/>
+                <a:tab pos="6515100" algn="l"/>
+                <a:tab pos="7239000" algn="l"/>
+                <a:tab pos="7962900" algn="l"/>
+                <a:tab pos="8686800" algn="l"/>
+              </a:tabLst>
+              <a:defRPr/>
+            </a:pPr>
+            <a:endParaRPr lang="en-US" altLang="en-US" sz="2400" b="1" dirty="0" smtClean="0">
+              <a:latin typeface="Courier New" panose="02070309020205020404" pitchFamily="49" charset="0"/>
+              <a:ea typeface="MS PGothic" panose="020B0600070205080204" pitchFamily="34" charset="-128"/>
+              <a:cs typeface="Courier New" panose="02070309020205020404" pitchFamily="49" charset="0"/>
+            </a:endParaRPr>
+          </a:p>
+          <a:p>
+            <a:pPr marL="431800" indent="-323850" defTabSz="1007943" fontAlgn="auto">
+              <a:spcBef>
+                <a:spcPts val="1102"/>
+              </a:spcBef>
+              <a:spcAft>
+                <a:spcPts val="0"/>
+              </a:spcAft>
+              <a:buSzPct val="45000"/>
+              <a:buFont typeface="Wingdings" panose="05000000000000000000" pitchFamily="2" charset="2"/>
+              <a:buChar char=""/>
+              <a:tabLst>
+                <a:tab pos="723900" algn="l"/>
+                <a:tab pos="1447800" algn="l"/>
+                <a:tab pos="2171700" algn="l"/>
+                <a:tab pos="2895600" algn="l"/>
+                <a:tab pos="3619500" algn="l"/>
+                <a:tab pos="4343400" algn="l"/>
+                <a:tab pos="5067300" algn="l"/>
+                <a:tab pos="5791200" algn="l"/>
+                <a:tab pos="6515100" algn="l"/>
+                <a:tab pos="7239000" algn="l"/>
+                <a:tab pos="7962900" algn="l"/>
+                <a:tab pos="8686800" algn="l"/>
+              </a:tabLst>
+              <a:defRPr/>
+            </a:pPr>
+            <a:r>
+              <a:rPr lang="en-US" altLang="en-US" sz="2800" dirty="0" smtClean="0"/>
+              <a:t>F</a:t>
+            </a:r>
+            <a:r>
+              <a:rPr lang="en-GB" altLang="en-US" sz="2800" dirty="0" err="1" smtClean="0"/>
+              <a:t>ind</a:t>
+            </a:r>
+            <a:r>
+              <a:rPr lang="en-GB" altLang="en-US" sz="2800" dirty="0" smtClean="0"/>
+              <a:t> pipes a list of files to ls.</a:t>
+            </a:r>
+          </a:p>
+          <a:p>
+            <a:pPr marL="431800" indent="-323850" defTabSz="1007943" fontAlgn="auto">
+              <a:spcBef>
+                <a:spcPts val="1102"/>
+              </a:spcBef>
+              <a:spcAft>
+                <a:spcPts val="0"/>
+              </a:spcAft>
+              <a:buSzPct val="45000"/>
+              <a:buFont typeface="Wingdings" panose="05000000000000000000" pitchFamily="2" charset="2"/>
+              <a:buChar char=""/>
+              <a:tabLst>
+                <a:tab pos="723900" algn="l"/>
+                <a:tab pos="1447800" algn="l"/>
+                <a:tab pos="2171700" algn="l"/>
+                <a:tab pos="2895600" algn="l"/>
+                <a:tab pos="3619500" algn="l"/>
+                <a:tab pos="4343400" algn="l"/>
+                <a:tab pos="5067300" algn="l"/>
+                <a:tab pos="5791200" algn="l"/>
+                <a:tab pos="6515100" algn="l"/>
+                <a:tab pos="7239000" algn="l"/>
+                <a:tab pos="7962900" algn="l"/>
+                <a:tab pos="8686800" algn="l"/>
+              </a:tabLst>
+              <a:defRPr/>
+            </a:pPr>
+            <a:r>
+              <a:rPr lang="en-GB" altLang="en-US" sz="2800" dirty="0" smtClean="0"/>
+              <a:t>ls ignores input and just does a normal listing of the current working directory.</a:t>
+            </a:r>
+          </a:p>
+          <a:p>
+            <a:pPr marL="431800" indent="-323850" defTabSz="1007943" fontAlgn="auto">
+              <a:spcBef>
+                <a:spcPts val="1102"/>
+              </a:spcBef>
+              <a:spcAft>
+                <a:spcPts val="0"/>
+              </a:spcAft>
+              <a:buSzPct val="45000"/>
+              <a:buFont typeface="Wingdings" panose="05000000000000000000" pitchFamily="2" charset="2"/>
+              <a:buChar char=""/>
+              <a:tabLst>
+                <a:tab pos="723900" algn="l"/>
+                <a:tab pos="1447800" algn="l"/>
+                <a:tab pos="2171700" algn="l"/>
+                <a:tab pos="2895600" algn="l"/>
+                <a:tab pos="3619500" algn="l"/>
+                <a:tab pos="4343400" algn="l"/>
+                <a:tab pos="5067300" algn="l"/>
+                <a:tab pos="5791200" algn="l"/>
+                <a:tab pos="6515100" algn="l"/>
+                <a:tab pos="7239000" algn="l"/>
+                <a:tab pos="7962900" algn="l"/>
+                <a:tab pos="8686800" algn="l"/>
+              </a:tabLst>
+              <a:defRPr/>
+            </a:pPr>
+            <a:r>
+              <a:rPr lang="en-GB" altLang="en-US" sz="2800" dirty="0" smtClean="0"/>
+              <a:t>Lots of commands expect a list of arguments, not standard input. Is there anything to help?</a:t>
+            </a:r>
+          </a:p>
+        </p:txBody>
+      </p:sp>
+    </p:spTree>
+  </p:cSld>
+  <p:clrMapOvr>
+    <a:masterClrMapping/>
+  </p:clrMapOvr>
+  <p:transition spd="med"/>
+  <p:timing>
+    <p:tnLst>
+      <p:par>
+        <p:cTn id="1" dur="indefinite" restart="never" nodeType="tmRoot">
+          <p:childTnLst>
+            <p:seq concurrent="1" nextAc="seek">
+              <p:cTn id="2" dur="0" nodeType="mainSeq"/>
+              <p:prevCondLst>
+                <p:cond evt="onPrev" delay="0">
+                  <p:tgtEl>
+                    <p:sldTgt/>
+                  </p:tgtEl>
+                </p:cond>
+              </p:prevCondLst>
+              <p:nextCondLst>
+                <p:cond evt="onNext" delay="0">
+                  <p:tgtEl>
+                    <p:sldTgt/>
+                  </p:tgtEl>
+                </p:cond>
+              </p:nextCondLst>
+            </p:seq>
+          </p:childTnLst>
+        </p:cTn>
+      </p:par>
+    </p:tnLst>
+  </p:timing>
+</p:sld>
+</file>
+
+<file path=ppt/slides/slide4.xml><?xml version="1.0" encoding="utf-8"?>
+<p:sld xmlns:a="http://schemas.openxmlformats.org/drawingml/2006/main" xmlns:r="http://schemas.openxmlformats.org/officeDocument/2006/relationships" xmlns:p="http://schemas.openxmlformats.org/presentationml/2006/main">
+  <p:cSld>
+    <p:spTree>
+      <p:nvGrpSpPr>
+        <p:cNvPr id="1" name=""/>
+        <p:cNvGrpSpPr/>
+        <p:nvPr/>
+      </p:nvGrpSpPr>
+      <p:grpSpPr>
+        <a:xfrm>
+          <a:off x="0" y="0"/>
+          <a:ext cx="0" cy="0"/>
+          <a:chOff x="0" y="0"/>
+          <a:chExt cx="0" cy="0"/>
+        </a:xfrm>
+      </p:grpSpPr>
+      <p:sp>
+        <p:nvSpPr>
           <p:cNvPr id="9218" name="Title 1"/>
           <p:cNvSpPr>
             <a:spLocks noGrp="1"/>
@@ -11948,7 +12275,7 @@
 </p:sld>
 </file>
 
-<file path=ppt/slides/slide4.xml><?xml version="1.0" encoding="utf-8"?>
+<file path=ppt/slides/slide5.xml><?xml version="1.0" encoding="utf-8"?>
 <p:sld xmlns:a="http://schemas.openxmlformats.org/drawingml/2006/main" xmlns:r="http://schemas.openxmlformats.org/officeDocument/2006/relationships" xmlns:p="http://schemas.openxmlformats.org/presentationml/2006/main">
   <p:cSld>
     <p:spTree>
@@ -12330,7 +12657,7 @@
   <p:timing>
     <p:tnLst>
       <p:par>
-        <p:cTn id="1" dur="indefinite" nodeType="tmRoot">
+        <p:cTn id="1" dur="indefinite" restart="never" nodeType="tmRoot">
           <p:childTnLst>
             <p:seq concurrent="1" nextAc="seek">
               <p:cTn id="2" dur="0" nodeType="mainSeq"/>
@@ -12357,7 +12684,7 @@
 </p:sld>
 </file>
 
-<file path=ppt/slides/slide5.xml><?xml version="1.0" encoding="utf-8"?>
+<file path=ppt/slides/slide6.xml><?xml version="1.0" encoding="utf-8"?>
 <p:sld xmlns:a="http://schemas.openxmlformats.org/drawingml/2006/main" xmlns:r="http://schemas.openxmlformats.org/officeDocument/2006/relationships" xmlns:p="http://schemas.openxmlformats.org/presentationml/2006/main">
   <p:cSld>
     <p:spTree>
@@ -12525,7 +12852,7 @@
 </p:sld>
 </file>
 
-<file path=ppt/slides/slide6.xml><?xml version="1.0" encoding="utf-8"?>
+<file path=ppt/slides/slide7.xml><?xml version="1.0" encoding="utf-8"?>
 <p:sld xmlns:a="http://schemas.openxmlformats.org/drawingml/2006/main" xmlns:r="http://schemas.openxmlformats.org/officeDocument/2006/relationships" xmlns:p="http://schemas.openxmlformats.org/presentationml/2006/main">
   <p:cSld>
     <p:spTree>
@@ -12725,7 +13052,7 @@
 </p:sld>
 </file>
 
-<file path=ppt/slides/slide7.xml><?xml version="1.0" encoding="utf-8"?>
+<file path=ppt/slides/slide8.xml><?xml version="1.0" encoding="utf-8"?>
 <p:sld xmlns:a="http://schemas.openxmlformats.org/drawingml/2006/main" xmlns:r="http://schemas.openxmlformats.org/officeDocument/2006/relationships" xmlns:p="http://schemas.openxmlformats.org/presentationml/2006/main">
   <p:cSld>
     <p:spTree>
@@ -12797,13 +13124,13 @@
           <a:lstStyle/>
           <a:p>
             <a:r>
-              <a:rPr lang="en-US" altLang="en-US" sz="2400" smtClean="0"/>
+              <a:rPr lang="en-US" altLang="en-US" sz="2400" dirty="0" smtClean="0"/>
               <a:t>Can use most browsers to ftp files</a:t>
             </a:r>
           </a:p>
           <a:p>
             <a:r>
-              <a:rPr lang="en-US" altLang="en-US" sz="2400" smtClean="0"/>
+              <a:rPr lang="en-US" altLang="en-US" sz="2400" dirty="0" smtClean="0"/>
               <a:t>Can also use a command line interface too (easy to script) </a:t>
             </a:r>
           </a:p>
@@ -12819,8 +13146,8 @@
         </p:nvSpPr>
         <p:spPr bwMode="auto">
           <a:xfrm>
-            <a:off x="0" y="3171825"/>
-            <a:ext cx="7777163" cy="4387850"/>
+            <a:off x="143718" y="2973339"/>
+            <a:ext cx="6624804" cy="3699474"/>
           </a:xfrm>
           <a:prstGeom prst="rect">
             <a:avLst/>
@@ -12845,7 +13172,7 @@
           </a:extLst>
         </p:spPr>
         <p:txBody>
-          <a:bodyPr>
+          <a:bodyPr wrap="square">
             <a:spAutoFit/>
           </a:bodyPr>
           <a:lstStyle/>
@@ -12862,7 +13189,7 @@
               <a:buNone/>
             </a:pPr>
             <a:r>
-              <a:rPr lang="en-US" altLang="en-US" sz="1200">
+              <a:rPr lang="en-US" altLang="en-US" sz="1050" dirty="0">
                 <a:solidFill>
                   <a:schemeClr val="bg1"/>
                 </a:solidFill>
@@ -12884,7 +13211,7 @@
               <a:buNone/>
             </a:pPr>
             <a:r>
-              <a:rPr lang="en-US" altLang="en-US" sz="1200">
+              <a:rPr lang="en-US" altLang="en-US" sz="1050" dirty="0">
                 <a:solidFill>
                   <a:schemeClr val="bg1"/>
                 </a:solidFill>
@@ -12906,7 +13233,7 @@
               <a:buNone/>
             </a:pPr>
             <a:r>
-              <a:rPr lang="en-US" altLang="en-US" sz="1200">
+              <a:rPr lang="en-US" altLang="en-US" sz="1050" dirty="0">
                 <a:solidFill>
                   <a:schemeClr val="bg1"/>
                 </a:solidFill>
@@ -12928,14 +13255,29 @@
               <a:buNone/>
             </a:pPr>
             <a:r>
-              <a:rPr lang="en-US" altLang="en-US" sz="1200">
+              <a:rPr lang="en-US" altLang="en-US" sz="1050" dirty="0">
                 <a:solidFill>
                   <a:schemeClr val="bg1"/>
                 </a:solidFill>
                 <a:latin typeface="Courier New" panose="02070309020205020404" pitchFamily="49" charset="0"/>
               </a:rPr>
-              <a:t>Name (ftp.ceda.ac.uk:sjp23): spepler</a:t>
-            </a:r>
+              <a:t>Name (ftp.ceda.ac.uk:sjp23): </a:t>
+            </a:r>
+            <a:r>
+              <a:rPr lang="en-US" altLang="en-US" sz="1050" dirty="0" err="1">
+                <a:solidFill>
+                  <a:schemeClr val="bg1"/>
+                </a:solidFill>
+                <a:latin typeface="Courier New" panose="02070309020205020404" pitchFamily="49" charset="0"/>
+              </a:rPr>
+              <a:t>spepler</a:t>
+            </a:r>
+            <a:endParaRPr lang="en-US" altLang="en-US" sz="1050" dirty="0">
+              <a:solidFill>
+                <a:schemeClr val="bg1"/>
+              </a:solidFill>
+              <a:latin typeface="Courier New" panose="02070309020205020404" pitchFamily="49" charset="0"/>
+            </a:endParaRPr>
           </a:p>
           <a:p>
             <a:pPr eaLnBrk="1">
@@ -12950,14 +13292,29 @@
               <a:buNone/>
             </a:pPr>
             <a:r>
-              <a:rPr lang="en-US" altLang="en-US" sz="1200">
+              <a:rPr lang="en-US" altLang="en-US" sz="1050" dirty="0">
                 <a:solidFill>
                   <a:schemeClr val="bg1"/>
                 </a:solidFill>
                 <a:latin typeface="Courier New" panose="02070309020205020404" pitchFamily="49" charset="0"/>
               </a:rPr>
-              <a:t>331 Password required for spepler</a:t>
-            </a:r>
+              <a:t>331 Password required for </a:t>
+            </a:r>
+            <a:r>
+              <a:rPr lang="en-US" altLang="en-US" sz="1050" dirty="0" err="1">
+                <a:solidFill>
+                  <a:schemeClr val="bg1"/>
+                </a:solidFill>
+                <a:latin typeface="Courier New" panose="02070309020205020404" pitchFamily="49" charset="0"/>
+              </a:rPr>
+              <a:t>spepler</a:t>
+            </a:r>
+            <a:endParaRPr lang="en-US" altLang="en-US" sz="1050" dirty="0">
+              <a:solidFill>
+                <a:schemeClr val="bg1"/>
+              </a:solidFill>
+              <a:latin typeface="Courier New" panose="02070309020205020404" pitchFamily="49" charset="0"/>
+            </a:endParaRPr>
           </a:p>
           <a:p>
             <a:pPr eaLnBrk="1">
@@ -12972,7 +13329,7 @@
               <a:buNone/>
             </a:pPr>
             <a:r>
-              <a:rPr lang="en-US" altLang="en-US" sz="1200">
+              <a:rPr lang="en-US" altLang="en-US" sz="1050" dirty="0">
                 <a:solidFill>
                   <a:schemeClr val="bg1"/>
                 </a:solidFill>
@@ -12994,7 +13351,7 @@
               <a:buNone/>
             </a:pPr>
             <a:r>
-              <a:rPr lang="en-US" altLang="en-US" sz="1200">
+              <a:rPr lang="en-US" altLang="en-US" sz="1050" dirty="0">
                 <a:solidFill>
                   <a:schemeClr val="bg1"/>
                 </a:solidFill>
@@ -13016,7 +13373,7 @@
               <a:buNone/>
             </a:pPr>
             <a:r>
-              <a:rPr lang="en-US" altLang="en-US" sz="1200">
+              <a:rPr lang="en-US" altLang="en-US" sz="1050" dirty="0">
                 <a:solidFill>
                   <a:schemeClr val="bg1"/>
                 </a:solidFill>
@@ -13038,7 +13395,7 @@
               <a:buNone/>
             </a:pPr>
             <a:r>
-              <a:rPr lang="en-US" altLang="en-US" sz="1200">
+              <a:rPr lang="en-US" altLang="en-US" sz="1050" dirty="0">
                 <a:solidFill>
                   <a:schemeClr val="bg1"/>
                 </a:solidFill>
@@ -13060,7 +13417,7 @@
               <a:buNone/>
             </a:pPr>
             <a:r>
-              <a:rPr lang="en-US" altLang="en-US" sz="1200">
+              <a:rPr lang="en-US" altLang="en-US" sz="1050" dirty="0">
                 <a:solidFill>
                   <a:schemeClr val="bg1"/>
                 </a:solidFill>
@@ -13082,7 +13439,7 @@
               <a:buNone/>
             </a:pPr>
             <a:r>
-              <a:rPr lang="en-US" altLang="en-US" sz="1200">
+              <a:rPr lang="en-US" altLang="en-US" sz="1050" dirty="0">
                 <a:solidFill>
                   <a:schemeClr val="bg1"/>
                 </a:solidFill>
@@ -13104,13 +13461,31 @@
               <a:buNone/>
             </a:pPr>
             <a:r>
-              <a:rPr lang="en-US" altLang="en-US" sz="1200">
+              <a:rPr lang="en-US" altLang="en-US" sz="1050" dirty="0">
                 <a:solidFill>
                   <a:schemeClr val="bg1"/>
                 </a:solidFill>
                 <a:latin typeface="Courier New" panose="02070309020205020404" pitchFamily="49" charset="0"/>
               </a:rPr>
-              <a:t>230 User spepler logged in</a:t>
+              <a:t>230 User </a:t>
+            </a:r>
+            <a:r>
+              <a:rPr lang="en-US" altLang="en-US" sz="1050" dirty="0" err="1">
+                <a:solidFill>
+                  <a:schemeClr val="bg1"/>
+                </a:solidFill>
+                <a:latin typeface="Courier New" panose="02070309020205020404" pitchFamily="49" charset="0"/>
+              </a:rPr>
+              <a:t>spepler</a:t>
+            </a:r>
+            <a:r>
+              <a:rPr lang="en-US" altLang="en-US" sz="1050" dirty="0">
+                <a:solidFill>
+                  <a:schemeClr val="bg1"/>
+                </a:solidFill>
+                <a:latin typeface="Courier New" panose="02070309020205020404" pitchFamily="49" charset="0"/>
+              </a:rPr>
+              <a:t> logged in</a:t>
             </a:r>
           </a:p>
           <a:p>
@@ -13126,7 +13501,7 @@
               <a:buNone/>
             </a:pPr>
             <a:r>
-              <a:rPr lang="en-US" altLang="en-US" sz="1200">
+              <a:rPr lang="en-US" altLang="en-US" sz="1050" dirty="0">
                 <a:solidFill>
                   <a:schemeClr val="bg1"/>
                 </a:solidFill>
@@ -13148,7 +13523,7 @@
               <a:buNone/>
             </a:pPr>
             <a:r>
-              <a:rPr lang="en-US" altLang="en-US" sz="1200">
+              <a:rPr lang="en-US" altLang="en-US" sz="1050" dirty="0">
                 <a:solidFill>
                   <a:schemeClr val="bg1"/>
                 </a:solidFill>
@@ -13170,7 +13545,7 @@
               <a:buNone/>
             </a:pPr>
             <a:r>
-              <a:rPr lang="en-US" altLang="en-US" sz="1200">
+              <a:rPr lang="en-US" altLang="en-US" sz="1050" dirty="0">
                 <a:solidFill>
                   <a:schemeClr val="bg1"/>
                 </a:solidFill>
@@ -13192,7 +13567,7 @@
               <a:buNone/>
             </a:pPr>
             <a:r>
-              <a:rPr lang="en-US" altLang="en-US" sz="1200">
+              <a:rPr lang="en-US" altLang="en-US" sz="1050" dirty="0">
                 <a:solidFill>
                   <a:schemeClr val="bg1"/>
                 </a:solidFill>
@@ -13214,7 +13589,7 @@
               <a:buNone/>
             </a:pPr>
             <a:r>
-              <a:rPr lang="en-US" altLang="en-US" sz="1200">
+              <a:rPr lang="en-US" altLang="en-US" sz="1050" dirty="0">
                 <a:solidFill>
                   <a:schemeClr val="bg1"/>
                 </a:solidFill>
@@ -13236,14 +13611,92 @@
               <a:buNone/>
             </a:pPr>
             <a:r>
-              <a:rPr lang="en-US" altLang="en-US" sz="1200">
+              <a:rPr lang="en-US" altLang="en-US" sz="1050" dirty="0" err="1">
                 <a:solidFill>
                   <a:schemeClr val="bg1"/>
                 </a:solidFill>
                 <a:latin typeface="Courier New" panose="02070309020205020404" pitchFamily="49" charset="0"/>
               </a:rPr>
-              <a:t>drwxr-xr-x   2 badc     byacl       28672 Jan 17 09:28 badc</a:t>
-            </a:r>
+              <a:t>drwxr</a:t>
+            </a:r>
+            <a:r>
+              <a:rPr lang="en-US" altLang="en-US" sz="1050" dirty="0">
+                <a:solidFill>
+                  <a:schemeClr val="bg1"/>
+                </a:solidFill>
+                <a:latin typeface="Courier New" panose="02070309020205020404" pitchFamily="49" charset="0"/>
+              </a:rPr>
+              <a:t>-</a:t>
+            </a:r>
+            <a:r>
+              <a:rPr lang="en-US" altLang="en-US" sz="1050" dirty="0" err="1">
+                <a:solidFill>
+                  <a:schemeClr val="bg1"/>
+                </a:solidFill>
+                <a:latin typeface="Courier New" panose="02070309020205020404" pitchFamily="49" charset="0"/>
+              </a:rPr>
+              <a:t>xr</a:t>
+            </a:r>
+            <a:r>
+              <a:rPr lang="en-US" altLang="en-US" sz="1050" dirty="0">
+                <a:solidFill>
+                  <a:schemeClr val="bg1"/>
+                </a:solidFill>
+                <a:latin typeface="Courier New" panose="02070309020205020404" pitchFamily="49" charset="0"/>
+              </a:rPr>
+              <a:t>-x   2 </a:t>
+            </a:r>
+            <a:r>
+              <a:rPr lang="en-US" altLang="en-US" sz="1050" dirty="0" err="1">
+                <a:solidFill>
+                  <a:schemeClr val="bg1"/>
+                </a:solidFill>
+                <a:latin typeface="Courier New" panose="02070309020205020404" pitchFamily="49" charset="0"/>
+              </a:rPr>
+              <a:t>badc</a:t>
+            </a:r>
+            <a:r>
+              <a:rPr lang="en-US" altLang="en-US" sz="1050" dirty="0">
+                <a:solidFill>
+                  <a:schemeClr val="bg1"/>
+                </a:solidFill>
+                <a:latin typeface="Courier New" panose="02070309020205020404" pitchFamily="49" charset="0"/>
+              </a:rPr>
+              <a:t>     </a:t>
+            </a:r>
+            <a:r>
+              <a:rPr lang="en-US" altLang="en-US" sz="1050" dirty="0" err="1">
+                <a:solidFill>
+                  <a:schemeClr val="bg1"/>
+                </a:solidFill>
+                <a:latin typeface="Courier New" panose="02070309020205020404" pitchFamily="49" charset="0"/>
+              </a:rPr>
+              <a:t>byacl</a:t>
+            </a:r>
+            <a:r>
+              <a:rPr lang="en-US" altLang="en-US" sz="1050" dirty="0">
+                <a:solidFill>
+                  <a:schemeClr val="bg1"/>
+                </a:solidFill>
+                <a:latin typeface="Courier New" panose="02070309020205020404" pitchFamily="49" charset="0"/>
+              </a:rPr>
+              <a:t>       28672 Jan 17 09:28 </a:t>
+            </a:r>
+            <a:r>
+              <a:rPr lang="en-US" altLang="en-US" sz="1050" dirty="0" err="1">
+                <a:solidFill>
+                  <a:schemeClr val="bg1"/>
+                </a:solidFill>
+                <a:latin typeface="Courier New" panose="02070309020205020404" pitchFamily="49" charset="0"/>
+              </a:rPr>
+              <a:t>badc</a:t>
+            </a:r>
+            <a:endParaRPr lang="en-US" altLang="en-US" sz="1050" dirty="0">
+              <a:solidFill>
+                <a:schemeClr val="bg1"/>
+              </a:solidFill>
+              <a:latin typeface="Courier New" panose="02070309020205020404" pitchFamily="49" charset="0"/>
+            </a:endParaRPr>
           </a:p>
           <a:p>
             <a:pPr eaLnBrk="1">
@@ -13258,7 +13711,7 @@
               <a:buNone/>
             </a:pPr>
             <a:r>
-              <a:rPr lang="pl-PL" altLang="en-US" sz="1200">
+              <a:rPr lang="pl-PL" altLang="en-US" sz="1050" dirty="0">
                 <a:solidFill>
                   <a:schemeClr val="bg1"/>
                 </a:solidFill>
@@ -13280,13 +13733,58 @@
               <a:buNone/>
             </a:pPr>
             <a:r>
-              <a:rPr lang="en-US" altLang="en-US" sz="1200">
+              <a:rPr lang="en-US" altLang="en-US" sz="1050" dirty="0" err="1">
                 <a:solidFill>
                   <a:schemeClr val="bg1"/>
                 </a:solidFill>
                 <a:latin typeface="Courier New" panose="02070309020205020404" pitchFamily="49" charset="0"/>
               </a:rPr>
-              <a:t>drwxrwx--- 1812 badc     byacl      249856 Mar  5 15:40 requests</a:t>
+              <a:t>drwxrwx</a:t>
+            </a:r>
+            <a:r>
+              <a:rPr lang="en-US" altLang="en-US" sz="1050" dirty="0">
+                <a:solidFill>
+                  <a:schemeClr val="bg1"/>
+                </a:solidFill>
+                <a:latin typeface="Courier New" panose="02070309020205020404" pitchFamily="49" charset="0"/>
+              </a:rPr>
+              <a:t>--- 1812 </a:t>
+            </a:r>
+            <a:r>
+              <a:rPr lang="en-US" altLang="en-US" sz="1050" dirty="0" err="1">
+                <a:solidFill>
+                  <a:schemeClr val="bg1"/>
+                </a:solidFill>
+                <a:latin typeface="Courier New" panose="02070309020205020404" pitchFamily="49" charset="0"/>
+              </a:rPr>
+              <a:t>badc</a:t>
+            </a:r>
+            <a:r>
+              <a:rPr lang="en-US" altLang="en-US" sz="1050" dirty="0">
+                <a:solidFill>
+                  <a:schemeClr val="bg1"/>
+                </a:solidFill>
+                <a:latin typeface="Courier New" panose="02070309020205020404" pitchFamily="49" charset="0"/>
+              </a:rPr>
+              <a:t>     </a:t>
+            </a:r>
+            <a:r>
+              <a:rPr lang="en-US" altLang="en-US" sz="1050" dirty="0" err="1">
+                <a:solidFill>
+                  <a:schemeClr val="bg1"/>
+                </a:solidFill>
+                <a:latin typeface="Courier New" panose="02070309020205020404" pitchFamily="49" charset="0"/>
+              </a:rPr>
+              <a:t>byacl</a:t>
+            </a:r>
+            <a:r>
+              <a:rPr lang="en-US" altLang="en-US" sz="1050" dirty="0">
+                <a:solidFill>
+                  <a:schemeClr val="bg1"/>
+                </a:solidFill>
+                <a:latin typeface="Courier New" panose="02070309020205020404" pitchFamily="49" charset="0"/>
+              </a:rPr>
+              <a:t>      249856 Mar  5 15:40 requests</a:t>
             </a:r>
           </a:p>
           <a:p>
@@ -13302,7 +13800,7 @@
               <a:buNone/>
             </a:pPr>
             <a:r>
-              <a:rPr lang="pl-PL" altLang="en-US" sz="1200">
+              <a:rPr lang="pl-PL" altLang="en-US" sz="1050" dirty="0">
                 <a:solidFill>
                   <a:schemeClr val="bg1"/>
                 </a:solidFill>
@@ -13324,7 +13822,7 @@
               <a:buNone/>
             </a:pPr>
             <a:r>
-              <a:rPr lang="de-DE" altLang="en-US" sz="1200">
+              <a:rPr lang="de-DE" altLang="en-US" sz="1050" dirty="0">
                 <a:solidFill>
                   <a:schemeClr val="bg1"/>
                 </a:solidFill>
@@ -13346,7 +13844,7 @@
               <a:buNone/>
             </a:pPr>
             <a:r>
-              <a:rPr lang="de-DE" altLang="en-US" sz="1200">
+              <a:rPr lang="de-DE" altLang="en-US" sz="1050" dirty="0">
                 <a:solidFill>
                   <a:schemeClr val="bg1"/>
                 </a:solidFill>
@@ -13368,7 +13866,7 @@
               <a:buNone/>
             </a:pPr>
             <a:r>
-              <a:rPr lang="de-DE" altLang="en-US" sz="1200">
+              <a:rPr lang="de-DE" altLang="en-US" sz="1050" dirty="0">
                 <a:solidFill>
                   <a:schemeClr val="bg1"/>
                 </a:solidFill>
@@ -13376,25 +13874,6 @@
               </a:rPr>
               <a:t>ftp&gt; </a:t>
             </a:r>
-          </a:p>
-          <a:p>
-            <a:pPr eaLnBrk="1">
-              <a:lnSpc>
-                <a:spcPct val="93000"/>
-              </a:lnSpc>
-              <a:buClr>
-                <a:srgbClr val="000000"/>
-              </a:buClr>
-              <a:buSzPct val="100000"/>
-              <a:buFont typeface="Times New Roman" panose="02020603050405020304" pitchFamily="18" charset="0"/>
-              <a:buNone/>
-            </a:pPr>
-            <a:endParaRPr lang="en-US" altLang="en-US" sz="1200">
-              <a:solidFill>
-                <a:schemeClr val="bg1"/>
-              </a:solidFill>
-              <a:latin typeface="Courier New" panose="02070309020205020404" pitchFamily="49" charset="0"/>
-            </a:endParaRPr>
           </a:p>
         </p:txBody>
       </p:sp>
@@ -13421,8 +13900,8 @@
         </p:blipFill>
         <p:spPr bwMode="auto">
           <a:xfrm>
-            <a:off x="4983163" y="1360488"/>
-            <a:ext cx="4902200" cy="4800600"/>
+            <a:off x="5558775" y="669059"/>
+            <a:ext cx="4289835" cy="4200927"/>
           </a:xfrm>
           <a:prstGeom prst="rect">
             <a:avLst/>
@@ -13467,7 +13946,7 @@
 </p:sld>
 </file>
 
-<file path=ppt/slides/slide8.xml><?xml version="1.0" encoding="utf-8"?>
+<file path=ppt/slides/slide9.xml><?xml version="1.0" encoding="utf-8"?>
 <p:sld xmlns:a="http://schemas.openxmlformats.org/drawingml/2006/main" xmlns:r="http://schemas.openxmlformats.org/officeDocument/2006/relationships" xmlns:p="http://schemas.openxmlformats.org/presentationml/2006/main">
   <p:cSld>
     <p:spTree>
@@ -13955,7 +14434,7 @@
   <p:timing>
     <p:tnLst>
       <p:par>
-        <p:cTn id="1" dur="indefinite" nodeType="tmRoot">
+        <p:cTn id="1" dur="indefinite" restart="never" nodeType="tmRoot">
           <p:childTnLst>
             <p:seq concurrent="1" nextAc="seek">
               <p:cTn id="2" dur="0" nodeType="mainSeq"/>
@@ -13976,162 +14455,6 @@
             </p:seq>
           </p:childTnLst>
         </p:cTn>
-      </p:par>
-    </p:tnLst>
-  </p:timing>
-</p:sld>
-</file>
-
-<file path=ppt/slides/slide9.xml><?xml version="1.0" encoding="utf-8"?>
-<p:sld xmlns:a="http://schemas.openxmlformats.org/drawingml/2006/main" xmlns:r="http://schemas.openxmlformats.org/officeDocument/2006/relationships" xmlns:p="http://schemas.openxmlformats.org/presentationml/2006/main">
-  <p:cSld>
-    <p:spTree>
-      <p:nvGrpSpPr>
-        <p:cNvPr id="1" name=""/>
-        <p:cNvGrpSpPr/>
-        <p:nvPr/>
-      </p:nvGrpSpPr>
-      <p:grpSpPr>
-        <a:xfrm>
-          <a:off x="0" y="0"/>
-          <a:ext cx="0" cy="0"/>
-          <a:chOff x="0" y="0"/>
-          <a:chExt cx="0" cy="0"/>
-        </a:xfrm>
-      </p:grpSpPr>
-      <p:sp>
-        <p:nvSpPr>
-          <p:cNvPr id="17410" name="Title 1"/>
-          <p:cNvSpPr>
-            <a:spLocks noGrp="1"/>
-          </p:cNvSpPr>
-          <p:nvPr>
-            <p:ph type="title"/>
-          </p:nvPr>
-        </p:nvSpPr>
-        <p:spPr>
-          <a:extLst/>
-        </p:spPr>
-        <p:txBody>
-          <a:bodyPr anchor="t"/>
-          <a:lstStyle/>
-          <a:p>
-            <a:pPr defTabSz="1007943" fontAlgn="auto">
-              <a:spcAft>
-                <a:spcPts val="0"/>
-              </a:spcAft>
-              <a:defRPr/>
-            </a:pPr>
-            <a:r>
-              <a:rPr lang="en-US" altLang="en-US" sz="3527" smtClean="0"/>
-              <a:t>wget</a:t>
-            </a:r>
-          </a:p>
-        </p:txBody>
-      </p:sp>
-      <p:sp>
-        <p:nvSpPr>
-          <p:cNvPr id="17411" name="Content Placeholder 2"/>
-          <p:cNvSpPr>
-            <a:spLocks noGrp="1"/>
-          </p:cNvSpPr>
-          <p:nvPr>
-            <p:ph idx="1"/>
-          </p:nvPr>
-        </p:nvSpPr>
-        <p:spPr>
-          <a:extLst/>
-        </p:spPr>
-        <p:txBody>
-          <a:bodyPr/>
-          <a:lstStyle/>
-          <a:p>
-            <a:pPr marL="251986" indent="-251986" defTabSz="1007943" fontAlgn="auto">
-              <a:spcBef>
-                <a:spcPts val="1102"/>
-              </a:spcBef>
-              <a:spcAft>
-                <a:spcPts val="0"/>
-              </a:spcAft>
-              <a:buClr>
-                <a:schemeClr val="tx1"/>
-              </a:buClr>
-              <a:defRPr/>
-            </a:pPr>
-            <a:r>
-              <a:rPr lang="en-US" altLang="en-US" sz="3086" dirty="0" err="1" smtClean="0">
-                <a:latin typeface="Courier New" panose="02070309020205020404" pitchFamily="49" charset="0"/>
-                <a:cs typeface="Courier New" panose="02070309020205020404" pitchFamily="49" charset="0"/>
-              </a:rPr>
-              <a:t>wget</a:t>
-            </a:r>
-            <a:r>
-              <a:rPr lang="en-US" altLang="en-US" sz="3086" dirty="0" smtClean="0"/>
-              <a:t> makes it easy to grab resources from a http or ftp address.</a:t>
-            </a:r>
-          </a:p>
-          <a:p>
-            <a:pPr marL="251986" indent="-251986" defTabSz="1007943" fontAlgn="auto">
-              <a:spcBef>
-                <a:spcPts val="1102"/>
-              </a:spcBef>
-              <a:spcAft>
-                <a:spcPts val="0"/>
-              </a:spcAft>
-              <a:defRPr/>
-            </a:pPr>
-            <a:r>
-              <a:rPr lang="en-US" altLang="en-US" sz="3086" dirty="0" smtClean="0"/>
-              <a:t>(curl is a similar tool)</a:t>
-            </a:r>
-          </a:p>
-          <a:p>
-            <a:pPr marL="251986" indent="-251986" defTabSz="1007943" fontAlgn="auto">
-              <a:spcBef>
-                <a:spcPts val="1102"/>
-              </a:spcBef>
-              <a:spcAft>
-                <a:spcPts val="0"/>
-              </a:spcAft>
-              <a:defRPr/>
-            </a:pPr>
-            <a:endParaRPr lang="en-US" altLang="en-US" sz="3086" dirty="0" smtClean="0"/>
-          </a:p>
-          <a:p>
-            <a:pPr marL="251986" indent="-251986" defTabSz="1007943" fontAlgn="auto">
-              <a:spcBef>
-                <a:spcPts val="1102"/>
-              </a:spcBef>
-              <a:spcAft>
-                <a:spcPts val="0"/>
-              </a:spcAft>
-              <a:defRPr/>
-            </a:pPr>
-            <a:endParaRPr lang="en-US" altLang="en-US" sz="3086" dirty="0" smtClean="0"/>
-          </a:p>
-          <a:p>
-            <a:pPr marL="251986" indent="-251986" defTabSz="1007943" fontAlgn="auto">
-              <a:spcBef>
-                <a:spcPts val="1102"/>
-              </a:spcBef>
-              <a:spcAft>
-                <a:spcPts val="0"/>
-              </a:spcAft>
-              <a:defRPr/>
-            </a:pPr>
-            <a:endParaRPr lang="en-US" altLang="en-US" sz="3086" dirty="0" smtClean="0"/>
-          </a:p>
-        </p:txBody>
-      </p:sp>
-    </p:spTree>
-  </p:cSld>
-  <p:clrMapOvr>
-    <a:masterClrMapping/>
-  </p:clrMapOvr>
-  <p:timing>
-    <p:tnLst>
-      <p:par>
-        <p:cTn id="1" dur="indefinite" restart="never" nodeType="tmRoot"/>
       </p:par>
     </p:tnLst>
   </p:timing>

--- a/shell/presentations/11_moretricks.pptx
+++ b/shell/presentations/11_moretricks.pptx
@@ -5,10 +5,10 @@
     <p:sldMasterId id="2147483961" r:id="rId1"/>
   </p:sldMasterIdLst>
   <p:notesMasterIdLst>
-    <p:notesMasterId r:id="rId26"/>
+    <p:notesMasterId r:id="rId29"/>
   </p:notesMasterIdLst>
   <p:handoutMasterIdLst>
-    <p:handoutMasterId r:id="rId27"/>
+    <p:handoutMasterId r:id="rId30"/>
   </p:handoutMasterIdLst>
   <p:sldIdLst>
     <p:sldId id="779" r:id="rId2"/>
@@ -35,6 +35,9 @@
     <p:sldId id="777" r:id="rId23"/>
     <p:sldId id="776" r:id="rId24"/>
     <p:sldId id="778" r:id="rId25"/>
+    <p:sldId id="780" r:id="rId26"/>
+    <p:sldId id="257" r:id="rId27"/>
+    <p:sldId id="781" r:id="rId28"/>
   </p:sldIdLst>
   <p:sldSz cx="10080625" cy="7559675"/>
   <p:notesSz cx="7772400" cy="10058400"/>
@@ -320,7 +323,7 @@
               <a:pPr>
                 <a:defRPr/>
               </a:pPr>
-              <a:t>10/12/2018</a:t>
+              <a:t>11/19/18</a:t>
             </a:fld>
             <a:endParaRPr lang="en-US" altLang="en-US" dirty="0"/>
           </a:p>
@@ -541,7 +544,7 @@
           <a:lstStyle/>
           <a:p>
             <a:pPr lvl="0"/>
-            <a:endParaRPr lang="en-US" altLang="en-US" noProof="0" smtClean="0"/>
+            <a:endParaRPr lang="en-US" altLang="en-US" noProof="0"/>
           </a:p>
         </p:txBody>
       </p:sp>
@@ -1265,7 +1268,7 @@
               </a:pPr>
               <a:t>3</a:t>
             </a:fld>
-            <a:endParaRPr lang="en-GB" altLang="en-US" sz="1400" smtClean="0"/>
+            <a:endParaRPr lang="en-GB" altLang="en-US" sz="1400"/>
           </a:p>
         </p:txBody>
       </p:sp>
@@ -1338,7 +1341,7 @@
           <a:bodyPr wrap="none" anchor="ctr"/>
           <a:lstStyle/>
           <a:p>
-            <a:endParaRPr lang="en-US" altLang="en-US" smtClean="0">
+            <a:endParaRPr lang="en-US" altLang="en-US">
               <a:latin typeface="Times New Roman" panose="02020603050405020304" pitchFamily="18" charset="0"/>
             </a:endParaRPr>
           </a:p>
@@ -1648,7 +1651,7 @@
               </a:pPr>
               <a:t>5</a:t>
             </a:fld>
-            <a:endParaRPr lang="en-GB" altLang="en-US" sz="1400" smtClean="0"/>
+            <a:endParaRPr lang="en-GB" altLang="en-US" sz="1400"/>
           </a:p>
         </p:txBody>
       </p:sp>
@@ -1721,7 +1724,7 @@
           <a:bodyPr wrap="none" anchor="ctr"/>
           <a:lstStyle/>
           <a:p>
-            <a:endParaRPr lang="en-US" altLang="en-US" smtClean="0">
+            <a:endParaRPr lang="en-US" altLang="en-US">
               <a:latin typeface="Times New Roman" panose="02020603050405020304" pitchFamily="18" charset="0"/>
             </a:endParaRPr>
           </a:p>
@@ -2031,7 +2034,7 @@
               </a:pPr>
               <a:t>9</a:t>
             </a:fld>
-            <a:endParaRPr lang="en-GB" altLang="en-US" sz="1400" smtClean="0"/>
+            <a:endParaRPr lang="en-GB" altLang="en-US" sz="1400"/>
           </a:p>
         </p:txBody>
       </p:sp>
@@ -2104,7 +2107,7 @@
           <a:bodyPr wrap="none" anchor="ctr"/>
           <a:lstStyle/>
           <a:p>
-            <a:endParaRPr lang="en-US" altLang="en-US" smtClean="0">
+            <a:endParaRPr lang="en-US" altLang="en-US">
               <a:latin typeface="Times New Roman" panose="02020603050405020304" pitchFamily="18" charset="0"/>
             </a:endParaRPr>
           </a:p>
@@ -2414,7 +2417,7 @@
               </a:pPr>
               <a:t>12</a:t>
             </a:fld>
-            <a:endParaRPr lang="en-GB" altLang="en-US" sz="1400" smtClean="0"/>
+            <a:endParaRPr lang="en-GB" altLang="en-US" sz="1400"/>
           </a:p>
         </p:txBody>
       </p:sp>
@@ -2487,7 +2490,7 @@
           <a:bodyPr wrap="none" anchor="ctr"/>
           <a:lstStyle/>
           <a:p>
-            <a:endParaRPr lang="en-US" altLang="en-US" smtClean="0">
+            <a:endParaRPr lang="en-US" altLang="en-US">
               <a:latin typeface="Times New Roman" panose="02020603050405020304" pitchFamily="18" charset="0"/>
             </a:endParaRPr>
           </a:p>
@@ -2797,7 +2800,7 @@
               </a:pPr>
               <a:t>13</a:t>
             </a:fld>
-            <a:endParaRPr lang="en-GB" altLang="en-US" sz="1400" smtClean="0"/>
+            <a:endParaRPr lang="en-GB" altLang="en-US" sz="1400"/>
           </a:p>
         </p:txBody>
       </p:sp>
@@ -2870,7 +2873,7 @@
           <a:bodyPr wrap="none" anchor="ctr"/>
           <a:lstStyle/>
           <a:p>
-            <a:endParaRPr lang="en-US" altLang="en-US" smtClean="0">
+            <a:endParaRPr lang="en-US" altLang="en-US">
               <a:latin typeface="Times New Roman" panose="02020603050405020304" pitchFamily="18" charset="0"/>
             </a:endParaRPr>
           </a:p>
@@ -3180,7 +3183,7 @@
               </a:pPr>
               <a:t>15</a:t>
             </a:fld>
-            <a:endParaRPr lang="en-GB" altLang="en-US" sz="1400" smtClean="0"/>
+            <a:endParaRPr lang="en-GB" altLang="en-US" sz="1400"/>
           </a:p>
         </p:txBody>
       </p:sp>
@@ -3253,7 +3256,7 @@
           <a:bodyPr wrap="none" anchor="ctr"/>
           <a:lstStyle/>
           <a:p>
-            <a:endParaRPr lang="en-US" altLang="en-US" smtClean="0">
+            <a:endParaRPr lang="en-US" altLang="en-US">
               <a:latin typeface="Times New Roman" panose="02020603050405020304" pitchFamily="18" charset="0"/>
             </a:endParaRPr>
           </a:p>
@@ -3563,7 +3566,7 @@
               </a:pPr>
               <a:t>16</a:t>
             </a:fld>
-            <a:endParaRPr lang="en-GB" altLang="en-US" sz="1400" smtClean="0"/>
+            <a:endParaRPr lang="en-GB" altLang="en-US" sz="1400"/>
           </a:p>
         </p:txBody>
       </p:sp>
@@ -3636,7 +3639,7 @@
           <a:bodyPr wrap="none" anchor="ctr"/>
           <a:lstStyle/>
           <a:p>
-            <a:endParaRPr lang="en-US" altLang="en-US" smtClean="0">
+            <a:endParaRPr lang="en-US" altLang="en-US" dirty="0">
               <a:latin typeface="Times New Roman" panose="02020603050405020304" pitchFamily="18" charset="0"/>
             </a:endParaRPr>
           </a:p>
@@ -3946,7 +3949,7 @@
               </a:pPr>
               <a:t>17</a:t>
             </a:fld>
-            <a:endParaRPr lang="en-GB" altLang="en-US" sz="1400" smtClean="0"/>
+            <a:endParaRPr lang="en-GB" altLang="en-US" sz="1400"/>
           </a:p>
         </p:txBody>
       </p:sp>
@@ -4019,7 +4022,7 @@
           <a:bodyPr wrap="none" anchor="ctr"/>
           <a:lstStyle/>
           <a:p>
-            <a:endParaRPr lang="en-US" altLang="en-US" smtClean="0">
+            <a:endParaRPr lang="en-US" altLang="en-US">
               <a:latin typeface="Times New Roman" panose="02020603050405020304" pitchFamily="18" charset="0"/>
             </a:endParaRPr>
           </a:p>
@@ -4246,7 +4249,7 @@
           </a:lstStyle>
           <a:p>
             <a:r>
-              <a:rPr lang="en-US" smtClean="0"/>
+              <a:rPr lang="en-US"/>
               <a:t>Click to edit Master title style</a:t>
             </a:r>
             <a:endParaRPr lang="en-US" dirty="0"/>
@@ -4320,7 +4323,7 @@
           </a:lstStyle>
           <a:p>
             <a:r>
-              <a:rPr lang="en-US" smtClean="0"/>
+              <a:rPr lang="en-US"/>
               <a:t>Click to edit Master subtitle style</a:t>
             </a:r>
             <a:endParaRPr lang="en-US" dirty="0"/>
@@ -4389,7 +4392,7 @@
           </a:lstStyle>
           <a:p>
             <a:r>
-              <a:rPr lang="en-US" smtClean="0"/>
+              <a:rPr lang="en-US"/>
               <a:t>Click to edit Master title style</a:t>
             </a:r>
             <a:endParaRPr lang="en-US" dirty="0"/>
@@ -4463,7 +4466,7 @@
           </a:lstStyle>
           <a:p>
             <a:r>
-              <a:rPr lang="en-US" smtClean="0"/>
+              <a:rPr lang="en-US"/>
               <a:t>Click to edit Master subtitle style</a:t>
             </a:r>
             <a:endParaRPr lang="en-US" dirty="0"/>
@@ -4508,7 +4511,7 @@
           <a:p>
             <a:pPr lvl="0"/>
             <a:r>
-              <a:rPr lang="en-US" noProof="0" smtClean="0"/>
+              <a:rPr lang="en-US" noProof="0"/>
               <a:t>Click icon to add picture</a:t>
             </a:r>
             <a:endParaRPr lang="en-GB" noProof="0" dirty="0"/>
@@ -4556,7 +4559,7 @@
               <a:pPr>
                 <a:defRPr/>
               </a:pPr>
-              <a:t>12/10/2018</a:t>
+              <a:t>19/11/2018</a:t>
             </a:fld>
             <a:endParaRPr lang="en-GB" dirty="0"/>
           </a:p>
@@ -4624,7 +4627,7 @@
           </a:lstStyle>
           <a:p>
             <a:r>
-              <a:rPr lang="en-US" smtClean="0"/>
+              <a:rPr lang="en-US"/>
               <a:t>Click to edit Master title style</a:t>
             </a:r>
             <a:endParaRPr lang="en-US" dirty="0"/>
@@ -4698,7 +4701,7 @@
           </a:lstStyle>
           <a:p>
             <a:r>
-              <a:rPr lang="en-US" smtClean="0"/>
+              <a:rPr lang="en-US"/>
               <a:t>Click to edit Master subtitle style</a:t>
             </a:r>
             <a:endParaRPr lang="en-US" dirty="0"/>
@@ -4743,7 +4746,7 @@
           <a:p>
             <a:pPr lvl="0"/>
             <a:r>
-              <a:rPr lang="en-US" noProof="0" smtClean="0"/>
+              <a:rPr lang="en-US" noProof="0"/>
               <a:t>Click icon to add picture</a:t>
             </a:r>
             <a:endParaRPr lang="en-GB" noProof="0" dirty="0"/>
@@ -4791,7 +4794,7 @@
               <a:pPr>
                 <a:defRPr/>
               </a:pPr>
-              <a:t>12/10/2018</a:t>
+              <a:t>19/11/2018</a:t>
             </a:fld>
             <a:endParaRPr lang="en-GB" dirty="0"/>
           </a:p>
@@ -4894,7 +4897,7 @@
           </a:lstStyle>
           <a:p>
             <a:r>
-              <a:rPr lang="en-US" smtClean="0"/>
+              <a:rPr lang="en-US"/>
               <a:t>Click to edit Master title style</a:t>
             </a:r>
             <a:endParaRPr lang="en-US" dirty="0"/>
@@ -4939,7 +4942,7 @@
           <a:p>
             <a:pPr lvl="0"/>
             <a:r>
-              <a:rPr lang="en-US" noProof="0" smtClean="0"/>
+              <a:rPr lang="en-US" noProof="0"/>
               <a:t>Click icon to add picture</a:t>
             </a:r>
             <a:endParaRPr lang="en-GB" noProof="0" dirty="0"/>
@@ -4995,35 +4998,35 @@
           <a:p>
             <a:pPr lvl="0"/>
             <a:r>
-              <a:rPr lang="en-US" smtClean="0"/>
+              <a:rPr lang="en-US"/>
               <a:t>Edit Master text styles</a:t>
             </a:r>
           </a:p>
           <a:p>
             <a:pPr lvl="1"/>
             <a:r>
-              <a:rPr lang="en-US" smtClean="0"/>
+              <a:rPr lang="en-US"/>
               <a:t>Second level</a:t>
             </a:r>
           </a:p>
           <a:p>
             <a:pPr lvl="2"/>
             <a:r>
-              <a:rPr lang="en-US" smtClean="0"/>
+              <a:rPr lang="en-US"/>
               <a:t>Third level</a:t>
             </a:r>
           </a:p>
           <a:p>
             <a:pPr lvl="3"/>
             <a:r>
-              <a:rPr lang="en-US" smtClean="0"/>
+              <a:rPr lang="en-US"/>
               <a:t>Fourth level</a:t>
             </a:r>
           </a:p>
           <a:p>
             <a:pPr lvl="4"/>
             <a:r>
-              <a:rPr lang="en-US" smtClean="0"/>
+              <a:rPr lang="en-US"/>
               <a:t>Fifth level</a:t>
             </a:r>
             <a:endParaRPr lang="en-US" dirty="0"/>
@@ -5127,7 +5130,7 @@
           </a:lstStyle>
           <a:p>
             <a:r>
-              <a:rPr lang="en-US" smtClean="0"/>
+              <a:rPr lang="en-US"/>
               <a:t>Click to edit Master title style</a:t>
             </a:r>
             <a:endParaRPr lang="en-US" dirty="0"/>
@@ -5183,35 +5186,35 @@
           <a:p>
             <a:pPr lvl="0"/>
             <a:r>
-              <a:rPr lang="en-US" smtClean="0"/>
+              <a:rPr lang="en-US"/>
               <a:t>Edit Master text styles</a:t>
             </a:r>
           </a:p>
           <a:p>
             <a:pPr lvl="1"/>
             <a:r>
-              <a:rPr lang="en-US" smtClean="0"/>
+              <a:rPr lang="en-US"/>
               <a:t>Second level</a:t>
             </a:r>
           </a:p>
           <a:p>
             <a:pPr lvl="2"/>
             <a:r>
-              <a:rPr lang="en-US" smtClean="0"/>
+              <a:rPr lang="en-US"/>
               <a:t>Third level</a:t>
             </a:r>
           </a:p>
           <a:p>
             <a:pPr lvl="3"/>
             <a:r>
-              <a:rPr lang="en-US" smtClean="0"/>
+              <a:rPr lang="en-US"/>
               <a:t>Fourth level</a:t>
             </a:r>
           </a:p>
           <a:p>
             <a:pPr lvl="4"/>
             <a:r>
-              <a:rPr lang="en-US" smtClean="0"/>
+              <a:rPr lang="en-US"/>
               <a:t>Fifth level</a:t>
             </a:r>
             <a:endParaRPr lang="en-US" dirty="0"/>
@@ -5292,7 +5295,7 @@
           </a:lstStyle>
           <a:p>
             <a:r>
-              <a:rPr lang="en-US" smtClean="0"/>
+              <a:rPr lang="en-US"/>
               <a:t>Click to edit Master title style</a:t>
             </a:r>
             <a:endParaRPr lang="en-US" dirty="0"/>
@@ -5366,7 +5369,7 @@
           </a:lstStyle>
           <a:p>
             <a:r>
-              <a:rPr lang="en-US" smtClean="0"/>
+              <a:rPr lang="en-US"/>
               <a:t>Click to edit Master subtitle style</a:t>
             </a:r>
             <a:endParaRPr lang="en-US" dirty="0"/>
@@ -5433,7 +5436,7 @@
           </a:lstStyle>
           <a:p>
             <a:r>
-              <a:rPr lang="en-GB" dirty="0" smtClean="0"/>
+              <a:rPr lang="en-GB" dirty="0"/>
               <a:t>Click to edit Master title style</a:t>
             </a:r>
             <a:endParaRPr lang="en-US" dirty="0"/>
@@ -5491,35 +5494,35 @@
           <a:p>
             <a:pPr lvl="0"/>
             <a:r>
-              <a:rPr lang="en-GB" dirty="0" smtClean="0"/>
+              <a:rPr lang="en-GB" dirty="0"/>
               <a:t>Click to edit Master text styles</a:t>
             </a:r>
           </a:p>
           <a:p>
             <a:pPr lvl="1"/>
             <a:r>
-              <a:rPr lang="en-GB" dirty="0" smtClean="0"/>
+              <a:rPr lang="en-GB" dirty="0"/>
               <a:t>Second level</a:t>
             </a:r>
           </a:p>
           <a:p>
             <a:pPr lvl="2"/>
             <a:r>
-              <a:rPr lang="en-GB" dirty="0" smtClean="0"/>
+              <a:rPr lang="en-GB" dirty="0"/>
               <a:t>Third level</a:t>
             </a:r>
           </a:p>
           <a:p>
             <a:pPr lvl="3"/>
             <a:r>
-              <a:rPr lang="en-GB" dirty="0" smtClean="0"/>
+              <a:rPr lang="en-GB" dirty="0"/>
               <a:t>Fourth level</a:t>
             </a:r>
           </a:p>
           <a:p>
             <a:pPr lvl="4"/>
             <a:r>
-              <a:rPr lang="en-GB" dirty="0" smtClean="0"/>
+              <a:rPr lang="en-GB" dirty="0"/>
               <a:t>Fifth level</a:t>
             </a:r>
             <a:endParaRPr lang="en-US" dirty="0"/>
@@ -6027,7 +6030,7 @@
           <a:lstStyle/>
           <a:p>
             <a:r>
-              <a:rPr lang="en-US" smtClean="0"/>
+              <a:rPr lang="en-US"/>
               <a:t>Click to edit Master title style</a:t>
             </a:r>
             <a:endParaRPr lang="en-GB" dirty="0"/>
@@ -6523,10 +6526,9 @@
           <a:lstStyle/>
           <a:p>
             <a:r>
-              <a:rPr lang="en-GB" dirty="0" smtClean="0"/>
+              <a:rPr lang="en-GB" dirty="0"/>
               <a:t>The Unix Shell</a:t>
             </a:r>
-            <a:endParaRPr lang="en-GB" dirty="0"/>
           </a:p>
         </p:txBody>
       </p:sp>
@@ -6546,10 +6548,9 @@
           <a:lstStyle/>
           <a:p>
             <a:r>
-              <a:rPr lang="en-GB" dirty="0" smtClean="0"/>
+              <a:rPr lang="en-GB" dirty="0"/>
               <a:t>More tricks!</a:t>
             </a:r>
-            <a:endParaRPr lang="en-GB" dirty="0"/>
           </a:p>
         </p:txBody>
       </p:sp>
@@ -6607,7 +6608,7 @@
               <a:defRPr/>
             </a:pPr>
             <a:r>
-              <a:rPr lang="en-US" altLang="en-US" sz="3527" smtClean="0"/>
+              <a:rPr lang="en-US" altLang="en-US" sz="3527"/>
               <a:t>wget</a:t>
             </a:r>
           </a:p>
@@ -6643,14 +6644,14 @@
               <a:defRPr/>
             </a:pPr>
             <a:r>
-              <a:rPr lang="en-US" altLang="en-US" sz="3086" dirty="0" err="1" smtClean="0">
+              <a:rPr lang="en-US" altLang="en-US" sz="3086" dirty="0" err="1">
                 <a:latin typeface="Courier New" panose="02070309020205020404" pitchFamily="49" charset="0"/>
                 <a:cs typeface="Courier New" panose="02070309020205020404" pitchFamily="49" charset="0"/>
               </a:rPr>
               <a:t>wget</a:t>
             </a:r>
             <a:r>
-              <a:rPr lang="en-US" altLang="en-US" sz="3086" dirty="0" smtClean="0"/>
+              <a:rPr lang="en-US" altLang="en-US" sz="3086" dirty="0"/>
               <a:t> makes it easy to grab resources from a http or ftp address.</a:t>
             </a:r>
           </a:p>
@@ -6665,7 +6666,7 @@
               <a:defRPr/>
             </a:pPr>
             <a:r>
-              <a:rPr lang="en-US" altLang="en-US" sz="3086" dirty="0" smtClean="0"/>
+              <a:rPr lang="en-US" altLang="en-US" sz="3086" dirty="0"/>
               <a:t>(curl is a similar tool)</a:t>
             </a:r>
           </a:p>
@@ -6679,7 +6680,7 @@
               </a:spcAft>
               <a:defRPr/>
             </a:pPr>
-            <a:endParaRPr lang="en-US" altLang="en-US" sz="3086" dirty="0" smtClean="0"/>
+            <a:endParaRPr lang="en-US" altLang="en-US" sz="3086" dirty="0"/>
           </a:p>
           <a:p>
             <a:pPr marL="251986" indent="-251986" defTabSz="1007943" fontAlgn="auto">
@@ -6691,7 +6692,7 @@
               </a:spcAft>
               <a:defRPr/>
             </a:pPr>
-            <a:endParaRPr lang="en-US" altLang="en-US" sz="3086" dirty="0" smtClean="0"/>
+            <a:endParaRPr lang="en-US" altLang="en-US" sz="3086" dirty="0"/>
           </a:p>
           <a:p>
             <a:pPr marL="251986" indent="-251986" defTabSz="1007943" fontAlgn="auto">
@@ -6703,7 +6704,7 @@
               </a:spcAft>
               <a:defRPr/>
             </a:pPr>
-            <a:endParaRPr lang="en-US" altLang="en-US" sz="3086" dirty="0" smtClean="0"/>
+            <a:endParaRPr lang="en-US" altLang="en-US" sz="3086" dirty="0"/>
           </a:p>
         </p:txBody>
       </p:sp>
@@ -6712,13 +6713,6 @@
   <p:clrMapOvr>
     <a:masterClrMapping/>
   </p:clrMapOvr>
-  <p:timing>
-    <p:tnLst>
-      <p:par>
-        <p:cTn id="1" dur="indefinite" restart="never" nodeType="tmRoot"/>
-      </p:par>
-    </p:tnLst>
-  </p:timing>
 </p:sld>
 </file>
 
@@ -6763,7 +6757,7 @@
               <a:defRPr/>
             </a:pPr>
             <a:r>
-              <a:rPr lang="en-US" altLang="en-US" sz="3527" smtClean="0"/>
+              <a:rPr lang="en-US" altLang="en-US" sz="3527"/>
               <a:t>Transfering data exercise</a:t>
             </a:r>
           </a:p>
@@ -6835,39 +6829,23 @@
                   <a:srgbClr val="FFFFFF"/>
                 </a:solidFill>
               </a:rPr>
-              <a:t>Have a look at the following address in a web browser. Note </a:t>
-            </a:r>
-            <a:r>
-              <a:rPr lang="en-US" altLang="x-none" sz="3086" dirty="0" smtClean="0">
+              <a:t>Have a look at the following address in a web browser. Note it</a:t>
+            </a:r>
+            <a:r>
+              <a:rPr lang="en-US" altLang="en-US" sz="3086" dirty="0">
                 <a:solidFill>
                   <a:srgbClr val="FFFFFF"/>
                 </a:solidFill>
               </a:rPr>
-              <a:t>it</a:t>
-            </a:r>
-            <a:r>
-              <a:rPr lang="en-US" altLang="en-US" sz="3086" dirty="0" smtClean="0">
+              <a:t>'</a:t>
+            </a:r>
+            <a:r>
+              <a:rPr lang="en-US" altLang="x-none" sz="3086" dirty="0">
                 <a:solidFill>
                   <a:srgbClr val="FFFFFF"/>
                 </a:solidFill>
               </a:rPr>
-              <a:t>'</a:t>
-            </a:r>
-            <a:r>
-              <a:rPr lang="en-US" altLang="x-none" sz="3086" dirty="0" smtClean="0">
-                <a:solidFill>
-                  <a:srgbClr val="FFFFFF"/>
-                </a:solidFill>
-              </a:rPr>
-              <a:t>s </a:t>
-            </a:r>
-            <a:r>
-              <a:rPr lang="en-US" altLang="x-none" sz="3086" dirty="0">
-                <a:solidFill>
-                  <a:srgbClr val="FFFFFF"/>
-                </a:solidFill>
-              </a:rPr>
-              <a:t>not a http address.</a:t>
+              <a:t>s not a http address.</a:t>
             </a:r>
           </a:p>
           <a:p>
@@ -7005,13 +6983,6 @@
   <p:clrMapOvr>
     <a:masterClrMapping/>
   </p:clrMapOvr>
-  <p:timing>
-    <p:tnLst>
-      <p:par>
-        <p:cTn id="1" dur="indefinite" restart="never" nodeType="tmRoot"/>
-      </p:par>
-    </p:tnLst>
-  </p:timing>
 </p:sld>
 </file>
 
@@ -7074,7 +7045,7 @@
               <a:defRPr/>
             </a:pPr>
             <a:r>
-              <a:rPr lang="en-GB" altLang="en-US" sz="3527" smtClean="0"/>
+              <a:rPr lang="en-GB" altLang="en-US" sz="3527"/>
               <a:t>rsync</a:t>
             </a:r>
           </a:p>
@@ -7130,7 +7101,7 @@
               <a:defRPr/>
             </a:pPr>
             <a:r>
-              <a:rPr lang="en-GB" altLang="en-US" sz="3086" dirty="0" smtClean="0"/>
+              <a:rPr lang="en-GB" altLang="en-US" sz="3086" dirty="0"/>
               <a:t>copies files over the network (or locally)</a:t>
             </a:r>
           </a:p>
@@ -7162,7 +7133,7 @@
               <a:defRPr/>
             </a:pPr>
             <a:r>
-              <a:rPr lang="en-GB" altLang="en-US" sz="3086" dirty="0" smtClean="0"/>
+              <a:rPr lang="en-GB" altLang="en-US" sz="3086" dirty="0"/>
               <a:t>where destination files already exist, copies only what is required to update any differences</a:t>
             </a:r>
           </a:p>
@@ -7194,15 +7165,15 @@
               <a:defRPr/>
             </a:pPr>
             <a:r>
-              <a:rPr lang="en-GB" altLang="en-US" sz="3086" dirty="0" smtClean="0"/>
+              <a:rPr lang="en-GB" altLang="en-US" sz="3086" dirty="0"/>
               <a:t>push / pull files over </a:t>
             </a:r>
             <a:r>
-              <a:rPr lang="en-GB" altLang="en-US" sz="3086" dirty="0" err="1" smtClean="0"/>
+              <a:rPr lang="en-GB" altLang="en-US" sz="3086" dirty="0" err="1"/>
               <a:t>ssh</a:t>
             </a:r>
             <a:r>
-              <a:rPr lang="en-GB" altLang="en-US" sz="3086" dirty="0" smtClean="0"/>
+              <a:rPr lang="en-GB" altLang="en-US" sz="3086" dirty="0"/>
               <a:t>:</a:t>
             </a:r>
           </a:p>
@@ -7237,84 +7208,70 @@
               <a:defRPr/>
             </a:pPr>
             <a:r>
-              <a:rPr lang="en-GB" altLang="en-US" sz="1800" dirty="0" err="1" smtClean="0">
+              <a:rPr lang="en-GB" altLang="en-US" sz="1800" dirty="0" err="1">
                 <a:latin typeface="Courier New" panose="02070309020205020404" pitchFamily="49" charset="0"/>
                 <a:cs typeface="Courier New" panose="02070309020205020404" pitchFamily="49" charset="0"/>
               </a:rPr>
               <a:t>rsync</a:t>
             </a:r>
             <a:r>
-              <a:rPr lang="en-GB" altLang="en-US" sz="1800" dirty="0" smtClean="0">
+              <a:rPr lang="en-GB" altLang="en-US" sz="1800" dirty="0">
                 <a:latin typeface="Courier New" panose="02070309020205020404" pitchFamily="49" charset="0"/>
                 <a:cs typeface="Courier New" panose="02070309020205020404" pitchFamily="49" charset="0"/>
               </a:rPr>
-              <a:t> -e </a:t>
-            </a:r>
-            <a:r>
-              <a:rPr lang="en-GB" altLang="en-US" sz="1800" dirty="0" err="1" smtClean="0">
+              <a:t> </a:t>
+            </a:r>
+            <a:r>
+              <a:rPr lang="en-GB" altLang="en-US" sz="1800" i="1" dirty="0" err="1">
                 <a:latin typeface="Courier New" panose="02070309020205020404" pitchFamily="49" charset="0"/>
                 <a:cs typeface="Courier New" panose="02070309020205020404" pitchFamily="49" charset="0"/>
               </a:rPr>
-              <a:t>ssh</a:t>
-            </a:r>
-            <a:r>
-              <a:rPr lang="en-GB" altLang="en-US" sz="1800" i="1" dirty="0" smtClean="0">
+              <a:t>user</a:t>
+            </a:r>
+            <a:r>
+              <a:rPr lang="en-GB" altLang="en-US" sz="1800" dirty="0" err="1">
                 <a:latin typeface="Courier New" panose="02070309020205020404" pitchFamily="49" charset="0"/>
                 <a:cs typeface="Courier New" panose="02070309020205020404" pitchFamily="49" charset="0"/>
               </a:rPr>
+              <a:t>@</a:t>
+            </a:r>
+            <a:r>
+              <a:rPr lang="en-GB" altLang="en-US" sz="1800" i="1" dirty="0" err="1">
+                <a:latin typeface="Courier New" panose="02070309020205020404" pitchFamily="49" charset="0"/>
+                <a:cs typeface="Courier New" panose="02070309020205020404" pitchFamily="49" charset="0"/>
+              </a:rPr>
+              <a:t>host</a:t>
+            </a:r>
+            <a:r>
+              <a:rPr lang="en-GB" altLang="en-US" sz="1800" dirty="0" err="1">
+                <a:latin typeface="Courier New" panose="02070309020205020404" pitchFamily="49" charset="0"/>
+                <a:cs typeface="Courier New" panose="02070309020205020404" pitchFamily="49" charset="0"/>
+              </a:rPr>
+              <a:t>:</a:t>
+            </a:r>
+            <a:r>
+              <a:rPr lang="en-GB" altLang="en-US" sz="1800" i="1" dirty="0" err="1">
+                <a:latin typeface="Courier New" panose="02070309020205020404" pitchFamily="49" charset="0"/>
+                <a:cs typeface="Courier New" panose="02070309020205020404" pitchFamily="49" charset="0"/>
+              </a:rPr>
+              <a:t>remote_path</a:t>
+            </a:r>
+            <a:r>
+              <a:rPr lang="en-GB" altLang="en-US" sz="1800" i="1" dirty="0">
+                <a:latin typeface="Courier New" panose="02070309020205020404" pitchFamily="49" charset="0"/>
+                <a:cs typeface="Courier New" panose="02070309020205020404" pitchFamily="49" charset="0"/>
+              </a:rPr>
               <a:t> </a:t>
             </a:r>
             <a:r>
-              <a:rPr lang="en-GB" altLang="en-US" sz="1800" i="1" dirty="0" err="1" smtClean="0">
+              <a:rPr lang="en-GB" altLang="en-US" sz="1800" i="1" dirty="0" err="1">
                 <a:latin typeface="Courier New" panose="02070309020205020404" pitchFamily="49" charset="0"/>
                 <a:cs typeface="Courier New" panose="02070309020205020404" pitchFamily="49" charset="0"/>
               </a:rPr>
-              <a:t>user</a:t>
-            </a:r>
-            <a:r>
-              <a:rPr lang="en-GB" altLang="en-US" sz="1800" dirty="0" err="1" smtClean="0">
-                <a:latin typeface="Courier New" panose="02070309020205020404" pitchFamily="49" charset="0"/>
-                <a:cs typeface="Courier New" panose="02070309020205020404" pitchFamily="49" charset="0"/>
-              </a:rPr>
-              <a:t>@</a:t>
-            </a:r>
-            <a:r>
-              <a:rPr lang="en-GB" altLang="en-US" sz="1800" i="1" dirty="0" err="1" smtClean="0">
-                <a:latin typeface="Courier New" panose="02070309020205020404" pitchFamily="49" charset="0"/>
-                <a:cs typeface="Courier New" panose="02070309020205020404" pitchFamily="49" charset="0"/>
-              </a:rPr>
-              <a:t>host</a:t>
-            </a:r>
-            <a:r>
-              <a:rPr lang="en-GB" altLang="en-US" sz="1800" dirty="0" err="1" smtClean="0">
-                <a:latin typeface="Courier New" panose="02070309020205020404" pitchFamily="49" charset="0"/>
-                <a:cs typeface="Courier New" panose="02070309020205020404" pitchFamily="49" charset="0"/>
-              </a:rPr>
-              <a:t>:</a:t>
-            </a:r>
-            <a:r>
-              <a:rPr lang="en-GB" altLang="en-US" sz="1800" i="1" dirty="0" err="1" smtClean="0">
-                <a:latin typeface="Courier New" panose="02070309020205020404" pitchFamily="49" charset="0"/>
-                <a:cs typeface="Courier New" panose="02070309020205020404" pitchFamily="49" charset="0"/>
-              </a:rPr>
-              <a:t>remote_path</a:t>
-            </a:r>
-            <a:r>
-              <a:rPr lang="en-GB" altLang="en-US" sz="1800" i="1" dirty="0" smtClean="0">
-                <a:latin typeface="Courier New" panose="02070309020205020404" pitchFamily="49" charset="0"/>
-                <a:cs typeface="Courier New" panose="02070309020205020404" pitchFamily="49" charset="0"/>
-              </a:rPr>
-              <a:t> </a:t>
-            </a:r>
-            <a:r>
-              <a:rPr lang="en-GB" altLang="en-US" sz="1800" i="1" dirty="0" err="1" smtClean="0">
-                <a:latin typeface="Courier New" panose="02070309020205020404" pitchFamily="49" charset="0"/>
-                <a:cs typeface="Courier New" panose="02070309020205020404" pitchFamily="49" charset="0"/>
-              </a:rPr>
               <a:t>local_path</a:t>
             </a:r>
             <a:r>
-              <a:rPr lang="en-GB" altLang="en-US" sz="2400" dirty="0" smtClean="0"/>
+              <a:rPr lang="en-GB" altLang="en-US" sz="2400" dirty="0"/>
               <a:t>	← pull</a:t>
             </a:r>
           </a:p>
@@ -7349,84 +7306,70 @@
               <a:defRPr/>
             </a:pPr>
             <a:r>
-              <a:rPr lang="en-GB" altLang="en-US" sz="1800" dirty="0" err="1" smtClean="0">
+              <a:rPr lang="en-GB" altLang="en-US" sz="1800" dirty="0" err="1">
                 <a:latin typeface="Courier New" panose="02070309020205020404" pitchFamily="49" charset="0"/>
                 <a:cs typeface="Courier New" panose="02070309020205020404" pitchFamily="49" charset="0"/>
               </a:rPr>
               <a:t>rsync</a:t>
             </a:r>
             <a:r>
-              <a:rPr lang="en-GB" altLang="en-US" sz="1800" dirty="0" smtClean="0">
+              <a:rPr lang="en-GB" altLang="en-US" sz="1800" dirty="0">
                 <a:latin typeface="Courier New" panose="02070309020205020404" pitchFamily="49" charset="0"/>
                 <a:cs typeface="Courier New" panose="02070309020205020404" pitchFamily="49" charset="0"/>
               </a:rPr>
-              <a:t> -e </a:t>
-            </a:r>
-            <a:r>
-              <a:rPr lang="en-GB" altLang="en-US" sz="1800" dirty="0" err="1" smtClean="0">
+              <a:t> </a:t>
+            </a:r>
+            <a:r>
+              <a:rPr lang="en-GB" altLang="en-US" sz="1800" i="1" dirty="0" err="1">
                 <a:latin typeface="Courier New" panose="02070309020205020404" pitchFamily="49" charset="0"/>
                 <a:cs typeface="Courier New" panose="02070309020205020404" pitchFamily="49" charset="0"/>
               </a:rPr>
-              <a:t>ssh</a:t>
-            </a:r>
-            <a:r>
-              <a:rPr lang="en-GB" altLang="en-US" sz="1800" i="1" dirty="0" smtClean="0">
+              <a:t>local_path</a:t>
+            </a:r>
+            <a:r>
+              <a:rPr lang="en-GB" altLang="en-US" sz="1800" i="1" dirty="0">
                 <a:latin typeface="Courier New" panose="02070309020205020404" pitchFamily="49" charset="0"/>
                 <a:cs typeface="Courier New" panose="02070309020205020404" pitchFamily="49" charset="0"/>
               </a:rPr>
               <a:t> </a:t>
             </a:r>
             <a:r>
-              <a:rPr lang="en-GB" altLang="en-US" sz="1800" i="1" dirty="0" err="1" smtClean="0">
+              <a:rPr lang="en-GB" altLang="en-US" sz="1800" i="1" dirty="0" err="1">
                 <a:latin typeface="Courier New" panose="02070309020205020404" pitchFamily="49" charset="0"/>
                 <a:cs typeface="Courier New" panose="02070309020205020404" pitchFamily="49" charset="0"/>
               </a:rPr>
-              <a:t>local_path</a:t>
-            </a:r>
-            <a:r>
-              <a:rPr lang="en-GB" altLang="en-US" sz="1800" i="1" dirty="0" smtClean="0">
+              <a:t>user</a:t>
+            </a:r>
+            <a:r>
+              <a:rPr lang="en-GB" altLang="en-US" sz="1800" dirty="0" err="1">
                 <a:latin typeface="Courier New" panose="02070309020205020404" pitchFamily="49" charset="0"/>
                 <a:cs typeface="Courier New" panose="02070309020205020404" pitchFamily="49" charset="0"/>
               </a:rPr>
-              <a:t> </a:t>
-            </a:r>
-            <a:r>
-              <a:rPr lang="en-GB" altLang="en-US" sz="1800" i="1" dirty="0" err="1" smtClean="0">
+              <a:t>@</a:t>
+            </a:r>
+            <a:r>
+              <a:rPr lang="en-GB" altLang="en-US" sz="1800" i="1" dirty="0" err="1">
                 <a:latin typeface="Courier New" panose="02070309020205020404" pitchFamily="49" charset="0"/>
                 <a:cs typeface="Courier New" panose="02070309020205020404" pitchFamily="49" charset="0"/>
               </a:rPr>
-              <a:t>user</a:t>
-            </a:r>
-            <a:r>
-              <a:rPr lang="en-GB" altLang="en-US" sz="1800" dirty="0" err="1" smtClean="0">
+              <a:t>host</a:t>
+            </a:r>
+            <a:r>
+              <a:rPr lang="en-GB" altLang="en-US" sz="1800" dirty="0" err="1">
                 <a:latin typeface="Courier New" panose="02070309020205020404" pitchFamily="49" charset="0"/>
                 <a:cs typeface="Courier New" panose="02070309020205020404" pitchFamily="49" charset="0"/>
               </a:rPr>
-              <a:t>@</a:t>
-            </a:r>
-            <a:r>
-              <a:rPr lang="en-GB" altLang="en-US" sz="1800" i="1" dirty="0" err="1" smtClean="0">
+              <a:t>:</a:t>
+            </a:r>
+            <a:r>
+              <a:rPr lang="en-GB" altLang="en-US" sz="1800" i="1" dirty="0" err="1">
                 <a:latin typeface="Courier New" panose="02070309020205020404" pitchFamily="49" charset="0"/>
                 <a:cs typeface="Courier New" panose="02070309020205020404" pitchFamily="49" charset="0"/>
               </a:rPr>
-              <a:t>host</a:t>
-            </a:r>
-            <a:r>
-              <a:rPr lang="en-GB" altLang="en-US" sz="1800" dirty="0" err="1" smtClean="0">
-                <a:latin typeface="Courier New" panose="02070309020205020404" pitchFamily="49" charset="0"/>
-                <a:cs typeface="Courier New" panose="02070309020205020404" pitchFamily="49" charset="0"/>
-              </a:rPr>
-              <a:t>:</a:t>
-            </a:r>
-            <a:r>
-              <a:rPr lang="en-GB" altLang="en-US" sz="1800" i="1" dirty="0" err="1" smtClean="0">
-                <a:latin typeface="Courier New" panose="02070309020205020404" pitchFamily="49" charset="0"/>
-                <a:cs typeface="Courier New" panose="02070309020205020404" pitchFamily="49" charset="0"/>
-              </a:rPr>
               <a:t>remote_path</a:t>
             </a:r>
             <a:r>
-              <a:rPr lang="en-GB" altLang="en-US" sz="2400" dirty="0" smtClean="0"/>
+              <a:rPr lang="en-GB" altLang="en-US" sz="2400" dirty="0"/>
               <a:t>	← push</a:t>
             </a:r>
           </a:p>
@@ -7458,15 +7401,15 @@
               <a:defRPr/>
             </a:pPr>
             <a:r>
-              <a:rPr lang="en-GB" altLang="en-US" sz="2400" dirty="0" smtClean="0"/>
+              <a:rPr lang="en-GB" altLang="en-US" sz="2400" dirty="0"/>
               <a:t>requires no special configuration (though remember to set up </a:t>
             </a:r>
             <a:r>
-              <a:rPr lang="en-GB" altLang="en-US" sz="2400" dirty="0" err="1" smtClean="0"/>
+              <a:rPr lang="en-GB" altLang="en-US" sz="2400" dirty="0" err="1"/>
               <a:t>ssh</a:t>
             </a:r>
             <a:r>
-              <a:rPr lang="en-GB" altLang="en-US" sz="2400" dirty="0" smtClean="0"/>
+              <a:rPr lang="en-GB" altLang="en-US" sz="2400" dirty="0"/>
               <a:t> keys)</a:t>
             </a:r>
           </a:p>
@@ -7498,19 +7441,19 @@
               <a:defRPr/>
             </a:pPr>
             <a:r>
-              <a:rPr lang="en-GB" altLang="en-US" sz="2400" dirty="0" smtClean="0"/>
+              <a:rPr lang="en-GB" altLang="en-US" sz="2400" dirty="0"/>
               <a:t>similar to </a:t>
             </a:r>
             <a:r>
-              <a:rPr lang="en-GB" altLang="en-US" sz="2400" dirty="0" err="1" smtClean="0"/>
+              <a:rPr lang="en-GB" altLang="en-US" sz="2400" dirty="0" err="1"/>
               <a:t>scp</a:t>
             </a:r>
             <a:r>
-              <a:rPr lang="en-GB" altLang="en-US" sz="2400" dirty="0" smtClean="0"/>
+              <a:rPr lang="en-GB" altLang="en-US" sz="2400" dirty="0"/>
               <a:t> syntax, e.g. remote path is relative to home directory unless starts with </a:t>
             </a:r>
             <a:r>
-              <a:rPr lang="en-GB" altLang="en-US" sz="2400" dirty="0" smtClean="0">
+              <a:rPr lang="en-GB" altLang="en-US" sz="2400" dirty="0">
                 <a:latin typeface="Courier 10 Pitch" pitchFamily="1" charset="0"/>
               </a:rPr>
               <a:t>/</a:t>
@@ -7613,7 +7556,7 @@
               <a:defRPr/>
             </a:pPr>
             <a:r>
-              <a:rPr lang="en-GB" altLang="en-US" sz="3527" smtClean="0"/>
+              <a:rPr lang="en-GB" altLang="en-US" sz="3527"/>
               <a:t>Transferring data with rsync (continued)</a:t>
             </a:r>
           </a:p>
@@ -7663,7 +7606,7 @@
               </a:tabLst>
             </a:pPr>
             <a:r>
-              <a:rPr lang="en-GB" altLang="en-US" sz="2400" smtClean="0"/>
+              <a:rPr lang="en-GB" altLang="en-US" sz="2400"/>
               <a:t>Useful flags for rsync:</a:t>
             </a:r>
           </a:p>
@@ -7691,14 +7634,14 @@
               </a:tabLst>
             </a:pPr>
             <a:r>
-              <a:rPr lang="en-GB" altLang="en-US" sz="2000" smtClean="0">
+              <a:rPr lang="en-GB" altLang="en-US" sz="2000">
                 <a:latin typeface="Courier New" panose="02070309020205020404" pitchFamily="49" charset="0"/>
                 <a:cs typeface="Courier New" panose="02070309020205020404" pitchFamily="49" charset="0"/>
               </a:rPr>
               <a:t>-r </a:t>
             </a:r>
             <a:r>
-              <a:rPr lang="en-GB" altLang="en-US" sz="2000" smtClean="0"/>
+              <a:rPr lang="en-GB" altLang="en-US" sz="2000"/>
               <a:t>(recursive) – go down the directory tree copying stuff.</a:t>
             </a:r>
           </a:p>
@@ -7726,14 +7669,14 @@
               </a:tabLst>
             </a:pPr>
             <a:r>
-              <a:rPr lang="en-GB" altLang="en-US" sz="2000" smtClean="0">
+              <a:rPr lang="en-GB" altLang="en-US" sz="2000">
                 <a:latin typeface="Courier New" panose="02070309020205020404" pitchFamily="49" charset="0"/>
                 <a:cs typeface="Courier New" panose="02070309020205020404" pitchFamily="49" charset="0"/>
               </a:rPr>
               <a:t>-c </a:t>
             </a:r>
             <a:r>
-              <a:rPr lang="en-GB" altLang="en-US" sz="2000" smtClean="0"/>
+              <a:rPr lang="en-GB" altLang="en-US" sz="2000"/>
               <a:t>(checksum) – when deciding what files to send, look not only at size and timestamp but if necessary also file contents</a:t>
             </a:r>
           </a:p>
@@ -7761,28 +7704,28 @@
               </a:tabLst>
             </a:pPr>
             <a:r>
-              <a:rPr lang="en-GB" altLang="en-US" sz="2000" smtClean="0">
+              <a:rPr lang="en-GB" altLang="en-US" sz="2000">
                 <a:latin typeface="Courier New" panose="02070309020205020404" pitchFamily="49" charset="0"/>
                 <a:cs typeface="Courier New" panose="02070309020205020404" pitchFamily="49" charset="0"/>
               </a:rPr>
               <a:t>--delete  </a:t>
             </a:r>
             <a:r>
-              <a:rPr lang="en-GB" altLang="en-US" sz="2000" smtClean="0"/>
+              <a:rPr lang="en-GB" altLang="en-US" sz="2000"/>
               <a:t>– remove files from destination not present at source end.  </a:t>
             </a:r>
             <a:r>
-              <a:rPr lang="en-GB" altLang="en-US" sz="2000" i="1" smtClean="0"/>
+              <a:rPr lang="en-GB" altLang="en-US" sz="2000" i="1"/>
               <a:t>(Test with </a:t>
             </a:r>
             <a:r>
-              <a:rPr lang="en-GB" altLang="en-US" sz="2000" i="1" smtClean="0">
+              <a:rPr lang="en-GB" altLang="en-US" sz="2000" i="1">
                 <a:latin typeface="Courier 10 Pitch" pitchFamily="1" charset="0"/>
               </a:rPr>
               <a:t>-n</a:t>
             </a:r>
             <a:r>
-              <a:rPr lang="en-GB" altLang="en-US" sz="2000" i="1" smtClean="0"/>
+              <a:rPr lang="en-GB" altLang="en-US" sz="2000" i="1"/>
               <a:t> first!)</a:t>
             </a:r>
           </a:p>
@@ -7810,24 +7753,24 @@
               </a:tabLst>
             </a:pPr>
             <a:r>
-              <a:rPr lang="en-GB" altLang="en-US" sz="2000" smtClean="0">
+              <a:rPr lang="en-GB" altLang="en-US" sz="2000">
                 <a:latin typeface="Courier New" panose="02070309020205020404" pitchFamily="49" charset="0"/>
                 <a:cs typeface="Courier New" panose="02070309020205020404" pitchFamily="49" charset="0"/>
               </a:rPr>
               <a:t>-v </a:t>
             </a:r>
             <a:r>
-              <a:rPr lang="en-GB" altLang="en-US" sz="2000" smtClean="0"/>
+              <a:rPr lang="en-GB" altLang="en-US" sz="2000"/>
               <a:t>(verbose)</a:t>
             </a:r>
             <a:r>
-              <a:rPr lang="en-GB" altLang="en-US" sz="2000" smtClean="0">
+              <a:rPr lang="en-GB" altLang="en-US" sz="2000">
                 <a:latin typeface="Courier 10 Pitch" pitchFamily="1" charset="0"/>
               </a:rPr>
               <a:t> – </a:t>
             </a:r>
             <a:r>
-              <a:rPr lang="en-GB" altLang="en-US" sz="2000" smtClean="0"/>
+              <a:rPr lang="en-GB" altLang="en-US" sz="2000"/>
               <a:t>list files that are transferred (or deleted)</a:t>
             </a:r>
           </a:p>
@@ -7855,18 +7798,18 @@
               </a:tabLst>
             </a:pPr>
             <a:r>
-              <a:rPr lang="en-GB" altLang="en-US" sz="2000" smtClean="0">
+              <a:rPr lang="en-GB" altLang="en-US" sz="2000">
                 <a:latin typeface="Courier New" panose="02070309020205020404" pitchFamily="49" charset="0"/>
                 <a:cs typeface="Courier New" panose="02070309020205020404" pitchFamily="49" charset="0"/>
               </a:rPr>
               <a:t>-n </a:t>
             </a:r>
             <a:r>
-              <a:rPr lang="en-GB" altLang="en-US" sz="2000" smtClean="0"/>
+              <a:rPr lang="en-GB" altLang="en-US" sz="2000"/>
               <a:t>(dry run) – go through the motions but do not actually transfer (or delete) files. Useful with </a:t>
             </a:r>
             <a:r>
-              <a:rPr lang="en-GB" altLang="en-US" sz="2000" smtClean="0">
+              <a:rPr lang="en-GB" altLang="en-US" sz="2000">
                 <a:latin typeface="Courier 10 Pitch" pitchFamily="1" charset="0"/>
               </a:rPr>
               <a:t>-v.</a:t>
@@ -7894,14 +7837,14 @@
               </a:tabLst>
             </a:pPr>
             <a:r>
-              <a:rPr lang="en-GB" altLang="en-US" sz="2000" smtClean="0">
+              <a:rPr lang="en-GB" altLang="en-US" sz="2000">
                 <a:latin typeface="Courier New" panose="02070309020205020404" pitchFamily="49" charset="0"/>
                 <a:cs typeface="Courier New" panose="02070309020205020404" pitchFamily="49" charset="0"/>
               </a:rPr>
               <a:t>-a </a:t>
             </a:r>
             <a:r>
-              <a:rPr lang="en-GB" altLang="en-US" sz="2000" smtClean="0"/>
+              <a:rPr lang="en-GB" altLang="en-US" sz="2000"/>
               <a:t>(archive) – copy recursively and try to copy permissions, ownership, etc.</a:t>
             </a:r>
           </a:p>
@@ -7928,7 +7871,7 @@
                 <a:tab pos="8686800" algn="l"/>
               </a:tabLst>
             </a:pPr>
-            <a:endParaRPr lang="en-GB" altLang="en-US" sz="2000" smtClean="0">
+            <a:endParaRPr lang="en-GB" altLang="en-US" sz="2000">
               <a:latin typeface="Courier 10 Pitch" pitchFamily="1" charset="0"/>
             </a:endParaRPr>
           </a:p>
@@ -8011,7 +7954,7 @@
               <a:defRPr/>
             </a:pPr>
             <a:r>
-              <a:rPr lang="en-US" altLang="en-US" sz="3527" smtClean="0"/>
+              <a:rPr lang="en-US" altLang="en-US" sz="3527"/>
               <a:t>rsync exercise</a:t>
             </a:r>
           </a:p>
@@ -8245,13 +8188,6 @@
   <p:clrMapOvr>
     <a:masterClrMapping/>
   </p:clrMapOvr>
-  <p:timing>
-    <p:tnLst>
-      <p:par>
-        <p:cTn id="1" dur="indefinite" restart="never" nodeType="tmRoot"/>
-      </p:par>
-    </p:tnLst>
-  </p:timing>
 </p:sld>
 </file>
 
@@ -8314,7 +8250,7 @@
               <a:defRPr/>
             </a:pPr>
             <a:r>
-              <a:rPr lang="en-GB" altLang="en-US" sz="3527" smtClean="0"/>
+              <a:rPr lang="en-GB" altLang="en-US" sz="3527"/>
               <a:t>Pattern matching: globs</a:t>
             </a:r>
           </a:p>
@@ -8370,7 +8306,7 @@
               <a:defRPr/>
             </a:pPr>
             <a:r>
-              <a:rPr lang="en-GB" altLang="en-US" sz="2000" dirty="0" smtClean="0"/>
+              <a:rPr lang="en-GB" altLang="en-US" sz="2000" dirty="0"/>
               <a:t>Unix shells recognises various wildcards in filenames. We have seen these two:</a:t>
             </a:r>
           </a:p>
@@ -8405,14 +8341,14 @@
               <a:defRPr/>
             </a:pPr>
             <a:r>
-              <a:rPr lang="en-GB" altLang="en-US" sz="1800" dirty="0" smtClean="0">
+              <a:rPr lang="en-GB" altLang="en-US" sz="1800" dirty="0">
                 <a:latin typeface="Courier New" panose="02070309020205020404" pitchFamily="49" charset="0"/>
                 <a:cs typeface="Courier New" panose="02070309020205020404" pitchFamily="49" charset="0"/>
               </a:rPr>
               <a:t>*</a:t>
             </a:r>
             <a:r>
-              <a:rPr lang="en-GB" altLang="en-US" sz="1800" dirty="0" smtClean="0"/>
+              <a:rPr lang="en-GB" altLang="en-US" sz="1800" dirty="0"/>
               <a:t> matches any number of characters</a:t>
             </a:r>
           </a:p>
@@ -8447,14 +8383,14 @@
               <a:defRPr/>
             </a:pPr>
             <a:r>
-              <a:rPr lang="en-GB" altLang="en-US" sz="1800" dirty="0" smtClean="0">
+              <a:rPr lang="en-GB" altLang="en-US" sz="1800" dirty="0">
                 <a:latin typeface="Courier New" panose="02070309020205020404" pitchFamily="49" charset="0"/>
                 <a:cs typeface="Courier New" panose="02070309020205020404" pitchFamily="49" charset="0"/>
               </a:rPr>
               <a:t>?</a:t>
             </a:r>
             <a:r>
-              <a:rPr lang="en-GB" altLang="en-US" sz="1800" dirty="0" smtClean="0"/>
+              <a:rPr lang="en-GB" altLang="en-US" sz="1800" dirty="0"/>
               <a:t> matches one character</a:t>
             </a:r>
           </a:p>
@@ -8486,7 +8422,7 @@
               <a:defRPr/>
             </a:pPr>
             <a:r>
-              <a:rPr lang="en-GB" altLang="en-US" sz="2000" dirty="0" smtClean="0"/>
+              <a:rPr lang="en-GB" altLang="en-US" sz="2000" dirty="0"/>
               <a:t>These filename matching patterns, known as "globs", are replaced with a list of matching filenames before the command is executed.</a:t>
             </a:r>
           </a:p>
@@ -8516,13 +8452,13 @@
               <a:defRPr/>
             </a:pPr>
             <a:r>
-              <a:rPr lang="en-US" altLang="en-US" sz="2000" b="1" dirty="0" smtClean="0">
+              <a:rPr lang="en-US" altLang="en-US" sz="2000" b="1" dirty="0">
                 <a:latin typeface="Courier New" panose="02070309020205020404" pitchFamily="49" charset="0"/>
               </a:rPr>
               <a:t>$ </a:t>
             </a:r>
             <a:r>
-              <a:rPr lang="en-US" altLang="en-US" sz="2000" b="1" dirty="0" smtClean="0">
+              <a:rPr lang="en-US" altLang="en-US" sz="2000" b="1" dirty="0">
                 <a:solidFill>
                   <a:srgbClr val="006600"/>
                 </a:solidFill>
@@ -8557,7 +8493,7 @@
               <a:defRPr/>
             </a:pPr>
             <a:r>
-              <a:rPr lang="en-US" altLang="en-US" sz="2000" i="1" dirty="0" smtClean="0">
+              <a:rPr lang="en-US" altLang="en-US" sz="2000" i="1" dirty="0">
                 <a:latin typeface="Courier New" panose="02070309020205020404" pitchFamily="49" charset="0"/>
               </a:rPr>
               <a:t>1	3	5	a1	b1	c1	d1</a:t>
@@ -8590,16 +8526,10 @@
               <a:defRPr/>
             </a:pPr>
             <a:r>
-              <a:rPr lang="en-US" altLang="en-US" sz="2000" i="1" dirty="0" smtClean="0">
-                <a:latin typeface="Courier New" panose="02070309020205020404" pitchFamily="49" charset="0"/>
-              </a:rPr>
-              <a:t>  4</a:t>
-            </a:r>
-            <a:r>
-              <a:rPr lang="en-US" altLang="en-US" sz="2000" i="1" dirty="0" smtClean="0">
-                <a:latin typeface="Courier New" panose="02070309020205020404" pitchFamily="49" charset="0"/>
-              </a:rPr>
-              <a:t>	a	b	c	d</a:t>
+              <a:rPr lang="en-US" altLang="en-US" sz="2000" i="1" dirty="0">
+                <a:latin typeface="Courier New" panose="02070309020205020404" pitchFamily="49" charset="0"/>
+              </a:rPr>
+              <a:t>  4	a	b	c	d</a:t>
             </a:r>
           </a:p>
           <a:p>
@@ -8628,7 +8558,7 @@
               </a:tabLst>
               <a:defRPr/>
             </a:pPr>
-            <a:endParaRPr lang="nb-NO" altLang="en-US" sz="2000" b="1" dirty="0" smtClean="0">
+            <a:endParaRPr lang="nb-NO" altLang="en-US" sz="2000" b="1" dirty="0">
               <a:latin typeface="Courier New" panose="02070309020205020404" pitchFamily="49" charset="0"/>
             </a:endParaRPr>
           </a:p>
@@ -8658,13 +8588,13 @@
               <a:defRPr/>
             </a:pPr>
             <a:r>
-              <a:rPr lang="nb-NO" altLang="en-US" sz="2000" b="1" dirty="0" smtClean="0">
+              <a:rPr lang="nb-NO" altLang="en-US" sz="2000" b="1" dirty="0">
                 <a:latin typeface="Courier New" panose="02070309020205020404" pitchFamily="49" charset="0"/>
               </a:rPr>
               <a:t>$ </a:t>
             </a:r>
             <a:r>
-              <a:rPr lang="nb-NO" altLang="en-US" sz="2000" b="1" dirty="0" smtClean="0">
+              <a:rPr lang="nb-NO" altLang="en-US" sz="2000" b="1" dirty="0">
                 <a:solidFill>
                   <a:srgbClr val="006600"/>
                 </a:solidFill>
@@ -8700,16 +8630,10 @@
               <a:defRPr/>
             </a:pPr>
             <a:r>
-              <a:rPr lang="nb-NO" altLang="en-US" sz="2000" i="1" dirty="0" smtClean="0">
-                <a:latin typeface="Courier New" panose="02070309020205020404" pitchFamily="49" charset="0"/>
-              </a:rPr>
-              <a:t>a1 b1</a:t>
-            </a:r>
-            <a:r>
-              <a:rPr lang="nb-NO" altLang="en-US" sz="2000" i="1" dirty="0" smtClean="0">
-                <a:latin typeface="Courier New" panose="02070309020205020404" pitchFamily="49" charset="0"/>
-              </a:rPr>
-              <a:t>	c1	d1</a:t>
+              <a:rPr lang="nb-NO" altLang="en-US" sz="2000" i="1" dirty="0">
+                <a:latin typeface="Courier New" panose="02070309020205020404" pitchFamily="49" charset="0"/>
+              </a:rPr>
+              <a:t>a1 b1	c1	d1</a:t>
             </a:r>
           </a:p>
           <a:p>
@@ -8736,7 +8660,7 @@
               </a:tabLst>
               <a:defRPr/>
             </a:pPr>
-            <a:endParaRPr lang="nb-NO" altLang="en-US" sz="2000" b="1" dirty="0" smtClean="0">
+            <a:endParaRPr lang="nb-NO" altLang="en-US" sz="2000" b="1" dirty="0">
               <a:latin typeface="Courier New" panose="02070309020205020404" pitchFamily="49" charset="0"/>
             </a:endParaRPr>
           </a:p>
@@ -8766,13 +8690,13 @@
               <a:defRPr/>
             </a:pPr>
             <a:r>
-              <a:rPr lang="nb-NO" altLang="en-US" sz="2000" b="1" dirty="0" smtClean="0">
+              <a:rPr lang="nb-NO" altLang="en-US" sz="2000" b="1" dirty="0">
                 <a:latin typeface="Courier New" panose="02070309020205020404" pitchFamily="49" charset="0"/>
               </a:rPr>
               <a:t>$ </a:t>
             </a:r>
             <a:r>
-              <a:rPr lang="nb-NO" altLang="en-US" sz="2000" b="1" dirty="0" smtClean="0">
+              <a:rPr lang="nb-NO" altLang="en-US" sz="2000" b="1" dirty="0">
                 <a:solidFill>
                   <a:srgbClr val="006600"/>
                 </a:solidFill>
@@ -8807,16 +8731,10 @@
               <a:defRPr/>
             </a:pPr>
             <a:r>
-              <a:rPr lang="nb-NO" altLang="en-US" sz="2000" i="1" dirty="0" smtClean="0">
-                <a:latin typeface="Courier New" panose="02070309020205020404" pitchFamily="49" charset="0"/>
-              </a:rPr>
-              <a:t>a1 b1 c1</a:t>
-            </a:r>
-            <a:r>
-              <a:rPr lang="nb-NO" altLang="en-US" sz="2000" i="1" dirty="0" smtClean="0">
-                <a:latin typeface="Courier New" panose="02070309020205020404" pitchFamily="49" charset="0"/>
-              </a:rPr>
-              <a:t>	d1</a:t>
+              <a:rPr lang="nb-NO" altLang="en-US" sz="2000" i="1" dirty="0">
+                <a:latin typeface="Courier New" panose="02070309020205020404" pitchFamily="49" charset="0"/>
+              </a:rPr>
+              <a:t>a1 b1 c1	d1</a:t>
             </a:r>
           </a:p>
         </p:txBody>
@@ -8916,7 +8834,7 @@
               <a:defRPr/>
             </a:pPr>
             <a:r>
-              <a:rPr lang="en-GB" altLang="en-US" sz="3527" smtClean="0"/>
+              <a:rPr lang="en-GB" altLang="en-US" sz="3527"/>
               <a:t>Pattern matching: globs</a:t>
             </a:r>
           </a:p>
@@ -8970,7 +8888,7 @@
               <a:defRPr/>
             </a:pPr>
             <a:r>
-              <a:rPr lang="en-GB" altLang="en-US" sz="3086" dirty="0" smtClean="0"/>
+              <a:rPr lang="en-GB" altLang="en-US" sz="3086" dirty="0"/>
               <a:t>Here is another glob for you</a:t>
             </a:r>
           </a:p>
@@ -9005,23 +8923,23 @@
               <a:defRPr/>
             </a:pPr>
             <a:r>
-              <a:rPr lang="en-GB" altLang="en-US" sz="2646" dirty="0" smtClean="0">
+              <a:rPr lang="en-GB" altLang="en-US" sz="2646" dirty="0">
                 <a:latin typeface="Courier 10 Pitch" pitchFamily="1" charset="0"/>
               </a:rPr>
               <a:t>[…]</a:t>
             </a:r>
             <a:r>
-              <a:rPr lang="en-GB" altLang="en-US" sz="2646" dirty="0" smtClean="0"/>
+              <a:rPr lang="en-GB" altLang="en-US" sz="2646" dirty="0"/>
               <a:t> matches any of the characters listed (or range of characters, e.g. </a:t>
             </a:r>
             <a:r>
-              <a:rPr lang="en-GB" altLang="en-US" sz="2646" dirty="0" smtClean="0">
+              <a:rPr lang="en-GB" altLang="en-US" sz="2646" dirty="0">
                 <a:latin typeface="Courier 10 Pitch" pitchFamily="1" charset="0"/>
               </a:rPr>
               <a:t>[0-9]</a:t>
             </a:r>
             <a:r>
-              <a:rPr lang="en-GB" altLang="en-US" sz="2646" dirty="0" smtClean="0"/>
+              <a:rPr lang="en-GB" altLang="en-US" sz="2646" dirty="0"/>
               <a:t>)</a:t>
             </a:r>
           </a:p>
@@ -9055,7 +8973,7 @@
               </a:tabLst>
               <a:defRPr/>
             </a:pPr>
-            <a:endParaRPr lang="en-GB" altLang="en-US" sz="2646" dirty="0" smtClean="0"/>
+            <a:endParaRPr lang="en-GB" altLang="en-US" sz="2646" dirty="0"/>
           </a:p>
           <a:p>
             <a:pPr marL="107950" indent="0" defTabSz="1007943" fontAlgn="auto">
@@ -9083,13 +9001,13 @@
               <a:defRPr/>
             </a:pPr>
             <a:r>
-              <a:rPr lang="en-US" altLang="en-US" sz="3086" b="1" dirty="0" smtClean="0">
+              <a:rPr lang="en-US" altLang="en-US" sz="3086" b="1" dirty="0">
                 <a:latin typeface="Courier New" panose="02070309020205020404" pitchFamily="49" charset="0"/>
               </a:rPr>
               <a:t>$ </a:t>
             </a:r>
             <a:r>
-              <a:rPr lang="en-US" altLang="en-US" sz="3086" b="1" dirty="0" smtClean="0">
+              <a:rPr lang="en-US" altLang="en-US" sz="3086" b="1" dirty="0">
                 <a:solidFill>
                   <a:srgbClr val="006600"/>
                 </a:solidFill>
@@ -9124,44 +9042,12 @@
               <a:defRPr/>
             </a:pPr>
             <a:r>
-              <a:rPr lang="en-US" altLang="en-US" sz="3086" i="1" dirty="0" smtClean="0">
+              <a:rPr lang="en-US" altLang="en-US" sz="3086" i="1" dirty="0">
                 <a:latin typeface="Courier New" panose="02070309020205020404" pitchFamily="49" charset="0"/>
                 <a:cs typeface="Courier New" panose="02070309020205020404" pitchFamily="49" charset="0"/>
               </a:rPr>
-              <a:t>a a1 b</a:t>
-            </a:r>
-            <a:r>
-              <a:rPr lang="en-US" altLang="en-US" sz="3086" i="1" dirty="0">
-                <a:latin typeface="Courier New" panose="02070309020205020404" pitchFamily="49" charset="0"/>
-                <a:cs typeface="Courier New" panose="02070309020205020404" pitchFamily="49" charset="0"/>
-              </a:rPr>
-              <a:t> </a:t>
-            </a:r>
-            <a:r>
-              <a:rPr lang="en-US" altLang="en-US" sz="3086" i="1" dirty="0" smtClean="0">
-                <a:latin typeface="Courier New" panose="02070309020205020404" pitchFamily="49" charset="0"/>
-                <a:cs typeface="Courier New" panose="02070309020205020404" pitchFamily="49" charset="0"/>
-              </a:rPr>
-              <a:t>b1</a:t>
-            </a:r>
-            <a:r>
-              <a:rPr lang="en-US" altLang="en-US" sz="3086" i="1" dirty="0">
-                <a:latin typeface="Courier New" panose="02070309020205020404" pitchFamily="49" charset="0"/>
-                <a:cs typeface="Courier New" panose="02070309020205020404" pitchFamily="49" charset="0"/>
-              </a:rPr>
-              <a:t> </a:t>
-            </a:r>
-            <a:r>
-              <a:rPr lang="en-US" altLang="en-US" sz="3086" i="1" dirty="0" smtClean="0">
-                <a:latin typeface="Courier New" panose="02070309020205020404" pitchFamily="49" charset="0"/>
-                <a:cs typeface="Courier New" panose="02070309020205020404" pitchFamily="49" charset="0"/>
-              </a:rPr>
-              <a:t>c c1</a:t>
-            </a:r>
-            <a:endParaRPr lang="en-US" altLang="en-US" sz="3086" i="1" dirty="0" smtClean="0">
-              <a:latin typeface="Courier New" panose="02070309020205020404" pitchFamily="49" charset="0"/>
-              <a:cs typeface="Courier New" panose="02070309020205020404" pitchFamily="49" charset="0"/>
-            </a:endParaRPr>
+              <a:t>a a1 b b1 c c1</a:t>
+            </a:r>
           </a:p>
           <a:p>
             <a:pPr marL="431800" indent="-323850" defTabSz="1007943" fontAlgn="auto">
@@ -9187,7 +9073,7 @@
               </a:tabLst>
               <a:defRPr/>
             </a:pPr>
-            <a:endParaRPr lang="en-US" altLang="en-US" sz="3086" dirty="0" smtClean="0">
+            <a:endParaRPr lang="en-US" altLang="en-US" sz="3086" dirty="0">
               <a:latin typeface="Courier New" panose="02070309020205020404" pitchFamily="49" charset="0"/>
             </a:endParaRPr>
           </a:p>
@@ -9215,7 +9101,7 @@
               </a:tabLst>
               <a:defRPr/>
             </a:pPr>
-            <a:endParaRPr lang="en-GB" altLang="en-US" sz="3086" dirty="0" smtClean="0">
+            <a:endParaRPr lang="en-GB" altLang="en-US" sz="3086" dirty="0">
               <a:latin typeface="Courier New" panose="02070309020205020404" pitchFamily="49" charset="0"/>
             </a:endParaRPr>
           </a:p>
@@ -9316,7 +9202,7 @@
               <a:defRPr/>
             </a:pPr>
             <a:r>
-              <a:rPr lang="en-GB" altLang="en-US" sz="3527" smtClean="0"/>
+              <a:rPr lang="en-GB" altLang="en-US" sz="3527"/>
               <a:t>Pattern matching: globs</a:t>
             </a:r>
           </a:p>
@@ -9369,7 +9255,7 @@
               <a:defRPr/>
             </a:pPr>
             <a:r>
-              <a:rPr lang="en-GB" altLang="en-US" sz="3086" smtClean="0"/>
+              <a:rPr lang="en-GB" altLang="en-US" sz="3086"/>
               <a:t>And another glob</a:t>
             </a:r>
           </a:p>
@@ -9404,7 +9290,7 @@
               <a:defRPr/>
             </a:pPr>
             <a:r>
-              <a:rPr lang="en-GB" altLang="en-US" sz="2646" smtClean="0">
+              <a:rPr lang="en-GB" altLang="en-US" sz="2646">
                 <a:latin typeface="Courier New" panose="02070309020205020404" pitchFamily="49" charset="0"/>
                 <a:ea typeface="MS PGothic" panose="020B0600070205080204" pitchFamily="34" charset="-128"/>
                 <a:cs typeface="Courier New" panose="02070309020205020404" pitchFamily="49" charset="0"/>
@@ -9412,14 +9298,14 @@
               <a:t>{fred, barny, wilma}</a:t>
             </a:r>
             <a:r>
-              <a:rPr lang="en-GB" altLang="en-US" sz="2646" smtClean="0">
+              <a:rPr lang="en-GB" altLang="en-US" sz="2646">
                 <a:ea typeface="MS PGothic" panose="020B0600070205080204" pitchFamily="34" charset="-128"/>
                 <a:cs typeface="Calibri" panose="020F0502020204030204" pitchFamily="34" charset="0"/>
               </a:rPr>
               <a:t> matches</a:t>
             </a:r>
             <a:r>
-              <a:rPr lang="en-GB" altLang="en-US" sz="2646" smtClean="0">
+              <a:rPr lang="en-GB" altLang="en-US" sz="2646">
                 <a:ea typeface="MS PGothic" panose="020B0600070205080204" pitchFamily="34" charset="-128"/>
               </a:rPr>
               <a:t> any of the comma separated names listed.</a:t>
@@ -9456,20 +9342,20 @@
               <a:defRPr/>
             </a:pPr>
             <a:r>
-              <a:rPr lang="en-GB" altLang="en-US" sz="2646" smtClean="0">
+              <a:rPr lang="en-GB" altLang="en-US" sz="2646">
                 <a:ea typeface="MS PGothic" panose="020B0600070205080204" pitchFamily="34" charset="-128"/>
               </a:rPr>
               <a:t>For example </a:t>
             </a:r>
             <a:r>
-              <a:rPr lang="en-GB" altLang="en-US" sz="2646" smtClean="0">
+              <a:rPr lang="en-GB" altLang="en-US" sz="2646">
                 <a:latin typeface="Courier New" panose="02070309020205020404" pitchFamily="49" charset="0"/>
                 <a:ea typeface="MS PGothic" panose="020B0600070205080204" pitchFamily="34" charset="-128"/>
               </a:rPr>
               <a:t>ls *.{jpg,png}</a:t>
             </a:r>
             <a:r>
-              <a:rPr lang="en-GB" altLang="en-US" sz="2646" smtClean="0">
+              <a:rPr lang="en-GB" altLang="en-US" sz="2646">
                 <a:ea typeface="MS PGothic" panose="020B0600070205080204" pitchFamily="34" charset="-128"/>
               </a:rPr>
               <a:t> will list all your jpg and png files.</a:t>
@@ -9501,7 +9387,7 @@
               </a:tabLst>
               <a:defRPr/>
             </a:pPr>
-            <a:endParaRPr lang="en-US" altLang="en-US" sz="3086" smtClean="0">
+            <a:endParaRPr lang="en-US" altLang="en-US" sz="3086">
               <a:latin typeface="Courier New" panose="02070309020205020404" pitchFamily="49" charset="0"/>
               <a:cs typeface="Courier New" panose="02070309020205020404" pitchFamily="49" charset="0"/>
             </a:endParaRPr>
@@ -9532,7 +9418,7 @@
               </a:tabLst>
               <a:defRPr/>
             </a:pPr>
-            <a:endParaRPr lang="en-GB" altLang="en-US" sz="3086" smtClean="0">
+            <a:endParaRPr lang="en-GB" altLang="en-US" sz="3086">
               <a:latin typeface="Courier New" panose="02070309020205020404" pitchFamily="49" charset="0"/>
               <a:cs typeface="Courier New" panose="02070309020205020404" pitchFamily="49" charset="0"/>
             </a:endParaRPr>
@@ -9616,7 +9502,7 @@
               <a:defRPr/>
             </a:pPr>
             <a:r>
-              <a:rPr lang="en-US" altLang="en-US" sz="3527" smtClean="0"/>
+              <a:rPr lang="en-US" altLang="en-US" sz="3527"/>
               <a:t>Glob exercise</a:t>
             </a:r>
           </a:p>
@@ -9670,22 +9556,22 @@
               <a:defRPr/>
             </a:pPr>
             <a:r>
-              <a:rPr lang="en-US" sz="3086" dirty="0" smtClean="0"/>
+              <a:rPr lang="en-US" sz="3086" dirty="0"/>
               <a:t>Use glob matching in </a:t>
             </a:r>
             <a:r>
-              <a:rPr lang="en-US" sz="3086" dirty="0" err="1" smtClean="0"/>
+              <a:rPr lang="en-US" sz="3086" dirty="0" err="1"/>
               <a:t>acsoe</a:t>
             </a:r>
             <a:r>
-              <a:rPr lang="en-US" sz="3086" dirty="0" smtClean="0"/>
+              <a:rPr lang="en-US" sz="3086" dirty="0"/>
               <a:t>/freetex-98/</a:t>
             </a:r>
             <a:r>
-              <a:rPr lang="en-US" sz="3086" dirty="0" err="1" smtClean="0"/>
+              <a:rPr lang="en-US" sz="3086" dirty="0" err="1"/>
               <a:t>jungfrau</a:t>
             </a:r>
-            <a:endParaRPr lang="en-US" sz="3086" dirty="0" smtClean="0"/>
+            <a:endParaRPr lang="en-US" sz="3086" dirty="0"/>
           </a:p>
           <a:p>
             <a:pPr marL="457200" indent="-457200" defTabSz="1007943" fontAlgn="auto">
@@ -9716,13 +9602,6 @@
   <p:clrMapOvr>
     <a:masterClrMapping/>
   </p:clrMapOvr>
-  <p:timing>
-    <p:tnLst>
-      <p:par>
-        <p:cTn id="1" dur="indefinite" restart="never" nodeType="tmRoot"/>
-      </p:par>
-    </p:tnLst>
-  </p:timing>
 </p:sld>
 </file>
 
@@ -9767,7 +9646,7 @@
               <a:defRPr/>
             </a:pPr>
             <a:r>
-              <a:rPr lang="en-US" altLang="en-US" sz="3527" dirty="0" smtClean="0"/>
+              <a:rPr lang="en-US" altLang="en-US" sz="3527" dirty="0"/>
               <a:t>I'm a terminal based editor get me out of here!</a:t>
             </a:r>
           </a:p>
@@ -9806,7 +9685,7 @@
               <a:defRPr/>
             </a:pPr>
             <a:r>
-              <a:rPr lang="en-US" altLang="en-US" sz="3086" smtClean="0"/>
+              <a:rPr lang="en-US" altLang="en-US" sz="3086"/>
               <a:t>Some editors use the terminal window.</a:t>
             </a:r>
           </a:p>
@@ -9821,7 +9700,7 @@
               <a:defRPr/>
             </a:pPr>
             <a:r>
-              <a:rPr lang="en-US" altLang="en-US" sz="3086" smtClean="0"/>
+              <a:rPr lang="en-US" altLang="en-US" sz="3086"/>
               <a:t>The default editor used by some commands means you need to know how to get out of them sometimes. </a:t>
             </a:r>
           </a:p>
@@ -9836,7 +9715,7 @@
               <a:defRPr/>
             </a:pPr>
             <a:r>
-              <a:rPr lang="en-US" altLang="en-US" sz="3086" smtClean="0"/>
+              <a:rPr lang="en-US" altLang="en-US" sz="3086"/>
               <a:t>If you are not used to them you can get stuck.</a:t>
             </a:r>
           </a:p>
@@ -9851,7 +9730,7 @@
               <a:defRPr/>
             </a:pPr>
             <a:r>
-              <a:rPr lang="en-US" altLang="en-US" sz="3086" smtClean="0"/>
+              <a:rPr lang="en-US" altLang="en-US" sz="3086"/>
               <a:t>Emacs – get out with ^X ^C   (maybe need ^G^X^C)</a:t>
             </a:r>
           </a:p>
@@ -9866,7 +9745,7 @@
               <a:defRPr/>
             </a:pPr>
             <a:r>
-              <a:rPr lang="en-US" altLang="en-US" sz="3086" smtClean="0"/>
+              <a:rPr lang="en-US" altLang="en-US" sz="3086"/>
               <a:t>Vi – get out with escape, then :q! then enter. </a:t>
             </a:r>
           </a:p>
@@ -9880,7 +9759,7 @@
               </a:spcAft>
               <a:defRPr/>
             </a:pPr>
-            <a:endParaRPr lang="en-US" altLang="en-US" sz="3086" smtClean="0"/>
+            <a:endParaRPr lang="en-US" altLang="en-US" sz="3086"/>
           </a:p>
         </p:txBody>
       </p:sp>
@@ -9945,13 +9824,6 @@
   <p:clrMapOvr>
     <a:masterClrMapping/>
   </p:clrMapOvr>
-  <p:timing>
-    <p:tnLst>
-      <p:par>
-        <p:cTn id="1" dur="indefinite" restart="never" nodeType="tmRoot"/>
-      </p:par>
-    </p:tnLst>
-  </p:timing>
 </p:sld>
 </file>
 
@@ -9996,7 +9868,7 @@
               <a:defRPr/>
             </a:pPr>
             <a:r>
-              <a:rPr lang="en-US" altLang="en-US" sz="3527" dirty="0" smtClean="0">
+              <a:rPr lang="en-US" altLang="en-US" sz="3527" dirty="0">
                 <a:cs typeface="Calibri" panose="020F0502020204030204" pitchFamily="34" charset="0"/>
               </a:rPr>
               <a:t>More Tricks</a:t>
@@ -10031,7 +9903,7 @@
               <a:defRPr/>
             </a:pPr>
             <a:r>
-              <a:rPr lang="en-US" altLang="en-US" sz="3086" smtClean="0">
+              <a:rPr lang="en-US" altLang="en-US" sz="3086">
                 <a:cs typeface="Calibri" panose="020F0502020204030204" pitchFamily="34" charset="0"/>
               </a:rPr>
               <a:t>These are small exercises to tell you things you need to know.</a:t>
@@ -10044,13 +9916,6 @@
   <p:clrMapOvr>
     <a:masterClrMapping/>
   </p:clrMapOvr>
-  <p:timing>
-    <p:tnLst>
-      <p:par>
-        <p:cTn id="1" dur="indefinite" restart="never" nodeType="tmRoot"/>
-      </p:par>
-    </p:tnLst>
-  </p:timing>
 </p:sld>
 </file>
 
@@ -10091,7 +9956,7 @@
           <a:lstStyle/>
           <a:p>
             <a:r>
-              <a:rPr lang="en-US" altLang="en-US" sz="3600" smtClean="0"/>
+              <a:rPr lang="en-US" altLang="en-US" sz="3600"/>
               <a:t>Some standard environment variables you might like to know about</a:t>
             </a:r>
           </a:p>
@@ -10128,7 +9993,7 @@
               <a:defRPr/>
             </a:pPr>
             <a:r>
-              <a:rPr lang="en-US" altLang="en-US" sz="3086" smtClean="0">
+              <a:rPr lang="en-US" altLang="en-US" sz="3086">
                 <a:solidFill>
                   <a:srgbClr val="FF0000"/>
                 </a:solidFill>
@@ -10136,7 +10001,7 @@
               <a:t>DISPLAY</a:t>
             </a:r>
             <a:r>
-              <a:rPr lang="en-US" altLang="en-US" sz="3086" smtClean="0"/>
+              <a:rPr lang="en-US" altLang="en-US" sz="3086"/>
               <a:t> sets the display windowed programs attempt to use.</a:t>
             </a:r>
           </a:p>
@@ -10151,7 +10016,7 @@
               <a:defRPr/>
             </a:pPr>
             <a:r>
-              <a:rPr lang="en-US" altLang="en-US" sz="3086" smtClean="0">
+              <a:rPr lang="en-US" altLang="en-US" sz="3086">
                 <a:solidFill>
                   <a:srgbClr val="FF0000"/>
                 </a:solidFill>
@@ -10159,7 +10024,7 @@
               <a:t>HOME</a:t>
             </a:r>
             <a:r>
-              <a:rPr lang="en-US" altLang="en-US" sz="3086" smtClean="0"/>
+              <a:rPr lang="en-US" altLang="en-US" sz="3086"/>
               <a:t> your home directory.</a:t>
             </a:r>
           </a:p>
@@ -10174,7 +10039,7 @@
               <a:defRPr/>
             </a:pPr>
             <a:r>
-              <a:rPr lang="en-US" altLang="en-US" sz="3086" smtClean="0">
+              <a:rPr lang="en-US" altLang="en-US" sz="3086">
                 <a:solidFill>
                   <a:srgbClr val="FF0000"/>
                 </a:solidFill>
@@ -10182,7 +10047,7 @@
               <a:t>PATH</a:t>
             </a:r>
             <a:r>
-              <a:rPr lang="en-US" altLang="en-US" sz="3086" smtClean="0"/>
+              <a:rPr lang="en-US" altLang="en-US" sz="3086"/>
               <a:t> Where your shell looks for programs to run.</a:t>
             </a:r>
           </a:p>
@@ -10197,7 +10062,7 @@
               <a:defRPr/>
             </a:pPr>
             <a:r>
-              <a:rPr lang="en-US" altLang="en-US" sz="3086" smtClean="0">
+              <a:rPr lang="en-US" altLang="en-US" sz="3086">
                 <a:solidFill>
                   <a:srgbClr val="FF0000"/>
                 </a:solidFill>
@@ -10205,7 +10070,7 @@
               <a:t>EDITOR</a:t>
             </a:r>
             <a:r>
-              <a:rPr lang="en-US" altLang="en-US" sz="3086" smtClean="0"/>
+              <a:rPr lang="en-US" altLang="en-US" sz="3086"/>
               <a:t> If you run a program that needs a text editor it will look in here to see which one to use.</a:t>
             </a:r>
           </a:p>
@@ -10220,7 +10085,7 @@
               <a:defRPr/>
             </a:pPr>
             <a:r>
-              <a:rPr lang="en-US" altLang="en-US" sz="3086" smtClean="0">
+              <a:rPr lang="en-US" altLang="en-US" sz="3086">
                 <a:solidFill>
                   <a:srgbClr val="FF0000"/>
                 </a:solidFill>
@@ -10228,7 +10093,7 @@
               <a:t>PS1</a:t>
             </a:r>
             <a:r>
-              <a:rPr lang="en-US" altLang="en-US" sz="3086" smtClean="0"/>
+              <a:rPr lang="en-US" altLang="en-US" sz="3086"/>
               <a:t> Your command line prompt. </a:t>
             </a:r>
           </a:p>
@@ -10242,7 +10107,7 @@
               </a:spcAft>
               <a:defRPr/>
             </a:pPr>
-            <a:endParaRPr lang="en-US" altLang="en-US" sz="3086" smtClean="0"/>
+            <a:endParaRPr lang="en-US" altLang="en-US" sz="3086"/>
           </a:p>
         </p:txBody>
       </p:sp>
@@ -10251,13 +10116,6 @@
   <p:clrMapOvr>
     <a:masterClrMapping/>
   </p:clrMapOvr>
-  <p:timing>
-    <p:tnLst>
-      <p:par>
-        <p:cTn id="1" dur="indefinite" restart="never" nodeType="tmRoot"/>
-      </p:par>
-    </p:tnLst>
-  </p:timing>
 </p:sld>
 </file>
 
@@ -10302,7 +10160,7 @@
               <a:defRPr/>
             </a:pPr>
             <a:r>
-              <a:rPr lang="en-US" altLang="en-US" sz="3527" smtClean="0"/>
+              <a:rPr lang="en-US" altLang="en-US" sz="3527"/>
               <a:t>/dev/null</a:t>
             </a:r>
           </a:p>
@@ -10339,23 +10197,23 @@
               <a:defRPr/>
             </a:pPr>
             <a:r>
-              <a:rPr lang="en-US" altLang="en-US" sz="3086" dirty="0" smtClean="0"/>
+              <a:rPr lang="en-US" altLang="en-US" sz="3086" dirty="0"/>
               <a:t>If you don't need the </a:t>
             </a:r>
             <a:r>
-              <a:rPr lang="en-US" altLang="en-US" sz="3086" dirty="0" err="1" smtClean="0"/>
+              <a:rPr lang="en-US" altLang="en-US" sz="3086" dirty="0" err="1"/>
               <a:t>stdout</a:t>
             </a:r>
             <a:r>
-              <a:rPr lang="en-US" altLang="en-US" sz="3086" dirty="0" smtClean="0"/>
+              <a:rPr lang="en-US" altLang="en-US" sz="3086" dirty="0"/>
               <a:t> or the </a:t>
             </a:r>
             <a:r>
-              <a:rPr lang="en-US" altLang="en-US" sz="3086" dirty="0" err="1" smtClean="0"/>
+              <a:rPr lang="en-US" altLang="en-US" sz="3086" dirty="0" err="1"/>
               <a:t>stderr</a:t>
             </a:r>
             <a:r>
-              <a:rPr lang="en-US" altLang="en-US" sz="3086" dirty="0" smtClean="0"/>
+              <a:rPr lang="en-US" altLang="en-US" sz="3086" dirty="0"/>
               <a:t> you can dump it.</a:t>
             </a:r>
           </a:p>
@@ -10370,7 +10228,7 @@
               <a:defRPr/>
             </a:pPr>
             <a:r>
-              <a:rPr lang="en-US" altLang="en-US" sz="3086" dirty="0" smtClean="0"/>
+              <a:rPr lang="en-US" altLang="en-US" sz="3086" dirty="0"/>
               <a:t>For example, a program produces a lot of output and a few error messages mixed in. If you can't find the error messages then redirect the output to /dev/null</a:t>
             </a:r>
           </a:p>
@@ -10384,7 +10242,7 @@
               </a:spcAft>
               <a:defRPr/>
             </a:pPr>
-            <a:endParaRPr lang="en-US" altLang="en-US" sz="3086" b="1" dirty="0" smtClean="0">
+            <a:endParaRPr lang="en-US" altLang="en-US" sz="3086" b="1" dirty="0">
               <a:latin typeface="Courier" charset="0"/>
             </a:endParaRPr>
           </a:p>
@@ -10398,7 +10256,7 @@
               </a:spcAft>
               <a:defRPr/>
             </a:pPr>
-            <a:endParaRPr lang="en-US" altLang="en-US" sz="3086" dirty="0" smtClean="0"/>
+            <a:endParaRPr lang="en-US" altLang="en-US" sz="3086" dirty="0"/>
           </a:p>
         </p:txBody>
       </p:sp>
@@ -10642,13 +10500,6 @@
   <p:clrMapOvr>
     <a:masterClrMapping/>
   </p:clrMapOvr>
-  <p:timing>
-    <p:tnLst>
-      <p:par>
-        <p:cTn id="1" dur="indefinite" restart="never" nodeType="tmRoot"/>
-      </p:par>
-    </p:tnLst>
-  </p:timing>
 </p:sld>
 </file>
 
@@ -10693,7 +10544,7 @@
               <a:defRPr/>
             </a:pPr>
             <a:r>
-              <a:rPr lang="en-US" altLang="en-US" sz="3527" smtClean="0"/>
+              <a:rPr lang="en-US" altLang="en-US" sz="3527"/>
               <a:t>Sourcing files</a:t>
             </a:r>
           </a:p>
@@ -10747,7 +10598,7 @@
               <a:defRPr/>
             </a:pPr>
             <a:r>
-              <a:rPr lang="en-US" sz="3086" dirty="0" smtClean="0"/>
+              <a:rPr lang="en-US" sz="3086" dirty="0"/>
               <a:t>Try this:</a:t>
             </a:r>
           </a:p>
@@ -10764,7 +10615,7 @@
               <a:defRPr/>
             </a:pPr>
             <a:r>
-              <a:rPr lang="en-US" sz="3086" dirty="0" smtClean="0"/>
+              <a:rPr lang="en-US" sz="3086" dirty="0"/>
               <a:t>Make a script file which sets a variable</a:t>
             </a:r>
           </a:p>
@@ -10781,7 +10632,7 @@
               <a:defRPr/>
             </a:pPr>
             <a:r>
-              <a:rPr lang="en-US" sz="3086" b="1" dirty="0" smtClean="0">
+              <a:rPr lang="en-US" sz="3086" b="1" dirty="0">
                 <a:latin typeface="Courier New" panose="02070309020205020404" pitchFamily="49" charset="0"/>
                 <a:cs typeface="Courier New" panose="02070309020205020404" pitchFamily="49" charset="0"/>
               </a:rPr>
@@ -10835,20 +10686,20 @@
               <a:defRPr/>
             </a:pPr>
             <a:r>
-              <a:rPr lang="en-US" sz="3086" b="1" dirty="0" smtClean="0">
+              <a:rPr lang="en-US" sz="3086" b="1" dirty="0">
                 <a:latin typeface="Courier New" panose="02070309020205020404" pitchFamily="49" charset="0"/>
                 <a:cs typeface="Courier New" panose="02070309020205020404" pitchFamily="49" charset="0"/>
               </a:rPr>
               <a:t>$ . ./</a:t>
             </a:r>
             <a:r>
-              <a:rPr lang="en-US" sz="3086" b="1" dirty="0" err="1" smtClean="0">
+              <a:rPr lang="en-US" sz="3086" b="1" dirty="0" err="1">
                 <a:latin typeface="Courier New" panose="02070309020205020404" pitchFamily="49" charset="0"/>
                 <a:cs typeface="Courier New" panose="02070309020205020404" pitchFamily="49" charset="0"/>
               </a:rPr>
               <a:t>myscript</a:t>
             </a:r>
-            <a:endParaRPr lang="en-US" sz="3086" b="1" dirty="0" smtClean="0">
+            <a:endParaRPr lang="en-US" sz="3086" b="1" dirty="0">
               <a:latin typeface="Courier New" panose="02070309020205020404" pitchFamily="49" charset="0"/>
               <a:cs typeface="Courier New" panose="02070309020205020404" pitchFamily="49" charset="0"/>
             </a:endParaRPr>
@@ -10877,13 +10728,6 @@
   <p:clrMapOvr>
     <a:masterClrMapping/>
   </p:clrMapOvr>
-  <p:timing>
-    <p:tnLst>
-      <p:par>
-        <p:cTn id="1" dur="indefinite" restart="never" nodeType="tmRoot"/>
-      </p:par>
-    </p:tnLst>
-  </p:timing>
 </p:sld>
 </file>
 
@@ -10928,14 +10772,14 @@
               <a:defRPr/>
             </a:pPr>
             <a:r>
-              <a:rPr lang="en-US" altLang="en-US" sz="3527" smtClean="0"/>
+              <a:rPr lang="en-US" altLang="en-US" sz="3527"/>
               <a:t>Compression and </a:t>
             </a:r>
             <a:br>
-              <a:rPr lang="en-US" altLang="en-US" sz="3527" smtClean="0"/>
+              <a:rPr lang="en-US" altLang="en-US" sz="3527"/>
             </a:br>
             <a:r>
-              <a:rPr lang="en-US" altLang="en-US" sz="3527" smtClean="0"/>
+              <a:rPr lang="en-US" altLang="en-US" sz="3527"/>
               <a:t>aggregation tools</a:t>
             </a:r>
           </a:p>
@@ -10968,7 +10812,7 @@
               <a:defRPr/>
             </a:pPr>
             <a:r>
-              <a:rPr lang="en-US" altLang="en-US" sz="3086" dirty="0" smtClean="0"/>
+              <a:rPr lang="en-US" altLang="en-US" sz="3086" dirty="0"/>
               <a:t>Zip (and unzip) – makes a zip file (compression and aggregation)</a:t>
             </a:r>
           </a:p>
@@ -10983,19 +10827,19 @@
               <a:defRPr/>
             </a:pPr>
             <a:r>
-              <a:rPr lang="en-US" altLang="en-US" sz="3086" dirty="0" err="1" smtClean="0"/>
+              <a:rPr lang="en-US" altLang="en-US" sz="3086" dirty="0" err="1"/>
               <a:t>Gzip</a:t>
             </a:r>
             <a:r>
-              <a:rPr lang="en-US" altLang="en-US" sz="3086" dirty="0" smtClean="0"/>
+              <a:rPr lang="en-US" altLang="en-US" sz="3086" dirty="0"/>
               <a:t> (and </a:t>
             </a:r>
             <a:r>
-              <a:rPr lang="en-US" altLang="en-US" sz="3086" dirty="0" err="1" smtClean="0"/>
+              <a:rPr lang="en-US" altLang="en-US" sz="3086" dirty="0" err="1"/>
               <a:t>ungzip</a:t>
             </a:r>
             <a:r>
-              <a:rPr lang="en-US" altLang="en-US" sz="3086" dirty="0" smtClean="0"/>
+              <a:rPr lang="en-US" altLang="en-US" sz="3086" dirty="0"/>
               <a:t>) – compresses a file. (just compression)</a:t>
             </a:r>
           </a:p>
@@ -11010,15 +10854,15 @@
               <a:defRPr/>
             </a:pPr>
             <a:r>
-              <a:rPr lang="en-US" altLang="en-US" sz="3086" dirty="0" smtClean="0"/>
+              <a:rPr lang="en-US" altLang="en-US" sz="3086" dirty="0"/>
               <a:t>Tar – make an tar file. An aggregation. Often used with </a:t>
             </a:r>
             <a:r>
-              <a:rPr lang="en-US" altLang="en-US" sz="3086" dirty="0" err="1" smtClean="0"/>
+              <a:rPr lang="en-US" altLang="en-US" sz="3086" dirty="0" err="1"/>
               <a:t>gzip</a:t>
             </a:r>
             <a:r>
-              <a:rPr lang="en-US" altLang="en-US" sz="3086" dirty="0" smtClean="0"/>
+              <a:rPr lang="en-US" altLang="en-US" sz="3086" dirty="0"/>
               <a:t>.</a:t>
             </a:r>
           </a:p>
@@ -11034,7 +10878,7 @@
               <a:buNone/>
               <a:defRPr/>
             </a:pPr>
-            <a:endParaRPr lang="en-US" altLang="en-US" sz="3086" dirty="0" smtClean="0"/>
+            <a:endParaRPr lang="en-US" altLang="en-US" sz="3086" dirty="0"/>
           </a:p>
           <a:p>
             <a:pPr marL="251986" indent="-251986" defTabSz="1007943" fontAlgn="auto">
@@ -11046,7 +10890,7 @@
               </a:spcAft>
               <a:defRPr/>
             </a:pPr>
-            <a:endParaRPr lang="en-US" altLang="en-US" sz="3086" dirty="0" smtClean="0"/>
+            <a:endParaRPr lang="en-US" altLang="en-US" sz="3086" dirty="0"/>
           </a:p>
         </p:txBody>
       </p:sp>
@@ -11055,13 +10899,6 @@
   <p:clrMapOvr>
     <a:masterClrMapping/>
   </p:clrMapOvr>
-  <p:timing>
-    <p:tnLst>
-      <p:par>
-        <p:cTn id="1" dur="indefinite" restart="never" nodeType="tmRoot"/>
-      </p:par>
-    </p:tnLst>
-  </p:timing>
 </p:sld>
 </file>
 
@@ -11106,14 +10943,14 @@
               <a:defRPr/>
             </a:pPr>
             <a:r>
-              <a:rPr lang="en-US" altLang="en-US" sz="3527" smtClean="0"/>
+              <a:rPr lang="en-US" altLang="en-US" sz="3527"/>
               <a:t>Compression and </a:t>
             </a:r>
             <a:br>
-              <a:rPr lang="en-US" altLang="en-US" sz="3527" smtClean="0"/>
+              <a:rPr lang="en-US" altLang="en-US" sz="3527"/>
             </a:br>
             <a:r>
-              <a:rPr lang="en-US" altLang="en-US" sz="3527" smtClean="0"/>
+              <a:rPr lang="en-US" altLang="en-US" sz="3527"/>
               <a:t>aggregation tools</a:t>
             </a:r>
           </a:p>
@@ -11170,10 +11007,115 @@
               <a:defRPr/>
             </a:pPr>
             <a:r>
-              <a:rPr lang="en-US" sz="2800" dirty="0" smtClean="0">
+              <a:rPr lang="en-US" sz="2800" dirty="0">
                 <a:cs typeface="Calibri" panose="020F0502020204030204" pitchFamily="34" charset="0"/>
               </a:rPr>
               <a:t>Make a tar file</a:t>
+            </a:r>
+          </a:p>
+          <a:p>
+            <a:pPr marL="251986" indent="-251986" defTabSz="1007943" fontAlgn="auto">
+              <a:spcBef>
+                <a:spcPts val="1102"/>
+              </a:spcBef>
+              <a:spcAft>
+                <a:spcPts val="0"/>
+              </a:spcAft>
+              <a:buFont typeface="Times New Roman" charset="0"/>
+              <a:buNone/>
+              <a:defRPr/>
+            </a:pPr>
+            <a:r>
+              <a:rPr lang="en-US" sz="2400" b="1" dirty="0">
+                <a:latin typeface="Courier New" panose="02070309020205020404" pitchFamily="49" charset="0"/>
+                <a:cs typeface="Courier New" panose="02070309020205020404" pitchFamily="49" charset="0"/>
+              </a:rPr>
+              <a:t>$ </a:t>
+            </a:r>
+            <a:r>
+              <a:rPr lang="en-US" sz="2400" dirty="0">
+                <a:latin typeface="Courier New" panose="02070309020205020404" pitchFamily="49" charset="0"/>
+                <a:cs typeface="Courier New" panose="02070309020205020404" pitchFamily="49" charset="0"/>
+              </a:rPr>
+              <a:t>tar </a:t>
+            </a:r>
+            <a:r>
+              <a:rPr lang="en-US" sz="2400" dirty="0" err="1">
+                <a:latin typeface="Courier New" panose="02070309020205020404" pitchFamily="49" charset="0"/>
+                <a:cs typeface="Courier New" panose="02070309020205020404" pitchFamily="49" charset="0"/>
+              </a:rPr>
+              <a:t>cvf</a:t>
+            </a:r>
+            <a:r>
+              <a:rPr lang="en-US" sz="2400" dirty="0">
+                <a:latin typeface="Courier New" panose="02070309020205020404" pitchFamily="49" charset="0"/>
+                <a:cs typeface="Courier New" panose="02070309020205020404" pitchFamily="49" charset="0"/>
+              </a:rPr>
+              <a:t> macehead.tar </a:t>
+            </a:r>
+            <a:r>
+              <a:rPr lang="en-US" sz="2400" dirty="0" err="1">
+                <a:latin typeface="Courier New" panose="02070309020205020404" pitchFamily="49" charset="0"/>
+                <a:cs typeface="Courier New" panose="02070309020205020404" pitchFamily="49" charset="0"/>
+              </a:rPr>
+              <a:t>acsoe</a:t>
+            </a:r>
+            <a:r>
+              <a:rPr lang="en-US" sz="2400" dirty="0">
+                <a:latin typeface="Courier New" panose="02070309020205020404" pitchFamily="49" charset="0"/>
+                <a:cs typeface="Courier New" panose="02070309020205020404" pitchFamily="49" charset="0"/>
+              </a:rPr>
+              <a:t>/</a:t>
+            </a:r>
+            <a:r>
+              <a:rPr lang="en-US" sz="2400" dirty="0" err="1">
+                <a:latin typeface="Courier New" panose="02070309020205020404" pitchFamily="49" charset="0"/>
+                <a:cs typeface="Courier New" panose="02070309020205020404" pitchFamily="49" charset="0"/>
+              </a:rPr>
+              <a:t>lterm</a:t>
+            </a:r>
+            <a:r>
+              <a:rPr lang="en-US" sz="2400" dirty="0">
+                <a:latin typeface="Courier New" panose="02070309020205020404" pitchFamily="49" charset="0"/>
+                <a:cs typeface="Courier New" panose="02070309020205020404" pitchFamily="49" charset="0"/>
+              </a:rPr>
+              <a:t>/</a:t>
+            </a:r>
+            <a:r>
+              <a:rPr lang="en-US" sz="2400" dirty="0" err="1">
+                <a:latin typeface="Courier New" panose="02070309020205020404" pitchFamily="49" charset="0"/>
+                <a:cs typeface="Courier New" panose="02070309020205020404" pitchFamily="49" charset="0"/>
+              </a:rPr>
+              <a:t>macehead</a:t>
+            </a:r>
+            <a:endParaRPr lang="en-US" sz="2400" b="1" dirty="0">
+              <a:cs typeface="Calibri" panose="020F0502020204030204" pitchFamily="34" charset="0"/>
+            </a:endParaRPr>
+          </a:p>
+          <a:p>
+            <a:pPr marL="251986" indent="-251986" defTabSz="1007943" fontAlgn="auto">
+              <a:spcBef>
+                <a:spcPts val="1102"/>
+              </a:spcBef>
+              <a:spcAft>
+                <a:spcPts val="0"/>
+              </a:spcAft>
+              <a:buClr>
+                <a:schemeClr val="bg1"/>
+              </a:buClr>
+              <a:defRPr/>
+            </a:pPr>
+            <a:r>
+              <a:rPr lang="en-US" sz="2800" dirty="0">
+                <a:cs typeface="Calibri" panose="020F0502020204030204" pitchFamily="34" charset="0"/>
+              </a:rPr>
+              <a:t>Compress it with </a:t>
+            </a:r>
+            <a:r>
+              <a:rPr lang="en-US" sz="2800" dirty="0" err="1">
+                <a:cs typeface="Calibri" panose="020F0502020204030204" pitchFamily="34" charset="0"/>
+              </a:rPr>
+              <a:t>gzip</a:t>
             </a:r>
             <a:endParaRPr lang="en-US" sz="2800" dirty="0">
               <a:cs typeface="Calibri" panose="020F0502020204030204" pitchFamily="34" charset="0"/>
@@ -11192,78 +11134,26 @@
               <a:defRPr/>
             </a:pPr>
             <a:r>
-              <a:rPr lang="en-US" sz="2400" b="1" dirty="0" smtClean="0">
+              <a:rPr lang="en-US" sz="2400" dirty="0">
+                <a:latin typeface="Courier"/>
+                <a:cs typeface="Courier"/>
+              </a:rPr>
+              <a:t>$ </a:t>
+            </a:r>
+            <a:r>
+              <a:rPr lang="en-US" sz="2400" dirty="0" err="1">
                 <a:latin typeface="Courier New" panose="02070309020205020404" pitchFamily="49" charset="0"/>
                 <a:cs typeface="Courier New" panose="02070309020205020404" pitchFamily="49" charset="0"/>
               </a:rPr>
-              <a:t>$ </a:t>
+              <a:t>gzip</a:t>
             </a:r>
             <a:r>
               <a:rPr lang="en-US" sz="2400" dirty="0">
                 <a:latin typeface="Courier New" panose="02070309020205020404" pitchFamily="49" charset="0"/>
                 <a:cs typeface="Courier New" panose="02070309020205020404" pitchFamily="49" charset="0"/>
               </a:rPr>
-              <a:t>tar </a:t>
-            </a:r>
-            <a:r>
-              <a:rPr lang="en-US" sz="2400" dirty="0" err="1">
-                <a:latin typeface="Courier New" panose="02070309020205020404" pitchFamily="49" charset="0"/>
-                <a:cs typeface="Courier New" panose="02070309020205020404" pitchFamily="49" charset="0"/>
-              </a:rPr>
-              <a:t>cvf</a:t>
-            </a:r>
-            <a:r>
-              <a:rPr lang="en-US" sz="2400" dirty="0">
-                <a:latin typeface="Courier New" panose="02070309020205020404" pitchFamily="49" charset="0"/>
-                <a:cs typeface="Courier New" panose="02070309020205020404" pitchFamily="49" charset="0"/>
-              </a:rPr>
-              <a:t> </a:t>
-            </a:r>
-            <a:r>
-              <a:rPr lang="en-US" sz="2400" dirty="0" smtClean="0">
-                <a:latin typeface="Courier New" panose="02070309020205020404" pitchFamily="49" charset="0"/>
-                <a:cs typeface="Courier New" panose="02070309020205020404" pitchFamily="49" charset="0"/>
-              </a:rPr>
-              <a:t>macehead.tar </a:t>
-            </a:r>
-            <a:r>
-              <a:rPr lang="en-US" sz="2400" dirty="0" err="1" smtClean="0">
-                <a:latin typeface="Courier New" panose="02070309020205020404" pitchFamily="49" charset="0"/>
-                <a:cs typeface="Courier New" panose="02070309020205020404" pitchFamily="49" charset="0"/>
-              </a:rPr>
-              <a:t>acsoe</a:t>
-            </a:r>
-            <a:r>
-              <a:rPr lang="en-US" sz="2400" dirty="0" smtClean="0">
-                <a:latin typeface="Courier New" panose="02070309020205020404" pitchFamily="49" charset="0"/>
-                <a:cs typeface="Courier New" panose="02070309020205020404" pitchFamily="49" charset="0"/>
-              </a:rPr>
-              <a:t>/</a:t>
-            </a:r>
-            <a:r>
-              <a:rPr lang="en-US" sz="2400" dirty="0" err="1" smtClean="0">
-                <a:latin typeface="Courier New" panose="02070309020205020404" pitchFamily="49" charset="0"/>
-                <a:cs typeface="Courier New" panose="02070309020205020404" pitchFamily="49" charset="0"/>
-              </a:rPr>
-              <a:t>lterm</a:t>
-            </a:r>
-            <a:r>
-              <a:rPr lang="en-US" sz="2400" dirty="0" smtClean="0">
-                <a:latin typeface="Courier New" panose="02070309020205020404" pitchFamily="49" charset="0"/>
-                <a:cs typeface="Courier New" panose="02070309020205020404" pitchFamily="49" charset="0"/>
-              </a:rPr>
-              <a:t>/</a:t>
-            </a:r>
-            <a:r>
-              <a:rPr lang="en-US" sz="2400" dirty="0" err="1" smtClean="0">
-                <a:latin typeface="Courier New" panose="02070309020205020404" pitchFamily="49" charset="0"/>
-                <a:cs typeface="Courier New" panose="02070309020205020404" pitchFamily="49" charset="0"/>
-              </a:rPr>
-              <a:t>macehead</a:t>
-            </a:r>
-            <a:endParaRPr lang="en-US" sz="2400" b="1" dirty="0">
-              <a:cs typeface="Calibri" panose="020F0502020204030204" pitchFamily="34" charset="0"/>
-            </a:endParaRPr>
+              <a:t> macehead.tar </a:t>
+            </a:r>
           </a:p>
           <a:p>
             <a:pPr marL="251986" indent="-251986" defTabSz="1007943" fontAlgn="auto">
@@ -11279,16 +11169,16 @@
               <a:defRPr/>
             </a:pPr>
             <a:r>
-              <a:rPr lang="en-US" sz="2800" dirty="0" smtClean="0">
+              <a:rPr lang="en-US" sz="2800" dirty="0">
                 <a:cs typeface="Calibri" panose="020F0502020204030204" pitchFamily="34" charset="0"/>
               </a:rPr>
-              <a:t>Compress it with </a:t>
-            </a:r>
-            <a:r>
-              <a:rPr lang="en-US" sz="2800" dirty="0" err="1" smtClean="0">
+              <a:t>Move the file to /</a:t>
+            </a:r>
+            <a:r>
+              <a:rPr lang="en-US" sz="2800" dirty="0" err="1">
                 <a:cs typeface="Calibri" panose="020F0502020204030204" pitchFamily="34" charset="0"/>
               </a:rPr>
-              <a:t>gzip</a:t>
+              <a:t>tmp</a:t>
             </a:r>
             <a:endParaRPr lang="en-US" sz="2800" dirty="0">
               <a:cs typeface="Calibri" panose="020F0502020204030204" pitchFamily="34" charset="0"/>
@@ -11302,67 +11192,28 @@
               <a:spcAft>
                 <a:spcPts val="0"/>
               </a:spcAft>
-              <a:buFont typeface="Times New Roman" charset="0"/>
-              <a:buNone/>
-              <a:defRPr/>
-            </a:pPr>
-            <a:r>
-              <a:rPr lang="en-US" sz="2400" dirty="0" smtClean="0">
-                <a:latin typeface="Courier"/>
-                <a:cs typeface="Courier"/>
-              </a:rPr>
-              <a:t>$ </a:t>
-            </a:r>
-            <a:r>
-              <a:rPr lang="en-US" sz="2400" dirty="0" err="1" smtClean="0">
-                <a:latin typeface="Courier New" panose="02070309020205020404" pitchFamily="49" charset="0"/>
-                <a:cs typeface="Courier New" panose="02070309020205020404" pitchFamily="49" charset="0"/>
-              </a:rPr>
-              <a:t>gzip</a:t>
-            </a:r>
-            <a:r>
-              <a:rPr lang="en-US" sz="2400" dirty="0" smtClean="0">
-                <a:latin typeface="Courier New" panose="02070309020205020404" pitchFamily="49" charset="0"/>
-                <a:cs typeface="Courier New" panose="02070309020205020404" pitchFamily="49" charset="0"/>
-              </a:rPr>
-              <a:t> </a:t>
-            </a:r>
-            <a:r>
-              <a:rPr lang="en-US" sz="2400" dirty="0">
-                <a:latin typeface="Courier New" panose="02070309020205020404" pitchFamily="49" charset="0"/>
-                <a:cs typeface="Courier New" panose="02070309020205020404" pitchFamily="49" charset="0"/>
-              </a:rPr>
-              <a:t>macehead.tar </a:t>
-            </a:r>
-            <a:endParaRPr lang="en-US" sz="2400" dirty="0" smtClean="0">
-              <a:latin typeface="Courier New" panose="02070309020205020404" pitchFamily="49" charset="0"/>
-              <a:cs typeface="Courier New" panose="02070309020205020404" pitchFamily="49" charset="0"/>
-            </a:endParaRPr>
-          </a:p>
-          <a:p>
-            <a:pPr marL="251986" indent="-251986" defTabSz="1007943" fontAlgn="auto">
-              <a:spcBef>
-                <a:spcPts val="1102"/>
-              </a:spcBef>
-              <a:spcAft>
-                <a:spcPts val="0"/>
-              </a:spcAft>
               <a:buClr>
                 <a:schemeClr val="bg1"/>
               </a:buClr>
               <a:defRPr/>
             </a:pPr>
             <a:r>
-              <a:rPr lang="en-US" sz="2800" dirty="0" smtClean="0">
+              <a:rPr lang="en-US" sz="2800" dirty="0" err="1">
                 <a:cs typeface="Calibri" panose="020F0502020204030204" pitchFamily="34" charset="0"/>
               </a:rPr>
-              <a:t>Move the file to /</a:t>
-            </a:r>
-            <a:r>
-              <a:rPr lang="en-US" sz="2800" dirty="0" err="1" smtClean="0">
+              <a:t>Uncompress</a:t>
+            </a:r>
+            <a:r>
+              <a:rPr lang="en-US" sz="2800" dirty="0">
                 <a:cs typeface="Calibri" panose="020F0502020204030204" pitchFamily="34" charset="0"/>
               </a:rPr>
-              <a:t>tmp</a:t>
+              <a:t> it with </a:t>
+            </a:r>
+            <a:r>
+              <a:rPr lang="en-US" sz="2800" dirty="0" err="1">
+                <a:cs typeface="Calibri" panose="020F0502020204030204" pitchFamily="34" charset="0"/>
+              </a:rPr>
+              <a:t>gunzip</a:t>
             </a:r>
             <a:endParaRPr lang="en-US" sz="2800" dirty="0">
               <a:cs typeface="Calibri" panose="020F0502020204030204" pitchFamily="34" charset="0"/>
@@ -11382,55 +11233,17 @@
               <a:defRPr/>
             </a:pPr>
             <a:r>
-              <a:rPr lang="en-US" sz="2800" dirty="0" err="1" smtClean="0">
+              <a:rPr lang="en-US" sz="2800" dirty="0" err="1">
                 <a:cs typeface="Calibri" panose="020F0502020204030204" pitchFamily="34" charset="0"/>
               </a:rPr>
-              <a:t>Uncompress</a:t>
-            </a:r>
-            <a:r>
-              <a:rPr lang="en-US" sz="2800" dirty="0" smtClean="0">
+              <a:t>Untar</a:t>
+            </a:r>
+            <a:r>
+              <a:rPr lang="en-US" sz="2800" dirty="0">
                 <a:cs typeface="Calibri" panose="020F0502020204030204" pitchFamily="34" charset="0"/>
               </a:rPr>
-              <a:t> it with </a:t>
-            </a:r>
-            <a:r>
-              <a:rPr lang="en-US" sz="2800" dirty="0" err="1" smtClean="0">
-                <a:cs typeface="Calibri" panose="020F0502020204030204" pitchFamily="34" charset="0"/>
-              </a:rPr>
-              <a:t>gunzip</a:t>
-            </a:r>
-            <a:endParaRPr lang="en-US" sz="2800" dirty="0">
-              <a:cs typeface="Calibri" panose="020F0502020204030204" pitchFamily="34" charset="0"/>
-            </a:endParaRPr>
-          </a:p>
-          <a:p>
-            <a:pPr marL="251986" indent="-251986" defTabSz="1007943" fontAlgn="auto">
-              <a:spcBef>
-                <a:spcPts val="1102"/>
-              </a:spcBef>
-              <a:spcAft>
-                <a:spcPts val="0"/>
-              </a:spcAft>
-              <a:buClr>
-                <a:schemeClr val="bg1"/>
-              </a:buClr>
-              <a:defRPr/>
-            </a:pPr>
-            <a:r>
-              <a:rPr lang="en-US" sz="2800" dirty="0" err="1" smtClean="0">
-                <a:cs typeface="Calibri" panose="020F0502020204030204" pitchFamily="34" charset="0"/>
-              </a:rPr>
-              <a:t>Untar</a:t>
-            </a:r>
-            <a:r>
-              <a:rPr lang="en-US" sz="2800" dirty="0" smtClean="0">
-                <a:cs typeface="Calibri" panose="020F0502020204030204" pitchFamily="34" charset="0"/>
-              </a:rPr>
               <a:t> the file </a:t>
             </a:r>
-            <a:endParaRPr lang="en-US" sz="2800" dirty="0">
-              <a:cs typeface="Calibri" panose="020F0502020204030204" pitchFamily="34" charset="0"/>
-            </a:endParaRPr>
           </a:p>
           <a:p>
             <a:pPr marL="251986" indent="-251986" defTabSz="1007943" fontAlgn="auto">
@@ -11445,21 +11258,21 @@
               <a:defRPr/>
             </a:pPr>
             <a:r>
-              <a:rPr lang="en-US" sz="2400" dirty="0" smtClean="0">
+              <a:rPr lang="en-US" sz="2400" dirty="0">
                 <a:latin typeface="Courier New" panose="02070309020205020404" pitchFamily="49" charset="0"/>
                 <a:cs typeface="Courier New" panose="02070309020205020404" pitchFamily="49" charset="0"/>
               </a:rPr>
               <a:t>$ tar </a:t>
             </a:r>
             <a:r>
-              <a:rPr lang="en-US" sz="2400" dirty="0" err="1" smtClean="0">
+              <a:rPr lang="en-US" sz="2400" dirty="0" err="1">
                 <a:latin typeface="Courier New" panose="02070309020205020404" pitchFamily="49" charset="0"/>
                 <a:cs typeface="Courier New" panose="02070309020205020404" pitchFamily="49" charset="0"/>
               </a:rPr>
               <a:t>xvf</a:t>
             </a:r>
             <a:r>
-              <a:rPr lang="en-US" sz="2400" dirty="0" smtClean="0">
+              <a:rPr lang="en-US" sz="2400" dirty="0">
                 <a:latin typeface="Courier New" panose="02070309020205020404" pitchFamily="49" charset="0"/>
                 <a:cs typeface="Courier New" panose="02070309020205020404" pitchFamily="49" charset="0"/>
               </a:rPr>
@@ -11473,13 +11286,951 @@
   <p:clrMapOvr>
     <a:masterClrMapping/>
   </p:clrMapOvr>
-  <p:timing>
-    <p:tnLst>
-      <p:par>
-        <p:cTn id="1" dur="indefinite" restart="never" nodeType="tmRoot"/>
-      </p:par>
-    </p:tnLst>
-  </p:timing>
+</p:sld>
+</file>
+
+<file path=ppt/slides/slide25.xml><?xml version="1.0" encoding="utf-8"?>
+<p:sld xmlns:a="http://schemas.openxmlformats.org/drawingml/2006/main" xmlns:r="http://schemas.openxmlformats.org/officeDocument/2006/relationships" xmlns:p="http://schemas.openxmlformats.org/presentationml/2006/main">
+  <p:cSld>
+    <p:spTree>
+      <p:nvGrpSpPr>
+        <p:cNvPr id="1" name=""/>
+        <p:cNvGrpSpPr/>
+        <p:nvPr/>
+      </p:nvGrpSpPr>
+      <p:grpSpPr>
+        <a:xfrm>
+          <a:off x="0" y="0"/>
+          <a:ext cx="0" cy="0"/>
+          <a:chOff x="0" y="0"/>
+          <a:chExt cx="0" cy="0"/>
+        </a:xfrm>
+      </p:grpSpPr>
+      <p:sp>
+        <p:nvSpPr>
+          <p:cNvPr id="2" name="Title 1">
+            <a:extLst>
+              <a:ext uri="{FF2B5EF4-FFF2-40B4-BE49-F238E27FC236}">
+                <a16:creationId xmlns:a16="http://schemas.microsoft.com/office/drawing/2014/main" id="{0157FDC8-AF95-FB40-A60B-FD0EE2DC43F8}"/>
+              </a:ext>
+            </a:extLst>
+          </p:cNvPr>
+          <p:cNvSpPr>
+            <a:spLocks noGrp="1"/>
+          </p:cNvSpPr>
+          <p:nvPr>
+            <p:ph type="title"/>
+          </p:nvPr>
+        </p:nvSpPr>
+        <p:spPr/>
+        <p:txBody>
+          <a:bodyPr/>
+          <a:lstStyle/>
+          <a:p>
+            <a:r>
+              <a:rPr lang="en-US" dirty="0"/>
+              <a:t>Symbolic links</a:t>
+            </a:r>
+          </a:p>
+        </p:txBody>
+      </p:sp>
+      <p:sp>
+        <p:nvSpPr>
+          <p:cNvPr id="3" name="Content Placeholder 2">
+            <a:extLst>
+              <a:ext uri="{FF2B5EF4-FFF2-40B4-BE49-F238E27FC236}">
+                <a16:creationId xmlns:a16="http://schemas.microsoft.com/office/drawing/2014/main" id="{E9C31F90-47EF-5D4F-A938-324C47B3DE04}"/>
+              </a:ext>
+            </a:extLst>
+          </p:cNvPr>
+          <p:cNvSpPr>
+            <a:spLocks noGrp="1"/>
+          </p:cNvSpPr>
+          <p:nvPr>
+            <p:ph idx="1"/>
+          </p:nvPr>
+        </p:nvSpPr>
+        <p:spPr>
+          <a:xfrm>
+            <a:off x="258932" y="1768475"/>
+            <a:ext cx="9677976" cy="4383088"/>
+          </a:xfrm>
+        </p:spPr>
+        <p:txBody>
+          <a:bodyPr>
+            <a:normAutofit fontScale="62500" lnSpcReduction="20000"/>
+          </a:bodyPr>
+          <a:lstStyle/>
+          <a:p>
+            <a:r>
+              <a:rPr lang="en-US" dirty="0"/>
+              <a:t>Make a link to make a extra route to a file or directory</a:t>
+            </a:r>
+          </a:p>
+          <a:p>
+            <a:endParaRPr lang="en-US" dirty="0"/>
+          </a:p>
+          <a:p>
+            <a:pPr marL="0" indent="0">
+              <a:buNone/>
+            </a:pPr>
+            <a:r>
+              <a:rPr lang="en-GB" dirty="0">
+                <a:latin typeface="Consolas" panose="020B0609020204030204" pitchFamily="49" charset="0"/>
+                <a:cs typeface="Consolas" panose="020B0609020204030204" pitchFamily="49" charset="0"/>
+              </a:rPr>
+              <a:t>$ </a:t>
+            </a:r>
+            <a:r>
+              <a:rPr lang="en-GB" dirty="0">
+                <a:solidFill>
+                  <a:schemeClr val="accent6"/>
+                </a:solidFill>
+                <a:latin typeface="Consolas" panose="020B0609020204030204" pitchFamily="49" charset="0"/>
+                <a:cs typeface="Consolas" panose="020B0609020204030204" pitchFamily="49" charset="0"/>
+              </a:rPr>
+              <a:t>ls -l </a:t>
+            </a:r>
+            <a:r>
+              <a:rPr lang="en-GB" dirty="0" err="1">
+                <a:solidFill>
+                  <a:schemeClr val="accent6"/>
+                </a:solidFill>
+                <a:latin typeface="Consolas" panose="020B0609020204030204" pitchFamily="49" charset="0"/>
+                <a:cs typeface="Consolas" panose="020B0609020204030204" pitchFamily="49" charset="0"/>
+              </a:rPr>
+              <a:t>my_dir</a:t>
+            </a:r>
+            <a:r>
+              <a:rPr lang="en-GB" dirty="0">
+                <a:solidFill>
+                  <a:schemeClr val="accent6"/>
+                </a:solidFill>
+                <a:latin typeface="Consolas" panose="020B0609020204030204" pitchFamily="49" charset="0"/>
+                <a:cs typeface="Consolas" panose="020B0609020204030204" pitchFamily="49" charset="0"/>
+              </a:rPr>
+              <a:t>/</a:t>
+            </a:r>
+          </a:p>
+          <a:p>
+            <a:pPr marL="0" indent="0">
+              <a:buNone/>
+            </a:pPr>
+            <a:r>
+              <a:rPr lang="en-GB" dirty="0">
+                <a:latin typeface="Consolas" panose="020B0609020204030204" pitchFamily="49" charset="0"/>
+                <a:cs typeface="Consolas" panose="020B0609020204030204" pitchFamily="49" charset="0"/>
+              </a:rPr>
+              <a:t>total 8</a:t>
+            </a:r>
+          </a:p>
+          <a:p>
+            <a:pPr marL="0" indent="0">
+              <a:buNone/>
+            </a:pPr>
+            <a:r>
+              <a:rPr lang="en-GB" dirty="0">
+                <a:latin typeface="Consolas" panose="020B0609020204030204" pitchFamily="49" charset="0"/>
+                <a:cs typeface="Consolas" panose="020B0609020204030204" pitchFamily="49" charset="0"/>
+              </a:rPr>
+              <a:t>-</a:t>
+            </a:r>
+            <a:r>
+              <a:rPr lang="en-GB" dirty="0" err="1">
+                <a:latin typeface="Consolas" panose="020B0609020204030204" pitchFamily="49" charset="0"/>
+                <a:cs typeface="Consolas" panose="020B0609020204030204" pitchFamily="49" charset="0"/>
+              </a:rPr>
+              <a:t>rw</a:t>
+            </a:r>
+            <a:r>
+              <a:rPr lang="en-GB" dirty="0">
+                <a:latin typeface="Consolas" panose="020B0609020204030204" pitchFamily="49" charset="0"/>
+                <a:cs typeface="Consolas" panose="020B0609020204030204" pitchFamily="49" charset="0"/>
+              </a:rPr>
+              <a:t>-r--r--  1 sjp23  289115219  12 19 Nov 22:08 </a:t>
+            </a:r>
+            <a:r>
+              <a:rPr lang="en-GB" dirty="0" err="1">
+                <a:latin typeface="Consolas" panose="020B0609020204030204" pitchFamily="49" charset="0"/>
+                <a:cs typeface="Consolas" panose="020B0609020204030204" pitchFamily="49" charset="0"/>
+              </a:rPr>
+              <a:t>x.dat</a:t>
+            </a:r>
+            <a:endParaRPr lang="en-GB" dirty="0">
+              <a:latin typeface="Consolas" panose="020B0609020204030204" pitchFamily="49" charset="0"/>
+              <a:cs typeface="Consolas" panose="020B0609020204030204" pitchFamily="49" charset="0"/>
+            </a:endParaRPr>
+          </a:p>
+          <a:p>
+            <a:pPr marL="0" indent="0">
+              <a:buNone/>
+            </a:pPr>
+            <a:r>
+              <a:rPr lang="en-GB" dirty="0">
+                <a:latin typeface="Consolas" panose="020B0609020204030204" pitchFamily="49" charset="0"/>
+                <a:cs typeface="Consolas" panose="020B0609020204030204" pitchFamily="49" charset="0"/>
+              </a:rPr>
+              <a:t>$ </a:t>
+            </a:r>
+            <a:r>
+              <a:rPr lang="en-GB" dirty="0">
+                <a:solidFill>
+                  <a:schemeClr val="accent6"/>
+                </a:solidFill>
+                <a:latin typeface="Consolas" panose="020B0609020204030204" pitchFamily="49" charset="0"/>
+                <a:cs typeface="Consolas" panose="020B0609020204030204" pitchFamily="49" charset="0"/>
+              </a:rPr>
+              <a:t>ln  -s </a:t>
+            </a:r>
+            <a:r>
+              <a:rPr lang="en-GB" dirty="0" err="1">
+                <a:solidFill>
+                  <a:schemeClr val="accent6"/>
+                </a:solidFill>
+                <a:latin typeface="Consolas" panose="020B0609020204030204" pitchFamily="49" charset="0"/>
+                <a:cs typeface="Consolas" panose="020B0609020204030204" pitchFamily="49" charset="0"/>
+              </a:rPr>
+              <a:t>my_dir</a:t>
+            </a:r>
+            <a:r>
+              <a:rPr lang="en-GB" dirty="0">
+                <a:solidFill>
+                  <a:schemeClr val="accent6"/>
+                </a:solidFill>
+                <a:latin typeface="Consolas" panose="020B0609020204030204" pitchFamily="49" charset="0"/>
+                <a:cs typeface="Consolas" panose="020B0609020204030204" pitchFamily="49" charset="0"/>
+              </a:rPr>
+              <a:t>/</a:t>
+            </a:r>
+            <a:r>
+              <a:rPr lang="en-GB" dirty="0" err="1">
+                <a:solidFill>
+                  <a:schemeClr val="accent6"/>
+                </a:solidFill>
+                <a:latin typeface="Consolas" panose="020B0609020204030204" pitchFamily="49" charset="0"/>
+                <a:cs typeface="Consolas" panose="020B0609020204030204" pitchFamily="49" charset="0"/>
+              </a:rPr>
+              <a:t>x.dat</a:t>
+            </a:r>
+            <a:r>
+              <a:rPr lang="en-GB" dirty="0">
+                <a:solidFill>
+                  <a:schemeClr val="accent6"/>
+                </a:solidFill>
+                <a:latin typeface="Consolas" panose="020B0609020204030204" pitchFamily="49" charset="0"/>
+                <a:cs typeface="Consolas" panose="020B0609020204030204" pitchFamily="49" charset="0"/>
+              </a:rPr>
+              <a:t> </a:t>
+            </a:r>
+            <a:r>
+              <a:rPr lang="en-GB" dirty="0" err="1">
+                <a:solidFill>
+                  <a:schemeClr val="accent6"/>
+                </a:solidFill>
+                <a:latin typeface="Consolas" panose="020B0609020204030204" pitchFamily="49" charset="0"/>
+                <a:cs typeface="Consolas" panose="020B0609020204030204" pitchFamily="49" charset="0"/>
+              </a:rPr>
+              <a:t>y.day</a:t>
+            </a:r>
+            <a:endParaRPr lang="en-GB" dirty="0">
+              <a:solidFill>
+                <a:schemeClr val="accent6"/>
+              </a:solidFill>
+              <a:latin typeface="Consolas" panose="020B0609020204030204" pitchFamily="49" charset="0"/>
+              <a:cs typeface="Consolas" panose="020B0609020204030204" pitchFamily="49" charset="0"/>
+            </a:endParaRPr>
+          </a:p>
+          <a:p>
+            <a:pPr marL="0" indent="0">
+              <a:buNone/>
+            </a:pPr>
+            <a:r>
+              <a:rPr lang="en-GB" dirty="0">
+                <a:latin typeface="Consolas" panose="020B0609020204030204" pitchFamily="49" charset="0"/>
+                <a:cs typeface="Consolas" panose="020B0609020204030204" pitchFamily="49" charset="0"/>
+              </a:rPr>
+              <a:t>$ </a:t>
+            </a:r>
+            <a:r>
+              <a:rPr lang="en-GB" dirty="0">
+                <a:solidFill>
+                  <a:schemeClr val="accent6"/>
+                </a:solidFill>
+                <a:latin typeface="Consolas" panose="020B0609020204030204" pitchFamily="49" charset="0"/>
+                <a:cs typeface="Consolas" panose="020B0609020204030204" pitchFamily="49" charset="0"/>
+              </a:rPr>
+              <a:t>ls -l</a:t>
+            </a:r>
+            <a:r>
+              <a:rPr lang="en-GB" dirty="0">
+                <a:latin typeface="Consolas" panose="020B0609020204030204" pitchFamily="49" charset="0"/>
+                <a:cs typeface="Consolas" panose="020B0609020204030204" pitchFamily="49" charset="0"/>
+              </a:rPr>
+              <a:t> </a:t>
+            </a:r>
+          </a:p>
+          <a:p>
+            <a:pPr marL="0" indent="0">
+              <a:buNone/>
+            </a:pPr>
+            <a:r>
+              <a:rPr lang="en-GB" dirty="0">
+                <a:latin typeface="Consolas" panose="020B0609020204030204" pitchFamily="49" charset="0"/>
+                <a:cs typeface="Consolas" panose="020B0609020204030204" pitchFamily="49" charset="0"/>
+              </a:rPr>
+              <a:t>total 0</a:t>
+            </a:r>
+          </a:p>
+          <a:p>
+            <a:pPr marL="0" indent="0">
+              <a:buNone/>
+            </a:pPr>
+            <a:r>
+              <a:rPr lang="en-GB" dirty="0" err="1">
+                <a:latin typeface="Consolas" panose="020B0609020204030204" pitchFamily="49" charset="0"/>
+                <a:cs typeface="Consolas" panose="020B0609020204030204" pitchFamily="49" charset="0"/>
+              </a:rPr>
+              <a:t>drwxr</a:t>
+            </a:r>
+            <a:r>
+              <a:rPr lang="en-GB" dirty="0">
+                <a:latin typeface="Consolas" panose="020B0609020204030204" pitchFamily="49" charset="0"/>
+                <a:cs typeface="Consolas" panose="020B0609020204030204" pitchFamily="49" charset="0"/>
+              </a:rPr>
+              <a:t>-</a:t>
+            </a:r>
+            <a:r>
+              <a:rPr lang="en-GB" dirty="0" err="1">
+                <a:latin typeface="Consolas" panose="020B0609020204030204" pitchFamily="49" charset="0"/>
+                <a:cs typeface="Consolas" panose="020B0609020204030204" pitchFamily="49" charset="0"/>
+              </a:rPr>
+              <a:t>xr</a:t>
+            </a:r>
+            <a:r>
+              <a:rPr lang="en-GB" dirty="0">
+                <a:latin typeface="Consolas" panose="020B0609020204030204" pitchFamily="49" charset="0"/>
+                <a:cs typeface="Consolas" panose="020B0609020204030204" pitchFamily="49" charset="0"/>
+              </a:rPr>
+              <a:t>-x  3 sjp23  289115219  96 19 Nov 22:08 </a:t>
+            </a:r>
+            <a:r>
+              <a:rPr lang="en-GB" dirty="0" err="1">
+                <a:latin typeface="Consolas" panose="020B0609020204030204" pitchFamily="49" charset="0"/>
+                <a:cs typeface="Consolas" panose="020B0609020204030204" pitchFamily="49" charset="0"/>
+              </a:rPr>
+              <a:t>my_dir</a:t>
+            </a:r>
+            <a:endParaRPr lang="en-GB" dirty="0">
+              <a:latin typeface="Consolas" panose="020B0609020204030204" pitchFamily="49" charset="0"/>
+              <a:cs typeface="Consolas" panose="020B0609020204030204" pitchFamily="49" charset="0"/>
+            </a:endParaRPr>
+          </a:p>
+          <a:p>
+            <a:pPr marL="0" indent="0">
+              <a:buNone/>
+            </a:pPr>
+            <a:r>
+              <a:rPr lang="en-GB" dirty="0" err="1">
+                <a:latin typeface="Consolas" panose="020B0609020204030204" pitchFamily="49" charset="0"/>
+                <a:cs typeface="Consolas" panose="020B0609020204030204" pitchFamily="49" charset="0"/>
+              </a:rPr>
+              <a:t>lrwxr</a:t>
+            </a:r>
+            <a:r>
+              <a:rPr lang="en-GB" dirty="0">
+                <a:latin typeface="Consolas" panose="020B0609020204030204" pitchFamily="49" charset="0"/>
+                <a:cs typeface="Consolas" panose="020B0609020204030204" pitchFamily="49" charset="0"/>
+              </a:rPr>
+              <a:t>-</a:t>
+            </a:r>
+            <a:r>
+              <a:rPr lang="en-GB" dirty="0" err="1">
+                <a:latin typeface="Consolas" panose="020B0609020204030204" pitchFamily="49" charset="0"/>
+                <a:cs typeface="Consolas" panose="020B0609020204030204" pitchFamily="49" charset="0"/>
+              </a:rPr>
+              <a:t>xr</a:t>
+            </a:r>
+            <a:r>
+              <a:rPr lang="en-GB" dirty="0">
+                <a:latin typeface="Consolas" panose="020B0609020204030204" pitchFamily="49" charset="0"/>
+                <a:cs typeface="Consolas" panose="020B0609020204030204" pitchFamily="49" charset="0"/>
+              </a:rPr>
+              <a:t>-x  1 sjp23  289115219  12 19 Nov 22:09 </a:t>
+            </a:r>
+            <a:r>
+              <a:rPr lang="en-GB" dirty="0" err="1">
+                <a:latin typeface="Consolas" panose="020B0609020204030204" pitchFamily="49" charset="0"/>
+                <a:cs typeface="Consolas" panose="020B0609020204030204" pitchFamily="49" charset="0"/>
+              </a:rPr>
+              <a:t>y.day</a:t>
+            </a:r>
+            <a:r>
+              <a:rPr lang="en-GB" dirty="0">
+                <a:latin typeface="Consolas" panose="020B0609020204030204" pitchFamily="49" charset="0"/>
+                <a:cs typeface="Consolas" panose="020B0609020204030204" pitchFamily="49" charset="0"/>
+              </a:rPr>
+              <a:t> -&gt; </a:t>
+            </a:r>
+            <a:r>
+              <a:rPr lang="en-GB" dirty="0" err="1">
+                <a:latin typeface="Consolas" panose="020B0609020204030204" pitchFamily="49" charset="0"/>
+                <a:cs typeface="Consolas" panose="020B0609020204030204" pitchFamily="49" charset="0"/>
+              </a:rPr>
+              <a:t>my_dir</a:t>
+            </a:r>
+            <a:r>
+              <a:rPr lang="en-GB" dirty="0">
+                <a:latin typeface="Consolas" panose="020B0609020204030204" pitchFamily="49" charset="0"/>
+                <a:cs typeface="Consolas" panose="020B0609020204030204" pitchFamily="49" charset="0"/>
+              </a:rPr>
+              <a:t>/</a:t>
+            </a:r>
+            <a:r>
+              <a:rPr lang="en-GB" dirty="0" err="1">
+                <a:latin typeface="Consolas" panose="020B0609020204030204" pitchFamily="49" charset="0"/>
+                <a:cs typeface="Consolas" panose="020B0609020204030204" pitchFamily="49" charset="0"/>
+              </a:rPr>
+              <a:t>x.dat</a:t>
+            </a:r>
+            <a:endParaRPr lang="en-GB" dirty="0">
+              <a:latin typeface="Consolas" panose="020B0609020204030204" pitchFamily="49" charset="0"/>
+              <a:cs typeface="Consolas" panose="020B0609020204030204" pitchFamily="49" charset="0"/>
+            </a:endParaRPr>
+          </a:p>
+          <a:p>
+            <a:pPr marL="0" indent="0">
+              <a:buNone/>
+            </a:pPr>
+            <a:r>
+              <a:rPr lang="en-GB" dirty="0">
+                <a:latin typeface="Consolas" panose="020B0609020204030204" pitchFamily="49" charset="0"/>
+                <a:cs typeface="Consolas" panose="020B0609020204030204" pitchFamily="49" charset="0"/>
+              </a:rPr>
+              <a:t>$</a:t>
+            </a:r>
+          </a:p>
+          <a:p>
+            <a:pPr marL="0" indent="0">
+              <a:buNone/>
+            </a:pPr>
+            <a:r>
+              <a:rPr lang="en-US" dirty="0"/>
+              <a:t> </a:t>
+            </a:r>
+          </a:p>
+        </p:txBody>
+      </p:sp>
+      <p:sp>
+        <p:nvSpPr>
+          <p:cNvPr id="5" name="TextBox 4">
+            <a:extLst>
+              <a:ext uri="{FF2B5EF4-FFF2-40B4-BE49-F238E27FC236}">
+                <a16:creationId xmlns:a16="http://schemas.microsoft.com/office/drawing/2014/main" id="{3888F8B9-3F49-9D4B-A84A-B5E5B7063FD5}"/>
+              </a:ext>
+            </a:extLst>
+          </p:cNvPr>
+          <p:cNvSpPr txBox="1"/>
+          <p:nvPr/>
+        </p:nvSpPr>
+        <p:spPr>
+          <a:xfrm>
+            <a:off x="1181100" y="6026150"/>
+            <a:ext cx="7488238" cy="439738"/>
+          </a:xfrm>
+          <a:prstGeom prst="rect">
+            <a:avLst/>
+          </a:prstGeom>
+        </p:spPr>
+        <p:style>
+          <a:lnRef idx="2">
+            <a:schemeClr val="accent2">
+              <a:shade val="50000"/>
+            </a:schemeClr>
+          </a:lnRef>
+          <a:fillRef idx="1">
+            <a:schemeClr val="accent2"/>
+          </a:fillRef>
+          <a:effectRef idx="0">
+            <a:schemeClr val="accent2"/>
+          </a:effectRef>
+          <a:fontRef idx="minor">
+            <a:schemeClr val="lt1"/>
+          </a:fontRef>
+        </p:style>
+        <p:txBody>
+          <a:bodyPr>
+            <a:spAutoFit/>
+          </a:bodyPr>
+          <a:lstStyle/>
+          <a:p>
+            <a:pPr algn="ctr" eaLnBrk="1">
+              <a:lnSpc>
+                <a:spcPct val="93000"/>
+              </a:lnSpc>
+              <a:buClr>
+                <a:srgbClr val="000000"/>
+              </a:buClr>
+              <a:buSzPct val="100000"/>
+              <a:buFont typeface="Times New Roman" charset="0"/>
+              <a:buNone/>
+              <a:defRPr/>
+            </a:pPr>
+            <a:r>
+              <a:rPr lang="en-US" sz="2400" dirty="0"/>
+              <a:t>Have a go!</a:t>
+            </a:r>
+          </a:p>
+        </p:txBody>
+      </p:sp>
+    </p:spTree>
+    <p:extLst>
+      <p:ext uri="{BB962C8B-B14F-4D97-AF65-F5344CB8AC3E}">
+        <p14:creationId xmlns:p14="http://schemas.microsoft.com/office/powerpoint/2010/main" val="4130433530"/>
+      </p:ext>
+    </p:extLst>
+  </p:cSld>
+  <p:clrMapOvr>
+    <a:masterClrMapping/>
+  </p:clrMapOvr>
+</p:sld>
+</file>
+
+<file path=ppt/slides/slide26.xml><?xml version="1.0" encoding="utf-8"?>
+<p:sld xmlns:a="http://schemas.openxmlformats.org/drawingml/2006/main" xmlns:r="http://schemas.openxmlformats.org/officeDocument/2006/relationships" xmlns:p="http://schemas.openxmlformats.org/presentationml/2006/main">
+  <p:cSld>
+    <p:spTree>
+      <p:nvGrpSpPr>
+        <p:cNvPr id="1" name=""/>
+        <p:cNvGrpSpPr/>
+        <p:nvPr/>
+      </p:nvGrpSpPr>
+      <p:grpSpPr>
+        <a:xfrm>
+          <a:off x="0" y="0"/>
+          <a:ext cx="0" cy="0"/>
+          <a:chOff x="0" y="0"/>
+          <a:chExt cx="0" cy="0"/>
+        </a:xfrm>
+      </p:grpSpPr>
+      <p:sp>
+        <p:nvSpPr>
+          <p:cNvPr id="12290" name="Title 1"/>
+          <p:cNvSpPr>
+            <a:spLocks noGrp="1"/>
+          </p:cNvSpPr>
+          <p:nvPr>
+            <p:ph type="title"/>
+          </p:nvPr>
+        </p:nvSpPr>
+        <p:spPr/>
+        <p:txBody>
+          <a:bodyPr/>
+          <a:lstStyle/>
+          <a:p>
+            <a:r>
+              <a:rPr lang="en-US" altLang="en-US"/>
+              <a:t>We learnt…</a:t>
+            </a:r>
+          </a:p>
+        </p:txBody>
+      </p:sp>
+      <p:sp>
+        <p:nvSpPr>
+          <p:cNvPr id="12291" name="Content Placeholder 2"/>
+          <p:cNvSpPr>
+            <a:spLocks noGrp="1"/>
+          </p:cNvSpPr>
+          <p:nvPr>
+            <p:ph idx="1"/>
+          </p:nvPr>
+        </p:nvSpPr>
+        <p:spPr/>
+        <p:txBody>
+          <a:bodyPr/>
+          <a:lstStyle/>
+          <a:p>
+            <a:r>
+              <a:rPr lang="en-US" altLang="en-US" dirty="0"/>
+              <a:t>To move around the file system – </a:t>
+            </a:r>
+            <a:r>
+              <a:rPr lang="en-US" altLang="en-US" dirty="0" err="1">
+                <a:latin typeface="Courier New" panose="02070309020205020404" pitchFamily="49" charset="0"/>
+                <a:cs typeface="Courier New" panose="02070309020205020404" pitchFamily="49" charset="0"/>
+              </a:rPr>
+              <a:t>pwd</a:t>
+            </a:r>
+            <a:r>
+              <a:rPr lang="en-US" altLang="en-US" dirty="0"/>
+              <a:t>, </a:t>
+            </a:r>
+            <a:r>
+              <a:rPr lang="en-US" altLang="en-US" dirty="0">
+                <a:latin typeface="Courier New" panose="02070309020205020404" pitchFamily="49" charset="0"/>
+                <a:cs typeface="Courier New" panose="02070309020205020404" pitchFamily="49" charset="0"/>
+              </a:rPr>
+              <a:t>cd</a:t>
+            </a:r>
+            <a:r>
+              <a:rPr lang="en-US" altLang="en-US" dirty="0"/>
+              <a:t>, </a:t>
+            </a:r>
+            <a:r>
+              <a:rPr lang="en-US" altLang="en-US" dirty="0" err="1">
+                <a:latin typeface="Courier New" panose="02070309020205020404" pitchFamily="49" charset="0"/>
+                <a:cs typeface="Courier New" panose="02070309020205020404" pitchFamily="49" charset="0"/>
+              </a:rPr>
+              <a:t>cp</a:t>
+            </a:r>
+            <a:r>
+              <a:rPr lang="en-US" altLang="en-US" dirty="0"/>
+              <a:t>, </a:t>
+            </a:r>
+            <a:r>
+              <a:rPr lang="en-US" altLang="en-US" dirty="0">
+                <a:latin typeface="Courier New" panose="02070309020205020404" pitchFamily="49" charset="0"/>
+                <a:cs typeface="Courier New" panose="02070309020205020404" pitchFamily="49" charset="0"/>
+              </a:rPr>
+              <a:t>mv</a:t>
+            </a:r>
+          </a:p>
+          <a:p>
+            <a:r>
+              <a:rPr lang="en-US" altLang="en-US" dirty="0"/>
+              <a:t>To use pipes and filters - </a:t>
+            </a:r>
+            <a:r>
+              <a:rPr lang="en-US" altLang="en-US" dirty="0">
+                <a:latin typeface="Courier New" panose="02070309020205020404" pitchFamily="49" charset="0"/>
+                <a:cs typeface="Courier New" panose="02070309020205020404" pitchFamily="49" charset="0"/>
+              </a:rPr>
+              <a:t>|</a:t>
+            </a:r>
+            <a:r>
+              <a:rPr lang="en-US" altLang="en-US" dirty="0"/>
+              <a:t>, </a:t>
+            </a:r>
+            <a:r>
+              <a:rPr lang="en-US" altLang="en-US" dirty="0">
+                <a:latin typeface="Courier New" panose="02070309020205020404" pitchFamily="49" charset="0"/>
+                <a:cs typeface="Courier New" panose="02070309020205020404" pitchFamily="49" charset="0"/>
+              </a:rPr>
+              <a:t>sort</a:t>
+            </a:r>
+            <a:r>
+              <a:rPr lang="en-US" altLang="en-US" dirty="0"/>
+              <a:t>, </a:t>
+            </a:r>
+            <a:r>
+              <a:rPr lang="en-US" altLang="en-US" dirty="0" err="1">
+                <a:latin typeface="Courier New" panose="02070309020205020404" pitchFamily="49" charset="0"/>
+                <a:cs typeface="Courier New" panose="02070309020205020404" pitchFamily="49" charset="0"/>
+              </a:rPr>
+              <a:t>wc</a:t>
+            </a:r>
+            <a:endParaRPr lang="en-US" altLang="en-US" dirty="0">
+              <a:latin typeface="Courier New" panose="02070309020205020404" pitchFamily="49" charset="0"/>
+              <a:cs typeface="Courier New" panose="02070309020205020404" pitchFamily="49" charset="0"/>
+            </a:endParaRPr>
+          </a:p>
+          <a:p>
+            <a:r>
+              <a:rPr lang="en-US" altLang="en-US" dirty="0"/>
+              <a:t>To use file permissions – </a:t>
+            </a:r>
+            <a:r>
+              <a:rPr lang="en-US" altLang="en-US" dirty="0" err="1">
+                <a:latin typeface="Courier New" panose="02070309020205020404" pitchFamily="49" charset="0"/>
+                <a:cs typeface="Courier New" panose="02070309020205020404" pitchFamily="49" charset="0"/>
+              </a:rPr>
+              <a:t>chmod</a:t>
+            </a:r>
+            <a:endParaRPr lang="en-US" altLang="en-US" dirty="0">
+              <a:latin typeface="Courier New" panose="02070309020205020404" pitchFamily="49" charset="0"/>
+              <a:cs typeface="Courier New" panose="02070309020205020404" pitchFamily="49" charset="0"/>
+            </a:endParaRPr>
+          </a:p>
+          <a:p>
+            <a:r>
+              <a:rPr lang="en-US" altLang="en-US" dirty="0"/>
+              <a:t>To find stuff – </a:t>
+            </a:r>
+            <a:r>
+              <a:rPr lang="en-US" altLang="en-US" dirty="0">
+                <a:latin typeface="Courier New" panose="02070309020205020404" pitchFamily="49" charset="0"/>
+                <a:cs typeface="Courier New" panose="02070309020205020404" pitchFamily="49" charset="0"/>
+              </a:rPr>
+              <a:t>find</a:t>
+            </a:r>
+            <a:r>
+              <a:rPr lang="en-US" altLang="en-US" dirty="0"/>
+              <a:t>, </a:t>
+            </a:r>
+            <a:r>
+              <a:rPr lang="en-US" altLang="en-US" dirty="0" err="1">
+                <a:latin typeface="Courier New" panose="02070309020205020404" pitchFamily="49" charset="0"/>
+                <a:cs typeface="Courier New" panose="02070309020205020404" pitchFamily="49" charset="0"/>
+              </a:rPr>
+              <a:t>grep</a:t>
+            </a:r>
+            <a:endParaRPr lang="en-US" altLang="en-US" dirty="0">
+              <a:latin typeface="Courier New" panose="02070309020205020404" pitchFamily="49" charset="0"/>
+              <a:cs typeface="Courier New" panose="02070309020205020404" pitchFamily="49" charset="0"/>
+            </a:endParaRPr>
+          </a:p>
+          <a:p>
+            <a:r>
+              <a:rPr lang="en-US" altLang="en-US" dirty="0"/>
+              <a:t>To run jobs at the same time – </a:t>
+            </a:r>
+            <a:r>
+              <a:rPr lang="en-US" altLang="en-US" dirty="0" err="1">
+                <a:latin typeface="Courier New" panose="02070309020205020404" pitchFamily="49" charset="0"/>
+                <a:cs typeface="Courier New" panose="02070309020205020404" pitchFamily="49" charset="0"/>
+              </a:rPr>
+              <a:t>bg</a:t>
+            </a:r>
+            <a:r>
+              <a:rPr lang="en-US" altLang="en-US" dirty="0"/>
+              <a:t>, </a:t>
+            </a:r>
+            <a:r>
+              <a:rPr lang="en-US" altLang="en-US" dirty="0" err="1">
+                <a:latin typeface="Courier New" panose="02070309020205020404" pitchFamily="49" charset="0"/>
+                <a:cs typeface="Courier New" panose="02070309020205020404" pitchFamily="49" charset="0"/>
+              </a:rPr>
+              <a:t>fg</a:t>
+            </a:r>
+            <a:r>
+              <a:rPr lang="en-US" altLang="en-US" dirty="0"/>
+              <a:t>, </a:t>
+            </a:r>
+            <a:r>
+              <a:rPr lang="en-US" altLang="en-US" dirty="0">
+                <a:latin typeface="Courier New" panose="02070309020205020404" pitchFamily="49" charset="0"/>
+                <a:cs typeface="Courier New" panose="02070309020205020404" pitchFamily="49" charset="0"/>
+              </a:rPr>
+              <a:t>&amp;</a:t>
+            </a:r>
+          </a:p>
+          <a:p>
+            <a:r>
+              <a:rPr lang="en-US" altLang="en-US" dirty="0"/>
+              <a:t>To make variables – </a:t>
+            </a:r>
+            <a:r>
+              <a:rPr lang="en-US" altLang="en-US" dirty="0">
+                <a:latin typeface="Courier New" panose="02070309020205020404" pitchFamily="49" charset="0"/>
+                <a:cs typeface="Courier New" panose="02070309020205020404" pitchFamily="49" charset="0"/>
+              </a:rPr>
+              <a:t>export</a:t>
+            </a:r>
+            <a:r>
+              <a:rPr lang="en-US" altLang="en-US" dirty="0"/>
+              <a:t>, </a:t>
+            </a:r>
+            <a:r>
+              <a:rPr lang="en-US" altLang="en-US" dirty="0">
+                <a:latin typeface="Courier New" panose="02070309020205020404" pitchFamily="49" charset="0"/>
+                <a:cs typeface="Courier New" panose="02070309020205020404" pitchFamily="49" charset="0"/>
+              </a:rPr>
+              <a:t>=</a:t>
+            </a:r>
+          </a:p>
+          <a:p>
+            <a:endParaRPr lang="en-US" altLang="en-US" dirty="0"/>
+          </a:p>
+          <a:p>
+            <a:endParaRPr lang="en-US" altLang="en-US" dirty="0"/>
+          </a:p>
+        </p:txBody>
+      </p:sp>
+    </p:spTree>
+    <p:extLst>
+      <p:ext uri="{BB962C8B-B14F-4D97-AF65-F5344CB8AC3E}">
+        <p14:creationId xmlns:p14="http://schemas.microsoft.com/office/powerpoint/2010/main" val="2068832804"/>
+      </p:ext>
+    </p:extLst>
+  </p:cSld>
+  <p:clrMapOvr>
+    <a:masterClrMapping/>
+  </p:clrMapOvr>
+</p:sld>
+</file>
+
+<file path=ppt/slides/slide27.xml><?xml version="1.0" encoding="utf-8"?>
+<p:sld xmlns:a="http://schemas.openxmlformats.org/drawingml/2006/main" xmlns:r="http://schemas.openxmlformats.org/officeDocument/2006/relationships" xmlns:p="http://schemas.openxmlformats.org/presentationml/2006/main">
+  <p:cSld>
+    <p:spTree>
+      <p:nvGrpSpPr>
+        <p:cNvPr id="1" name=""/>
+        <p:cNvGrpSpPr/>
+        <p:nvPr/>
+      </p:nvGrpSpPr>
+      <p:grpSpPr>
+        <a:xfrm>
+          <a:off x="0" y="0"/>
+          <a:ext cx="0" cy="0"/>
+          <a:chOff x="0" y="0"/>
+          <a:chExt cx="0" cy="0"/>
+        </a:xfrm>
+      </p:grpSpPr>
+      <p:sp>
+        <p:nvSpPr>
+          <p:cNvPr id="12290" name="Title 1"/>
+          <p:cNvSpPr>
+            <a:spLocks noGrp="1"/>
+          </p:cNvSpPr>
+          <p:nvPr>
+            <p:ph type="title"/>
+          </p:nvPr>
+        </p:nvSpPr>
+        <p:spPr/>
+        <p:txBody>
+          <a:bodyPr/>
+          <a:lstStyle/>
+          <a:p>
+            <a:r>
+              <a:rPr lang="en-US" altLang="en-US"/>
+              <a:t>We learnt…</a:t>
+            </a:r>
+          </a:p>
+        </p:txBody>
+      </p:sp>
+      <p:sp>
+        <p:nvSpPr>
+          <p:cNvPr id="12291" name="Content Placeholder 2"/>
+          <p:cNvSpPr>
+            <a:spLocks noGrp="1"/>
+          </p:cNvSpPr>
+          <p:nvPr>
+            <p:ph idx="1"/>
+          </p:nvPr>
+        </p:nvSpPr>
+        <p:spPr/>
+        <p:txBody>
+          <a:bodyPr/>
+          <a:lstStyle/>
+          <a:p>
+            <a:r>
+              <a:rPr lang="en-US" altLang="en-US" dirty="0"/>
+              <a:t>Git and </a:t>
+            </a:r>
+            <a:r>
+              <a:rPr lang="en-US" altLang="en-US" dirty="0" err="1"/>
+              <a:t>Github</a:t>
+            </a:r>
+            <a:r>
+              <a:rPr lang="en-US" altLang="en-US" dirty="0"/>
+              <a:t> basics – </a:t>
+            </a:r>
+            <a:r>
+              <a:rPr lang="en-US" altLang="en-US" dirty="0">
+                <a:latin typeface="Courier New" panose="02070309020205020404" pitchFamily="49" charset="0"/>
+                <a:cs typeface="Courier New" panose="02070309020205020404" pitchFamily="49" charset="0"/>
+              </a:rPr>
+              <a:t>git</a:t>
+            </a:r>
+          </a:p>
+          <a:p>
+            <a:r>
+              <a:rPr lang="en-US" altLang="en-US" dirty="0"/>
+              <a:t>Shell scripts - </a:t>
+            </a:r>
+            <a:r>
+              <a:rPr lang="en-US" altLang="en-US" dirty="0">
+                <a:latin typeface="Courier New" panose="02070309020205020404" pitchFamily="49" charset="0"/>
+                <a:cs typeface="Courier New" panose="02070309020205020404" pitchFamily="49" charset="0"/>
+              </a:rPr>
+              <a:t>#!/bin/bash</a:t>
+            </a:r>
+            <a:r>
+              <a:rPr lang="en-US" altLang="en-US" dirty="0"/>
+              <a:t>, </a:t>
+            </a:r>
+            <a:r>
+              <a:rPr lang="en-US" altLang="en-US" dirty="0">
+                <a:latin typeface="Courier New" panose="02070309020205020404" pitchFamily="49" charset="0"/>
+                <a:cs typeface="Courier New" panose="02070309020205020404" pitchFamily="49" charset="0"/>
+              </a:rPr>
+              <a:t>for </a:t>
+            </a:r>
+          </a:p>
+          <a:p>
+            <a:r>
+              <a:rPr lang="en-US" altLang="en-US" dirty="0"/>
+              <a:t>Secure shell – </a:t>
+            </a:r>
+            <a:r>
+              <a:rPr lang="en-US" altLang="en-US" dirty="0" err="1">
+                <a:latin typeface="Courier New" panose="02070309020205020404" pitchFamily="49" charset="0"/>
+                <a:cs typeface="Courier New" panose="02070309020205020404" pitchFamily="49" charset="0"/>
+              </a:rPr>
+              <a:t>ssh</a:t>
+            </a:r>
+            <a:endParaRPr lang="en-US" altLang="en-US" dirty="0">
+              <a:latin typeface="Courier New" panose="02070309020205020404" pitchFamily="49" charset="0"/>
+              <a:cs typeface="Courier New" panose="02070309020205020404" pitchFamily="49" charset="0"/>
+            </a:endParaRPr>
+          </a:p>
+          <a:p>
+            <a:r>
+              <a:rPr lang="en-US" altLang="en-US" dirty="0"/>
+              <a:t>Some common tools – </a:t>
+            </a:r>
+            <a:r>
+              <a:rPr lang="en-US" altLang="en-US" dirty="0" err="1">
+                <a:latin typeface="Courier New" panose="02070309020205020404" pitchFamily="49" charset="0"/>
+                <a:cs typeface="Courier New" panose="02070309020205020404" pitchFamily="49" charset="0"/>
+              </a:rPr>
+              <a:t>wget</a:t>
+            </a:r>
+            <a:r>
+              <a:rPr lang="en-US" altLang="en-US" dirty="0">
+                <a:latin typeface="Courier New" panose="02070309020205020404" pitchFamily="49" charset="0"/>
+                <a:cs typeface="Courier New" panose="02070309020205020404" pitchFamily="49" charset="0"/>
+              </a:rPr>
+              <a:t>, </a:t>
+            </a:r>
+            <a:r>
+              <a:rPr lang="en-US" altLang="en-US" dirty="0" err="1">
+                <a:latin typeface="Courier New" panose="02070309020205020404" pitchFamily="49" charset="0"/>
+                <a:cs typeface="Courier New" panose="02070309020205020404" pitchFamily="49" charset="0"/>
+              </a:rPr>
+              <a:t>rsync</a:t>
+            </a:r>
+            <a:endParaRPr lang="en-US" altLang="en-US" dirty="0">
+              <a:latin typeface="Courier New" panose="02070309020205020404" pitchFamily="49" charset="0"/>
+              <a:cs typeface="Courier New" panose="02070309020205020404" pitchFamily="49" charset="0"/>
+            </a:endParaRPr>
+          </a:p>
+          <a:p>
+            <a:pPr marL="0" indent="0">
+              <a:buNone/>
+            </a:pPr>
+            <a:endParaRPr lang="en-US" altLang="en-US" dirty="0"/>
+          </a:p>
+          <a:p>
+            <a:pPr marL="0" indent="0">
+              <a:buNone/>
+            </a:pPr>
+            <a:endParaRPr lang="en-US" altLang="en-US" dirty="0"/>
+          </a:p>
+          <a:p>
+            <a:endParaRPr lang="en-US" altLang="en-US" dirty="0"/>
+          </a:p>
+        </p:txBody>
+      </p:sp>
+    </p:spTree>
+    <p:extLst>
+      <p:ext uri="{BB962C8B-B14F-4D97-AF65-F5344CB8AC3E}">
+        <p14:creationId xmlns:p14="http://schemas.microsoft.com/office/powerpoint/2010/main" val="1245019439"/>
+      </p:ext>
+    </p:extLst>
+  </p:cSld>
+  <p:clrMapOvr>
+    <a:masterClrMapping/>
+  </p:clrMapOvr>
 </p:sld>
 </file>
 
@@ -11542,7 +12293,7 @@
               <a:defRPr/>
             </a:pPr>
             <a:r>
-              <a:rPr lang="en-GB" altLang="en-US" sz="3527" smtClean="0">
+              <a:rPr lang="en-GB" altLang="en-US" sz="3527">
                 <a:cs typeface="Calibri" panose="020F0502020204030204" pitchFamily="34" charset="0"/>
               </a:rPr>
               <a:t>xargs</a:t>
@@ -11597,7 +12348,7 @@
               <a:defRPr/>
             </a:pPr>
             <a:r>
-              <a:rPr lang="en-GB" altLang="en-US" sz="2800" dirty="0" smtClean="0">
+              <a:rPr lang="en-GB" altLang="en-US" sz="2800" dirty="0">
                 <a:cs typeface="Calibri" panose="020F0502020204030204" pitchFamily="34" charset="0"/>
               </a:rPr>
               <a:t>This does not work</a:t>
@@ -11630,7 +12381,7 @@
               <a:defRPr/>
             </a:pPr>
             <a:r>
-              <a:rPr lang="en-US" altLang="en-US" sz="2400" b="1" dirty="0" smtClean="0">
+              <a:rPr lang="en-US" altLang="en-US" sz="2400" b="1" dirty="0">
                 <a:latin typeface="Courier New" panose="02070309020205020404" pitchFamily="49" charset="0"/>
                 <a:ea typeface="MS PGothic" panose="020B0600070205080204" pitchFamily="34" charset="-128"/>
                 <a:cs typeface="Courier New" panose="02070309020205020404" pitchFamily="49" charset="0"/>
@@ -11638,7 +12389,7 @@
               <a:t>$ </a:t>
             </a:r>
             <a:r>
-              <a:rPr lang="en-US" altLang="en-US" sz="2400" dirty="0" smtClean="0">
+              <a:rPr lang="en-US" altLang="en-US" sz="2400" dirty="0">
                 <a:solidFill>
                   <a:schemeClr val="accent6">
                     <a:lumMod val="75000"/>
@@ -11651,7 +12402,7 @@
               <a:t>find </a:t>
             </a:r>
             <a:r>
-              <a:rPr lang="en-US" altLang="en-US" sz="2400" dirty="0" err="1" smtClean="0">
+              <a:rPr lang="en-US" altLang="en-US" sz="2400" dirty="0" err="1">
                 <a:solidFill>
                   <a:schemeClr val="accent6">
                     <a:lumMod val="75000"/>
@@ -11664,7 +12415,7 @@
               <a:t>acsoe</a:t>
             </a:r>
             <a:r>
-              <a:rPr lang="en-US" altLang="en-US" sz="2400" dirty="0" smtClean="0">
+              <a:rPr lang="en-US" altLang="en-US" sz="2400" dirty="0">
                 <a:solidFill>
                   <a:schemeClr val="accent6">
                     <a:lumMod val="75000"/>
@@ -11704,7 +12455,7 @@
               <a:defRPr/>
             </a:pPr>
             <a:r>
-              <a:rPr lang="en-US" altLang="en-US" sz="2400" i="1" dirty="0" err="1" smtClean="0">
+              <a:rPr lang="en-US" altLang="en-US" sz="2400" i="1" dirty="0" err="1">
                 <a:latin typeface="Courier New" panose="02070309020205020404" pitchFamily="49" charset="0"/>
                 <a:ea typeface="MS PGothic" panose="020B0600070205080204" pitchFamily="34" charset="-128"/>
                 <a:cs typeface="Courier New" panose="02070309020205020404" pitchFamily="49" charset="0"/>
@@ -11712,7 +12463,7 @@
               <a:t>acsoe</a:t>
             </a:r>
             <a:r>
-              <a:rPr lang="en-US" altLang="en-US" sz="2400" i="1" dirty="0" smtClean="0">
+              <a:rPr lang="en-US" altLang="en-US" sz="2400" i="1" dirty="0">
                 <a:latin typeface="Courier New" panose="02070309020205020404" pitchFamily="49" charset="0"/>
                 <a:ea typeface="MS PGothic" panose="020B0600070205080204" pitchFamily="34" charset="-128"/>
                 <a:cs typeface="Courier New" panose="02070309020205020404" pitchFamily="49" charset="0"/>
@@ -11747,7 +12498,7 @@
               <a:defRPr/>
             </a:pPr>
             <a:r>
-              <a:rPr lang="en-US" altLang="en-US" sz="2400" b="1" dirty="0" smtClean="0">
+              <a:rPr lang="en-US" altLang="en-US" sz="2400" b="1" dirty="0">
                 <a:latin typeface="Courier New" panose="02070309020205020404" pitchFamily="49" charset="0"/>
                 <a:ea typeface="MS PGothic" panose="020B0600070205080204" pitchFamily="34" charset="-128"/>
                 <a:cs typeface="Courier New" panose="02070309020205020404" pitchFamily="49" charset="0"/>
@@ -11779,7 +12530,7 @@
               </a:tabLst>
               <a:defRPr/>
             </a:pPr>
-            <a:endParaRPr lang="en-US" altLang="en-US" sz="2400" b="1" dirty="0" smtClean="0">
+            <a:endParaRPr lang="en-US" altLang="en-US" sz="2400" b="1" dirty="0">
               <a:latin typeface="Courier New" panose="02070309020205020404" pitchFamily="49" charset="0"/>
               <a:ea typeface="MS PGothic" panose="020B0600070205080204" pitchFamily="34" charset="-128"/>
               <a:cs typeface="Courier New" panose="02070309020205020404" pitchFamily="49" charset="0"/>
@@ -11813,15 +12564,15 @@
               <a:defRPr/>
             </a:pPr>
             <a:r>
-              <a:rPr lang="en-US" altLang="en-US" sz="2800" dirty="0" smtClean="0"/>
+              <a:rPr lang="en-US" altLang="en-US" sz="2800" dirty="0"/>
               <a:t>F</a:t>
             </a:r>
             <a:r>
-              <a:rPr lang="en-GB" altLang="en-US" sz="2800" dirty="0" err="1" smtClean="0"/>
+              <a:rPr lang="en-GB" altLang="en-US" sz="2800" dirty="0" err="1"/>
               <a:t>ind</a:t>
             </a:r>
             <a:r>
-              <a:rPr lang="en-GB" altLang="en-US" sz="2800" dirty="0" smtClean="0"/>
+              <a:rPr lang="en-GB" altLang="en-US" sz="2800" dirty="0"/>
               <a:t> pipes a list of files to ls.</a:t>
             </a:r>
           </a:p>
@@ -11853,7 +12604,7 @@
               <a:defRPr/>
             </a:pPr>
             <a:r>
-              <a:rPr lang="en-GB" altLang="en-US" sz="2800" dirty="0" smtClean="0"/>
+              <a:rPr lang="en-GB" altLang="en-US" sz="2800" dirty="0"/>
               <a:t>ls ignores input and just does a normal listing of the current working directory.</a:t>
             </a:r>
           </a:p>
@@ -11885,7 +12636,7 @@
               <a:defRPr/>
             </a:pPr>
             <a:r>
-              <a:rPr lang="en-GB" altLang="en-US" sz="2800" dirty="0" smtClean="0"/>
+              <a:rPr lang="en-GB" altLang="en-US" sz="2800" dirty="0"/>
               <a:t>Lots of commands expect a list of arguments, not standard input. Is there anything to help?</a:t>
             </a:r>
           </a:p>
@@ -11968,10 +12719,10 @@
               <a:defRPr/>
             </a:pPr>
             <a:r>
-              <a:rPr lang="en-GB" altLang="en-US" sz="3527" smtClean="0"/>
+              <a:rPr lang="en-GB" altLang="en-US" sz="3527"/>
               <a:t>xargs</a:t>
             </a:r>
-            <a:endParaRPr lang="en-US" altLang="en-US" sz="3527" smtClean="0"/>
+            <a:endParaRPr lang="en-US" altLang="en-US" sz="3527"/>
           </a:p>
         </p:txBody>
       </p:sp>
@@ -12019,19 +12770,19 @@
               <a:defRPr/>
             </a:pPr>
             <a:r>
-              <a:rPr lang="en-GB" altLang="en-US" sz="3086" dirty="0" smtClean="0"/>
+              <a:rPr lang="en-GB" altLang="en-US" sz="3086" dirty="0"/>
               <a:t>The "</a:t>
             </a:r>
             <a:r>
-              <a:rPr lang="en-GB" altLang="ja-JP" sz="3086" dirty="0" err="1" smtClean="0"/>
+              <a:rPr lang="en-GB" altLang="ja-JP" sz="3086" dirty="0" err="1"/>
               <a:t>xargs</a:t>
             </a:r>
             <a:r>
-              <a:rPr lang="en-GB" altLang="en-US" sz="3086" dirty="0" smtClean="0"/>
+              <a:rPr lang="en-GB" altLang="en-US" sz="3086" dirty="0"/>
               <a:t>"</a:t>
             </a:r>
             <a:r>
-              <a:rPr lang="en-GB" altLang="ja-JP" sz="3086" dirty="0" smtClean="0"/>
+              <a:rPr lang="en-GB" altLang="ja-JP" sz="3086" dirty="0"/>
               <a:t> command runs the same command on all files specified in the input.</a:t>
             </a:r>
           </a:p>
@@ -12063,7 +12814,7 @@
               <a:defRPr/>
             </a:pPr>
             <a:r>
-              <a:rPr lang="en-GB" altLang="en-US" sz="3086" dirty="0" smtClean="0"/>
+              <a:rPr lang="en-GB" altLang="en-US" sz="3086" dirty="0"/>
               <a:t>Usually used with "find" output, e.g.:</a:t>
             </a:r>
           </a:p>
@@ -12098,54 +12849,54 @@
               <a:defRPr/>
             </a:pPr>
             <a:r>
-              <a:rPr lang="en-GB" altLang="en-US" sz="2400" dirty="0" smtClean="0">
+              <a:rPr lang="en-GB" altLang="en-US" sz="2400" dirty="0">
                 <a:latin typeface="Courier New" panose="02070309020205020404" pitchFamily="49" charset="0"/>
               </a:rPr>
               <a:t>find . -name '*.</a:t>
             </a:r>
             <a:r>
-              <a:rPr lang="en-GB" altLang="en-US" sz="2400" dirty="0" err="1" smtClean="0">
+              <a:rPr lang="en-GB" altLang="en-US" sz="2400" dirty="0" err="1">
                 <a:latin typeface="Courier New" panose="02070309020205020404" pitchFamily="49" charset="0"/>
               </a:rPr>
               <a:t>nc</a:t>
             </a:r>
             <a:r>
-              <a:rPr lang="en-GB" altLang="en-US" sz="2400" dirty="0" smtClean="0">
+              <a:rPr lang="en-GB" altLang="en-US" sz="2400" dirty="0">
                 <a:latin typeface="Courier New" panose="02070309020205020404" pitchFamily="49" charset="0"/>
               </a:rPr>
               <a:t>' | </a:t>
             </a:r>
             <a:r>
-              <a:rPr lang="en-GB" altLang="en-US" sz="2400" dirty="0" err="1" smtClean="0">
+              <a:rPr lang="en-GB" altLang="en-US" sz="2400" dirty="0" err="1">
                 <a:latin typeface="Courier New" panose="02070309020205020404" pitchFamily="49" charset="0"/>
               </a:rPr>
               <a:t>xargs</a:t>
             </a:r>
             <a:r>
-              <a:rPr lang="en-GB" altLang="en-US" sz="2400" dirty="0" smtClean="0">
+              <a:rPr lang="en-GB" altLang="en-US" sz="2400" dirty="0">
                 <a:latin typeface="Courier New" panose="02070309020205020404" pitchFamily="49" charset="0"/>
               </a:rPr>
               <a:t> </a:t>
             </a:r>
             <a:r>
-              <a:rPr lang="en-GB" altLang="en-US" sz="2400" dirty="0" err="1" smtClean="0">
+              <a:rPr lang="en-GB" altLang="en-US" sz="2400" dirty="0" err="1">
                 <a:latin typeface="Courier New" panose="02070309020205020404" pitchFamily="49" charset="0"/>
               </a:rPr>
               <a:t>chmod</a:t>
             </a:r>
             <a:r>
-              <a:rPr lang="en-GB" altLang="en-US" sz="2400" dirty="0" smtClean="0">
+              <a:rPr lang="en-GB" altLang="en-US" sz="2400" dirty="0">
                 <a:latin typeface="Courier New" panose="02070309020205020404" pitchFamily="49" charset="0"/>
               </a:rPr>
               <a:t> u=</a:t>
             </a:r>
             <a:r>
-              <a:rPr lang="en-GB" altLang="en-US" sz="2400" dirty="0" err="1" smtClean="0">
+              <a:rPr lang="en-GB" altLang="en-US" sz="2400" dirty="0" err="1">
                 <a:latin typeface="Courier New" panose="02070309020205020404" pitchFamily="49" charset="0"/>
               </a:rPr>
               <a:t>rwx</a:t>
             </a:r>
-            <a:endParaRPr lang="en-GB" altLang="en-US" sz="2400" dirty="0" smtClean="0">
+            <a:endParaRPr lang="en-GB" altLang="en-US" sz="2400" dirty="0">
               <a:latin typeface="Courier New" panose="02070309020205020404" pitchFamily="49" charset="0"/>
             </a:endParaRPr>
           </a:p>
@@ -12180,19 +12931,19 @@
               <a:defRPr/>
             </a:pPr>
             <a:r>
-              <a:rPr lang="en-GB" altLang="en-US" sz="2646" dirty="0" smtClean="0">
+              <a:rPr lang="en-GB" altLang="en-US" sz="2646" dirty="0">
                 <a:latin typeface="Courier 10 Pitch" pitchFamily="1" charset="0"/>
               </a:rPr>
               <a:t>Changes permissions on all .</a:t>
             </a:r>
             <a:r>
-              <a:rPr lang="en-GB" altLang="en-US" sz="2646" dirty="0" err="1" smtClean="0">
+              <a:rPr lang="en-GB" altLang="en-US" sz="2646" dirty="0" err="1">
                 <a:latin typeface="Courier 10 Pitch" pitchFamily="1" charset="0"/>
               </a:rPr>
               <a:t>nc</a:t>
             </a:r>
             <a:r>
-              <a:rPr lang="en-GB" altLang="en-US" sz="2646" dirty="0" smtClean="0">
+              <a:rPr lang="en-GB" altLang="en-US" sz="2646" dirty="0">
                 <a:latin typeface="Courier 10 Pitch" pitchFamily="1" charset="0"/>
               </a:rPr>
               <a:t> files.</a:t>
@@ -12228,7 +12979,7 @@
               </a:tabLst>
               <a:defRPr/>
             </a:pPr>
-            <a:endParaRPr lang="en-GB" altLang="en-US" sz="2646" dirty="0" smtClean="0">
+            <a:endParaRPr lang="en-GB" altLang="en-US" sz="2646" dirty="0">
               <a:latin typeface="Courier 10 Pitch" pitchFamily="1" charset="0"/>
             </a:endParaRPr>
           </a:p>
@@ -12256,7 +13007,7 @@
               </a:tabLst>
               <a:defRPr/>
             </a:pPr>
-            <a:endParaRPr lang="en-US" altLang="en-US" sz="3086" dirty="0" smtClean="0"/>
+            <a:endParaRPr lang="en-US" altLang="en-US" sz="3086" dirty="0"/>
           </a:p>
         </p:txBody>
       </p:sp>
@@ -12265,13 +13016,6 @@
   <p:clrMapOvr>
     <a:masterClrMapping/>
   </p:clrMapOvr>
-  <p:timing>
-    <p:tnLst>
-      <p:par>
-        <p:cTn id="1" dur="indefinite" restart="never" nodeType="tmRoot"/>
-      </p:par>
-    </p:tnLst>
-  </p:timing>
 </p:sld>
 </file>
 
@@ -12334,7 +13078,7 @@
               <a:defRPr/>
             </a:pPr>
             <a:r>
-              <a:rPr lang="en-GB" altLang="en-US" sz="3527" smtClean="0"/>
+              <a:rPr lang="en-GB" altLang="en-US" sz="3527"/>
               <a:t>xargs</a:t>
             </a:r>
           </a:p>
@@ -12388,15 +13132,15 @@
               <a:defRPr/>
             </a:pPr>
             <a:r>
-              <a:rPr lang="en-GB" altLang="en-US" sz="3086" dirty="0" smtClean="0"/>
+              <a:rPr lang="en-GB" altLang="en-US" sz="3086" dirty="0"/>
               <a:t>by default splits the file list into </a:t>
             </a:r>
             <a:r>
-              <a:rPr lang="en-GB" altLang="en-US" sz="3086" i="1" dirty="0" smtClean="0"/>
+              <a:rPr lang="en-GB" altLang="en-US" sz="3086" i="1" dirty="0"/>
               <a:t>batches</a:t>
             </a:r>
             <a:r>
-              <a:rPr lang="en-GB" altLang="en-US" sz="3086" dirty="0" smtClean="0"/>
+              <a:rPr lang="en-GB" altLang="en-US" sz="3086" dirty="0"/>
               <a:t>:</a:t>
             </a:r>
           </a:p>
@@ -12431,14 +13175,14 @@
               <a:defRPr/>
             </a:pPr>
             <a:r>
-              <a:rPr lang="en-GB" altLang="en-US" sz="2400" dirty="0" err="1" smtClean="0">
+              <a:rPr lang="en-GB" altLang="en-US" sz="2400" dirty="0" err="1">
                 <a:latin typeface="Courier New" panose="02070309020205020404" pitchFamily="49" charset="0"/>
                 <a:cs typeface="Courier New" panose="02070309020205020404" pitchFamily="49" charset="0"/>
               </a:rPr>
               <a:t>chmod</a:t>
             </a:r>
             <a:r>
-              <a:rPr lang="en-GB" altLang="en-US" sz="2400" dirty="0" smtClean="0">
+              <a:rPr lang="en-GB" altLang="en-US" sz="2400" dirty="0">
                 <a:latin typeface="Courier New" panose="02070309020205020404" pitchFamily="49" charset="0"/>
                 <a:cs typeface="Courier New" panose="02070309020205020404" pitchFamily="49" charset="0"/>
               </a:rPr>
@@ -12476,14 +13220,14 @@
               <a:defRPr/>
             </a:pPr>
             <a:r>
-              <a:rPr lang="en-GB" altLang="en-US" sz="2400" dirty="0" err="1" smtClean="0">
+              <a:rPr lang="en-GB" altLang="en-US" sz="2400" dirty="0" err="1">
                 <a:latin typeface="Courier New" panose="02070309020205020404" pitchFamily="49" charset="0"/>
                 <a:cs typeface="Courier New" panose="02070309020205020404" pitchFamily="49" charset="0"/>
               </a:rPr>
               <a:t>chmod</a:t>
             </a:r>
             <a:r>
-              <a:rPr lang="en-GB" altLang="en-US" sz="2400" dirty="0" smtClean="0">
+              <a:rPr lang="en-GB" altLang="en-US" sz="2400" dirty="0">
                 <a:latin typeface="Courier New" panose="02070309020205020404" pitchFamily="49" charset="0"/>
                 <a:cs typeface="Courier New" panose="02070309020205020404" pitchFamily="49" charset="0"/>
               </a:rPr>
@@ -12518,36 +13262,22 @@
               <a:defRPr/>
             </a:pPr>
             <a:r>
-              <a:rPr lang="en-GB" altLang="en-US" sz="3086" dirty="0" smtClean="0"/>
+              <a:rPr lang="en-GB" altLang="en-US" sz="3086" dirty="0"/>
               <a:t>use "</a:t>
             </a:r>
             <a:r>
-              <a:rPr lang="en-GB" altLang="en-US" sz="3200" dirty="0" smtClean="0">
+              <a:rPr lang="en-GB" altLang="en-US" sz="3200" dirty="0">
                 <a:latin typeface="Courier New" panose="02070309020205020404" pitchFamily="49" charset="0"/>
                 <a:cs typeface="Courier New" panose="02070309020205020404" pitchFamily="49" charset="0"/>
               </a:rPr>
-              <a:t>-</a:t>
-            </a:r>
-            <a:r>
-              <a:rPr lang="en-GB" altLang="en-US" sz="3200" dirty="0">
-                <a:latin typeface="Courier New" panose="02070309020205020404" pitchFamily="49" charset="0"/>
-                <a:cs typeface="Courier New" panose="02070309020205020404" pitchFamily="49" charset="0"/>
-              </a:rPr>
-              <a:t>n </a:t>
-            </a:r>
-            <a:r>
-              <a:rPr lang="en-GB" altLang="en-US" sz="3200" dirty="0" smtClean="0">
-                <a:latin typeface="Courier New" panose="02070309020205020404" pitchFamily="49" charset="0"/>
-                <a:cs typeface="Courier New" panose="02070309020205020404" pitchFamily="49" charset="0"/>
-              </a:rPr>
-              <a:t>1</a:t>
-            </a:r>
-            <a:r>
-              <a:rPr lang="en-GB" altLang="en-US" sz="3086" dirty="0" smtClean="0"/>
+              <a:t>-n 1</a:t>
+            </a:r>
+            <a:r>
+              <a:rPr lang="en-GB" altLang="en-US" sz="3086" dirty="0"/>
               <a:t>"</a:t>
             </a:r>
             <a:r>
-              <a:rPr lang="en-GB" altLang="ja-JP" sz="3086" dirty="0" smtClean="0"/>
+              <a:rPr lang="en-GB" altLang="ja-JP" sz="3086" dirty="0"/>
               <a:t> if the command can only process one file at a time:</a:t>
             </a:r>
           </a:p>
@@ -12582,34 +13312,34 @@
               <a:defRPr/>
             </a:pPr>
             <a:r>
-              <a:rPr lang="en-GB" altLang="en-US" sz="2400" dirty="0" smtClean="0">
+              <a:rPr lang="en-GB" altLang="en-US" sz="2400" dirty="0">
                 <a:latin typeface="Courier New" panose="02070309020205020404" pitchFamily="49" charset="0"/>
                 <a:cs typeface="Courier New" panose="02070309020205020404" pitchFamily="49" charset="0"/>
               </a:rPr>
               <a:t>find . -name '*.tar' | </a:t>
             </a:r>
             <a:r>
-              <a:rPr lang="en-GB" altLang="en-US" sz="2400" dirty="0" err="1" smtClean="0">
+              <a:rPr lang="en-GB" altLang="en-US" sz="2400" dirty="0" err="1">
                 <a:latin typeface="Courier New" panose="02070309020205020404" pitchFamily="49" charset="0"/>
                 <a:cs typeface="Courier New" panose="02070309020205020404" pitchFamily="49" charset="0"/>
               </a:rPr>
               <a:t>xargs</a:t>
             </a:r>
             <a:r>
-              <a:rPr lang="en-GB" altLang="en-US" sz="2400" dirty="0" smtClean="0">
+              <a:rPr lang="en-GB" altLang="en-US" sz="2400" dirty="0">
                 <a:latin typeface="Courier New" panose="02070309020205020404" pitchFamily="49" charset="0"/>
                 <a:cs typeface="Courier New" panose="02070309020205020404" pitchFamily="49" charset="0"/>
               </a:rPr>
               <a:t> -n 1 tar -</a:t>
             </a:r>
             <a:r>
-              <a:rPr lang="en-GB" altLang="en-US" sz="2400" dirty="0" err="1" smtClean="0">
+              <a:rPr lang="en-GB" altLang="en-US" sz="2400" dirty="0" err="1">
                 <a:latin typeface="Courier New" panose="02070309020205020404" pitchFamily="49" charset="0"/>
                 <a:cs typeface="Courier New" panose="02070309020205020404" pitchFamily="49" charset="0"/>
               </a:rPr>
               <a:t>tvf</a:t>
             </a:r>
-            <a:endParaRPr lang="en-GB" altLang="en-US" sz="2400" dirty="0" smtClean="0">
+            <a:endParaRPr lang="en-GB" altLang="en-US" sz="2400" dirty="0">
               <a:latin typeface="Courier New" panose="02070309020205020404" pitchFamily="49" charset="0"/>
               <a:cs typeface="Courier New" panose="02070309020205020404" pitchFamily="49" charset="0"/>
             </a:endParaRPr>
@@ -12642,7 +13372,7 @@
               <a:defRPr/>
             </a:pPr>
             <a:r>
-              <a:rPr lang="en-GB" altLang="en-US" sz="2205" dirty="0" smtClean="0"/>
+              <a:rPr lang="en-GB" altLang="en-US" sz="2205" dirty="0"/>
               <a:t>displays contents of all 'tar' files found</a:t>
             </a:r>
           </a:p>
@@ -12725,7 +13455,7 @@
               <a:defRPr/>
             </a:pPr>
             <a:r>
-              <a:rPr lang="en-US" altLang="en-US" sz="3527" smtClean="0"/>
+              <a:rPr lang="en-US" altLang="en-US" sz="3527"/>
               <a:t>xargs exercise</a:t>
             </a:r>
           </a:p>
@@ -12842,13 +13572,6 @@
   <p:clrMapOvr>
     <a:masterClrMapping/>
   </p:clrMapOvr>
-  <p:timing>
-    <p:tnLst>
-      <p:par>
-        <p:cTn id="1" dur="indefinite" restart="never" nodeType="tmRoot"/>
-      </p:par>
-    </p:tnLst>
-  </p:timing>
 </p:sld>
 </file>
 
@@ -12893,13 +13616,13 @@
               <a:defRPr/>
             </a:pPr>
             <a:r>
-              <a:rPr lang="en-US" altLang="en-US" sz="3527" smtClean="0"/>
+              <a:rPr lang="en-US" altLang="en-US" sz="3527"/>
               <a:t>Other ways to move data around</a:t>
             </a:r>
             <a:br>
-              <a:rPr lang="en-US" altLang="en-US" sz="3527" smtClean="0"/>
+              <a:rPr lang="en-US" altLang="en-US" sz="3527"/>
             </a:br>
-            <a:endParaRPr lang="en-US" altLang="en-US" sz="3527" smtClean="0"/>
+            <a:endParaRPr lang="en-US" altLang="en-US" sz="3527"/>
           </a:p>
         </p:txBody>
       </p:sp>
@@ -12930,7 +13653,7 @@
               <a:defRPr/>
             </a:pPr>
             <a:r>
-              <a:rPr lang="en-US" sz="3086" dirty="0" smtClean="0"/>
+              <a:rPr lang="en-US" sz="3086" dirty="0"/>
               <a:t>There are a lot of tools to help you move data from one machine to another. Common ones are:</a:t>
             </a:r>
           </a:p>
@@ -12947,7 +13670,7 @@
               <a:defRPr/>
             </a:pPr>
             <a:r>
-              <a:rPr lang="en-US" sz="2800" dirty="0" smtClean="0"/>
+              <a:rPr lang="en-US" sz="2800" dirty="0"/>
               <a:t>FTP</a:t>
             </a:r>
           </a:p>
@@ -12964,7 +13687,7 @@
               <a:defRPr/>
             </a:pPr>
             <a:r>
-              <a:rPr lang="en-US" sz="2800" dirty="0" smtClean="0"/>
+              <a:rPr lang="en-US" sz="2800" dirty="0"/>
               <a:t>SFTP</a:t>
             </a:r>
           </a:p>
@@ -12981,10 +13704,10 @@
               <a:defRPr/>
             </a:pPr>
             <a:r>
-              <a:rPr lang="en-US" sz="2800" dirty="0" err="1" smtClean="0"/>
+              <a:rPr lang="en-US" sz="2800" dirty="0" err="1"/>
               <a:t>Rsync</a:t>
             </a:r>
-            <a:endParaRPr lang="en-US" sz="2800" dirty="0" smtClean="0"/>
+            <a:endParaRPr lang="en-US" sz="2800" dirty="0"/>
           </a:p>
           <a:p>
             <a:pPr marL="457200" indent="-457200" defTabSz="1007943" fontAlgn="auto">
@@ -12999,10 +13722,10 @@
               <a:defRPr/>
             </a:pPr>
             <a:r>
-              <a:rPr lang="en-US" sz="2800" dirty="0" err="1" smtClean="0"/>
+              <a:rPr lang="en-US" sz="2800" dirty="0" err="1"/>
               <a:t>Wget</a:t>
             </a:r>
-            <a:endParaRPr lang="en-US" sz="2800" dirty="0" smtClean="0"/>
+            <a:endParaRPr lang="en-US" sz="2800" dirty="0"/>
           </a:p>
           <a:p>
             <a:pPr marL="457200" indent="-457200" defTabSz="1007943" fontAlgn="auto">
@@ -13017,7 +13740,7 @@
               <a:defRPr/>
             </a:pPr>
             <a:r>
-              <a:rPr lang="en-US" sz="2800" dirty="0" smtClean="0"/>
+              <a:rPr lang="en-US" sz="2800" dirty="0"/>
               <a:t>Curl</a:t>
             </a:r>
           </a:p>
@@ -13042,13 +13765,6 @@
   <p:clrMapOvr>
     <a:masterClrMapping/>
   </p:clrMapOvr>
-  <p:timing>
-    <p:tnLst>
-      <p:par>
-        <p:cTn id="1" dur="indefinite" restart="never" nodeType="tmRoot"/>
-      </p:par>
-    </p:tnLst>
-  </p:timing>
 </p:sld>
 </file>
 
@@ -13093,7 +13809,7 @@
               <a:defRPr/>
             </a:pPr>
             <a:r>
-              <a:rPr lang="en-US" altLang="en-US" sz="3527" smtClean="0"/>
+              <a:rPr lang="en-US" altLang="en-US" sz="3527"/>
               <a:t>FTP</a:t>
             </a:r>
           </a:p>
@@ -13124,13 +13840,13 @@
           <a:lstStyle/>
           <a:p>
             <a:r>
-              <a:rPr lang="en-US" altLang="en-US" sz="2400" dirty="0" smtClean="0"/>
+              <a:rPr lang="en-US" altLang="en-US" sz="2400" dirty="0"/>
               <a:t>Can use most browsers to ftp files</a:t>
             </a:r>
           </a:p>
           <a:p>
             <a:r>
-              <a:rPr lang="en-US" altLang="en-US" sz="2400" dirty="0" smtClean="0"/>
+              <a:rPr lang="en-US" altLang="en-US" sz="2400" dirty="0"/>
               <a:t>Can also use a command line interface too (easy to script) </a:t>
             </a:r>
           </a:p>
@@ -13936,13 +14652,6 @@
   <p:clrMapOvr>
     <a:masterClrMapping/>
   </p:clrMapOvr>
-  <p:timing>
-    <p:tnLst>
-      <p:par>
-        <p:cTn id="1" dur="indefinite" restart="never" nodeType="tmRoot"/>
-      </p:par>
-    </p:tnLst>
-  </p:timing>
 </p:sld>
 </file>
 
@@ -14005,7 +14714,7 @@
               <a:defRPr/>
             </a:pPr>
             <a:r>
-              <a:rPr lang="en-GB" altLang="en-US" sz="3527" smtClean="0"/>
+              <a:rPr lang="en-GB" altLang="en-US" sz="3527"/>
               <a:t>Transferring data with sftp</a:t>
             </a:r>
           </a:p>
@@ -14059,23 +14768,23 @@
               <a:defRPr/>
             </a:pPr>
             <a:r>
-              <a:rPr lang="en-GB" altLang="en-US" sz="3086" dirty="0" smtClean="0"/>
+              <a:rPr lang="en-GB" altLang="en-US" sz="3086" dirty="0"/>
               <a:t>Like </a:t>
             </a:r>
             <a:r>
-              <a:rPr lang="en-GB" altLang="en-US" sz="3086" dirty="0" err="1" smtClean="0"/>
+              <a:rPr lang="en-GB" altLang="en-US" sz="3086" dirty="0" err="1"/>
               <a:t>scp</a:t>
             </a:r>
             <a:r>
-              <a:rPr lang="en-GB" altLang="en-US" sz="3086" dirty="0" smtClean="0"/>
+              <a:rPr lang="en-GB" altLang="en-US" sz="3086" dirty="0"/>
               <a:t>, this uses </a:t>
             </a:r>
             <a:r>
-              <a:rPr lang="en-GB" altLang="en-US" sz="3086" dirty="0" err="1" smtClean="0"/>
+              <a:rPr lang="en-GB" altLang="en-US" sz="3086" dirty="0" err="1"/>
               <a:t>ssh</a:t>
             </a:r>
             <a:r>
-              <a:rPr lang="en-GB" altLang="en-US" sz="3086" dirty="0" smtClean="0"/>
+              <a:rPr lang="en-GB" altLang="en-US" sz="3086" dirty="0"/>
               <a:t>.  However, gives an interactive interface like ftp.</a:t>
             </a:r>
           </a:p>
@@ -14107,7 +14816,7 @@
               <a:defRPr/>
             </a:pPr>
             <a:r>
-              <a:rPr lang="en-GB" altLang="en-US" sz="3086" dirty="0" smtClean="0"/>
+              <a:rPr lang="en-GB" altLang="en-US" sz="3086" dirty="0"/>
               <a:t>Usage (Linux): </a:t>
             </a:r>
           </a:p>
@@ -14139,61 +14848,61 @@
               <a:defRPr/>
             </a:pPr>
             <a:r>
-              <a:rPr lang="en-GB" altLang="en-US" sz="2646" dirty="0" smtClean="0"/>
+              <a:rPr lang="en-GB" altLang="en-US" sz="2646" dirty="0"/>
               <a:t>"</a:t>
             </a:r>
             <a:r>
-              <a:rPr lang="en-GB" altLang="ja-JP" sz="2646" dirty="0" err="1" smtClean="0">
+              <a:rPr lang="en-GB" altLang="ja-JP" sz="2646" dirty="0" err="1">
                 <a:latin typeface="Courier New" panose="02070309020205020404" pitchFamily="49" charset="0"/>
                 <a:cs typeface="Courier New" panose="02070309020205020404" pitchFamily="49" charset="0"/>
               </a:rPr>
               <a:t>sftp</a:t>
             </a:r>
             <a:r>
-              <a:rPr lang="en-GB" altLang="ja-JP" sz="2646" i="1" dirty="0" smtClean="0">
+              <a:rPr lang="en-GB" altLang="ja-JP" sz="2646" i="1" dirty="0">
                 <a:latin typeface="Courier New" panose="02070309020205020404" pitchFamily="49" charset="0"/>
                 <a:cs typeface="Courier New" panose="02070309020205020404" pitchFamily="49" charset="0"/>
               </a:rPr>
               <a:t> host</a:t>
             </a:r>
             <a:r>
-              <a:rPr lang="en-GB" altLang="en-US" sz="2646" dirty="0" smtClean="0"/>
+              <a:rPr lang="en-GB" altLang="en-US" sz="2646" dirty="0"/>
               <a:t>"</a:t>
             </a:r>
             <a:r>
-              <a:rPr lang="en-GB" altLang="ja-JP" sz="2646" dirty="0" smtClean="0"/>
+              <a:rPr lang="en-GB" altLang="ja-JP" sz="2646" dirty="0"/>
               <a:t> or </a:t>
             </a:r>
             <a:r>
-              <a:rPr lang="en-GB" altLang="en-US" sz="2646" dirty="0" smtClean="0"/>
+              <a:rPr lang="en-GB" altLang="en-US" sz="2646" dirty="0"/>
               <a:t>"</a:t>
             </a:r>
             <a:r>
-              <a:rPr lang="en-GB" altLang="ja-JP" sz="2646" dirty="0" err="1" smtClean="0">
+              <a:rPr lang="en-GB" altLang="ja-JP" sz="2646" dirty="0" err="1">
                 <a:latin typeface="Courier New" panose="02070309020205020404" pitchFamily="49" charset="0"/>
                 <a:cs typeface="Courier New" panose="02070309020205020404" pitchFamily="49" charset="0"/>
               </a:rPr>
               <a:t>sftp</a:t>
             </a:r>
             <a:r>
-              <a:rPr lang="en-GB" altLang="ja-JP" sz="2646" i="1" dirty="0" smtClean="0">
+              <a:rPr lang="en-GB" altLang="ja-JP" sz="2646" i="1" dirty="0">
                 <a:latin typeface="Courier New" panose="02070309020205020404" pitchFamily="49" charset="0"/>
                 <a:cs typeface="Courier New" panose="02070309020205020404" pitchFamily="49" charset="0"/>
               </a:rPr>
               <a:t> </a:t>
             </a:r>
             <a:r>
-              <a:rPr lang="en-GB" altLang="ja-JP" sz="2646" i="1" dirty="0" err="1" smtClean="0">
+              <a:rPr lang="en-GB" altLang="ja-JP" sz="2646" i="1" dirty="0" err="1">
                 <a:latin typeface="Courier New" panose="02070309020205020404" pitchFamily="49" charset="0"/>
                 <a:cs typeface="Courier New" panose="02070309020205020404" pitchFamily="49" charset="0"/>
               </a:rPr>
               <a:t>username@host</a:t>
             </a:r>
             <a:r>
-              <a:rPr lang="en-GB" altLang="en-US" sz="2646" dirty="0" smtClean="0"/>
+              <a:rPr lang="en-GB" altLang="en-US" sz="2646" dirty="0"/>
               <a:t>"</a:t>
             </a:r>
-            <a:endParaRPr lang="en-GB" altLang="ja-JP" sz="2646" dirty="0" smtClean="0"/>
+            <a:endParaRPr lang="en-GB" altLang="ja-JP" sz="2646" dirty="0"/>
           </a:p>
           <a:p>
             <a:pPr marL="863600" lvl="1" indent="-323850" defTabSz="1007943" fontAlgn="auto">
@@ -14223,44 +14932,44 @@
               <a:defRPr/>
             </a:pPr>
             <a:r>
-              <a:rPr lang="en-GB" altLang="en-US" sz="2646" dirty="0" smtClean="0"/>
+              <a:rPr lang="en-GB" altLang="en-US" sz="2646" dirty="0"/>
               <a:t>ftp commands e.g. </a:t>
             </a:r>
             <a:r>
-              <a:rPr lang="en-GB" altLang="en-US" sz="2646" dirty="0" smtClean="0">
+              <a:rPr lang="en-GB" altLang="en-US" sz="2646" dirty="0">
                 <a:latin typeface="Courier New" panose="02070309020205020404" pitchFamily="49" charset="0"/>
                 <a:cs typeface="Courier New" panose="02070309020205020404" pitchFamily="49" charset="0"/>
               </a:rPr>
               <a:t>cd</a:t>
             </a:r>
             <a:r>
-              <a:rPr lang="en-GB" altLang="en-US" sz="2646" dirty="0" smtClean="0"/>
+              <a:rPr lang="en-GB" altLang="en-US" sz="2646" dirty="0"/>
               <a:t>, </a:t>
             </a:r>
             <a:r>
-              <a:rPr lang="en-GB" altLang="en-US" sz="2646" dirty="0" err="1" smtClean="0">
+              <a:rPr lang="en-GB" altLang="en-US" sz="2646" dirty="0" err="1">
                 <a:latin typeface="Courier New" panose="02070309020205020404" pitchFamily="49" charset="0"/>
                 <a:cs typeface="Courier New" panose="02070309020205020404" pitchFamily="49" charset="0"/>
               </a:rPr>
               <a:t>lcd</a:t>
             </a:r>
             <a:r>
-              <a:rPr lang="en-GB" altLang="en-US" sz="2646" dirty="0" smtClean="0"/>
+              <a:rPr lang="en-GB" altLang="en-US" sz="2646" dirty="0"/>
               <a:t>, </a:t>
             </a:r>
             <a:r>
-              <a:rPr lang="en-GB" altLang="en-US" sz="2646" dirty="0" smtClean="0">
+              <a:rPr lang="en-GB" altLang="en-US" sz="2646" dirty="0">
                 <a:latin typeface="Courier New" panose="02070309020205020404" pitchFamily="49" charset="0"/>
                 <a:cs typeface="Courier New" panose="02070309020205020404" pitchFamily="49" charset="0"/>
               </a:rPr>
               <a:t>put</a:t>
             </a:r>
             <a:r>
-              <a:rPr lang="en-GB" altLang="en-US" sz="2646" dirty="0" smtClean="0"/>
+              <a:rPr lang="en-GB" altLang="en-US" sz="2646" dirty="0"/>
               <a:t>, </a:t>
             </a:r>
             <a:r>
-              <a:rPr lang="en-GB" altLang="en-US" sz="2646" dirty="0" smtClean="0">
+              <a:rPr lang="en-GB" altLang="en-US" sz="2646" dirty="0">
                 <a:latin typeface="Courier New" panose="02070309020205020404" pitchFamily="49" charset="0"/>
                 <a:cs typeface="Courier New" panose="02070309020205020404" pitchFamily="49" charset="0"/>
               </a:rPr>
@@ -14295,7 +15004,7 @@
               <a:defRPr/>
             </a:pPr>
             <a:r>
-              <a:rPr lang="en-GB" altLang="en-US" sz="3086" dirty="0" smtClean="0"/>
+              <a:rPr lang="en-GB" altLang="en-US" sz="3086" dirty="0"/>
               <a:t>Windows:</a:t>
             </a:r>
           </a:p>
@@ -14327,19 +15036,19 @@
               <a:defRPr/>
             </a:pPr>
             <a:r>
-              <a:rPr lang="en-GB" altLang="en-US" sz="2646" dirty="0" err="1" smtClean="0"/>
+              <a:rPr lang="en-GB" altLang="en-US" sz="2646" dirty="0" err="1"/>
               <a:t>psftp</a:t>
             </a:r>
             <a:r>
-              <a:rPr lang="en-GB" altLang="en-US" sz="2646" dirty="0" smtClean="0"/>
+              <a:rPr lang="en-GB" altLang="en-US" sz="2646" dirty="0"/>
               <a:t> (in </a:t>
             </a:r>
             <a:r>
-              <a:rPr lang="en-GB" altLang="en-US" sz="2646" dirty="0" err="1" smtClean="0"/>
+              <a:rPr lang="en-GB" altLang="en-US" sz="2646" dirty="0" err="1"/>
               <a:t>PuTTY</a:t>
             </a:r>
             <a:r>
-              <a:rPr lang="en-GB" altLang="en-US" sz="2646" dirty="0" smtClean="0"/>
+              <a:rPr lang="en-GB" altLang="en-US" sz="2646" dirty="0"/>
               <a:t> suite) works similarly from command line</a:t>
             </a:r>
           </a:p>
@@ -14371,15 +15080,15 @@
               <a:defRPr/>
             </a:pPr>
             <a:r>
-              <a:rPr lang="en-GB" altLang="en-US" sz="2646" dirty="0" smtClean="0"/>
+              <a:rPr lang="en-GB" altLang="en-US" sz="2646" dirty="0"/>
               <a:t>also </a:t>
             </a:r>
             <a:r>
-              <a:rPr lang="en-GB" altLang="en-US" sz="2646" dirty="0" err="1" smtClean="0"/>
+              <a:rPr lang="en-GB" altLang="en-US" sz="2646" dirty="0" err="1"/>
               <a:t>Filezilla</a:t>
             </a:r>
             <a:r>
-              <a:rPr lang="en-GB" altLang="en-US" sz="2646" dirty="0" smtClean="0"/>
+              <a:rPr lang="en-GB" altLang="en-US" sz="2646" dirty="0"/>
               <a:t> GUI</a:t>
             </a:r>
           </a:p>
@@ -14411,15 +15120,15 @@
               <a:defRPr/>
             </a:pPr>
             <a:r>
-              <a:rPr lang="en-GB" altLang="en-US" sz="3086" dirty="0" smtClean="0"/>
+              <a:rPr lang="en-GB" altLang="en-US" sz="3086" dirty="0"/>
               <a:t>As before, set up </a:t>
             </a:r>
             <a:r>
-              <a:rPr lang="en-GB" altLang="en-US" sz="3086" dirty="0" err="1" smtClean="0"/>
+              <a:rPr lang="en-GB" altLang="en-US" sz="3086" dirty="0" err="1"/>
               <a:t>ssh</a:t>
             </a:r>
             <a:r>
-              <a:rPr lang="en-GB" altLang="en-US" sz="3086" dirty="0" smtClean="0"/>
+              <a:rPr lang="en-GB" altLang="en-US" sz="3086" dirty="0"/>
               <a:t> keys first.</a:t>
             </a:r>
           </a:p>
